--- a/This is my PP/Presentazione 06-12-2020.pptx
+++ b/This is my PP/Presentazione 06-12-2020.pptx
@@ -9,25 +9,21 @@
     <p:sldId id="257" r:id="rId3"/>
     <p:sldId id="265" r:id="rId4"/>
     <p:sldId id="267" r:id="rId5"/>
-    <p:sldId id="266" r:id="rId6"/>
-    <p:sldId id="268" r:id="rId7"/>
-    <p:sldId id="269" r:id="rId8"/>
-    <p:sldId id="270" r:id="rId9"/>
-    <p:sldId id="271" r:id="rId10"/>
-    <p:sldId id="272" r:id="rId11"/>
-    <p:sldId id="273" r:id="rId12"/>
-    <p:sldId id="274" r:id="rId13"/>
-    <p:sldId id="275" r:id="rId14"/>
-    <p:sldId id="276" r:id="rId15"/>
-    <p:sldId id="277" r:id="rId16"/>
-    <p:sldId id="278" r:id="rId17"/>
-    <p:sldId id="258" r:id="rId18"/>
-    <p:sldId id="259" r:id="rId19"/>
-    <p:sldId id="260" r:id="rId20"/>
-    <p:sldId id="261" r:id="rId21"/>
-    <p:sldId id="262" r:id="rId22"/>
-    <p:sldId id="263" r:id="rId23"/>
-    <p:sldId id="264" r:id="rId24"/>
+    <p:sldId id="279" r:id="rId6"/>
+    <p:sldId id="280" r:id="rId7"/>
+    <p:sldId id="266" r:id="rId8"/>
+    <p:sldId id="268" r:id="rId9"/>
+    <p:sldId id="269" r:id="rId10"/>
+    <p:sldId id="270" r:id="rId11"/>
+    <p:sldId id="271" r:id="rId12"/>
+    <p:sldId id="272" r:id="rId13"/>
+    <p:sldId id="273" r:id="rId14"/>
+    <p:sldId id="274" r:id="rId15"/>
+    <p:sldId id="275" r:id="rId16"/>
+    <p:sldId id="276" r:id="rId17"/>
+    <p:sldId id="277" r:id="rId18"/>
+    <p:sldId id="278" r:id="rId19"/>
+    <p:sldId id="281" r:id="rId20"/>
   </p:sldIdLst>
   <p:sldSz cx="12192000" cy="6858000"/>
   <p:notesSz cx="6858000" cy="9144000"/>
@@ -4021,6 +4017,1254 @@
 </file>
 
 <file path=ppt/slides/slide10.xml><?xml version="1.0" encoding="utf-8"?>
+<p:sld xmlns:a="http://schemas.openxmlformats.org/drawingml/2006/main" xmlns:r="http://schemas.openxmlformats.org/officeDocument/2006/relationships" xmlns:p="http://schemas.openxmlformats.org/presentationml/2006/main">
+  <p:cSld>
+    <p:bg>
+      <p:bgPr>
+        <a:solidFill>
+          <a:schemeClr val="bg1"/>
+        </a:solidFill>
+        <a:effectLst/>
+      </p:bgPr>
+    </p:bg>
+    <p:spTree>
+      <p:nvGrpSpPr>
+        <p:cNvPr id="1" name=""/>
+        <p:cNvGrpSpPr/>
+        <p:nvPr/>
+      </p:nvGrpSpPr>
+      <p:grpSpPr>
+        <a:xfrm>
+          <a:off x="0" y="0"/>
+          <a:ext cx="0" cy="0"/>
+          <a:chOff x="0" y="0"/>
+          <a:chExt cx="0" cy="0"/>
+        </a:xfrm>
+      </p:grpSpPr>
+      <p:sp useBgFill="1">
+        <p:nvSpPr>
+          <p:cNvPr id="10" name="Rectangle 9">
+            <a:extLst>
+              <a:ext uri="{FF2B5EF4-FFF2-40B4-BE49-F238E27FC236}">
+                <a16:creationId xmlns:a16="http://schemas.microsoft.com/office/drawing/2014/main" id="{A169D286-F4D7-4C8B-A6BD-D05384C7F1D8}"/>
+              </a:ext>
+              <a:ext uri="{C183D7F6-B498-43B3-948B-1728B52AA6E4}">
+                <adec:decorative xmlns:adec="http://schemas.microsoft.com/office/drawing/2017/decorative" val="1"/>
+              </a:ext>
+            </a:extLst>
+          </p:cNvPr>
+          <p:cNvSpPr>
+            <a:spLocks noGrp="1" noRot="1" noChangeAspect="1" noMove="1" noResize="1" noEditPoints="1" noAdjustHandles="1" noChangeArrowheads="1" noChangeShapeType="1" noTextEdit="1"/>
+          </p:cNvSpPr>
+          <p:nvPr>
+            <p:extLst>
+              <p:ext uri="{386F3935-93C4-4BCD-93E2-E3B085C9AB24}">
+                <p16:designElem xmlns:p16="http://schemas.microsoft.com/office/powerpoint/2015/main" val="1"/>
+              </p:ext>
+            </p:extLst>
+          </p:nvPr>
+        </p:nvSpPr>
+        <p:spPr>
+          <a:xfrm>
+            <a:off x="0" y="0"/>
+            <a:ext cx="12188952" cy="6858000"/>
+          </a:xfrm>
+          <a:prstGeom prst="rect">
+            <a:avLst/>
+          </a:prstGeom>
+          <a:ln>
+            <a:noFill/>
+          </a:ln>
+        </p:spPr>
+        <p:style>
+          <a:lnRef idx="2">
+            <a:schemeClr val="accent1">
+              <a:shade val="50000"/>
+            </a:schemeClr>
+          </a:lnRef>
+          <a:fillRef idx="1">
+            <a:schemeClr val="accent1"/>
+          </a:fillRef>
+          <a:effectRef idx="0">
+            <a:schemeClr val="accent1"/>
+          </a:effectRef>
+          <a:fontRef idx="minor">
+            <a:schemeClr val="lt1"/>
+          </a:fontRef>
+        </p:style>
+        <p:txBody>
+          <a:bodyPr rtlCol="0" anchor="ctr"/>
+          <a:lstStyle/>
+          <a:p>
+            <a:pPr algn="ctr"/>
+            <a:endParaRPr lang="en-US"/>
+          </a:p>
+        </p:txBody>
+      </p:sp>
+      <p:sp>
+        <p:nvSpPr>
+          <p:cNvPr id="12" name="Freeform 6">
+            <a:extLst>
+              <a:ext uri="{FF2B5EF4-FFF2-40B4-BE49-F238E27FC236}">
+                <a16:creationId xmlns:a16="http://schemas.microsoft.com/office/drawing/2014/main" id="{39E8235E-135E-4261-8F54-2B316E493C42}"/>
+              </a:ext>
+              <a:ext uri="{C183D7F6-B498-43B3-948B-1728B52AA6E4}">
+                <adec:decorative xmlns:adec="http://schemas.microsoft.com/office/drawing/2017/decorative" val="1"/>
+              </a:ext>
+            </a:extLst>
+          </p:cNvPr>
+          <p:cNvSpPr>
+            <a:spLocks noGrp="1" noRot="1" noChangeAspect="1" noMove="1" noResize="1" noEditPoints="1" noAdjustHandles="1" noChangeArrowheads="1" noChangeShapeType="1" noTextEdit="1"/>
+          </p:cNvSpPr>
+          <p:nvPr>
+            <p:extLst>
+              <p:ext uri="{386F3935-93C4-4BCD-93E2-E3B085C9AB24}">
+                <p16:designElem xmlns:p16="http://schemas.microsoft.com/office/powerpoint/2015/main" val="1"/>
+              </p:ext>
+            </p:extLst>
+          </p:nvPr>
+        </p:nvSpPr>
+        <p:spPr bwMode="auto">
+          <a:xfrm>
+            <a:off x="4142164" y="610728"/>
+            <a:ext cx="759618" cy="5710965"/>
+          </a:xfrm>
+          <a:custGeom>
+            <a:avLst/>
+            <a:gdLst>
+              <a:gd name="T0" fmla="*/ 414 w 414"/>
+              <a:gd name="T1" fmla="*/ 2447 h 2447"/>
+              <a:gd name="T2" fmla="*/ 0 w 414"/>
+              <a:gd name="T3" fmla="*/ 2247 h 2447"/>
+              <a:gd name="T4" fmla="*/ 0 w 414"/>
+              <a:gd name="T5" fmla="*/ 0 h 2447"/>
+              <a:gd name="T6" fmla="*/ 414 w 414"/>
+              <a:gd name="T7" fmla="*/ 200 h 2447"/>
+              <a:gd name="T8" fmla="*/ 414 w 414"/>
+              <a:gd name="T9" fmla="*/ 2447 h 2447"/>
+            </a:gdLst>
+            <a:ahLst/>
+            <a:cxnLst>
+              <a:cxn ang="0">
+                <a:pos x="T0" y="T1"/>
+              </a:cxn>
+              <a:cxn ang="0">
+                <a:pos x="T2" y="T3"/>
+              </a:cxn>
+              <a:cxn ang="0">
+                <a:pos x="T4" y="T5"/>
+              </a:cxn>
+              <a:cxn ang="0">
+                <a:pos x="T6" y="T7"/>
+              </a:cxn>
+              <a:cxn ang="0">
+                <a:pos x="T8" y="T9"/>
+              </a:cxn>
+            </a:cxnLst>
+            <a:rect l="0" t="0" r="r" b="b"/>
+            <a:pathLst>
+              <a:path w="414" h="2447">
+                <a:moveTo>
+                  <a:pt x="414" y="2447"/>
+                </a:moveTo>
+                <a:lnTo>
+                  <a:pt x="0" y="2247"/>
+                </a:lnTo>
+                <a:lnTo>
+                  <a:pt x="0" y="0"/>
+                </a:lnTo>
+                <a:lnTo>
+                  <a:pt x="414" y="200"/>
+                </a:lnTo>
+                <a:lnTo>
+                  <a:pt x="414" y="2447"/>
+                </a:lnTo>
+                <a:close/>
+              </a:path>
+            </a:pathLst>
+          </a:custGeom>
+          <a:solidFill>
+            <a:schemeClr val="accent1">
+              <a:lumMod val="75000"/>
+            </a:schemeClr>
+          </a:solidFill>
+          <a:ln>
+            <a:noFill/>
+          </a:ln>
+        </p:spPr>
+        <p:txBody>
+          <a:bodyPr vert="horz" wrap="square" lIns="91440" tIns="45720" rIns="91440" bIns="45720" numCol="1" anchor="t" anchorCtr="0" compatLnSpc="1">
+            <a:prstTxWarp prst="textNoShape">
+              <a:avLst/>
+            </a:prstTxWarp>
+          </a:bodyPr>
+          <a:lstStyle/>
+          <a:p>
+            <a:endParaRPr lang="en-US"/>
+          </a:p>
+        </p:txBody>
+      </p:sp>
+      <p:sp>
+        <p:nvSpPr>
+          <p:cNvPr id="14" name="Freeform 7">
+            <a:extLst>
+              <a:ext uri="{FF2B5EF4-FFF2-40B4-BE49-F238E27FC236}">
+                <a16:creationId xmlns:a16="http://schemas.microsoft.com/office/drawing/2014/main" id="{D4ED8EC3-4D57-4620-93CE-4E6661F09A3E}"/>
+              </a:ext>
+              <a:ext uri="{C183D7F6-B498-43B3-948B-1728B52AA6E4}">
+                <adec:decorative xmlns:adec="http://schemas.microsoft.com/office/drawing/2017/decorative" val="1"/>
+              </a:ext>
+            </a:extLst>
+          </p:cNvPr>
+          <p:cNvSpPr>
+            <a:spLocks noGrp="1" noRot="1" noChangeAspect="1" noMove="1" noResize="1" noEditPoints="1" noAdjustHandles="1" noChangeArrowheads="1" noChangeShapeType="1" noTextEdit="1"/>
+          </p:cNvSpPr>
+          <p:nvPr>
+            <p:extLst>
+              <p:ext uri="{386F3935-93C4-4BCD-93E2-E3B085C9AB24}">
+                <p16:designElem xmlns:p16="http://schemas.microsoft.com/office/powerpoint/2015/main" val="1"/>
+              </p:ext>
+            </p:extLst>
+          </p:nvPr>
+        </p:nvSpPr>
+        <p:spPr bwMode="auto">
+          <a:xfrm>
+            <a:off x="4144437" y="343079"/>
+            <a:ext cx="482654" cy="5521414"/>
+          </a:xfrm>
+          <a:custGeom>
+            <a:avLst/>
+            <a:gdLst>
+              <a:gd name="T0" fmla="*/ 209 w 209"/>
+              <a:gd name="T1" fmla="*/ 2246 h 2358"/>
+              <a:gd name="T2" fmla="*/ 0 w 209"/>
+              <a:gd name="T3" fmla="*/ 2358 h 2358"/>
+              <a:gd name="T4" fmla="*/ 0 w 209"/>
+              <a:gd name="T5" fmla="*/ 111 h 2358"/>
+              <a:gd name="T6" fmla="*/ 209 w 209"/>
+              <a:gd name="T7" fmla="*/ 0 h 2358"/>
+              <a:gd name="T8" fmla="*/ 209 w 209"/>
+              <a:gd name="T9" fmla="*/ 2246 h 2358"/>
+            </a:gdLst>
+            <a:ahLst/>
+            <a:cxnLst>
+              <a:cxn ang="0">
+                <a:pos x="T0" y="T1"/>
+              </a:cxn>
+              <a:cxn ang="0">
+                <a:pos x="T2" y="T3"/>
+              </a:cxn>
+              <a:cxn ang="0">
+                <a:pos x="T4" y="T5"/>
+              </a:cxn>
+              <a:cxn ang="0">
+                <a:pos x="T6" y="T7"/>
+              </a:cxn>
+              <a:cxn ang="0">
+                <a:pos x="T8" y="T9"/>
+              </a:cxn>
+            </a:cxnLst>
+            <a:rect l="0" t="0" r="r" b="b"/>
+            <a:pathLst>
+              <a:path w="209" h="2358">
+                <a:moveTo>
+                  <a:pt x="209" y="2246"/>
+                </a:moveTo>
+                <a:lnTo>
+                  <a:pt x="0" y="2358"/>
+                </a:lnTo>
+                <a:lnTo>
+                  <a:pt x="0" y="111"/>
+                </a:lnTo>
+                <a:lnTo>
+                  <a:pt x="209" y="0"/>
+                </a:lnTo>
+                <a:lnTo>
+                  <a:pt x="209" y="2246"/>
+                </a:lnTo>
+                <a:close/>
+              </a:path>
+            </a:pathLst>
+          </a:custGeom>
+          <a:solidFill>
+            <a:schemeClr val="accent1">
+              <a:lumMod val="50000"/>
+            </a:schemeClr>
+          </a:solidFill>
+          <a:ln>
+            <a:noFill/>
+          </a:ln>
+        </p:spPr>
+        <p:txBody>
+          <a:bodyPr vert="horz" wrap="square" lIns="91440" tIns="45720" rIns="91440" bIns="45720" numCol="1" anchor="t" anchorCtr="0" compatLnSpc="1">
+            <a:prstTxWarp prst="textNoShape">
+              <a:avLst/>
+            </a:prstTxWarp>
+          </a:bodyPr>
+          <a:lstStyle/>
+          <a:p>
+            <a:endParaRPr lang="en-US"/>
+          </a:p>
+        </p:txBody>
+      </p:sp>
+      <p:sp>
+        <p:nvSpPr>
+          <p:cNvPr id="16" name="Freeform: Shape 15">
+            <a:extLst>
+              <a:ext uri="{FF2B5EF4-FFF2-40B4-BE49-F238E27FC236}">
+                <a16:creationId xmlns:a16="http://schemas.microsoft.com/office/drawing/2014/main" id="{83BCB34A-2F40-4F41-8488-A134C1C155B7}"/>
+              </a:ext>
+              <a:ext uri="{C183D7F6-B498-43B3-948B-1728B52AA6E4}">
+                <adec:decorative xmlns:adec="http://schemas.microsoft.com/office/drawing/2017/decorative" val="1"/>
+              </a:ext>
+            </a:extLst>
+          </p:cNvPr>
+          <p:cNvSpPr>
+            <a:spLocks noGrp="1" noRot="1" noChangeAspect="1" noMove="1" noResize="1" noEditPoints="1" noAdjustHandles="1" noChangeArrowheads="1" noChangeShapeType="1" noTextEdit="1"/>
+          </p:cNvSpPr>
+          <p:nvPr>
+            <p:extLst>
+              <p:ext uri="{386F3935-93C4-4BCD-93E2-E3B085C9AB24}">
+                <p16:designElem xmlns:p16="http://schemas.microsoft.com/office/powerpoint/2015/main" val="1"/>
+              </p:ext>
+            </p:extLst>
+          </p:nvPr>
+        </p:nvSpPr>
+        <p:spPr>
+          <a:xfrm>
+            <a:off x="-3045" y="340424"/>
+            <a:ext cx="4630139" cy="5265795"/>
+          </a:xfrm>
+          <a:custGeom>
+            <a:avLst/>
+            <a:gdLst>
+              <a:gd name="connsiteX0" fmla="*/ 0 w 4630139"/>
+              <a:gd name="connsiteY0" fmla="*/ 0 h 5265795"/>
+              <a:gd name="connsiteX1" fmla="*/ 4630139 w 4630139"/>
+              <a:gd name="connsiteY1" fmla="*/ 0 h 5265795"/>
+              <a:gd name="connsiteX2" fmla="*/ 4630139 w 4630139"/>
+              <a:gd name="connsiteY2" fmla="*/ 5265795 h 5265795"/>
+              <a:gd name="connsiteX3" fmla="*/ 0 w 4630139"/>
+              <a:gd name="connsiteY3" fmla="*/ 5265795 h 5265795"/>
+            </a:gdLst>
+            <a:ahLst/>
+            <a:cxnLst>
+              <a:cxn ang="0">
+                <a:pos x="connsiteX0" y="connsiteY0"/>
+              </a:cxn>
+              <a:cxn ang="0">
+                <a:pos x="connsiteX1" y="connsiteY1"/>
+              </a:cxn>
+              <a:cxn ang="0">
+                <a:pos x="connsiteX2" y="connsiteY2"/>
+              </a:cxn>
+              <a:cxn ang="0">
+                <a:pos x="connsiteX3" y="connsiteY3"/>
+              </a:cxn>
+            </a:cxnLst>
+            <a:rect l="l" t="t" r="r" b="b"/>
+            <a:pathLst>
+              <a:path w="4630139" h="5265795">
+                <a:moveTo>
+                  <a:pt x="0" y="0"/>
+                </a:moveTo>
+                <a:lnTo>
+                  <a:pt x="4630139" y="0"/>
+                </a:lnTo>
+                <a:lnTo>
+                  <a:pt x="4630139" y="5265795"/>
+                </a:lnTo>
+                <a:lnTo>
+                  <a:pt x="0" y="5265795"/>
+                </a:lnTo>
+                <a:close/>
+              </a:path>
+            </a:pathLst>
+          </a:custGeom>
+          <a:ln>
+            <a:noFill/>
+          </a:ln>
+        </p:spPr>
+        <p:style>
+          <a:lnRef idx="2">
+            <a:schemeClr val="accent1">
+              <a:shade val="50000"/>
+            </a:schemeClr>
+          </a:lnRef>
+          <a:fillRef idx="1">
+            <a:schemeClr val="accent1"/>
+          </a:fillRef>
+          <a:effectRef idx="0">
+            <a:schemeClr val="accent1"/>
+          </a:effectRef>
+          <a:fontRef idx="minor">
+            <a:schemeClr val="lt1"/>
+          </a:fontRef>
+        </p:style>
+        <p:txBody>
+          <a:bodyPr wrap="square" rtlCol="0" anchor="ctr">
+            <a:noAutofit/>
+          </a:bodyPr>
+          <a:lstStyle/>
+          <a:p>
+            <a:pPr algn="ctr"/>
+            <a:endParaRPr lang="en-US"/>
+          </a:p>
+        </p:txBody>
+      </p:sp>
+      <p:sp>
+        <p:nvSpPr>
+          <p:cNvPr id="18" name="Freeform: Shape 17">
+            <a:extLst>
+              <a:ext uri="{FF2B5EF4-FFF2-40B4-BE49-F238E27FC236}">
+                <a16:creationId xmlns:a16="http://schemas.microsoft.com/office/drawing/2014/main" id="{F78382DC-4207-465E-B379-1E16448AA222}"/>
+              </a:ext>
+              <a:ext uri="{C183D7F6-B498-43B3-948B-1728B52AA6E4}">
+                <adec:decorative xmlns:adec="http://schemas.microsoft.com/office/drawing/2017/decorative" val="1"/>
+              </a:ext>
+            </a:extLst>
+          </p:cNvPr>
+          <p:cNvSpPr>
+            <a:spLocks noGrp="1" noRot="1" noChangeAspect="1" noMove="1" noResize="1" noEditPoints="1" noAdjustHandles="1" noChangeArrowheads="1" noChangeShapeType="1" noTextEdit="1"/>
+          </p:cNvSpPr>
+          <p:nvPr>
+            <p:extLst>
+              <p:ext uri="{386F3935-93C4-4BCD-93E2-E3B085C9AB24}">
+                <p16:designElem xmlns:p16="http://schemas.microsoft.com/office/powerpoint/2015/main" val="1"/>
+              </p:ext>
+            </p:extLst>
+          </p:nvPr>
+        </p:nvSpPr>
+        <p:spPr>
+          <a:xfrm>
+            <a:off x="4901780" y="1071563"/>
+            <a:ext cx="7290218" cy="5242298"/>
+          </a:xfrm>
+          <a:custGeom>
+            <a:avLst/>
+            <a:gdLst>
+              <a:gd name="connsiteX0" fmla="*/ 0 w 7290218"/>
+              <a:gd name="connsiteY0" fmla="*/ 0 h 5242298"/>
+              <a:gd name="connsiteX1" fmla="*/ 7290218 w 7290218"/>
+              <a:gd name="connsiteY1" fmla="*/ 0 h 5242298"/>
+              <a:gd name="connsiteX2" fmla="*/ 7290218 w 7290218"/>
+              <a:gd name="connsiteY2" fmla="*/ 5242298 h 5242298"/>
+              <a:gd name="connsiteX3" fmla="*/ 0 w 7290218"/>
+              <a:gd name="connsiteY3" fmla="*/ 5242298 h 5242298"/>
+            </a:gdLst>
+            <a:ahLst/>
+            <a:cxnLst>
+              <a:cxn ang="0">
+                <a:pos x="connsiteX0" y="connsiteY0"/>
+              </a:cxn>
+              <a:cxn ang="0">
+                <a:pos x="connsiteX1" y="connsiteY1"/>
+              </a:cxn>
+              <a:cxn ang="0">
+                <a:pos x="connsiteX2" y="connsiteY2"/>
+              </a:cxn>
+              <a:cxn ang="0">
+                <a:pos x="connsiteX3" y="connsiteY3"/>
+              </a:cxn>
+            </a:cxnLst>
+            <a:rect l="l" t="t" r="r" b="b"/>
+            <a:pathLst>
+              <a:path w="7290218" h="5242298">
+                <a:moveTo>
+                  <a:pt x="0" y="0"/>
+                </a:moveTo>
+                <a:lnTo>
+                  <a:pt x="7290218" y="0"/>
+                </a:lnTo>
+                <a:lnTo>
+                  <a:pt x="7290218" y="5242298"/>
+                </a:lnTo>
+                <a:lnTo>
+                  <a:pt x="0" y="5242298"/>
+                </a:lnTo>
+                <a:close/>
+              </a:path>
+            </a:pathLst>
+          </a:custGeom>
+          <a:ln>
+            <a:noFill/>
+          </a:ln>
+        </p:spPr>
+        <p:style>
+          <a:lnRef idx="2">
+            <a:schemeClr val="accent1">
+              <a:shade val="50000"/>
+            </a:schemeClr>
+          </a:lnRef>
+          <a:fillRef idx="1">
+            <a:schemeClr val="accent1"/>
+          </a:fillRef>
+          <a:effectRef idx="0">
+            <a:schemeClr val="accent1"/>
+          </a:effectRef>
+          <a:fontRef idx="minor">
+            <a:schemeClr val="lt1"/>
+          </a:fontRef>
+        </p:style>
+        <p:txBody>
+          <a:bodyPr wrap="square" rtlCol="0" anchor="ctr">
+            <a:noAutofit/>
+          </a:bodyPr>
+          <a:lstStyle/>
+          <a:p>
+            <a:pPr algn="ctr"/>
+            <a:endParaRPr lang="en-US"/>
+          </a:p>
+        </p:txBody>
+      </p:sp>
+      <p:pic>
+        <p:nvPicPr>
+          <p:cNvPr id="6" name="Immagine 5">
+            <a:extLst>
+              <a:ext uri="{FF2B5EF4-FFF2-40B4-BE49-F238E27FC236}">
+                <a16:creationId xmlns:a16="http://schemas.microsoft.com/office/drawing/2014/main" id="{319EA13C-A6AF-4154-806E-8ACB28521B7A}"/>
+              </a:ext>
+            </a:extLst>
+          </p:cNvPr>
+          <p:cNvPicPr>
+            <a:picLocks noChangeAspect="1"/>
+          </p:cNvPicPr>
+          <p:nvPr/>
+        </p:nvPicPr>
+        <p:blipFill>
+          <a:blip r:embed="rId2">
+            <a:extLst>
+              <a:ext uri="{28A0092B-C50C-407E-A947-70E740481C1C}">
+                <a14:useLocalDpi xmlns:a14="http://schemas.microsoft.com/office/drawing/2010/main" val="0"/>
+              </a:ext>
+            </a:extLst>
+          </a:blip>
+          <a:stretch>
+            <a:fillRect/>
+          </a:stretch>
+        </p:blipFill>
+        <p:spPr>
+          <a:xfrm>
+            <a:off x="1804432" y="4165599"/>
+            <a:ext cx="2792123" cy="1570569"/>
+          </a:xfrm>
+          <a:prstGeom prst="rect">
+            <a:avLst/>
+          </a:prstGeom>
+        </p:spPr>
+      </p:pic>
+      <p:sp>
+        <p:nvSpPr>
+          <p:cNvPr id="7" name="CasellaDiTesto 6">
+            <a:extLst>
+              <a:ext uri="{FF2B5EF4-FFF2-40B4-BE49-F238E27FC236}">
+                <a16:creationId xmlns:a16="http://schemas.microsoft.com/office/drawing/2014/main" id="{777A3FD9-3801-41F7-8DD1-4AF4E3125BFE}"/>
+              </a:ext>
+            </a:extLst>
+          </p:cNvPr>
+          <p:cNvSpPr txBox="1"/>
+          <p:nvPr/>
+        </p:nvSpPr>
+        <p:spPr>
+          <a:xfrm>
+            <a:off x="3048" y="705138"/>
+            <a:ext cx="4627091" cy="1200329"/>
+          </a:xfrm>
+          <a:prstGeom prst="rect">
+            <a:avLst/>
+          </a:prstGeom>
+          <a:noFill/>
+        </p:spPr>
+        <p:txBody>
+          <a:bodyPr wrap="square" rtlCol="0">
+            <a:spAutoFit/>
+          </a:bodyPr>
+          <a:lstStyle/>
+          <a:p>
+            <a:r>
+              <a:rPr lang="it-IT" sz="2400" dirty="0">
+                <a:solidFill>
+                  <a:schemeClr val="bg1"/>
+                </a:solidFill>
+              </a:rPr>
+              <a:t>Individuiamo inoltre, in base ai probabili problemi ed i vari tipi di utilizzo, questi flussi alternativi</a:t>
+            </a:r>
+            <a:endParaRPr lang="it-IT" sz="2000" dirty="0">
+              <a:solidFill>
+                <a:schemeClr val="bg1"/>
+              </a:solidFill>
+            </a:endParaRPr>
+          </a:p>
+        </p:txBody>
+      </p:sp>
+      <p:pic>
+        <p:nvPicPr>
+          <p:cNvPr id="2" name="Immagine 1">
+            <a:extLst>
+              <a:ext uri="{FF2B5EF4-FFF2-40B4-BE49-F238E27FC236}">
+                <a16:creationId xmlns:a16="http://schemas.microsoft.com/office/drawing/2014/main" id="{2E0DC9A9-9884-41A9-9704-0813FAF0C8EA}"/>
+              </a:ext>
+            </a:extLst>
+          </p:cNvPr>
+          <p:cNvPicPr>
+            <a:picLocks noChangeAspect="1"/>
+          </p:cNvPicPr>
+          <p:nvPr/>
+        </p:nvPicPr>
+        <p:blipFill>
+          <a:blip r:embed="rId3"/>
+          <a:stretch>
+            <a:fillRect/>
+          </a:stretch>
+        </p:blipFill>
+        <p:spPr>
+          <a:xfrm>
+            <a:off x="5661398" y="2517569"/>
+            <a:ext cx="6303810" cy="1822862"/>
+          </a:xfrm>
+          <a:prstGeom prst="rect">
+            <a:avLst/>
+          </a:prstGeom>
+        </p:spPr>
+      </p:pic>
+    </p:spTree>
+    <p:extLst>
+      <p:ext uri="{BB962C8B-B14F-4D97-AF65-F5344CB8AC3E}">
+        <p14:creationId xmlns:p14="http://schemas.microsoft.com/office/powerpoint/2010/main" val="2055331329"/>
+      </p:ext>
+    </p:extLst>
+  </p:cSld>
+  <p:clrMapOvr>
+    <a:masterClrMapping/>
+  </p:clrMapOvr>
+</p:sld>
+</file>
+
+<file path=ppt/slides/slide11.xml><?xml version="1.0" encoding="utf-8"?>
+<p:sld xmlns:a="http://schemas.openxmlformats.org/drawingml/2006/main" xmlns:r="http://schemas.openxmlformats.org/officeDocument/2006/relationships" xmlns:p="http://schemas.openxmlformats.org/presentationml/2006/main">
+  <p:cSld>
+    <p:bg>
+      <p:bgPr>
+        <a:solidFill>
+          <a:schemeClr val="bg1"/>
+        </a:solidFill>
+        <a:effectLst/>
+      </p:bgPr>
+    </p:bg>
+    <p:spTree>
+      <p:nvGrpSpPr>
+        <p:cNvPr id="1" name=""/>
+        <p:cNvGrpSpPr/>
+        <p:nvPr/>
+      </p:nvGrpSpPr>
+      <p:grpSpPr>
+        <a:xfrm>
+          <a:off x="0" y="0"/>
+          <a:ext cx="0" cy="0"/>
+          <a:chOff x="0" y="0"/>
+          <a:chExt cx="0" cy="0"/>
+        </a:xfrm>
+      </p:grpSpPr>
+      <p:sp useBgFill="1">
+        <p:nvSpPr>
+          <p:cNvPr id="10" name="Rectangle 9">
+            <a:extLst>
+              <a:ext uri="{FF2B5EF4-FFF2-40B4-BE49-F238E27FC236}">
+                <a16:creationId xmlns:a16="http://schemas.microsoft.com/office/drawing/2014/main" id="{A169D286-F4D7-4C8B-A6BD-D05384C7F1D8}"/>
+              </a:ext>
+              <a:ext uri="{C183D7F6-B498-43B3-948B-1728B52AA6E4}">
+                <adec:decorative xmlns:adec="http://schemas.microsoft.com/office/drawing/2017/decorative" val="1"/>
+              </a:ext>
+            </a:extLst>
+          </p:cNvPr>
+          <p:cNvSpPr>
+            <a:spLocks noGrp="1" noRot="1" noChangeAspect="1" noMove="1" noResize="1" noEditPoints="1" noAdjustHandles="1" noChangeArrowheads="1" noChangeShapeType="1" noTextEdit="1"/>
+          </p:cNvSpPr>
+          <p:nvPr>
+            <p:extLst>
+              <p:ext uri="{386F3935-93C4-4BCD-93E2-E3B085C9AB24}">
+                <p16:designElem xmlns:p16="http://schemas.microsoft.com/office/powerpoint/2015/main" val="1"/>
+              </p:ext>
+            </p:extLst>
+          </p:nvPr>
+        </p:nvSpPr>
+        <p:spPr>
+          <a:xfrm>
+            <a:off x="0" y="0"/>
+            <a:ext cx="12188952" cy="6858000"/>
+          </a:xfrm>
+          <a:prstGeom prst="rect">
+            <a:avLst/>
+          </a:prstGeom>
+          <a:ln>
+            <a:noFill/>
+          </a:ln>
+        </p:spPr>
+        <p:style>
+          <a:lnRef idx="2">
+            <a:schemeClr val="accent1">
+              <a:shade val="50000"/>
+            </a:schemeClr>
+          </a:lnRef>
+          <a:fillRef idx="1">
+            <a:schemeClr val="accent1"/>
+          </a:fillRef>
+          <a:effectRef idx="0">
+            <a:schemeClr val="accent1"/>
+          </a:effectRef>
+          <a:fontRef idx="minor">
+            <a:schemeClr val="lt1"/>
+          </a:fontRef>
+        </p:style>
+        <p:txBody>
+          <a:bodyPr rtlCol="0" anchor="ctr"/>
+          <a:lstStyle/>
+          <a:p>
+            <a:pPr algn="ctr"/>
+            <a:endParaRPr lang="en-US"/>
+          </a:p>
+        </p:txBody>
+      </p:sp>
+      <p:sp>
+        <p:nvSpPr>
+          <p:cNvPr id="12" name="Freeform 6">
+            <a:extLst>
+              <a:ext uri="{FF2B5EF4-FFF2-40B4-BE49-F238E27FC236}">
+                <a16:creationId xmlns:a16="http://schemas.microsoft.com/office/drawing/2014/main" id="{39E8235E-135E-4261-8F54-2B316E493C42}"/>
+              </a:ext>
+              <a:ext uri="{C183D7F6-B498-43B3-948B-1728B52AA6E4}">
+                <adec:decorative xmlns:adec="http://schemas.microsoft.com/office/drawing/2017/decorative" val="1"/>
+              </a:ext>
+            </a:extLst>
+          </p:cNvPr>
+          <p:cNvSpPr>
+            <a:spLocks noGrp="1" noRot="1" noChangeAspect="1" noMove="1" noResize="1" noEditPoints="1" noAdjustHandles="1" noChangeArrowheads="1" noChangeShapeType="1" noTextEdit="1"/>
+          </p:cNvSpPr>
+          <p:nvPr>
+            <p:extLst>
+              <p:ext uri="{386F3935-93C4-4BCD-93E2-E3B085C9AB24}">
+                <p16:designElem xmlns:p16="http://schemas.microsoft.com/office/powerpoint/2015/main" val="1"/>
+              </p:ext>
+            </p:extLst>
+          </p:nvPr>
+        </p:nvSpPr>
+        <p:spPr bwMode="auto">
+          <a:xfrm>
+            <a:off x="4142164" y="610728"/>
+            <a:ext cx="759618" cy="5710965"/>
+          </a:xfrm>
+          <a:custGeom>
+            <a:avLst/>
+            <a:gdLst>
+              <a:gd name="T0" fmla="*/ 414 w 414"/>
+              <a:gd name="T1" fmla="*/ 2447 h 2447"/>
+              <a:gd name="T2" fmla="*/ 0 w 414"/>
+              <a:gd name="T3" fmla="*/ 2247 h 2447"/>
+              <a:gd name="T4" fmla="*/ 0 w 414"/>
+              <a:gd name="T5" fmla="*/ 0 h 2447"/>
+              <a:gd name="T6" fmla="*/ 414 w 414"/>
+              <a:gd name="T7" fmla="*/ 200 h 2447"/>
+              <a:gd name="T8" fmla="*/ 414 w 414"/>
+              <a:gd name="T9" fmla="*/ 2447 h 2447"/>
+            </a:gdLst>
+            <a:ahLst/>
+            <a:cxnLst>
+              <a:cxn ang="0">
+                <a:pos x="T0" y="T1"/>
+              </a:cxn>
+              <a:cxn ang="0">
+                <a:pos x="T2" y="T3"/>
+              </a:cxn>
+              <a:cxn ang="0">
+                <a:pos x="T4" y="T5"/>
+              </a:cxn>
+              <a:cxn ang="0">
+                <a:pos x="T6" y="T7"/>
+              </a:cxn>
+              <a:cxn ang="0">
+                <a:pos x="T8" y="T9"/>
+              </a:cxn>
+            </a:cxnLst>
+            <a:rect l="0" t="0" r="r" b="b"/>
+            <a:pathLst>
+              <a:path w="414" h="2447">
+                <a:moveTo>
+                  <a:pt x="414" y="2447"/>
+                </a:moveTo>
+                <a:lnTo>
+                  <a:pt x="0" y="2247"/>
+                </a:lnTo>
+                <a:lnTo>
+                  <a:pt x="0" y="0"/>
+                </a:lnTo>
+                <a:lnTo>
+                  <a:pt x="414" y="200"/>
+                </a:lnTo>
+                <a:lnTo>
+                  <a:pt x="414" y="2447"/>
+                </a:lnTo>
+                <a:close/>
+              </a:path>
+            </a:pathLst>
+          </a:custGeom>
+          <a:solidFill>
+            <a:schemeClr val="accent1">
+              <a:lumMod val="75000"/>
+            </a:schemeClr>
+          </a:solidFill>
+          <a:ln>
+            <a:noFill/>
+          </a:ln>
+        </p:spPr>
+        <p:txBody>
+          <a:bodyPr vert="horz" wrap="square" lIns="91440" tIns="45720" rIns="91440" bIns="45720" numCol="1" anchor="t" anchorCtr="0" compatLnSpc="1">
+            <a:prstTxWarp prst="textNoShape">
+              <a:avLst/>
+            </a:prstTxWarp>
+          </a:bodyPr>
+          <a:lstStyle/>
+          <a:p>
+            <a:endParaRPr lang="en-US"/>
+          </a:p>
+        </p:txBody>
+      </p:sp>
+      <p:sp>
+        <p:nvSpPr>
+          <p:cNvPr id="14" name="Freeform 7">
+            <a:extLst>
+              <a:ext uri="{FF2B5EF4-FFF2-40B4-BE49-F238E27FC236}">
+                <a16:creationId xmlns:a16="http://schemas.microsoft.com/office/drawing/2014/main" id="{D4ED8EC3-4D57-4620-93CE-4E6661F09A3E}"/>
+              </a:ext>
+              <a:ext uri="{C183D7F6-B498-43B3-948B-1728B52AA6E4}">
+                <adec:decorative xmlns:adec="http://schemas.microsoft.com/office/drawing/2017/decorative" val="1"/>
+              </a:ext>
+            </a:extLst>
+          </p:cNvPr>
+          <p:cNvSpPr>
+            <a:spLocks noGrp="1" noRot="1" noChangeAspect="1" noMove="1" noResize="1" noEditPoints="1" noAdjustHandles="1" noChangeArrowheads="1" noChangeShapeType="1" noTextEdit="1"/>
+          </p:cNvSpPr>
+          <p:nvPr>
+            <p:extLst>
+              <p:ext uri="{386F3935-93C4-4BCD-93E2-E3B085C9AB24}">
+                <p16:designElem xmlns:p16="http://schemas.microsoft.com/office/powerpoint/2015/main" val="1"/>
+              </p:ext>
+            </p:extLst>
+          </p:nvPr>
+        </p:nvSpPr>
+        <p:spPr bwMode="auto">
+          <a:xfrm>
+            <a:off x="4144437" y="343079"/>
+            <a:ext cx="482654" cy="5521414"/>
+          </a:xfrm>
+          <a:custGeom>
+            <a:avLst/>
+            <a:gdLst>
+              <a:gd name="T0" fmla="*/ 209 w 209"/>
+              <a:gd name="T1" fmla="*/ 2246 h 2358"/>
+              <a:gd name="T2" fmla="*/ 0 w 209"/>
+              <a:gd name="T3" fmla="*/ 2358 h 2358"/>
+              <a:gd name="T4" fmla="*/ 0 w 209"/>
+              <a:gd name="T5" fmla="*/ 111 h 2358"/>
+              <a:gd name="T6" fmla="*/ 209 w 209"/>
+              <a:gd name="T7" fmla="*/ 0 h 2358"/>
+              <a:gd name="T8" fmla="*/ 209 w 209"/>
+              <a:gd name="T9" fmla="*/ 2246 h 2358"/>
+            </a:gdLst>
+            <a:ahLst/>
+            <a:cxnLst>
+              <a:cxn ang="0">
+                <a:pos x="T0" y="T1"/>
+              </a:cxn>
+              <a:cxn ang="0">
+                <a:pos x="T2" y="T3"/>
+              </a:cxn>
+              <a:cxn ang="0">
+                <a:pos x="T4" y="T5"/>
+              </a:cxn>
+              <a:cxn ang="0">
+                <a:pos x="T6" y="T7"/>
+              </a:cxn>
+              <a:cxn ang="0">
+                <a:pos x="T8" y="T9"/>
+              </a:cxn>
+            </a:cxnLst>
+            <a:rect l="0" t="0" r="r" b="b"/>
+            <a:pathLst>
+              <a:path w="209" h="2358">
+                <a:moveTo>
+                  <a:pt x="209" y="2246"/>
+                </a:moveTo>
+                <a:lnTo>
+                  <a:pt x="0" y="2358"/>
+                </a:lnTo>
+                <a:lnTo>
+                  <a:pt x="0" y="111"/>
+                </a:lnTo>
+                <a:lnTo>
+                  <a:pt x="209" y="0"/>
+                </a:lnTo>
+                <a:lnTo>
+                  <a:pt x="209" y="2246"/>
+                </a:lnTo>
+                <a:close/>
+              </a:path>
+            </a:pathLst>
+          </a:custGeom>
+          <a:solidFill>
+            <a:schemeClr val="accent1">
+              <a:lumMod val="50000"/>
+            </a:schemeClr>
+          </a:solidFill>
+          <a:ln>
+            <a:noFill/>
+          </a:ln>
+        </p:spPr>
+        <p:txBody>
+          <a:bodyPr vert="horz" wrap="square" lIns="91440" tIns="45720" rIns="91440" bIns="45720" numCol="1" anchor="t" anchorCtr="0" compatLnSpc="1">
+            <a:prstTxWarp prst="textNoShape">
+              <a:avLst/>
+            </a:prstTxWarp>
+          </a:bodyPr>
+          <a:lstStyle/>
+          <a:p>
+            <a:endParaRPr lang="en-US"/>
+          </a:p>
+        </p:txBody>
+      </p:sp>
+      <p:sp>
+        <p:nvSpPr>
+          <p:cNvPr id="16" name="Freeform: Shape 15">
+            <a:extLst>
+              <a:ext uri="{FF2B5EF4-FFF2-40B4-BE49-F238E27FC236}">
+                <a16:creationId xmlns:a16="http://schemas.microsoft.com/office/drawing/2014/main" id="{83BCB34A-2F40-4F41-8488-A134C1C155B7}"/>
+              </a:ext>
+              <a:ext uri="{C183D7F6-B498-43B3-948B-1728B52AA6E4}">
+                <adec:decorative xmlns:adec="http://schemas.microsoft.com/office/drawing/2017/decorative" val="1"/>
+              </a:ext>
+            </a:extLst>
+          </p:cNvPr>
+          <p:cNvSpPr>
+            <a:spLocks noGrp="1" noRot="1" noChangeAspect="1" noMove="1" noResize="1" noEditPoints="1" noAdjustHandles="1" noChangeArrowheads="1" noChangeShapeType="1" noTextEdit="1"/>
+          </p:cNvSpPr>
+          <p:nvPr>
+            <p:extLst>
+              <p:ext uri="{386F3935-93C4-4BCD-93E2-E3B085C9AB24}">
+                <p16:designElem xmlns:p16="http://schemas.microsoft.com/office/powerpoint/2015/main" val="1"/>
+              </p:ext>
+            </p:extLst>
+          </p:nvPr>
+        </p:nvSpPr>
+        <p:spPr>
+          <a:xfrm>
+            <a:off x="-3045" y="340424"/>
+            <a:ext cx="4630139" cy="5265795"/>
+          </a:xfrm>
+          <a:custGeom>
+            <a:avLst/>
+            <a:gdLst>
+              <a:gd name="connsiteX0" fmla="*/ 0 w 4630139"/>
+              <a:gd name="connsiteY0" fmla="*/ 0 h 5265795"/>
+              <a:gd name="connsiteX1" fmla="*/ 4630139 w 4630139"/>
+              <a:gd name="connsiteY1" fmla="*/ 0 h 5265795"/>
+              <a:gd name="connsiteX2" fmla="*/ 4630139 w 4630139"/>
+              <a:gd name="connsiteY2" fmla="*/ 5265795 h 5265795"/>
+              <a:gd name="connsiteX3" fmla="*/ 0 w 4630139"/>
+              <a:gd name="connsiteY3" fmla="*/ 5265795 h 5265795"/>
+            </a:gdLst>
+            <a:ahLst/>
+            <a:cxnLst>
+              <a:cxn ang="0">
+                <a:pos x="connsiteX0" y="connsiteY0"/>
+              </a:cxn>
+              <a:cxn ang="0">
+                <a:pos x="connsiteX1" y="connsiteY1"/>
+              </a:cxn>
+              <a:cxn ang="0">
+                <a:pos x="connsiteX2" y="connsiteY2"/>
+              </a:cxn>
+              <a:cxn ang="0">
+                <a:pos x="connsiteX3" y="connsiteY3"/>
+              </a:cxn>
+            </a:cxnLst>
+            <a:rect l="l" t="t" r="r" b="b"/>
+            <a:pathLst>
+              <a:path w="4630139" h="5265795">
+                <a:moveTo>
+                  <a:pt x="0" y="0"/>
+                </a:moveTo>
+                <a:lnTo>
+                  <a:pt x="4630139" y="0"/>
+                </a:lnTo>
+                <a:lnTo>
+                  <a:pt x="4630139" y="5265795"/>
+                </a:lnTo>
+                <a:lnTo>
+                  <a:pt x="0" y="5265795"/>
+                </a:lnTo>
+                <a:close/>
+              </a:path>
+            </a:pathLst>
+          </a:custGeom>
+          <a:ln>
+            <a:noFill/>
+          </a:ln>
+        </p:spPr>
+        <p:style>
+          <a:lnRef idx="2">
+            <a:schemeClr val="accent1">
+              <a:shade val="50000"/>
+            </a:schemeClr>
+          </a:lnRef>
+          <a:fillRef idx="1">
+            <a:schemeClr val="accent1"/>
+          </a:fillRef>
+          <a:effectRef idx="0">
+            <a:schemeClr val="accent1"/>
+          </a:effectRef>
+          <a:fontRef idx="minor">
+            <a:schemeClr val="lt1"/>
+          </a:fontRef>
+        </p:style>
+        <p:txBody>
+          <a:bodyPr wrap="square" rtlCol="0" anchor="ctr">
+            <a:noAutofit/>
+          </a:bodyPr>
+          <a:lstStyle/>
+          <a:p>
+            <a:pPr algn="ctr"/>
+            <a:endParaRPr lang="en-US"/>
+          </a:p>
+        </p:txBody>
+      </p:sp>
+      <p:sp>
+        <p:nvSpPr>
+          <p:cNvPr id="18" name="Freeform: Shape 17">
+            <a:extLst>
+              <a:ext uri="{FF2B5EF4-FFF2-40B4-BE49-F238E27FC236}">
+                <a16:creationId xmlns:a16="http://schemas.microsoft.com/office/drawing/2014/main" id="{F78382DC-4207-465E-B379-1E16448AA222}"/>
+              </a:ext>
+              <a:ext uri="{C183D7F6-B498-43B3-948B-1728B52AA6E4}">
+                <adec:decorative xmlns:adec="http://schemas.microsoft.com/office/drawing/2017/decorative" val="1"/>
+              </a:ext>
+            </a:extLst>
+          </p:cNvPr>
+          <p:cNvSpPr>
+            <a:spLocks noGrp="1" noRot="1" noChangeAspect="1" noMove="1" noResize="1" noEditPoints="1" noAdjustHandles="1" noChangeArrowheads="1" noChangeShapeType="1" noTextEdit="1"/>
+          </p:cNvSpPr>
+          <p:nvPr>
+            <p:extLst>
+              <p:ext uri="{386F3935-93C4-4BCD-93E2-E3B085C9AB24}">
+                <p16:designElem xmlns:p16="http://schemas.microsoft.com/office/powerpoint/2015/main" val="1"/>
+              </p:ext>
+            </p:extLst>
+          </p:nvPr>
+        </p:nvSpPr>
+        <p:spPr>
+          <a:xfrm>
+            <a:off x="4901780" y="1071563"/>
+            <a:ext cx="7290218" cy="5242298"/>
+          </a:xfrm>
+          <a:custGeom>
+            <a:avLst/>
+            <a:gdLst>
+              <a:gd name="connsiteX0" fmla="*/ 0 w 7290218"/>
+              <a:gd name="connsiteY0" fmla="*/ 0 h 5242298"/>
+              <a:gd name="connsiteX1" fmla="*/ 7290218 w 7290218"/>
+              <a:gd name="connsiteY1" fmla="*/ 0 h 5242298"/>
+              <a:gd name="connsiteX2" fmla="*/ 7290218 w 7290218"/>
+              <a:gd name="connsiteY2" fmla="*/ 5242298 h 5242298"/>
+              <a:gd name="connsiteX3" fmla="*/ 0 w 7290218"/>
+              <a:gd name="connsiteY3" fmla="*/ 5242298 h 5242298"/>
+            </a:gdLst>
+            <a:ahLst/>
+            <a:cxnLst>
+              <a:cxn ang="0">
+                <a:pos x="connsiteX0" y="connsiteY0"/>
+              </a:cxn>
+              <a:cxn ang="0">
+                <a:pos x="connsiteX1" y="connsiteY1"/>
+              </a:cxn>
+              <a:cxn ang="0">
+                <a:pos x="connsiteX2" y="connsiteY2"/>
+              </a:cxn>
+              <a:cxn ang="0">
+                <a:pos x="connsiteX3" y="connsiteY3"/>
+              </a:cxn>
+            </a:cxnLst>
+            <a:rect l="l" t="t" r="r" b="b"/>
+            <a:pathLst>
+              <a:path w="7290218" h="5242298">
+                <a:moveTo>
+                  <a:pt x="0" y="0"/>
+                </a:moveTo>
+                <a:lnTo>
+                  <a:pt x="7290218" y="0"/>
+                </a:lnTo>
+                <a:lnTo>
+                  <a:pt x="7290218" y="5242298"/>
+                </a:lnTo>
+                <a:lnTo>
+                  <a:pt x="0" y="5242298"/>
+                </a:lnTo>
+                <a:close/>
+              </a:path>
+            </a:pathLst>
+          </a:custGeom>
+          <a:ln>
+            <a:noFill/>
+          </a:ln>
+        </p:spPr>
+        <p:style>
+          <a:lnRef idx="2">
+            <a:schemeClr val="accent1">
+              <a:shade val="50000"/>
+            </a:schemeClr>
+          </a:lnRef>
+          <a:fillRef idx="1">
+            <a:schemeClr val="accent1"/>
+          </a:fillRef>
+          <a:effectRef idx="0">
+            <a:schemeClr val="accent1"/>
+          </a:effectRef>
+          <a:fontRef idx="minor">
+            <a:schemeClr val="lt1"/>
+          </a:fontRef>
+        </p:style>
+        <p:txBody>
+          <a:bodyPr wrap="square" rtlCol="0" anchor="ctr">
+            <a:noAutofit/>
+          </a:bodyPr>
+          <a:lstStyle/>
+          <a:p>
+            <a:pPr algn="ctr"/>
+            <a:endParaRPr lang="en-US"/>
+          </a:p>
+        </p:txBody>
+      </p:sp>
+      <p:pic>
+        <p:nvPicPr>
+          <p:cNvPr id="6" name="Immagine 5">
+            <a:extLst>
+              <a:ext uri="{FF2B5EF4-FFF2-40B4-BE49-F238E27FC236}">
+                <a16:creationId xmlns:a16="http://schemas.microsoft.com/office/drawing/2014/main" id="{319EA13C-A6AF-4154-806E-8ACB28521B7A}"/>
+              </a:ext>
+            </a:extLst>
+          </p:cNvPr>
+          <p:cNvPicPr>
+            <a:picLocks noChangeAspect="1"/>
+          </p:cNvPicPr>
+          <p:nvPr/>
+        </p:nvPicPr>
+        <p:blipFill>
+          <a:blip r:embed="rId2">
+            <a:extLst>
+              <a:ext uri="{28A0092B-C50C-407E-A947-70E740481C1C}">
+                <a14:useLocalDpi xmlns:a14="http://schemas.microsoft.com/office/drawing/2010/main" val="0"/>
+              </a:ext>
+            </a:extLst>
+          </a:blip>
+          <a:stretch>
+            <a:fillRect/>
+          </a:stretch>
+        </p:blipFill>
+        <p:spPr>
+          <a:xfrm>
+            <a:off x="1804432" y="4165599"/>
+            <a:ext cx="2792123" cy="1570569"/>
+          </a:xfrm>
+          <a:prstGeom prst="rect">
+            <a:avLst/>
+          </a:prstGeom>
+        </p:spPr>
+      </p:pic>
+      <p:sp>
+        <p:nvSpPr>
+          <p:cNvPr id="7" name="CasellaDiTesto 6">
+            <a:extLst>
+              <a:ext uri="{FF2B5EF4-FFF2-40B4-BE49-F238E27FC236}">
+                <a16:creationId xmlns:a16="http://schemas.microsoft.com/office/drawing/2014/main" id="{777A3FD9-3801-41F7-8DD1-4AF4E3125BFE}"/>
+              </a:ext>
+            </a:extLst>
+          </p:cNvPr>
+          <p:cNvSpPr txBox="1"/>
+          <p:nvPr/>
+        </p:nvSpPr>
+        <p:spPr>
+          <a:xfrm>
+            <a:off x="3048" y="705138"/>
+            <a:ext cx="4627091" cy="1200329"/>
+          </a:xfrm>
+          <a:prstGeom prst="rect">
+            <a:avLst/>
+          </a:prstGeom>
+          <a:noFill/>
+        </p:spPr>
+        <p:txBody>
+          <a:bodyPr wrap="square" rtlCol="0">
+            <a:spAutoFit/>
+          </a:bodyPr>
+          <a:lstStyle/>
+          <a:p>
+            <a:r>
+              <a:rPr lang="it-IT" sz="2400" dirty="0">
+                <a:solidFill>
+                  <a:schemeClr val="bg1"/>
+                </a:solidFill>
+              </a:rPr>
+              <a:t>Individuiamo inoltre, in base ai probabili problemi ed i vari tipi di utilizzo, questi flussi alternativi</a:t>
+            </a:r>
+            <a:endParaRPr lang="it-IT" sz="2000" dirty="0">
+              <a:solidFill>
+                <a:schemeClr val="bg1"/>
+              </a:solidFill>
+            </a:endParaRPr>
+          </a:p>
+        </p:txBody>
+      </p:sp>
+      <p:pic>
+        <p:nvPicPr>
+          <p:cNvPr id="2" name="Immagine 1">
+            <a:extLst>
+              <a:ext uri="{FF2B5EF4-FFF2-40B4-BE49-F238E27FC236}">
+                <a16:creationId xmlns:a16="http://schemas.microsoft.com/office/drawing/2014/main" id="{2E0DC9A9-9884-41A9-9704-0813FAF0C8EA}"/>
+              </a:ext>
+            </a:extLst>
+          </p:cNvPr>
+          <p:cNvPicPr>
+            <a:picLocks noChangeAspect="1"/>
+          </p:cNvPicPr>
+          <p:nvPr/>
+        </p:nvPicPr>
+        <p:blipFill>
+          <a:blip r:embed="rId3"/>
+          <a:stretch>
+            <a:fillRect/>
+          </a:stretch>
+        </p:blipFill>
+        <p:spPr>
+          <a:xfrm>
+            <a:off x="5661398" y="2517569"/>
+            <a:ext cx="6303810" cy="1822862"/>
+          </a:xfrm>
+          <a:prstGeom prst="rect">
+            <a:avLst/>
+          </a:prstGeom>
+        </p:spPr>
+      </p:pic>
+    </p:spTree>
+    <p:extLst>
+      <p:ext uri="{BB962C8B-B14F-4D97-AF65-F5344CB8AC3E}">
+        <p14:creationId xmlns:p14="http://schemas.microsoft.com/office/powerpoint/2010/main" val="2555717710"/>
+      </p:ext>
+    </p:extLst>
+  </p:cSld>
+  <p:clrMapOvr>
+    <a:masterClrMapping/>
+  </p:clrMapOvr>
+</p:sld>
+</file>
+
+<file path=ppt/slides/slide12.xml><?xml version="1.0" encoding="utf-8"?>
 <p:sld xmlns:a="http://schemas.openxmlformats.org/drawingml/2006/main" xmlns:r="http://schemas.openxmlformats.org/officeDocument/2006/relationships" xmlns:p="http://schemas.openxmlformats.org/presentationml/2006/main">
   <p:cSld>
     <p:bg>
@@ -5723,7 +6967,7 @@
 </p:sld>
 </file>
 
-<file path=ppt/slides/slide11.xml><?xml version="1.0" encoding="utf-8"?>
+<file path=ppt/slides/slide13.xml><?xml version="1.0" encoding="utf-8"?>
 <p:sld xmlns:a="http://schemas.openxmlformats.org/drawingml/2006/main" xmlns:r="http://schemas.openxmlformats.org/officeDocument/2006/relationships" xmlns:p="http://schemas.openxmlformats.org/presentationml/2006/main">
   <p:cSld>
     <p:bg>
@@ -6438,1256 +7682,6 @@
 </p:sld>
 </file>
 
-<file path=ppt/slides/slide12.xml><?xml version="1.0" encoding="utf-8"?>
-<p:sld xmlns:a="http://schemas.openxmlformats.org/drawingml/2006/main" xmlns:r="http://schemas.openxmlformats.org/officeDocument/2006/relationships" xmlns:p="http://schemas.openxmlformats.org/presentationml/2006/main">
-  <p:cSld>
-    <p:bg>
-      <p:bgPr>
-        <a:solidFill>
-          <a:schemeClr val="bg1"/>
-        </a:solidFill>
-        <a:effectLst/>
-      </p:bgPr>
-    </p:bg>
-    <p:spTree>
-      <p:nvGrpSpPr>
-        <p:cNvPr id="1" name=""/>
-        <p:cNvGrpSpPr/>
-        <p:nvPr/>
-      </p:nvGrpSpPr>
-      <p:grpSpPr>
-        <a:xfrm>
-          <a:off x="0" y="0"/>
-          <a:ext cx="0" cy="0"/>
-          <a:chOff x="0" y="0"/>
-          <a:chExt cx="0" cy="0"/>
-        </a:xfrm>
-      </p:grpSpPr>
-      <p:sp useBgFill="1">
-        <p:nvSpPr>
-          <p:cNvPr id="10" name="Rectangle 9">
-            <a:extLst>
-              <a:ext uri="{FF2B5EF4-FFF2-40B4-BE49-F238E27FC236}">
-                <a16:creationId xmlns:a16="http://schemas.microsoft.com/office/drawing/2014/main" id="{A169D286-F4D7-4C8B-A6BD-D05384C7F1D8}"/>
-              </a:ext>
-              <a:ext uri="{C183D7F6-B498-43B3-948B-1728B52AA6E4}">
-                <adec:decorative xmlns:adec="http://schemas.microsoft.com/office/drawing/2017/decorative" val="1"/>
-              </a:ext>
-            </a:extLst>
-          </p:cNvPr>
-          <p:cNvSpPr>
-            <a:spLocks noGrp="1" noRot="1" noChangeAspect="1" noMove="1" noResize="1" noEditPoints="1" noAdjustHandles="1" noChangeArrowheads="1" noChangeShapeType="1" noTextEdit="1"/>
-          </p:cNvSpPr>
-          <p:nvPr>
-            <p:extLst>
-              <p:ext uri="{386F3935-93C4-4BCD-93E2-E3B085C9AB24}">
-                <p16:designElem xmlns:p16="http://schemas.microsoft.com/office/powerpoint/2015/main" val="1"/>
-              </p:ext>
-            </p:extLst>
-          </p:nvPr>
-        </p:nvSpPr>
-        <p:spPr>
-          <a:xfrm>
-            <a:off x="0" y="0"/>
-            <a:ext cx="12188952" cy="6858000"/>
-          </a:xfrm>
-          <a:prstGeom prst="rect">
-            <a:avLst/>
-          </a:prstGeom>
-          <a:ln>
-            <a:noFill/>
-          </a:ln>
-        </p:spPr>
-        <p:style>
-          <a:lnRef idx="2">
-            <a:schemeClr val="accent1">
-              <a:shade val="50000"/>
-            </a:schemeClr>
-          </a:lnRef>
-          <a:fillRef idx="1">
-            <a:schemeClr val="accent1"/>
-          </a:fillRef>
-          <a:effectRef idx="0">
-            <a:schemeClr val="accent1"/>
-          </a:effectRef>
-          <a:fontRef idx="minor">
-            <a:schemeClr val="lt1"/>
-          </a:fontRef>
-        </p:style>
-        <p:txBody>
-          <a:bodyPr rtlCol="0" anchor="ctr"/>
-          <a:lstStyle/>
-          <a:p>
-            <a:pPr algn="ctr"/>
-            <a:endParaRPr lang="en-US"/>
-          </a:p>
-        </p:txBody>
-      </p:sp>
-      <p:sp>
-        <p:nvSpPr>
-          <p:cNvPr id="12" name="Freeform 6">
-            <a:extLst>
-              <a:ext uri="{FF2B5EF4-FFF2-40B4-BE49-F238E27FC236}">
-                <a16:creationId xmlns:a16="http://schemas.microsoft.com/office/drawing/2014/main" id="{39E8235E-135E-4261-8F54-2B316E493C42}"/>
-              </a:ext>
-              <a:ext uri="{C183D7F6-B498-43B3-948B-1728B52AA6E4}">
-                <adec:decorative xmlns:adec="http://schemas.microsoft.com/office/drawing/2017/decorative" val="1"/>
-              </a:ext>
-            </a:extLst>
-          </p:cNvPr>
-          <p:cNvSpPr>
-            <a:spLocks noGrp="1" noRot="1" noChangeAspect="1" noMove="1" noResize="1" noEditPoints="1" noAdjustHandles="1" noChangeArrowheads="1" noChangeShapeType="1" noTextEdit="1"/>
-          </p:cNvSpPr>
-          <p:nvPr>
-            <p:extLst>
-              <p:ext uri="{386F3935-93C4-4BCD-93E2-E3B085C9AB24}">
-                <p16:designElem xmlns:p16="http://schemas.microsoft.com/office/powerpoint/2015/main" val="1"/>
-              </p:ext>
-            </p:extLst>
-          </p:nvPr>
-        </p:nvSpPr>
-        <p:spPr bwMode="auto">
-          <a:xfrm>
-            <a:off x="4142164" y="610728"/>
-            <a:ext cx="759618" cy="5710965"/>
-          </a:xfrm>
-          <a:custGeom>
-            <a:avLst/>
-            <a:gdLst>
-              <a:gd name="T0" fmla="*/ 414 w 414"/>
-              <a:gd name="T1" fmla="*/ 2447 h 2447"/>
-              <a:gd name="T2" fmla="*/ 0 w 414"/>
-              <a:gd name="T3" fmla="*/ 2247 h 2447"/>
-              <a:gd name="T4" fmla="*/ 0 w 414"/>
-              <a:gd name="T5" fmla="*/ 0 h 2447"/>
-              <a:gd name="T6" fmla="*/ 414 w 414"/>
-              <a:gd name="T7" fmla="*/ 200 h 2447"/>
-              <a:gd name="T8" fmla="*/ 414 w 414"/>
-              <a:gd name="T9" fmla="*/ 2447 h 2447"/>
-            </a:gdLst>
-            <a:ahLst/>
-            <a:cxnLst>
-              <a:cxn ang="0">
-                <a:pos x="T0" y="T1"/>
-              </a:cxn>
-              <a:cxn ang="0">
-                <a:pos x="T2" y="T3"/>
-              </a:cxn>
-              <a:cxn ang="0">
-                <a:pos x="T4" y="T5"/>
-              </a:cxn>
-              <a:cxn ang="0">
-                <a:pos x="T6" y="T7"/>
-              </a:cxn>
-              <a:cxn ang="0">
-                <a:pos x="T8" y="T9"/>
-              </a:cxn>
-            </a:cxnLst>
-            <a:rect l="0" t="0" r="r" b="b"/>
-            <a:pathLst>
-              <a:path w="414" h="2447">
-                <a:moveTo>
-                  <a:pt x="414" y="2447"/>
-                </a:moveTo>
-                <a:lnTo>
-                  <a:pt x="0" y="2247"/>
-                </a:lnTo>
-                <a:lnTo>
-                  <a:pt x="0" y="0"/>
-                </a:lnTo>
-                <a:lnTo>
-                  <a:pt x="414" y="200"/>
-                </a:lnTo>
-                <a:lnTo>
-                  <a:pt x="414" y="2447"/>
-                </a:lnTo>
-                <a:close/>
-              </a:path>
-            </a:pathLst>
-          </a:custGeom>
-          <a:solidFill>
-            <a:schemeClr val="accent1">
-              <a:lumMod val="75000"/>
-            </a:schemeClr>
-          </a:solidFill>
-          <a:ln>
-            <a:noFill/>
-          </a:ln>
-        </p:spPr>
-        <p:txBody>
-          <a:bodyPr vert="horz" wrap="square" lIns="91440" tIns="45720" rIns="91440" bIns="45720" numCol="1" anchor="t" anchorCtr="0" compatLnSpc="1">
-            <a:prstTxWarp prst="textNoShape">
-              <a:avLst/>
-            </a:prstTxWarp>
-          </a:bodyPr>
-          <a:lstStyle/>
-          <a:p>
-            <a:endParaRPr lang="en-US"/>
-          </a:p>
-        </p:txBody>
-      </p:sp>
-      <p:sp>
-        <p:nvSpPr>
-          <p:cNvPr id="14" name="Freeform 7">
-            <a:extLst>
-              <a:ext uri="{FF2B5EF4-FFF2-40B4-BE49-F238E27FC236}">
-                <a16:creationId xmlns:a16="http://schemas.microsoft.com/office/drawing/2014/main" id="{D4ED8EC3-4D57-4620-93CE-4E6661F09A3E}"/>
-              </a:ext>
-              <a:ext uri="{C183D7F6-B498-43B3-948B-1728B52AA6E4}">
-                <adec:decorative xmlns:adec="http://schemas.microsoft.com/office/drawing/2017/decorative" val="1"/>
-              </a:ext>
-            </a:extLst>
-          </p:cNvPr>
-          <p:cNvSpPr>
-            <a:spLocks noGrp="1" noRot="1" noChangeAspect="1" noMove="1" noResize="1" noEditPoints="1" noAdjustHandles="1" noChangeArrowheads="1" noChangeShapeType="1" noTextEdit="1"/>
-          </p:cNvSpPr>
-          <p:nvPr>
-            <p:extLst>
-              <p:ext uri="{386F3935-93C4-4BCD-93E2-E3B085C9AB24}">
-                <p16:designElem xmlns:p16="http://schemas.microsoft.com/office/powerpoint/2015/main" val="1"/>
-              </p:ext>
-            </p:extLst>
-          </p:nvPr>
-        </p:nvSpPr>
-        <p:spPr bwMode="auto">
-          <a:xfrm>
-            <a:off x="4144437" y="343079"/>
-            <a:ext cx="482654" cy="5521414"/>
-          </a:xfrm>
-          <a:custGeom>
-            <a:avLst/>
-            <a:gdLst>
-              <a:gd name="T0" fmla="*/ 209 w 209"/>
-              <a:gd name="T1" fmla="*/ 2246 h 2358"/>
-              <a:gd name="T2" fmla="*/ 0 w 209"/>
-              <a:gd name="T3" fmla="*/ 2358 h 2358"/>
-              <a:gd name="T4" fmla="*/ 0 w 209"/>
-              <a:gd name="T5" fmla="*/ 111 h 2358"/>
-              <a:gd name="T6" fmla="*/ 209 w 209"/>
-              <a:gd name="T7" fmla="*/ 0 h 2358"/>
-              <a:gd name="T8" fmla="*/ 209 w 209"/>
-              <a:gd name="T9" fmla="*/ 2246 h 2358"/>
-            </a:gdLst>
-            <a:ahLst/>
-            <a:cxnLst>
-              <a:cxn ang="0">
-                <a:pos x="T0" y="T1"/>
-              </a:cxn>
-              <a:cxn ang="0">
-                <a:pos x="T2" y="T3"/>
-              </a:cxn>
-              <a:cxn ang="0">
-                <a:pos x="T4" y="T5"/>
-              </a:cxn>
-              <a:cxn ang="0">
-                <a:pos x="T6" y="T7"/>
-              </a:cxn>
-              <a:cxn ang="0">
-                <a:pos x="T8" y="T9"/>
-              </a:cxn>
-            </a:cxnLst>
-            <a:rect l="0" t="0" r="r" b="b"/>
-            <a:pathLst>
-              <a:path w="209" h="2358">
-                <a:moveTo>
-                  <a:pt x="209" y="2246"/>
-                </a:moveTo>
-                <a:lnTo>
-                  <a:pt x="0" y="2358"/>
-                </a:lnTo>
-                <a:lnTo>
-                  <a:pt x="0" y="111"/>
-                </a:lnTo>
-                <a:lnTo>
-                  <a:pt x="209" y="0"/>
-                </a:lnTo>
-                <a:lnTo>
-                  <a:pt x="209" y="2246"/>
-                </a:lnTo>
-                <a:close/>
-              </a:path>
-            </a:pathLst>
-          </a:custGeom>
-          <a:solidFill>
-            <a:schemeClr val="accent1">
-              <a:lumMod val="50000"/>
-            </a:schemeClr>
-          </a:solidFill>
-          <a:ln>
-            <a:noFill/>
-          </a:ln>
-        </p:spPr>
-        <p:txBody>
-          <a:bodyPr vert="horz" wrap="square" lIns="91440" tIns="45720" rIns="91440" bIns="45720" numCol="1" anchor="t" anchorCtr="0" compatLnSpc="1">
-            <a:prstTxWarp prst="textNoShape">
-              <a:avLst/>
-            </a:prstTxWarp>
-          </a:bodyPr>
-          <a:lstStyle/>
-          <a:p>
-            <a:endParaRPr lang="en-US"/>
-          </a:p>
-        </p:txBody>
-      </p:sp>
-      <p:sp>
-        <p:nvSpPr>
-          <p:cNvPr id="16" name="Freeform: Shape 15">
-            <a:extLst>
-              <a:ext uri="{FF2B5EF4-FFF2-40B4-BE49-F238E27FC236}">
-                <a16:creationId xmlns:a16="http://schemas.microsoft.com/office/drawing/2014/main" id="{83BCB34A-2F40-4F41-8488-A134C1C155B7}"/>
-              </a:ext>
-              <a:ext uri="{C183D7F6-B498-43B3-948B-1728B52AA6E4}">
-                <adec:decorative xmlns:adec="http://schemas.microsoft.com/office/drawing/2017/decorative" val="1"/>
-              </a:ext>
-            </a:extLst>
-          </p:cNvPr>
-          <p:cNvSpPr>
-            <a:spLocks noGrp="1" noRot="1" noChangeAspect="1" noMove="1" noResize="1" noEditPoints="1" noAdjustHandles="1" noChangeArrowheads="1" noChangeShapeType="1" noTextEdit="1"/>
-          </p:cNvSpPr>
-          <p:nvPr>
-            <p:extLst>
-              <p:ext uri="{386F3935-93C4-4BCD-93E2-E3B085C9AB24}">
-                <p16:designElem xmlns:p16="http://schemas.microsoft.com/office/powerpoint/2015/main" val="1"/>
-              </p:ext>
-            </p:extLst>
-          </p:nvPr>
-        </p:nvSpPr>
-        <p:spPr>
-          <a:xfrm>
-            <a:off x="-3045" y="340424"/>
-            <a:ext cx="4630139" cy="5265795"/>
-          </a:xfrm>
-          <a:custGeom>
-            <a:avLst/>
-            <a:gdLst>
-              <a:gd name="connsiteX0" fmla="*/ 0 w 4630139"/>
-              <a:gd name="connsiteY0" fmla="*/ 0 h 5265795"/>
-              <a:gd name="connsiteX1" fmla="*/ 4630139 w 4630139"/>
-              <a:gd name="connsiteY1" fmla="*/ 0 h 5265795"/>
-              <a:gd name="connsiteX2" fmla="*/ 4630139 w 4630139"/>
-              <a:gd name="connsiteY2" fmla="*/ 5265795 h 5265795"/>
-              <a:gd name="connsiteX3" fmla="*/ 0 w 4630139"/>
-              <a:gd name="connsiteY3" fmla="*/ 5265795 h 5265795"/>
-            </a:gdLst>
-            <a:ahLst/>
-            <a:cxnLst>
-              <a:cxn ang="0">
-                <a:pos x="connsiteX0" y="connsiteY0"/>
-              </a:cxn>
-              <a:cxn ang="0">
-                <a:pos x="connsiteX1" y="connsiteY1"/>
-              </a:cxn>
-              <a:cxn ang="0">
-                <a:pos x="connsiteX2" y="connsiteY2"/>
-              </a:cxn>
-              <a:cxn ang="0">
-                <a:pos x="connsiteX3" y="connsiteY3"/>
-              </a:cxn>
-            </a:cxnLst>
-            <a:rect l="l" t="t" r="r" b="b"/>
-            <a:pathLst>
-              <a:path w="4630139" h="5265795">
-                <a:moveTo>
-                  <a:pt x="0" y="0"/>
-                </a:moveTo>
-                <a:lnTo>
-                  <a:pt x="4630139" y="0"/>
-                </a:lnTo>
-                <a:lnTo>
-                  <a:pt x="4630139" y="5265795"/>
-                </a:lnTo>
-                <a:lnTo>
-                  <a:pt x="0" y="5265795"/>
-                </a:lnTo>
-                <a:close/>
-              </a:path>
-            </a:pathLst>
-          </a:custGeom>
-          <a:ln>
-            <a:noFill/>
-          </a:ln>
-        </p:spPr>
-        <p:style>
-          <a:lnRef idx="2">
-            <a:schemeClr val="accent1">
-              <a:shade val="50000"/>
-            </a:schemeClr>
-          </a:lnRef>
-          <a:fillRef idx="1">
-            <a:schemeClr val="accent1"/>
-          </a:fillRef>
-          <a:effectRef idx="0">
-            <a:schemeClr val="accent1"/>
-          </a:effectRef>
-          <a:fontRef idx="minor">
-            <a:schemeClr val="lt1"/>
-          </a:fontRef>
-        </p:style>
-        <p:txBody>
-          <a:bodyPr wrap="square" rtlCol="0" anchor="ctr">
-            <a:noAutofit/>
-          </a:bodyPr>
-          <a:lstStyle/>
-          <a:p>
-            <a:pPr algn="ctr"/>
-            <a:endParaRPr lang="en-US"/>
-          </a:p>
-        </p:txBody>
-      </p:sp>
-      <p:sp>
-        <p:nvSpPr>
-          <p:cNvPr id="18" name="Freeform: Shape 17">
-            <a:extLst>
-              <a:ext uri="{FF2B5EF4-FFF2-40B4-BE49-F238E27FC236}">
-                <a16:creationId xmlns:a16="http://schemas.microsoft.com/office/drawing/2014/main" id="{F78382DC-4207-465E-B379-1E16448AA222}"/>
-              </a:ext>
-              <a:ext uri="{C183D7F6-B498-43B3-948B-1728B52AA6E4}">
-                <adec:decorative xmlns:adec="http://schemas.microsoft.com/office/drawing/2017/decorative" val="1"/>
-              </a:ext>
-            </a:extLst>
-          </p:cNvPr>
-          <p:cNvSpPr>
-            <a:spLocks noGrp="1" noRot="1" noChangeAspect="1" noMove="1" noResize="1" noEditPoints="1" noAdjustHandles="1" noChangeArrowheads="1" noChangeShapeType="1" noTextEdit="1"/>
-          </p:cNvSpPr>
-          <p:nvPr>
-            <p:extLst>
-              <p:ext uri="{386F3935-93C4-4BCD-93E2-E3B085C9AB24}">
-                <p16:designElem xmlns:p16="http://schemas.microsoft.com/office/powerpoint/2015/main" val="1"/>
-              </p:ext>
-            </p:extLst>
-          </p:nvPr>
-        </p:nvSpPr>
-        <p:spPr>
-          <a:xfrm>
-            <a:off x="4901780" y="1071563"/>
-            <a:ext cx="7290218" cy="5242298"/>
-          </a:xfrm>
-          <a:custGeom>
-            <a:avLst/>
-            <a:gdLst>
-              <a:gd name="connsiteX0" fmla="*/ 0 w 7290218"/>
-              <a:gd name="connsiteY0" fmla="*/ 0 h 5242298"/>
-              <a:gd name="connsiteX1" fmla="*/ 7290218 w 7290218"/>
-              <a:gd name="connsiteY1" fmla="*/ 0 h 5242298"/>
-              <a:gd name="connsiteX2" fmla="*/ 7290218 w 7290218"/>
-              <a:gd name="connsiteY2" fmla="*/ 5242298 h 5242298"/>
-              <a:gd name="connsiteX3" fmla="*/ 0 w 7290218"/>
-              <a:gd name="connsiteY3" fmla="*/ 5242298 h 5242298"/>
-            </a:gdLst>
-            <a:ahLst/>
-            <a:cxnLst>
-              <a:cxn ang="0">
-                <a:pos x="connsiteX0" y="connsiteY0"/>
-              </a:cxn>
-              <a:cxn ang="0">
-                <a:pos x="connsiteX1" y="connsiteY1"/>
-              </a:cxn>
-              <a:cxn ang="0">
-                <a:pos x="connsiteX2" y="connsiteY2"/>
-              </a:cxn>
-              <a:cxn ang="0">
-                <a:pos x="connsiteX3" y="connsiteY3"/>
-              </a:cxn>
-            </a:cxnLst>
-            <a:rect l="l" t="t" r="r" b="b"/>
-            <a:pathLst>
-              <a:path w="7290218" h="5242298">
-                <a:moveTo>
-                  <a:pt x="0" y="0"/>
-                </a:moveTo>
-                <a:lnTo>
-                  <a:pt x="7290218" y="0"/>
-                </a:lnTo>
-                <a:lnTo>
-                  <a:pt x="7290218" y="5242298"/>
-                </a:lnTo>
-                <a:lnTo>
-                  <a:pt x="0" y="5242298"/>
-                </a:lnTo>
-                <a:close/>
-              </a:path>
-            </a:pathLst>
-          </a:custGeom>
-          <a:ln>
-            <a:noFill/>
-          </a:ln>
-        </p:spPr>
-        <p:style>
-          <a:lnRef idx="2">
-            <a:schemeClr val="accent1">
-              <a:shade val="50000"/>
-            </a:schemeClr>
-          </a:lnRef>
-          <a:fillRef idx="1">
-            <a:schemeClr val="accent1"/>
-          </a:fillRef>
-          <a:effectRef idx="0">
-            <a:schemeClr val="accent1"/>
-          </a:effectRef>
-          <a:fontRef idx="minor">
-            <a:schemeClr val="lt1"/>
-          </a:fontRef>
-        </p:style>
-        <p:txBody>
-          <a:bodyPr wrap="square" rtlCol="0" anchor="ctr">
-            <a:noAutofit/>
-          </a:bodyPr>
-          <a:lstStyle/>
-          <a:p>
-            <a:pPr algn="ctr"/>
-            <a:endParaRPr lang="en-US"/>
-          </a:p>
-        </p:txBody>
-      </p:sp>
-      <p:pic>
-        <p:nvPicPr>
-          <p:cNvPr id="6" name="Immagine 5">
-            <a:extLst>
-              <a:ext uri="{FF2B5EF4-FFF2-40B4-BE49-F238E27FC236}">
-                <a16:creationId xmlns:a16="http://schemas.microsoft.com/office/drawing/2014/main" id="{319EA13C-A6AF-4154-806E-8ACB28521B7A}"/>
-              </a:ext>
-            </a:extLst>
-          </p:cNvPr>
-          <p:cNvPicPr>
-            <a:picLocks noChangeAspect="1"/>
-          </p:cNvPicPr>
-          <p:nvPr/>
-        </p:nvPicPr>
-        <p:blipFill>
-          <a:blip r:embed="rId2">
-            <a:extLst>
-              <a:ext uri="{28A0092B-C50C-407E-A947-70E740481C1C}">
-                <a14:useLocalDpi xmlns:a14="http://schemas.microsoft.com/office/drawing/2010/main" val="0"/>
-              </a:ext>
-            </a:extLst>
-          </a:blip>
-          <a:stretch>
-            <a:fillRect/>
-          </a:stretch>
-        </p:blipFill>
-        <p:spPr>
-          <a:xfrm>
-            <a:off x="1804432" y="4165599"/>
-            <a:ext cx="2792123" cy="1570569"/>
-          </a:xfrm>
-          <a:prstGeom prst="rect">
-            <a:avLst/>
-          </a:prstGeom>
-        </p:spPr>
-      </p:pic>
-      <p:sp>
-        <p:nvSpPr>
-          <p:cNvPr id="7" name="CasellaDiTesto 6">
-            <a:extLst>
-              <a:ext uri="{FF2B5EF4-FFF2-40B4-BE49-F238E27FC236}">
-                <a16:creationId xmlns:a16="http://schemas.microsoft.com/office/drawing/2014/main" id="{777A3FD9-3801-41F7-8DD1-4AF4E3125BFE}"/>
-              </a:ext>
-            </a:extLst>
-          </p:cNvPr>
-          <p:cNvSpPr txBox="1"/>
-          <p:nvPr/>
-        </p:nvSpPr>
-        <p:spPr>
-          <a:xfrm>
-            <a:off x="3048" y="705138"/>
-            <a:ext cx="4627091" cy="1569660"/>
-          </a:xfrm>
-          <a:prstGeom prst="rect">
-            <a:avLst/>
-          </a:prstGeom>
-          <a:noFill/>
-        </p:spPr>
-        <p:txBody>
-          <a:bodyPr wrap="square" rtlCol="0">
-            <a:spAutoFit/>
-          </a:bodyPr>
-          <a:lstStyle/>
-          <a:p>
-            <a:r>
-              <a:rPr lang="it-IT" sz="2400" dirty="0">
-                <a:solidFill>
-                  <a:schemeClr val="bg1"/>
-                </a:solidFill>
-              </a:rPr>
-              <a:t>Per rendere meglio l’idea dell’interazione tra sistema e utente presentiamo lo state chart dell’operazione</a:t>
-            </a:r>
-          </a:p>
-        </p:txBody>
-      </p:sp>
-      <p:pic>
-        <p:nvPicPr>
-          <p:cNvPr id="11" name="Immagine 10">
-            <a:extLst>
-              <a:ext uri="{FF2B5EF4-FFF2-40B4-BE49-F238E27FC236}">
-                <a16:creationId xmlns:a16="http://schemas.microsoft.com/office/drawing/2014/main" id="{32639F8C-AE53-47A6-9374-A4BFF7F8FEC1}"/>
-              </a:ext>
-            </a:extLst>
-          </p:cNvPr>
-          <p:cNvPicPr>
-            <a:picLocks noChangeAspect="1"/>
-          </p:cNvPicPr>
-          <p:nvPr/>
-        </p:nvPicPr>
-        <p:blipFill>
-          <a:blip r:embed="rId3">
-            <a:extLst>
-              <a:ext uri="{28A0092B-C50C-407E-A947-70E740481C1C}">
-                <a14:useLocalDpi xmlns:a14="http://schemas.microsoft.com/office/drawing/2010/main" val="0"/>
-              </a:ext>
-            </a:extLst>
-          </a:blip>
-          <a:stretch>
-            <a:fillRect/>
-          </a:stretch>
-        </p:blipFill>
-        <p:spPr>
-          <a:xfrm>
-            <a:off x="5356171" y="1451840"/>
-            <a:ext cx="6556065" cy="4481744"/>
-          </a:xfrm>
-          <a:prstGeom prst="rect">
-            <a:avLst/>
-          </a:prstGeom>
-        </p:spPr>
-      </p:pic>
-    </p:spTree>
-    <p:extLst>
-      <p:ext uri="{BB962C8B-B14F-4D97-AF65-F5344CB8AC3E}">
-        <p14:creationId xmlns:p14="http://schemas.microsoft.com/office/powerpoint/2010/main" val="3485280220"/>
-      </p:ext>
-    </p:extLst>
-  </p:cSld>
-  <p:clrMapOvr>
-    <a:masterClrMapping/>
-  </p:clrMapOvr>
-</p:sld>
-</file>
-
-<file path=ppt/slides/slide13.xml><?xml version="1.0" encoding="utf-8"?>
-<p:sld xmlns:a="http://schemas.openxmlformats.org/drawingml/2006/main" xmlns:r="http://schemas.openxmlformats.org/officeDocument/2006/relationships" xmlns:p="http://schemas.openxmlformats.org/presentationml/2006/main">
-  <p:cSld>
-    <p:bg>
-      <p:bgPr>
-        <a:solidFill>
-          <a:schemeClr val="bg1"/>
-        </a:solidFill>
-        <a:effectLst/>
-      </p:bgPr>
-    </p:bg>
-    <p:spTree>
-      <p:nvGrpSpPr>
-        <p:cNvPr id="1" name=""/>
-        <p:cNvGrpSpPr/>
-        <p:nvPr/>
-      </p:nvGrpSpPr>
-      <p:grpSpPr>
-        <a:xfrm>
-          <a:off x="0" y="0"/>
-          <a:ext cx="0" cy="0"/>
-          <a:chOff x="0" y="0"/>
-          <a:chExt cx="0" cy="0"/>
-        </a:xfrm>
-      </p:grpSpPr>
-      <p:sp useBgFill="1">
-        <p:nvSpPr>
-          <p:cNvPr id="10" name="Rectangle 9">
-            <a:extLst>
-              <a:ext uri="{FF2B5EF4-FFF2-40B4-BE49-F238E27FC236}">
-                <a16:creationId xmlns:a16="http://schemas.microsoft.com/office/drawing/2014/main" id="{A169D286-F4D7-4C8B-A6BD-D05384C7F1D8}"/>
-              </a:ext>
-              <a:ext uri="{C183D7F6-B498-43B3-948B-1728B52AA6E4}">
-                <adec:decorative xmlns:adec="http://schemas.microsoft.com/office/drawing/2017/decorative" val="1"/>
-              </a:ext>
-            </a:extLst>
-          </p:cNvPr>
-          <p:cNvSpPr>
-            <a:spLocks noGrp="1" noRot="1" noChangeAspect="1" noMove="1" noResize="1" noEditPoints="1" noAdjustHandles="1" noChangeArrowheads="1" noChangeShapeType="1" noTextEdit="1"/>
-          </p:cNvSpPr>
-          <p:nvPr>
-            <p:extLst>
-              <p:ext uri="{386F3935-93C4-4BCD-93E2-E3B085C9AB24}">
-                <p16:designElem xmlns:p16="http://schemas.microsoft.com/office/powerpoint/2015/main" val="1"/>
-              </p:ext>
-            </p:extLst>
-          </p:nvPr>
-        </p:nvSpPr>
-        <p:spPr>
-          <a:xfrm>
-            <a:off x="0" y="0"/>
-            <a:ext cx="12188952" cy="6858000"/>
-          </a:xfrm>
-          <a:prstGeom prst="rect">
-            <a:avLst/>
-          </a:prstGeom>
-          <a:ln>
-            <a:noFill/>
-          </a:ln>
-        </p:spPr>
-        <p:style>
-          <a:lnRef idx="2">
-            <a:schemeClr val="accent1">
-              <a:shade val="50000"/>
-            </a:schemeClr>
-          </a:lnRef>
-          <a:fillRef idx="1">
-            <a:schemeClr val="accent1"/>
-          </a:fillRef>
-          <a:effectRef idx="0">
-            <a:schemeClr val="accent1"/>
-          </a:effectRef>
-          <a:fontRef idx="minor">
-            <a:schemeClr val="lt1"/>
-          </a:fontRef>
-        </p:style>
-        <p:txBody>
-          <a:bodyPr rtlCol="0" anchor="ctr"/>
-          <a:lstStyle/>
-          <a:p>
-            <a:pPr algn="ctr"/>
-            <a:endParaRPr lang="en-US"/>
-          </a:p>
-        </p:txBody>
-      </p:sp>
-      <p:sp>
-        <p:nvSpPr>
-          <p:cNvPr id="12" name="Freeform 6">
-            <a:extLst>
-              <a:ext uri="{FF2B5EF4-FFF2-40B4-BE49-F238E27FC236}">
-                <a16:creationId xmlns:a16="http://schemas.microsoft.com/office/drawing/2014/main" id="{39E8235E-135E-4261-8F54-2B316E493C42}"/>
-              </a:ext>
-              <a:ext uri="{C183D7F6-B498-43B3-948B-1728B52AA6E4}">
-                <adec:decorative xmlns:adec="http://schemas.microsoft.com/office/drawing/2017/decorative" val="1"/>
-              </a:ext>
-            </a:extLst>
-          </p:cNvPr>
-          <p:cNvSpPr>
-            <a:spLocks noGrp="1" noRot="1" noChangeAspect="1" noMove="1" noResize="1" noEditPoints="1" noAdjustHandles="1" noChangeArrowheads="1" noChangeShapeType="1" noTextEdit="1"/>
-          </p:cNvSpPr>
-          <p:nvPr>
-            <p:extLst>
-              <p:ext uri="{386F3935-93C4-4BCD-93E2-E3B085C9AB24}">
-                <p16:designElem xmlns:p16="http://schemas.microsoft.com/office/powerpoint/2015/main" val="1"/>
-              </p:ext>
-            </p:extLst>
-          </p:nvPr>
-        </p:nvSpPr>
-        <p:spPr bwMode="auto">
-          <a:xfrm>
-            <a:off x="4142164" y="610728"/>
-            <a:ext cx="759618" cy="5710965"/>
-          </a:xfrm>
-          <a:custGeom>
-            <a:avLst/>
-            <a:gdLst>
-              <a:gd name="T0" fmla="*/ 414 w 414"/>
-              <a:gd name="T1" fmla="*/ 2447 h 2447"/>
-              <a:gd name="T2" fmla="*/ 0 w 414"/>
-              <a:gd name="T3" fmla="*/ 2247 h 2447"/>
-              <a:gd name="T4" fmla="*/ 0 w 414"/>
-              <a:gd name="T5" fmla="*/ 0 h 2447"/>
-              <a:gd name="T6" fmla="*/ 414 w 414"/>
-              <a:gd name="T7" fmla="*/ 200 h 2447"/>
-              <a:gd name="T8" fmla="*/ 414 w 414"/>
-              <a:gd name="T9" fmla="*/ 2447 h 2447"/>
-            </a:gdLst>
-            <a:ahLst/>
-            <a:cxnLst>
-              <a:cxn ang="0">
-                <a:pos x="T0" y="T1"/>
-              </a:cxn>
-              <a:cxn ang="0">
-                <a:pos x="T2" y="T3"/>
-              </a:cxn>
-              <a:cxn ang="0">
-                <a:pos x="T4" y="T5"/>
-              </a:cxn>
-              <a:cxn ang="0">
-                <a:pos x="T6" y="T7"/>
-              </a:cxn>
-              <a:cxn ang="0">
-                <a:pos x="T8" y="T9"/>
-              </a:cxn>
-            </a:cxnLst>
-            <a:rect l="0" t="0" r="r" b="b"/>
-            <a:pathLst>
-              <a:path w="414" h="2447">
-                <a:moveTo>
-                  <a:pt x="414" y="2447"/>
-                </a:moveTo>
-                <a:lnTo>
-                  <a:pt x="0" y="2247"/>
-                </a:lnTo>
-                <a:lnTo>
-                  <a:pt x="0" y="0"/>
-                </a:lnTo>
-                <a:lnTo>
-                  <a:pt x="414" y="200"/>
-                </a:lnTo>
-                <a:lnTo>
-                  <a:pt x="414" y="2447"/>
-                </a:lnTo>
-                <a:close/>
-              </a:path>
-            </a:pathLst>
-          </a:custGeom>
-          <a:solidFill>
-            <a:schemeClr val="accent1">
-              <a:lumMod val="75000"/>
-            </a:schemeClr>
-          </a:solidFill>
-          <a:ln>
-            <a:noFill/>
-          </a:ln>
-        </p:spPr>
-        <p:txBody>
-          <a:bodyPr vert="horz" wrap="square" lIns="91440" tIns="45720" rIns="91440" bIns="45720" numCol="1" anchor="t" anchorCtr="0" compatLnSpc="1">
-            <a:prstTxWarp prst="textNoShape">
-              <a:avLst/>
-            </a:prstTxWarp>
-          </a:bodyPr>
-          <a:lstStyle/>
-          <a:p>
-            <a:endParaRPr lang="en-US"/>
-          </a:p>
-        </p:txBody>
-      </p:sp>
-      <p:sp>
-        <p:nvSpPr>
-          <p:cNvPr id="14" name="Freeform 7">
-            <a:extLst>
-              <a:ext uri="{FF2B5EF4-FFF2-40B4-BE49-F238E27FC236}">
-                <a16:creationId xmlns:a16="http://schemas.microsoft.com/office/drawing/2014/main" id="{D4ED8EC3-4D57-4620-93CE-4E6661F09A3E}"/>
-              </a:ext>
-              <a:ext uri="{C183D7F6-B498-43B3-948B-1728B52AA6E4}">
-                <adec:decorative xmlns:adec="http://schemas.microsoft.com/office/drawing/2017/decorative" val="1"/>
-              </a:ext>
-            </a:extLst>
-          </p:cNvPr>
-          <p:cNvSpPr>
-            <a:spLocks noGrp="1" noRot="1" noChangeAspect="1" noMove="1" noResize="1" noEditPoints="1" noAdjustHandles="1" noChangeArrowheads="1" noChangeShapeType="1" noTextEdit="1"/>
-          </p:cNvSpPr>
-          <p:nvPr>
-            <p:extLst>
-              <p:ext uri="{386F3935-93C4-4BCD-93E2-E3B085C9AB24}">
-                <p16:designElem xmlns:p16="http://schemas.microsoft.com/office/powerpoint/2015/main" val="1"/>
-              </p:ext>
-            </p:extLst>
-          </p:nvPr>
-        </p:nvSpPr>
-        <p:spPr bwMode="auto">
-          <a:xfrm>
-            <a:off x="4144437" y="343079"/>
-            <a:ext cx="482654" cy="5521414"/>
-          </a:xfrm>
-          <a:custGeom>
-            <a:avLst/>
-            <a:gdLst>
-              <a:gd name="T0" fmla="*/ 209 w 209"/>
-              <a:gd name="T1" fmla="*/ 2246 h 2358"/>
-              <a:gd name="T2" fmla="*/ 0 w 209"/>
-              <a:gd name="T3" fmla="*/ 2358 h 2358"/>
-              <a:gd name="T4" fmla="*/ 0 w 209"/>
-              <a:gd name="T5" fmla="*/ 111 h 2358"/>
-              <a:gd name="T6" fmla="*/ 209 w 209"/>
-              <a:gd name="T7" fmla="*/ 0 h 2358"/>
-              <a:gd name="T8" fmla="*/ 209 w 209"/>
-              <a:gd name="T9" fmla="*/ 2246 h 2358"/>
-            </a:gdLst>
-            <a:ahLst/>
-            <a:cxnLst>
-              <a:cxn ang="0">
-                <a:pos x="T0" y="T1"/>
-              </a:cxn>
-              <a:cxn ang="0">
-                <a:pos x="T2" y="T3"/>
-              </a:cxn>
-              <a:cxn ang="0">
-                <a:pos x="T4" y="T5"/>
-              </a:cxn>
-              <a:cxn ang="0">
-                <a:pos x="T6" y="T7"/>
-              </a:cxn>
-              <a:cxn ang="0">
-                <a:pos x="T8" y="T9"/>
-              </a:cxn>
-            </a:cxnLst>
-            <a:rect l="0" t="0" r="r" b="b"/>
-            <a:pathLst>
-              <a:path w="209" h="2358">
-                <a:moveTo>
-                  <a:pt x="209" y="2246"/>
-                </a:moveTo>
-                <a:lnTo>
-                  <a:pt x="0" y="2358"/>
-                </a:lnTo>
-                <a:lnTo>
-                  <a:pt x="0" y="111"/>
-                </a:lnTo>
-                <a:lnTo>
-                  <a:pt x="209" y="0"/>
-                </a:lnTo>
-                <a:lnTo>
-                  <a:pt x="209" y="2246"/>
-                </a:lnTo>
-                <a:close/>
-              </a:path>
-            </a:pathLst>
-          </a:custGeom>
-          <a:solidFill>
-            <a:schemeClr val="accent1">
-              <a:lumMod val="50000"/>
-            </a:schemeClr>
-          </a:solidFill>
-          <a:ln>
-            <a:noFill/>
-          </a:ln>
-        </p:spPr>
-        <p:txBody>
-          <a:bodyPr vert="horz" wrap="square" lIns="91440" tIns="45720" rIns="91440" bIns="45720" numCol="1" anchor="t" anchorCtr="0" compatLnSpc="1">
-            <a:prstTxWarp prst="textNoShape">
-              <a:avLst/>
-            </a:prstTxWarp>
-          </a:bodyPr>
-          <a:lstStyle/>
-          <a:p>
-            <a:endParaRPr lang="en-US"/>
-          </a:p>
-        </p:txBody>
-      </p:sp>
-      <p:sp>
-        <p:nvSpPr>
-          <p:cNvPr id="16" name="Freeform: Shape 15">
-            <a:extLst>
-              <a:ext uri="{FF2B5EF4-FFF2-40B4-BE49-F238E27FC236}">
-                <a16:creationId xmlns:a16="http://schemas.microsoft.com/office/drawing/2014/main" id="{83BCB34A-2F40-4F41-8488-A134C1C155B7}"/>
-              </a:ext>
-              <a:ext uri="{C183D7F6-B498-43B3-948B-1728B52AA6E4}">
-                <adec:decorative xmlns:adec="http://schemas.microsoft.com/office/drawing/2017/decorative" val="1"/>
-              </a:ext>
-            </a:extLst>
-          </p:cNvPr>
-          <p:cNvSpPr>
-            <a:spLocks noGrp="1" noRot="1" noChangeAspect="1" noMove="1" noResize="1" noEditPoints="1" noAdjustHandles="1" noChangeArrowheads="1" noChangeShapeType="1" noTextEdit="1"/>
-          </p:cNvSpPr>
-          <p:nvPr>
-            <p:extLst>
-              <p:ext uri="{386F3935-93C4-4BCD-93E2-E3B085C9AB24}">
-                <p16:designElem xmlns:p16="http://schemas.microsoft.com/office/powerpoint/2015/main" val="1"/>
-              </p:ext>
-            </p:extLst>
-          </p:nvPr>
-        </p:nvSpPr>
-        <p:spPr>
-          <a:xfrm>
-            <a:off x="-3045" y="340424"/>
-            <a:ext cx="4630139" cy="5265795"/>
-          </a:xfrm>
-          <a:custGeom>
-            <a:avLst/>
-            <a:gdLst>
-              <a:gd name="connsiteX0" fmla="*/ 0 w 4630139"/>
-              <a:gd name="connsiteY0" fmla="*/ 0 h 5265795"/>
-              <a:gd name="connsiteX1" fmla="*/ 4630139 w 4630139"/>
-              <a:gd name="connsiteY1" fmla="*/ 0 h 5265795"/>
-              <a:gd name="connsiteX2" fmla="*/ 4630139 w 4630139"/>
-              <a:gd name="connsiteY2" fmla="*/ 5265795 h 5265795"/>
-              <a:gd name="connsiteX3" fmla="*/ 0 w 4630139"/>
-              <a:gd name="connsiteY3" fmla="*/ 5265795 h 5265795"/>
-            </a:gdLst>
-            <a:ahLst/>
-            <a:cxnLst>
-              <a:cxn ang="0">
-                <a:pos x="connsiteX0" y="connsiteY0"/>
-              </a:cxn>
-              <a:cxn ang="0">
-                <a:pos x="connsiteX1" y="connsiteY1"/>
-              </a:cxn>
-              <a:cxn ang="0">
-                <a:pos x="connsiteX2" y="connsiteY2"/>
-              </a:cxn>
-              <a:cxn ang="0">
-                <a:pos x="connsiteX3" y="connsiteY3"/>
-              </a:cxn>
-            </a:cxnLst>
-            <a:rect l="l" t="t" r="r" b="b"/>
-            <a:pathLst>
-              <a:path w="4630139" h="5265795">
-                <a:moveTo>
-                  <a:pt x="0" y="0"/>
-                </a:moveTo>
-                <a:lnTo>
-                  <a:pt x="4630139" y="0"/>
-                </a:lnTo>
-                <a:lnTo>
-                  <a:pt x="4630139" y="5265795"/>
-                </a:lnTo>
-                <a:lnTo>
-                  <a:pt x="0" y="5265795"/>
-                </a:lnTo>
-                <a:close/>
-              </a:path>
-            </a:pathLst>
-          </a:custGeom>
-          <a:ln>
-            <a:noFill/>
-          </a:ln>
-        </p:spPr>
-        <p:style>
-          <a:lnRef idx="2">
-            <a:schemeClr val="accent1">
-              <a:shade val="50000"/>
-            </a:schemeClr>
-          </a:lnRef>
-          <a:fillRef idx="1">
-            <a:schemeClr val="accent1"/>
-          </a:fillRef>
-          <a:effectRef idx="0">
-            <a:schemeClr val="accent1"/>
-          </a:effectRef>
-          <a:fontRef idx="minor">
-            <a:schemeClr val="lt1"/>
-          </a:fontRef>
-        </p:style>
-        <p:txBody>
-          <a:bodyPr wrap="square" rtlCol="0" anchor="ctr">
-            <a:noAutofit/>
-          </a:bodyPr>
-          <a:lstStyle/>
-          <a:p>
-            <a:pPr algn="ctr"/>
-            <a:endParaRPr lang="en-US"/>
-          </a:p>
-        </p:txBody>
-      </p:sp>
-      <p:sp>
-        <p:nvSpPr>
-          <p:cNvPr id="18" name="Freeform: Shape 17">
-            <a:extLst>
-              <a:ext uri="{FF2B5EF4-FFF2-40B4-BE49-F238E27FC236}">
-                <a16:creationId xmlns:a16="http://schemas.microsoft.com/office/drawing/2014/main" id="{F78382DC-4207-465E-B379-1E16448AA222}"/>
-              </a:ext>
-              <a:ext uri="{C183D7F6-B498-43B3-948B-1728B52AA6E4}">
-                <adec:decorative xmlns:adec="http://schemas.microsoft.com/office/drawing/2017/decorative" val="1"/>
-              </a:ext>
-            </a:extLst>
-          </p:cNvPr>
-          <p:cNvSpPr>
-            <a:spLocks noGrp="1" noRot="1" noChangeAspect="1" noMove="1" noResize="1" noEditPoints="1" noAdjustHandles="1" noChangeArrowheads="1" noChangeShapeType="1" noTextEdit="1"/>
-          </p:cNvSpPr>
-          <p:nvPr>
-            <p:extLst>
-              <p:ext uri="{386F3935-93C4-4BCD-93E2-E3B085C9AB24}">
-                <p16:designElem xmlns:p16="http://schemas.microsoft.com/office/powerpoint/2015/main" val="1"/>
-              </p:ext>
-            </p:extLst>
-          </p:nvPr>
-        </p:nvSpPr>
-        <p:spPr>
-          <a:xfrm>
-            <a:off x="4901780" y="1071563"/>
-            <a:ext cx="7290218" cy="5242298"/>
-          </a:xfrm>
-          <a:custGeom>
-            <a:avLst/>
-            <a:gdLst>
-              <a:gd name="connsiteX0" fmla="*/ 0 w 7290218"/>
-              <a:gd name="connsiteY0" fmla="*/ 0 h 5242298"/>
-              <a:gd name="connsiteX1" fmla="*/ 7290218 w 7290218"/>
-              <a:gd name="connsiteY1" fmla="*/ 0 h 5242298"/>
-              <a:gd name="connsiteX2" fmla="*/ 7290218 w 7290218"/>
-              <a:gd name="connsiteY2" fmla="*/ 5242298 h 5242298"/>
-              <a:gd name="connsiteX3" fmla="*/ 0 w 7290218"/>
-              <a:gd name="connsiteY3" fmla="*/ 5242298 h 5242298"/>
-            </a:gdLst>
-            <a:ahLst/>
-            <a:cxnLst>
-              <a:cxn ang="0">
-                <a:pos x="connsiteX0" y="connsiteY0"/>
-              </a:cxn>
-              <a:cxn ang="0">
-                <a:pos x="connsiteX1" y="connsiteY1"/>
-              </a:cxn>
-              <a:cxn ang="0">
-                <a:pos x="connsiteX2" y="connsiteY2"/>
-              </a:cxn>
-              <a:cxn ang="0">
-                <a:pos x="connsiteX3" y="connsiteY3"/>
-              </a:cxn>
-            </a:cxnLst>
-            <a:rect l="l" t="t" r="r" b="b"/>
-            <a:pathLst>
-              <a:path w="7290218" h="5242298">
-                <a:moveTo>
-                  <a:pt x="0" y="0"/>
-                </a:moveTo>
-                <a:lnTo>
-                  <a:pt x="7290218" y="0"/>
-                </a:lnTo>
-                <a:lnTo>
-                  <a:pt x="7290218" y="5242298"/>
-                </a:lnTo>
-                <a:lnTo>
-                  <a:pt x="0" y="5242298"/>
-                </a:lnTo>
-                <a:close/>
-              </a:path>
-            </a:pathLst>
-          </a:custGeom>
-          <a:ln>
-            <a:noFill/>
-          </a:ln>
-        </p:spPr>
-        <p:style>
-          <a:lnRef idx="2">
-            <a:schemeClr val="accent1">
-              <a:shade val="50000"/>
-            </a:schemeClr>
-          </a:lnRef>
-          <a:fillRef idx="1">
-            <a:schemeClr val="accent1"/>
-          </a:fillRef>
-          <a:effectRef idx="0">
-            <a:schemeClr val="accent1"/>
-          </a:effectRef>
-          <a:fontRef idx="minor">
-            <a:schemeClr val="lt1"/>
-          </a:fontRef>
-        </p:style>
-        <p:txBody>
-          <a:bodyPr wrap="square" rtlCol="0" anchor="ctr">
-            <a:noAutofit/>
-          </a:bodyPr>
-          <a:lstStyle/>
-          <a:p>
-            <a:pPr algn="ctr"/>
-            <a:endParaRPr lang="en-US"/>
-          </a:p>
-        </p:txBody>
-      </p:sp>
-      <p:pic>
-        <p:nvPicPr>
-          <p:cNvPr id="6" name="Immagine 5">
-            <a:extLst>
-              <a:ext uri="{FF2B5EF4-FFF2-40B4-BE49-F238E27FC236}">
-                <a16:creationId xmlns:a16="http://schemas.microsoft.com/office/drawing/2014/main" id="{319EA13C-A6AF-4154-806E-8ACB28521B7A}"/>
-              </a:ext>
-            </a:extLst>
-          </p:cNvPr>
-          <p:cNvPicPr>
-            <a:picLocks noChangeAspect="1"/>
-          </p:cNvPicPr>
-          <p:nvPr/>
-        </p:nvPicPr>
-        <p:blipFill>
-          <a:blip r:embed="rId2">
-            <a:extLst>
-              <a:ext uri="{28A0092B-C50C-407E-A947-70E740481C1C}">
-                <a14:useLocalDpi xmlns:a14="http://schemas.microsoft.com/office/drawing/2010/main" val="0"/>
-              </a:ext>
-            </a:extLst>
-          </a:blip>
-          <a:stretch>
-            <a:fillRect/>
-          </a:stretch>
-        </p:blipFill>
-        <p:spPr>
-          <a:xfrm>
-            <a:off x="1804432" y="4165599"/>
-            <a:ext cx="2792123" cy="1570569"/>
-          </a:xfrm>
-          <a:prstGeom prst="rect">
-            <a:avLst/>
-          </a:prstGeom>
-        </p:spPr>
-      </p:pic>
-      <p:sp>
-        <p:nvSpPr>
-          <p:cNvPr id="7" name="CasellaDiTesto 6">
-            <a:extLst>
-              <a:ext uri="{FF2B5EF4-FFF2-40B4-BE49-F238E27FC236}">
-                <a16:creationId xmlns:a16="http://schemas.microsoft.com/office/drawing/2014/main" id="{777A3FD9-3801-41F7-8DD1-4AF4E3125BFE}"/>
-              </a:ext>
-            </a:extLst>
-          </p:cNvPr>
-          <p:cNvSpPr txBox="1"/>
-          <p:nvPr/>
-        </p:nvSpPr>
-        <p:spPr>
-          <a:xfrm>
-            <a:off x="3048" y="705138"/>
-            <a:ext cx="4627091" cy="461665"/>
-          </a:xfrm>
-          <a:prstGeom prst="rect">
-            <a:avLst/>
-          </a:prstGeom>
-          <a:noFill/>
-        </p:spPr>
-        <p:txBody>
-          <a:bodyPr wrap="square" rtlCol="0">
-            <a:spAutoFit/>
-          </a:bodyPr>
-          <a:lstStyle/>
-          <a:p>
-            <a:r>
-              <a:rPr lang="it-IT" sz="2400" dirty="0">
-                <a:solidFill>
-                  <a:schemeClr val="bg1"/>
-                </a:solidFill>
-              </a:rPr>
-              <a:t>Come vedrà tutto questo l’utente?</a:t>
-            </a:r>
-          </a:p>
-        </p:txBody>
-      </p:sp>
-      <p:pic>
-        <p:nvPicPr>
-          <p:cNvPr id="3" name="Immagine 2">
-            <a:extLst>
-              <a:ext uri="{FF2B5EF4-FFF2-40B4-BE49-F238E27FC236}">
-                <a16:creationId xmlns:a16="http://schemas.microsoft.com/office/drawing/2014/main" id="{DF8E5127-ECC8-4A9A-9817-6D44D60595CE}"/>
-              </a:ext>
-            </a:extLst>
-          </p:cNvPr>
-          <p:cNvPicPr>
-            <a:picLocks noChangeAspect="1"/>
-          </p:cNvPicPr>
-          <p:nvPr/>
-        </p:nvPicPr>
-        <p:blipFill>
-          <a:blip r:embed="rId3">
-            <a:extLst>
-              <a:ext uri="{28A0092B-C50C-407E-A947-70E740481C1C}">
-                <a14:useLocalDpi xmlns:a14="http://schemas.microsoft.com/office/drawing/2010/main" val="0"/>
-              </a:ext>
-            </a:extLst>
-          </a:blip>
-          <a:stretch>
-            <a:fillRect/>
-          </a:stretch>
-        </p:blipFill>
-        <p:spPr>
-          <a:xfrm>
-            <a:off x="6284126" y="1361458"/>
-            <a:ext cx="4525525" cy="4662508"/>
-          </a:xfrm>
-          <a:prstGeom prst="rect">
-            <a:avLst/>
-          </a:prstGeom>
-        </p:spPr>
-      </p:pic>
-    </p:spTree>
-    <p:extLst>
-      <p:ext uri="{BB962C8B-B14F-4D97-AF65-F5344CB8AC3E}">
-        <p14:creationId xmlns:p14="http://schemas.microsoft.com/office/powerpoint/2010/main" val="3802422659"/>
-      </p:ext>
-    </p:extLst>
-  </p:cSld>
-  <p:clrMapOvr>
-    <a:masterClrMapping/>
-  </p:clrMapOvr>
-</p:sld>
-</file>
-
 <file path=ppt/slides/slide14.xml><?xml version="1.0" encoding="utf-8"?>
 <p:sld xmlns:a="http://schemas.openxmlformats.org/drawingml/2006/main" xmlns:r="http://schemas.openxmlformats.org/officeDocument/2006/relationships" xmlns:p="http://schemas.openxmlformats.org/presentationml/2006/main">
   <p:cSld>
@@ -8240,7 +8234,7 @@
         <p:spPr>
           <a:xfrm>
             <a:off x="3048" y="705138"/>
-            <a:ext cx="4627091" cy="461665"/>
+            <a:ext cx="4627091" cy="1569660"/>
           </a:xfrm>
           <a:prstGeom prst="rect">
             <a:avLst/>
@@ -8259,17 +8253,17 @@
                   <a:schemeClr val="bg1"/>
                 </a:solidFill>
               </a:rPr>
-              <a:t>Come vedrà tutto questo l’utente?</a:t>
+              <a:t>Per rendere meglio l’idea dell’interazione tra sistema e utente presentiamo lo state chart dell’operazione</a:t>
             </a:r>
           </a:p>
         </p:txBody>
       </p:sp>
       <p:pic>
         <p:nvPicPr>
-          <p:cNvPr id="8" name="Immagine 7">
-            <a:extLst>
-              <a:ext uri="{FF2B5EF4-FFF2-40B4-BE49-F238E27FC236}">
-                <a16:creationId xmlns:a16="http://schemas.microsoft.com/office/drawing/2014/main" id="{296F354F-C1AF-4A34-8353-36EB36513D4E}"/>
+          <p:cNvPr id="11" name="Immagine 10">
+            <a:extLst>
+              <a:ext uri="{FF2B5EF4-FFF2-40B4-BE49-F238E27FC236}">
+                <a16:creationId xmlns:a16="http://schemas.microsoft.com/office/drawing/2014/main" id="{32639F8C-AE53-47A6-9374-A4BFF7F8FEC1}"/>
               </a:ext>
             </a:extLst>
           </p:cNvPr>
@@ -8292,8 +8286,8 @@
         </p:blipFill>
         <p:spPr>
           <a:xfrm>
-            <a:off x="6671980" y="1371620"/>
-            <a:ext cx="4505797" cy="4642183"/>
+            <a:off x="5356171" y="1451840"/>
+            <a:ext cx="6556065" cy="4481744"/>
           </a:xfrm>
           <a:prstGeom prst="rect">
             <a:avLst/>
@@ -8303,7 +8297,7 @@
     </p:spTree>
     <p:extLst>
       <p:ext uri="{BB962C8B-B14F-4D97-AF65-F5344CB8AC3E}">
-        <p14:creationId xmlns:p14="http://schemas.microsoft.com/office/powerpoint/2010/main" val="3917971081"/>
+        <p14:creationId xmlns:p14="http://schemas.microsoft.com/office/powerpoint/2010/main" val="3485280220"/>
       </p:ext>
     </p:extLst>
   </p:cSld>
@@ -8864,8 +8858,8 @@
         </p:nvSpPr>
         <p:spPr>
           <a:xfrm>
-            <a:off x="271643" y="1521728"/>
-            <a:ext cx="4627091" cy="1323439"/>
+            <a:off x="3048" y="705138"/>
+            <a:ext cx="4627091" cy="461665"/>
           </a:xfrm>
           <a:prstGeom prst="rect">
             <a:avLst/>
@@ -8879,20 +8873,13 @@
           <a:lstStyle/>
           <a:p>
             <a:r>
-              <a:rPr lang="it-IT" sz="2800" dirty="0">
+              <a:rPr lang="it-IT" sz="2400" dirty="0">
                 <a:solidFill>
                   <a:schemeClr val="bg1"/>
                 </a:solidFill>
               </a:rPr>
-              <a:t>In generale, il progetto sarà strutturato così</a:t>
+              <a:t>Come vedrà tutto questo l’utente?</a:t>
             </a:r>
-          </a:p>
-          <a:p>
-            <a:endParaRPr lang="it-IT" sz="2400" dirty="0">
-              <a:solidFill>
-                <a:schemeClr val="bg1"/>
-              </a:solidFill>
-            </a:endParaRPr>
           </a:p>
         </p:txBody>
       </p:sp>
@@ -8901,7 +8888,7 @@
           <p:cNvPr id="3" name="Immagine 2">
             <a:extLst>
               <a:ext uri="{FF2B5EF4-FFF2-40B4-BE49-F238E27FC236}">
-                <a16:creationId xmlns:a16="http://schemas.microsoft.com/office/drawing/2014/main" id="{FFDB861D-295A-407F-A99E-53A67B54F058}"/>
+                <a16:creationId xmlns:a16="http://schemas.microsoft.com/office/drawing/2014/main" id="{DF8E5127-ECC8-4A9A-9817-6D44D60595CE}"/>
               </a:ext>
             </a:extLst>
           </p:cNvPr>
@@ -8924,8 +8911,8 @@
         </p:blipFill>
         <p:spPr>
           <a:xfrm>
-            <a:off x="6958732" y="1234474"/>
-            <a:ext cx="3833240" cy="4981241"/>
+            <a:off x="6284126" y="1361458"/>
+            <a:ext cx="4525525" cy="4662508"/>
           </a:xfrm>
           <a:prstGeom prst="rect">
             <a:avLst/>
@@ -8935,7 +8922,7 @@
     </p:spTree>
     <p:extLst>
       <p:ext uri="{BB962C8B-B14F-4D97-AF65-F5344CB8AC3E}">
-        <p14:creationId xmlns:p14="http://schemas.microsoft.com/office/powerpoint/2010/main" val="2310303746"/>
+        <p14:creationId xmlns:p14="http://schemas.microsoft.com/office/powerpoint/2010/main" val="3802422659"/>
       </p:ext>
     </p:extLst>
   </p:cSld>
@@ -9496,6 +9483,1263 @@
         </p:nvSpPr>
         <p:spPr>
           <a:xfrm>
+            <a:off x="3048" y="705138"/>
+            <a:ext cx="4627091" cy="461665"/>
+          </a:xfrm>
+          <a:prstGeom prst="rect">
+            <a:avLst/>
+          </a:prstGeom>
+          <a:noFill/>
+        </p:spPr>
+        <p:txBody>
+          <a:bodyPr wrap="square" rtlCol="0">
+            <a:spAutoFit/>
+          </a:bodyPr>
+          <a:lstStyle/>
+          <a:p>
+            <a:r>
+              <a:rPr lang="it-IT" sz="2400" dirty="0">
+                <a:solidFill>
+                  <a:schemeClr val="bg1"/>
+                </a:solidFill>
+              </a:rPr>
+              <a:t>Come vedrà tutto questo l’utente?</a:t>
+            </a:r>
+          </a:p>
+        </p:txBody>
+      </p:sp>
+      <p:pic>
+        <p:nvPicPr>
+          <p:cNvPr id="8" name="Immagine 7">
+            <a:extLst>
+              <a:ext uri="{FF2B5EF4-FFF2-40B4-BE49-F238E27FC236}">
+                <a16:creationId xmlns:a16="http://schemas.microsoft.com/office/drawing/2014/main" id="{296F354F-C1AF-4A34-8353-36EB36513D4E}"/>
+              </a:ext>
+            </a:extLst>
+          </p:cNvPr>
+          <p:cNvPicPr>
+            <a:picLocks noChangeAspect="1"/>
+          </p:cNvPicPr>
+          <p:nvPr/>
+        </p:nvPicPr>
+        <p:blipFill>
+          <a:blip r:embed="rId3">
+            <a:extLst>
+              <a:ext uri="{28A0092B-C50C-407E-A947-70E740481C1C}">
+                <a14:useLocalDpi xmlns:a14="http://schemas.microsoft.com/office/drawing/2010/main" val="0"/>
+              </a:ext>
+            </a:extLst>
+          </a:blip>
+          <a:stretch>
+            <a:fillRect/>
+          </a:stretch>
+        </p:blipFill>
+        <p:spPr>
+          <a:xfrm>
+            <a:off x="6671980" y="1371620"/>
+            <a:ext cx="4505797" cy="4642183"/>
+          </a:xfrm>
+          <a:prstGeom prst="rect">
+            <a:avLst/>
+          </a:prstGeom>
+        </p:spPr>
+      </p:pic>
+    </p:spTree>
+    <p:extLst>
+      <p:ext uri="{BB962C8B-B14F-4D97-AF65-F5344CB8AC3E}">
+        <p14:creationId xmlns:p14="http://schemas.microsoft.com/office/powerpoint/2010/main" val="3917971081"/>
+      </p:ext>
+    </p:extLst>
+  </p:cSld>
+  <p:clrMapOvr>
+    <a:masterClrMapping/>
+  </p:clrMapOvr>
+</p:sld>
+</file>
+
+<file path=ppt/slides/slide17.xml><?xml version="1.0" encoding="utf-8"?>
+<p:sld xmlns:a="http://schemas.openxmlformats.org/drawingml/2006/main" xmlns:r="http://schemas.openxmlformats.org/officeDocument/2006/relationships" xmlns:p="http://schemas.openxmlformats.org/presentationml/2006/main">
+  <p:cSld>
+    <p:bg>
+      <p:bgPr>
+        <a:solidFill>
+          <a:schemeClr val="bg1"/>
+        </a:solidFill>
+        <a:effectLst/>
+      </p:bgPr>
+    </p:bg>
+    <p:spTree>
+      <p:nvGrpSpPr>
+        <p:cNvPr id="1" name=""/>
+        <p:cNvGrpSpPr/>
+        <p:nvPr/>
+      </p:nvGrpSpPr>
+      <p:grpSpPr>
+        <a:xfrm>
+          <a:off x="0" y="0"/>
+          <a:ext cx="0" cy="0"/>
+          <a:chOff x="0" y="0"/>
+          <a:chExt cx="0" cy="0"/>
+        </a:xfrm>
+      </p:grpSpPr>
+      <p:sp useBgFill="1">
+        <p:nvSpPr>
+          <p:cNvPr id="10" name="Rectangle 9">
+            <a:extLst>
+              <a:ext uri="{FF2B5EF4-FFF2-40B4-BE49-F238E27FC236}">
+                <a16:creationId xmlns:a16="http://schemas.microsoft.com/office/drawing/2014/main" id="{A169D286-F4D7-4C8B-A6BD-D05384C7F1D8}"/>
+              </a:ext>
+              <a:ext uri="{C183D7F6-B498-43B3-948B-1728B52AA6E4}">
+                <adec:decorative xmlns:adec="http://schemas.microsoft.com/office/drawing/2017/decorative" val="1"/>
+              </a:ext>
+            </a:extLst>
+          </p:cNvPr>
+          <p:cNvSpPr>
+            <a:spLocks noGrp="1" noRot="1" noChangeAspect="1" noMove="1" noResize="1" noEditPoints="1" noAdjustHandles="1" noChangeArrowheads="1" noChangeShapeType="1" noTextEdit="1"/>
+          </p:cNvSpPr>
+          <p:nvPr>
+            <p:extLst>
+              <p:ext uri="{386F3935-93C4-4BCD-93E2-E3B085C9AB24}">
+                <p16:designElem xmlns:p16="http://schemas.microsoft.com/office/powerpoint/2015/main" val="1"/>
+              </p:ext>
+            </p:extLst>
+          </p:nvPr>
+        </p:nvSpPr>
+        <p:spPr>
+          <a:xfrm>
+            <a:off x="0" y="0"/>
+            <a:ext cx="12188952" cy="6858000"/>
+          </a:xfrm>
+          <a:prstGeom prst="rect">
+            <a:avLst/>
+          </a:prstGeom>
+          <a:ln>
+            <a:noFill/>
+          </a:ln>
+        </p:spPr>
+        <p:style>
+          <a:lnRef idx="2">
+            <a:schemeClr val="accent1">
+              <a:shade val="50000"/>
+            </a:schemeClr>
+          </a:lnRef>
+          <a:fillRef idx="1">
+            <a:schemeClr val="accent1"/>
+          </a:fillRef>
+          <a:effectRef idx="0">
+            <a:schemeClr val="accent1"/>
+          </a:effectRef>
+          <a:fontRef idx="minor">
+            <a:schemeClr val="lt1"/>
+          </a:fontRef>
+        </p:style>
+        <p:txBody>
+          <a:bodyPr rtlCol="0" anchor="ctr"/>
+          <a:lstStyle/>
+          <a:p>
+            <a:pPr algn="ctr"/>
+            <a:endParaRPr lang="en-US"/>
+          </a:p>
+        </p:txBody>
+      </p:sp>
+      <p:sp>
+        <p:nvSpPr>
+          <p:cNvPr id="12" name="Freeform 6">
+            <a:extLst>
+              <a:ext uri="{FF2B5EF4-FFF2-40B4-BE49-F238E27FC236}">
+                <a16:creationId xmlns:a16="http://schemas.microsoft.com/office/drawing/2014/main" id="{39E8235E-135E-4261-8F54-2B316E493C42}"/>
+              </a:ext>
+              <a:ext uri="{C183D7F6-B498-43B3-948B-1728B52AA6E4}">
+                <adec:decorative xmlns:adec="http://schemas.microsoft.com/office/drawing/2017/decorative" val="1"/>
+              </a:ext>
+            </a:extLst>
+          </p:cNvPr>
+          <p:cNvSpPr>
+            <a:spLocks noGrp="1" noRot="1" noChangeAspect="1" noMove="1" noResize="1" noEditPoints="1" noAdjustHandles="1" noChangeArrowheads="1" noChangeShapeType="1" noTextEdit="1"/>
+          </p:cNvSpPr>
+          <p:nvPr>
+            <p:extLst>
+              <p:ext uri="{386F3935-93C4-4BCD-93E2-E3B085C9AB24}">
+                <p16:designElem xmlns:p16="http://schemas.microsoft.com/office/powerpoint/2015/main" val="1"/>
+              </p:ext>
+            </p:extLst>
+          </p:nvPr>
+        </p:nvSpPr>
+        <p:spPr bwMode="auto">
+          <a:xfrm>
+            <a:off x="4142164" y="610728"/>
+            <a:ext cx="759618" cy="5710965"/>
+          </a:xfrm>
+          <a:custGeom>
+            <a:avLst/>
+            <a:gdLst>
+              <a:gd name="T0" fmla="*/ 414 w 414"/>
+              <a:gd name="T1" fmla="*/ 2447 h 2447"/>
+              <a:gd name="T2" fmla="*/ 0 w 414"/>
+              <a:gd name="T3" fmla="*/ 2247 h 2447"/>
+              <a:gd name="T4" fmla="*/ 0 w 414"/>
+              <a:gd name="T5" fmla="*/ 0 h 2447"/>
+              <a:gd name="T6" fmla="*/ 414 w 414"/>
+              <a:gd name="T7" fmla="*/ 200 h 2447"/>
+              <a:gd name="T8" fmla="*/ 414 w 414"/>
+              <a:gd name="T9" fmla="*/ 2447 h 2447"/>
+            </a:gdLst>
+            <a:ahLst/>
+            <a:cxnLst>
+              <a:cxn ang="0">
+                <a:pos x="T0" y="T1"/>
+              </a:cxn>
+              <a:cxn ang="0">
+                <a:pos x="T2" y="T3"/>
+              </a:cxn>
+              <a:cxn ang="0">
+                <a:pos x="T4" y="T5"/>
+              </a:cxn>
+              <a:cxn ang="0">
+                <a:pos x="T6" y="T7"/>
+              </a:cxn>
+              <a:cxn ang="0">
+                <a:pos x="T8" y="T9"/>
+              </a:cxn>
+            </a:cxnLst>
+            <a:rect l="0" t="0" r="r" b="b"/>
+            <a:pathLst>
+              <a:path w="414" h="2447">
+                <a:moveTo>
+                  <a:pt x="414" y="2447"/>
+                </a:moveTo>
+                <a:lnTo>
+                  <a:pt x="0" y="2247"/>
+                </a:lnTo>
+                <a:lnTo>
+                  <a:pt x="0" y="0"/>
+                </a:lnTo>
+                <a:lnTo>
+                  <a:pt x="414" y="200"/>
+                </a:lnTo>
+                <a:lnTo>
+                  <a:pt x="414" y="2447"/>
+                </a:lnTo>
+                <a:close/>
+              </a:path>
+            </a:pathLst>
+          </a:custGeom>
+          <a:solidFill>
+            <a:schemeClr val="accent1">
+              <a:lumMod val="75000"/>
+            </a:schemeClr>
+          </a:solidFill>
+          <a:ln>
+            <a:noFill/>
+          </a:ln>
+        </p:spPr>
+        <p:txBody>
+          <a:bodyPr vert="horz" wrap="square" lIns="91440" tIns="45720" rIns="91440" bIns="45720" numCol="1" anchor="t" anchorCtr="0" compatLnSpc="1">
+            <a:prstTxWarp prst="textNoShape">
+              <a:avLst/>
+            </a:prstTxWarp>
+          </a:bodyPr>
+          <a:lstStyle/>
+          <a:p>
+            <a:endParaRPr lang="en-US"/>
+          </a:p>
+        </p:txBody>
+      </p:sp>
+      <p:sp>
+        <p:nvSpPr>
+          <p:cNvPr id="14" name="Freeform 7">
+            <a:extLst>
+              <a:ext uri="{FF2B5EF4-FFF2-40B4-BE49-F238E27FC236}">
+                <a16:creationId xmlns:a16="http://schemas.microsoft.com/office/drawing/2014/main" id="{D4ED8EC3-4D57-4620-93CE-4E6661F09A3E}"/>
+              </a:ext>
+              <a:ext uri="{C183D7F6-B498-43B3-948B-1728B52AA6E4}">
+                <adec:decorative xmlns:adec="http://schemas.microsoft.com/office/drawing/2017/decorative" val="1"/>
+              </a:ext>
+            </a:extLst>
+          </p:cNvPr>
+          <p:cNvSpPr>
+            <a:spLocks noGrp="1" noRot="1" noChangeAspect="1" noMove="1" noResize="1" noEditPoints="1" noAdjustHandles="1" noChangeArrowheads="1" noChangeShapeType="1" noTextEdit="1"/>
+          </p:cNvSpPr>
+          <p:nvPr>
+            <p:extLst>
+              <p:ext uri="{386F3935-93C4-4BCD-93E2-E3B085C9AB24}">
+                <p16:designElem xmlns:p16="http://schemas.microsoft.com/office/powerpoint/2015/main" val="1"/>
+              </p:ext>
+            </p:extLst>
+          </p:nvPr>
+        </p:nvSpPr>
+        <p:spPr bwMode="auto">
+          <a:xfrm>
+            <a:off x="4144437" y="343079"/>
+            <a:ext cx="482654" cy="5521414"/>
+          </a:xfrm>
+          <a:custGeom>
+            <a:avLst/>
+            <a:gdLst>
+              <a:gd name="T0" fmla="*/ 209 w 209"/>
+              <a:gd name="T1" fmla="*/ 2246 h 2358"/>
+              <a:gd name="T2" fmla="*/ 0 w 209"/>
+              <a:gd name="T3" fmla="*/ 2358 h 2358"/>
+              <a:gd name="T4" fmla="*/ 0 w 209"/>
+              <a:gd name="T5" fmla="*/ 111 h 2358"/>
+              <a:gd name="T6" fmla="*/ 209 w 209"/>
+              <a:gd name="T7" fmla="*/ 0 h 2358"/>
+              <a:gd name="T8" fmla="*/ 209 w 209"/>
+              <a:gd name="T9" fmla="*/ 2246 h 2358"/>
+            </a:gdLst>
+            <a:ahLst/>
+            <a:cxnLst>
+              <a:cxn ang="0">
+                <a:pos x="T0" y="T1"/>
+              </a:cxn>
+              <a:cxn ang="0">
+                <a:pos x="T2" y="T3"/>
+              </a:cxn>
+              <a:cxn ang="0">
+                <a:pos x="T4" y="T5"/>
+              </a:cxn>
+              <a:cxn ang="0">
+                <a:pos x="T6" y="T7"/>
+              </a:cxn>
+              <a:cxn ang="0">
+                <a:pos x="T8" y="T9"/>
+              </a:cxn>
+            </a:cxnLst>
+            <a:rect l="0" t="0" r="r" b="b"/>
+            <a:pathLst>
+              <a:path w="209" h="2358">
+                <a:moveTo>
+                  <a:pt x="209" y="2246"/>
+                </a:moveTo>
+                <a:lnTo>
+                  <a:pt x="0" y="2358"/>
+                </a:lnTo>
+                <a:lnTo>
+                  <a:pt x="0" y="111"/>
+                </a:lnTo>
+                <a:lnTo>
+                  <a:pt x="209" y="0"/>
+                </a:lnTo>
+                <a:lnTo>
+                  <a:pt x="209" y="2246"/>
+                </a:lnTo>
+                <a:close/>
+              </a:path>
+            </a:pathLst>
+          </a:custGeom>
+          <a:solidFill>
+            <a:schemeClr val="accent1">
+              <a:lumMod val="50000"/>
+            </a:schemeClr>
+          </a:solidFill>
+          <a:ln>
+            <a:noFill/>
+          </a:ln>
+        </p:spPr>
+        <p:txBody>
+          <a:bodyPr vert="horz" wrap="square" lIns="91440" tIns="45720" rIns="91440" bIns="45720" numCol="1" anchor="t" anchorCtr="0" compatLnSpc="1">
+            <a:prstTxWarp prst="textNoShape">
+              <a:avLst/>
+            </a:prstTxWarp>
+          </a:bodyPr>
+          <a:lstStyle/>
+          <a:p>
+            <a:endParaRPr lang="en-US"/>
+          </a:p>
+        </p:txBody>
+      </p:sp>
+      <p:sp>
+        <p:nvSpPr>
+          <p:cNvPr id="16" name="Freeform: Shape 15">
+            <a:extLst>
+              <a:ext uri="{FF2B5EF4-FFF2-40B4-BE49-F238E27FC236}">
+                <a16:creationId xmlns:a16="http://schemas.microsoft.com/office/drawing/2014/main" id="{83BCB34A-2F40-4F41-8488-A134C1C155B7}"/>
+              </a:ext>
+              <a:ext uri="{C183D7F6-B498-43B3-948B-1728B52AA6E4}">
+                <adec:decorative xmlns:adec="http://schemas.microsoft.com/office/drawing/2017/decorative" val="1"/>
+              </a:ext>
+            </a:extLst>
+          </p:cNvPr>
+          <p:cNvSpPr>
+            <a:spLocks noGrp="1" noRot="1" noChangeAspect="1" noMove="1" noResize="1" noEditPoints="1" noAdjustHandles="1" noChangeArrowheads="1" noChangeShapeType="1" noTextEdit="1"/>
+          </p:cNvSpPr>
+          <p:nvPr>
+            <p:extLst>
+              <p:ext uri="{386F3935-93C4-4BCD-93E2-E3B085C9AB24}">
+                <p16:designElem xmlns:p16="http://schemas.microsoft.com/office/powerpoint/2015/main" val="1"/>
+              </p:ext>
+            </p:extLst>
+          </p:nvPr>
+        </p:nvSpPr>
+        <p:spPr>
+          <a:xfrm>
+            <a:off x="-3045" y="340424"/>
+            <a:ext cx="4630139" cy="5265795"/>
+          </a:xfrm>
+          <a:custGeom>
+            <a:avLst/>
+            <a:gdLst>
+              <a:gd name="connsiteX0" fmla="*/ 0 w 4630139"/>
+              <a:gd name="connsiteY0" fmla="*/ 0 h 5265795"/>
+              <a:gd name="connsiteX1" fmla="*/ 4630139 w 4630139"/>
+              <a:gd name="connsiteY1" fmla="*/ 0 h 5265795"/>
+              <a:gd name="connsiteX2" fmla="*/ 4630139 w 4630139"/>
+              <a:gd name="connsiteY2" fmla="*/ 5265795 h 5265795"/>
+              <a:gd name="connsiteX3" fmla="*/ 0 w 4630139"/>
+              <a:gd name="connsiteY3" fmla="*/ 5265795 h 5265795"/>
+            </a:gdLst>
+            <a:ahLst/>
+            <a:cxnLst>
+              <a:cxn ang="0">
+                <a:pos x="connsiteX0" y="connsiteY0"/>
+              </a:cxn>
+              <a:cxn ang="0">
+                <a:pos x="connsiteX1" y="connsiteY1"/>
+              </a:cxn>
+              <a:cxn ang="0">
+                <a:pos x="connsiteX2" y="connsiteY2"/>
+              </a:cxn>
+              <a:cxn ang="0">
+                <a:pos x="connsiteX3" y="connsiteY3"/>
+              </a:cxn>
+            </a:cxnLst>
+            <a:rect l="l" t="t" r="r" b="b"/>
+            <a:pathLst>
+              <a:path w="4630139" h="5265795">
+                <a:moveTo>
+                  <a:pt x="0" y="0"/>
+                </a:moveTo>
+                <a:lnTo>
+                  <a:pt x="4630139" y="0"/>
+                </a:lnTo>
+                <a:lnTo>
+                  <a:pt x="4630139" y="5265795"/>
+                </a:lnTo>
+                <a:lnTo>
+                  <a:pt x="0" y="5265795"/>
+                </a:lnTo>
+                <a:close/>
+              </a:path>
+            </a:pathLst>
+          </a:custGeom>
+          <a:ln>
+            <a:noFill/>
+          </a:ln>
+        </p:spPr>
+        <p:style>
+          <a:lnRef idx="2">
+            <a:schemeClr val="accent1">
+              <a:shade val="50000"/>
+            </a:schemeClr>
+          </a:lnRef>
+          <a:fillRef idx="1">
+            <a:schemeClr val="accent1"/>
+          </a:fillRef>
+          <a:effectRef idx="0">
+            <a:schemeClr val="accent1"/>
+          </a:effectRef>
+          <a:fontRef idx="minor">
+            <a:schemeClr val="lt1"/>
+          </a:fontRef>
+        </p:style>
+        <p:txBody>
+          <a:bodyPr wrap="square" rtlCol="0" anchor="ctr">
+            <a:noAutofit/>
+          </a:bodyPr>
+          <a:lstStyle/>
+          <a:p>
+            <a:pPr algn="ctr"/>
+            <a:endParaRPr lang="en-US"/>
+          </a:p>
+        </p:txBody>
+      </p:sp>
+      <p:sp>
+        <p:nvSpPr>
+          <p:cNvPr id="18" name="Freeform: Shape 17">
+            <a:extLst>
+              <a:ext uri="{FF2B5EF4-FFF2-40B4-BE49-F238E27FC236}">
+                <a16:creationId xmlns:a16="http://schemas.microsoft.com/office/drawing/2014/main" id="{F78382DC-4207-465E-B379-1E16448AA222}"/>
+              </a:ext>
+              <a:ext uri="{C183D7F6-B498-43B3-948B-1728B52AA6E4}">
+                <adec:decorative xmlns:adec="http://schemas.microsoft.com/office/drawing/2017/decorative" val="1"/>
+              </a:ext>
+            </a:extLst>
+          </p:cNvPr>
+          <p:cNvSpPr>
+            <a:spLocks noGrp="1" noRot="1" noChangeAspect="1" noMove="1" noResize="1" noEditPoints="1" noAdjustHandles="1" noChangeArrowheads="1" noChangeShapeType="1" noTextEdit="1"/>
+          </p:cNvSpPr>
+          <p:nvPr>
+            <p:extLst>
+              <p:ext uri="{386F3935-93C4-4BCD-93E2-E3B085C9AB24}">
+                <p16:designElem xmlns:p16="http://schemas.microsoft.com/office/powerpoint/2015/main" val="1"/>
+              </p:ext>
+            </p:extLst>
+          </p:nvPr>
+        </p:nvSpPr>
+        <p:spPr>
+          <a:xfrm>
+            <a:off x="4901780" y="1071563"/>
+            <a:ext cx="7290218" cy="5242298"/>
+          </a:xfrm>
+          <a:custGeom>
+            <a:avLst/>
+            <a:gdLst>
+              <a:gd name="connsiteX0" fmla="*/ 0 w 7290218"/>
+              <a:gd name="connsiteY0" fmla="*/ 0 h 5242298"/>
+              <a:gd name="connsiteX1" fmla="*/ 7290218 w 7290218"/>
+              <a:gd name="connsiteY1" fmla="*/ 0 h 5242298"/>
+              <a:gd name="connsiteX2" fmla="*/ 7290218 w 7290218"/>
+              <a:gd name="connsiteY2" fmla="*/ 5242298 h 5242298"/>
+              <a:gd name="connsiteX3" fmla="*/ 0 w 7290218"/>
+              <a:gd name="connsiteY3" fmla="*/ 5242298 h 5242298"/>
+            </a:gdLst>
+            <a:ahLst/>
+            <a:cxnLst>
+              <a:cxn ang="0">
+                <a:pos x="connsiteX0" y="connsiteY0"/>
+              </a:cxn>
+              <a:cxn ang="0">
+                <a:pos x="connsiteX1" y="connsiteY1"/>
+              </a:cxn>
+              <a:cxn ang="0">
+                <a:pos x="connsiteX2" y="connsiteY2"/>
+              </a:cxn>
+              <a:cxn ang="0">
+                <a:pos x="connsiteX3" y="connsiteY3"/>
+              </a:cxn>
+            </a:cxnLst>
+            <a:rect l="l" t="t" r="r" b="b"/>
+            <a:pathLst>
+              <a:path w="7290218" h="5242298">
+                <a:moveTo>
+                  <a:pt x="0" y="0"/>
+                </a:moveTo>
+                <a:lnTo>
+                  <a:pt x="7290218" y="0"/>
+                </a:lnTo>
+                <a:lnTo>
+                  <a:pt x="7290218" y="5242298"/>
+                </a:lnTo>
+                <a:lnTo>
+                  <a:pt x="0" y="5242298"/>
+                </a:lnTo>
+                <a:close/>
+              </a:path>
+            </a:pathLst>
+          </a:custGeom>
+          <a:ln>
+            <a:noFill/>
+          </a:ln>
+        </p:spPr>
+        <p:style>
+          <a:lnRef idx="2">
+            <a:schemeClr val="accent1">
+              <a:shade val="50000"/>
+            </a:schemeClr>
+          </a:lnRef>
+          <a:fillRef idx="1">
+            <a:schemeClr val="accent1"/>
+          </a:fillRef>
+          <a:effectRef idx="0">
+            <a:schemeClr val="accent1"/>
+          </a:effectRef>
+          <a:fontRef idx="minor">
+            <a:schemeClr val="lt1"/>
+          </a:fontRef>
+        </p:style>
+        <p:txBody>
+          <a:bodyPr wrap="square" rtlCol="0" anchor="ctr">
+            <a:noAutofit/>
+          </a:bodyPr>
+          <a:lstStyle/>
+          <a:p>
+            <a:pPr algn="ctr"/>
+            <a:endParaRPr lang="en-US"/>
+          </a:p>
+        </p:txBody>
+      </p:sp>
+      <p:pic>
+        <p:nvPicPr>
+          <p:cNvPr id="6" name="Immagine 5">
+            <a:extLst>
+              <a:ext uri="{FF2B5EF4-FFF2-40B4-BE49-F238E27FC236}">
+                <a16:creationId xmlns:a16="http://schemas.microsoft.com/office/drawing/2014/main" id="{319EA13C-A6AF-4154-806E-8ACB28521B7A}"/>
+              </a:ext>
+            </a:extLst>
+          </p:cNvPr>
+          <p:cNvPicPr>
+            <a:picLocks noChangeAspect="1"/>
+          </p:cNvPicPr>
+          <p:nvPr/>
+        </p:nvPicPr>
+        <p:blipFill>
+          <a:blip r:embed="rId2">
+            <a:extLst>
+              <a:ext uri="{28A0092B-C50C-407E-A947-70E740481C1C}">
+                <a14:useLocalDpi xmlns:a14="http://schemas.microsoft.com/office/drawing/2010/main" val="0"/>
+              </a:ext>
+            </a:extLst>
+          </a:blip>
+          <a:stretch>
+            <a:fillRect/>
+          </a:stretch>
+        </p:blipFill>
+        <p:spPr>
+          <a:xfrm>
+            <a:off x="1804432" y="4165599"/>
+            <a:ext cx="2792123" cy="1570569"/>
+          </a:xfrm>
+          <a:prstGeom prst="rect">
+            <a:avLst/>
+          </a:prstGeom>
+        </p:spPr>
+      </p:pic>
+      <p:sp>
+        <p:nvSpPr>
+          <p:cNvPr id="7" name="CasellaDiTesto 6">
+            <a:extLst>
+              <a:ext uri="{FF2B5EF4-FFF2-40B4-BE49-F238E27FC236}">
+                <a16:creationId xmlns:a16="http://schemas.microsoft.com/office/drawing/2014/main" id="{777A3FD9-3801-41F7-8DD1-4AF4E3125BFE}"/>
+              </a:ext>
+            </a:extLst>
+          </p:cNvPr>
+          <p:cNvSpPr txBox="1"/>
+          <p:nvPr/>
+        </p:nvSpPr>
+        <p:spPr>
+          <a:xfrm>
+            <a:off x="271643" y="1521728"/>
+            <a:ext cx="4627091" cy="1323439"/>
+          </a:xfrm>
+          <a:prstGeom prst="rect">
+            <a:avLst/>
+          </a:prstGeom>
+          <a:noFill/>
+        </p:spPr>
+        <p:txBody>
+          <a:bodyPr wrap="square" rtlCol="0">
+            <a:spAutoFit/>
+          </a:bodyPr>
+          <a:lstStyle/>
+          <a:p>
+            <a:r>
+              <a:rPr lang="it-IT" sz="2800" dirty="0">
+                <a:solidFill>
+                  <a:schemeClr val="bg1"/>
+                </a:solidFill>
+              </a:rPr>
+              <a:t>In generale, il progetto sarà strutturato così</a:t>
+            </a:r>
+          </a:p>
+          <a:p>
+            <a:endParaRPr lang="it-IT" sz="2400" dirty="0">
+              <a:solidFill>
+                <a:schemeClr val="bg1"/>
+              </a:solidFill>
+            </a:endParaRPr>
+          </a:p>
+        </p:txBody>
+      </p:sp>
+      <p:pic>
+        <p:nvPicPr>
+          <p:cNvPr id="3" name="Immagine 2">
+            <a:extLst>
+              <a:ext uri="{FF2B5EF4-FFF2-40B4-BE49-F238E27FC236}">
+                <a16:creationId xmlns:a16="http://schemas.microsoft.com/office/drawing/2014/main" id="{FFDB861D-295A-407F-A99E-53A67B54F058}"/>
+              </a:ext>
+            </a:extLst>
+          </p:cNvPr>
+          <p:cNvPicPr>
+            <a:picLocks noChangeAspect="1"/>
+          </p:cNvPicPr>
+          <p:nvPr/>
+        </p:nvPicPr>
+        <p:blipFill>
+          <a:blip r:embed="rId3">
+            <a:extLst>
+              <a:ext uri="{28A0092B-C50C-407E-A947-70E740481C1C}">
+                <a14:useLocalDpi xmlns:a14="http://schemas.microsoft.com/office/drawing/2010/main" val="0"/>
+              </a:ext>
+            </a:extLst>
+          </a:blip>
+          <a:stretch>
+            <a:fillRect/>
+          </a:stretch>
+        </p:blipFill>
+        <p:spPr>
+          <a:xfrm>
+            <a:off x="6958732" y="1234474"/>
+            <a:ext cx="3833240" cy="4981241"/>
+          </a:xfrm>
+          <a:prstGeom prst="rect">
+            <a:avLst/>
+          </a:prstGeom>
+        </p:spPr>
+      </p:pic>
+    </p:spTree>
+    <p:extLst>
+      <p:ext uri="{BB962C8B-B14F-4D97-AF65-F5344CB8AC3E}">
+        <p14:creationId xmlns:p14="http://schemas.microsoft.com/office/powerpoint/2010/main" val="2310303746"/>
+      </p:ext>
+    </p:extLst>
+  </p:cSld>
+  <p:clrMapOvr>
+    <a:masterClrMapping/>
+  </p:clrMapOvr>
+</p:sld>
+</file>
+
+<file path=ppt/slides/slide18.xml><?xml version="1.0" encoding="utf-8"?>
+<p:sld xmlns:a="http://schemas.openxmlformats.org/drawingml/2006/main" xmlns:r="http://schemas.openxmlformats.org/officeDocument/2006/relationships" xmlns:p="http://schemas.openxmlformats.org/presentationml/2006/main">
+  <p:cSld>
+    <p:bg>
+      <p:bgPr>
+        <a:solidFill>
+          <a:schemeClr val="bg1"/>
+        </a:solidFill>
+        <a:effectLst/>
+      </p:bgPr>
+    </p:bg>
+    <p:spTree>
+      <p:nvGrpSpPr>
+        <p:cNvPr id="1" name=""/>
+        <p:cNvGrpSpPr/>
+        <p:nvPr/>
+      </p:nvGrpSpPr>
+      <p:grpSpPr>
+        <a:xfrm>
+          <a:off x="0" y="0"/>
+          <a:ext cx="0" cy="0"/>
+          <a:chOff x="0" y="0"/>
+          <a:chExt cx="0" cy="0"/>
+        </a:xfrm>
+      </p:grpSpPr>
+      <p:sp useBgFill="1">
+        <p:nvSpPr>
+          <p:cNvPr id="10" name="Rectangle 9">
+            <a:extLst>
+              <a:ext uri="{FF2B5EF4-FFF2-40B4-BE49-F238E27FC236}">
+                <a16:creationId xmlns:a16="http://schemas.microsoft.com/office/drawing/2014/main" id="{A169D286-F4D7-4C8B-A6BD-D05384C7F1D8}"/>
+              </a:ext>
+              <a:ext uri="{C183D7F6-B498-43B3-948B-1728B52AA6E4}">
+                <adec:decorative xmlns:adec="http://schemas.microsoft.com/office/drawing/2017/decorative" val="1"/>
+              </a:ext>
+            </a:extLst>
+          </p:cNvPr>
+          <p:cNvSpPr>
+            <a:spLocks noGrp="1" noRot="1" noChangeAspect="1" noMove="1" noResize="1" noEditPoints="1" noAdjustHandles="1" noChangeArrowheads="1" noChangeShapeType="1" noTextEdit="1"/>
+          </p:cNvSpPr>
+          <p:nvPr>
+            <p:extLst>
+              <p:ext uri="{386F3935-93C4-4BCD-93E2-E3B085C9AB24}">
+                <p16:designElem xmlns:p16="http://schemas.microsoft.com/office/powerpoint/2015/main" val="1"/>
+              </p:ext>
+            </p:extLst>
+          </p:nvPr>
+        </p:nvSpPr>
+        <p:spPr>
+          <a:xfrm>
+            <a:off x="0" y="0"/>
+            <a:ext cx="12188952" cy="6858000"/>
+          </a:xfrm>
+          <a:prstGeom prst="rect">
+            <a:avLst/>
+          </a:prstGeom>
+          <a:ln>
+            <a:noFill/>
+          </a:ln>
+        </p:spPr>
+        <p:style>
+          <a:lnRef idx="2">
+            <a:schemeClr val="accent1">
+              <a:shade val="50000"/>
+            </a:schemeClr>
+          </a:lnRef>
+          <a:fillRef idx="1">
+            <a:schemeClr val="accent1"/>
+          </a:fillRef>
+          <a:effectRef idx="0">
+            <a:schemeClr val="accent1"/>
+          </a:effectRef>
+          <a:fontRef idx="minor">
+            <a:schemeClr val="lt1"/>
+          </a:fontRef>
+        </p:style>
+        <p:txBody>
+          <a:bodyPr rtlCol="0" anchor="ctr"/>
+          <a:lstStyle/>
+          <a:p>
+            <a:pPr algn="ctr"/>
+            <a:endParaRPr lang="en-US"/>
+          </a:p>
+        </p:txBody>
+      </p:sp>
+      <p:sp>
+        <p:nvSpPr>
+          <p:cNvPr id="12" name="Freeform 6">
+            <a:extLst>
+              <a:ext uri="{FF2B5EF4-FFF2-40B4-BE49-F238E27FC236}">
+                <a16:creationId xmlns:a16="http://schemas.microsoft.com/office/drawing/2014/main" id="{39E8235E-135E-4261-8F54-2B316E493C42}"/>
+              </a:ext>
+              <a:ext uri="{C183D7F6-B498-43B3-948B-1728B52AA6E4}">
+                <adec:decorative xmlns:adec="http://schemas.microsoft.com/office/drawing/2017/decorative" val="1"/>
+              </a:ext>
+            </a:extLst>
+          </p:cNvPr>
+          <p:cNvSpPr>
+            <a:spLocks noGrp="1" noRot="1" noChangeAspect="1" noMove="1" noResize="1" noEditPoints="1" noAdjustHandles="1" noChangeArrowheads="1" noChangeShapeType="1" noTextEdit="1"/>
+          </p:cNvSpPr>
+          <p:nvPr>
+            <p:extLst>
+              <p:ext uri="{386F3935-93C4-4BCD-93E2-E3B085C9AB24}">
+                <p16:designElem xmlns:p16="http://schemas.microsoft.com/office/powerpoint/2015/main" val="1"/>
+              </p:ext>
+            </p:extLst>
+          </p:nvPr>
+        </p:nvSpPr>
+        <p:spPr bwMode="auto">
+          <a:xfrm>
+            <a:off x="4142164" y="610728"/>
+            <a:ext cx="759618" cy="5710965"/>
+          </a:xfrm>
+          <a:custGeom>
+            <a:avLst/>
+            <a:gdLst>
+              <a:gd name="T0" fmla="*/ 414 w 414"/>
+              <a:gd name="T1" fmla="*/ 2447 h 2447"/>
+              <a:gd name="T2" fmla="*/ 0 w 414"/>
+              <a:gd name="T3" fmla="*/ 2247 h 2447"/>
+              <a:gd name="T4" fmla="*/ 0 w 414"/>
+              <a:gd name="T5" fmla="*/ 0 h 2447"/>
+              <a:gd name="T6" fmla="*/ 414 w 414"/>
+              <a:gd name="T7" fmla="*/ 200 h 2447"/>
+              <a:gd name="T8" fmla="*/ 414 w 414"/>
+              <a:gd name="T9" fmla="*/ 2447 h 2447"/>
+            </a:gdLst>
+            <a:ahLst/>
+            <a:cxnLst>
+              <a:cxn ang="0">
+                <a:pos x="T0" y="T1"/>
+              </a:cxn>
+              <a:cxn ang="0">
+                <a:pos x="T2" y="T3"/>
+              </a:cxn>
+              <a:cxn ang="0">
+                <a:pos x="T4" y="T5"/>
+              </a:cxn>
+              <a:cxn ang="0">
+                <a:pos x="T6" y="T7"/>
+              </a:cxn>
+              <a:cxn ang="0">
+                <a:pos x="T8" y="T9"/>
+              </a:cxn>
+            </a:cxnLst>
+            <a:rect l="0" t="0" r="r" b="b"/>
+            <a:pathLst>
+              <a:path w="414" h="2447">
+                <a:moveTo>
+                  <a:pt x="414" y="2447"/>
+                </a:moveTo>
+                <a:lnTo>
+                  <a:pt x="0" y="2247"/>
+                </a:lnTo>
+                <a:lnTo>
+                  <a:pt x="0" y="0"/>
+                </a:lnTo>
+                <a:lnTo>
+                  <a:pt x="414" y="200"/>
+                </a:lnTo>
+                <a:lnTo>
+                  <a:pt x="414" y="2447"/>
+                </a:lnTo>
+                <a:close/>
+              </a:path>
+            </a:pathLst>
+          </a:custGeom>
+          <a:solidFill>
+            <a:schemeClr val="accent1">
+              <a:lumMod val="75000"/>
+            </a:schemeClr>
+          </a:solidFill>
+          <a:ln>
+            <a:noFill/>
+          </a:ln>
+        </p:spPr>
+        <p:txBody>
+          <a:bodyPr vert="horz" wrap="square" lIns="91440" tIns="45720" rIns="91440" bIns="45720" numCol="1" anchor="t" anchorCtr="0" compatLnSpc="1">
+            <a:prstTxWarp prst="textNoShape">
+              <a:avLst/>
+            </a:prstTxWarp>
+          </a:bodyPr>
+          <a:lstStyle/>
+          <a:p>
+            <a:endParaRPr lang="en-US"/>
+          </a:p>
+        </p:txBody>
+      </p:sp>
+      <p:sp>
+        <p:nvSpPr>
+          <p:cNvPr id="14" name="Freeform 7">
+            <a:extLst>
+              <a:ext uri="{FF2B5EF4-FFF2-40B4-BE49-F238E27FC236}">
+                <a16:creationId xmlns:a16="http://schemas.microsoft.com/office/drawing/2014/main" id="{D4ED8EC3-4D57-4620-93CE-4E6661F09A3E}"/>
+              </a:ext>
+              <a:ext uri="{C183D7F6-B498-43B3-948B-1728B52AA6E4}">
+                <adec:decorative xmlns:adec="http://schemas.microsoft.com/office/drawing/2017/decorative" val="1"/>
+              </a:ext>
+            </a:extLst>
+          </p:cNvPr>
+          <p:cNvSpPr>
+            <a:spLocks noGrp="1" noRot="1" noChangeAspect="1" noMove="1" noResize="1" noEditPoints="1" noAdjustHandles="1" noChangeArrowheads="1" noChangeShapeType="1" noTextEdit="1"/>
+          </p:cNvSpPr>
+          <p:nvPr>
+            <p:extLst>
+              <p:ext uri="{386F3935-93C4-4BCD-93E2-E3B085C9AB24}">
+                <p16:designElem xmlns:p16="http://schemas.microsoft.com/office/powerpoint/2015/main" val="1"/>
+              </p:ext>
+            </p:extLst>
+          </p:nvPr>
+        </p:nvSpPr>
+        <p:spPr bwMode="auto">
+          <a:xfrm>
+            <a:off x="4144437" y="343079"/>
+            <a:ext cx="482654" cy="5521414"/>
+          </a:xfrm>
+          <a:custGeom>
+            <a:avLst/>
+            <a:gdLst>
+              <a:gd name="T0" fmla="*/ 209 w 209"/>
+              <a:gd name="T1" fmla="*/ 2246 h 2358"/>
+              <a:gd name="T2" fmla="*/ 0 w 209"/>
+              <a:gd name="T3" fmla="*/ 2358 h 2358"/>
+              <a:gd name="T4" fmla="*/ 0 w 209"/>
+              <a:gd name="T5" fmla="*/ 111 h 2358"/>
+              <a:gd name="T6" fmla="*/ 209 w 209"/>
+              <a:gd name="T7" fmla="*/ 0 h 2358"/>
+              <a:gd name="T8" fmla="*/ 209 w 209"/>
+              <a:gd name="T9" fmla="*/ 2246 h 2358"/>
+            </a:gdLst>
+            <a:ahLst/>
+            <a:cxnLst>
+              <a:cxn ang="0">
+                <a:pos x="T0" y="T1"/>
+              </a:cxn>
+              <a:cxn ang="0">
+                <a:pos x="T2" y="T3"/>
+              </a:cxn>
+              <a:cxn ang="0">
+                <a:pos x="T4" y="T5"/>
+              </a:cxn>
+              <a:cxn ang="0">
+                <a:pos x="T6" y="T7"/>
+              </a:cxn>
+              <a:cxn ang="0">
+                <a:pos x="T8" y="T9"/>
+              </a:cxn>
+            </a:cxnLst>
+            <a:rect l="0" t="0" r="r" b="b"/>
+            <a:pathLst>
+              <a:path w="209" h="2358">
+                <a:moveTo>
+                  <a:pt x="209" y="2246"/>
+                </a:moveTo>
+                <a:lnTo>
+                  <a:pt x="0" y="2358"/>
+                </a:lnTo>
+                <a:lnTo>
+                  <a:pt x="0" y="111"/>
+                </a:lnTo>
+                <a:lnTo>
+                  <a:pt x="209" y="0"/>
+                </a:lnTo>
+                <a:lnTo>
+                  <a:pt x="209" y="2246"/>
+                </a:lnTo>
+                <a:close/>
+              </a:path>
+            </a:pathLst>
+          </a:custGeom>
+          <a:solidFill>
+            <a:schemeClr val="accent1">
+              <a:lumMod val="50000"/>
+            </a:schemeClr>
+          </a:solidFill>
+          <a:ln>
+            <a:noFill/>
+          </a:ln>
+        </p:spPr>
+        <p:txBody>
+          <a:bodyPr vert="horz" wrap="square" lIns="91440" tIns="45720" rIns="91440" bIns="45720" numCol="1" anchor="t" anchorCtr="0" compatLnSpc="1">
+            <a:prstTxWarp prst="textNoShape">
+              <a:avLst/>
+            </a:prstTxWarp>
+          </a:bodyPr>
+          <a:lstStyle/>
+          <a:p>
+            <a:endParaRPr lang="en-US"/>
+          </a:p>
+        </p:txBody>
+      </p:sp>
+      <p:sp>
+        <p:nvSpPr>
+          <p:cNvPr id="16" name="Freeform: Shape 15">
+            <a:extLst>
+              <a:ext uri="{FF2B5EF4-FFF2-40B4-BE49-F238E27FC236}">
+                <a16:creationId xmlns:a16="http://schemas.microsoft.com/office/drawing/2014/main" id="{83BCB34A-2F40-4F41-8488-A134C1C155B7}"/>
+              </a:ext>
+              <a:ext uri="{C183D7F6-B498-43B3-948B-1728B52AA6E4}">
+                <adec:decorative xmlns:adec="http://schemas.microsoft.com/office/drawing/2017/decorative" val="1"/>
+              </a:ext>
+            </a:extLst>
+          </p:cNvPr>
+          <p:cNvSpPr>
+            <a:spLocks noGrp="1" noRot="1" noChangeAspect="1" noMove="1" noResize="1" noEditPoints="1" noAdjustHandles="1" noChangeArrowheads="1" noChangeShapeType="1" noTextEdit="1"/>
+          </p:cNvSpPr>
+          <p:nvPr>
+            <p:extLst>
+              <p:ext uri="{386F3935-93C4-4BCD-93E2-E3B085C9AB24}">
+                <p16:designElem xmlns:p16="http://schemas.microsoft.com/office/powerpoint/2015/main" val="1"/>
+              </p:ext>
+            </p:extLst>
+          </p:nvPr>
+        </p:nvSpPr>
+        <p:spPr>
+          <a:xfrm>
+            <a:off x="-3045" y="340424"/>
+            <a:ext cx="4630139" cy="5265795"/>
+          </a:xfrm>
+          <a:custGeom>
+            <a:avLst/>
+            <a:gdLst>
+              <a:gd name="connsiteX0" fmla="*/ 0 w 4630139"/>
+              <a:gd name="connsiteY0" fmla="*/ 0 h 5265795"/>
+              <a:gd name="connsiteX1" fmla="*/ 4630139 w 4630139"/>
+              <a:gd name="connsiteY1" fmla="*/ 0 h 5265795"/>
+              <a:gd name="connsiteX2" fmla="*/ 4630139 w 4630139"/>
+              <a:gd name="connsiteY2" fmla="*/ 5265795 h 5265795"/>
+              <a:gd name="connsiteX3" fmla="*/ 0 w 4630139"/>
+              <a:gd name="connsiteY3" fmla="*/ 5265795 h 5265795"/>
+            </a:gdLst>
+            <a:ahLst/>
+            <a:cxnLst>
+              <a:cxn ang="0">
+                <a:pos x="connsiteX0" y="connsiteY0"/>
+              </a:cxn>
+              <a:cxn ang="0">
+                <a:pos x="connsiteX1" y="connsiteY1"/>
+              </a:cxn>
+              <a:cxn ang="0">
+                <a:pos x="connsiteX2" y="connsiteY2"/>
+              </a:cxn>
+              <a:cxn ang="0">
+                <a:pos x="connsiteX3" y="connsiteY3"/>
+              </a:cxn>
+            </a:cxnLst>
+            <a:rect l="l" t="t" r="r" b="b"/>
+            <a:pathLst>
+              <a:path w="4630139" h="5265795">
+                <a:moveTo>
+                  <a:pt x="0" y="0"/>
+                </a:moveTo>
+                <a:lnTo>
+                  <a:pt x="4630139" y="0"/>
+                </a:lnTo>
+                <a:lnTo>
+                  <a:pt x="4630139" y="5265795"/>
+                </a:lnTo>
+                <a:lnTo>
+                  <a:pt x="0" y="5265795"/>
+                </a:lnTo>
+                <a:close/>
+              </a:path>
+            </a:pathLst>
+          </a:custGeom>
+          <a:ln>
+            <a:noFill/>
+          </a:ln>
+        </p:spPr>
+        <p:style>
+          <a:lnRef idx="2">
+            <a:schemeClr val="accent1">
+              <a:shade val="50000"/>
+            </a:schemeClr>
+          </a:lnRef>
+          <a:fillRef idx="1">
+            <a:schemeClr val="accent1"/>
+          </a:fillRef>
+          <a:effectRef idx="0">
+            <a:schemeClr val="accent1"/>
+          </a:effectRef>
+          <a:fontRef idx="minor">
+            <a:schemeClr val="lt1"/>
+          </a:fontRef>
+        </p:style>
+        <p:txBody>
+          <a:bodyPr wrap="square" rtlCol="0" anchor="ctr">
+            <a:noAutofit/>
+          </a:bodyPr>
+          <a:lstStyle/>
+          <a:p>
+            <a:pPr algn="ctr"/>
+            <a:endParaRPr lang="en-US"/>
+          </a:p>
+        </p:txBody>
+      </p:sp>
+      <p:sp>
+        <p:nvSpPr>
+          <p:cNvPr id="18" name="Freeform: Shape 17">
+            <a:extLst>
+              <a:ext uri="{FF2B5EF4-FFF2-40B4-BE49-F238E27FC236}">
+                <a16:creationId xmlns:a16="http://schemas.microsoft.com/office/drawing/2014/main" id="{F78382DC-4207-465E-B379-1E16448AA222}"/>
+              </a:ext>
+              <a:ext uri="{C183D7F6-B498-43B3-948B-1728B52AA6E4}">
+                <adec:decorative xmlns:adec="http://schemas.microsoft.com/office/drawing/2017/decorative" val="1"/>
+              </a:ext>
+            </a:extLst>
+          </p:cNvPr>
+          <p:cNvSpPr>
+            <a:spLocks noGrp="1" noRot="1" noChangeAspect="1" noMove="1" noResize="1" noEditPoints="1" noAdjustHandles="1" noChangeArrowheads="1" noChangeShapeType="1" noTextEdit="1"/>
+          </p:cNvSpPr>
+          <p:nvPr>
+            <p:extLst>
+              <p:ext uri="{386F3935-93C4-4BCD-93E2-E3B085C9AB24}">
+                <p16:designElem xmlns:p16="http://schemas.microsoft.com/office/powerpoint/2015/main" val="1"/>
+              </p:ext>
+            </p:extLst>
+          </p:nvPr>
+        </p:nvSpPr>
+        <p:spPr>
+          <a:xfrm>
+            <a:off x="4901780" y="1071563"/>
+            <a:ext cx="7290218" cy="5242298"/>
+          </a:xfrm>
+          <a:custGeom>
+            <a:avLst/>
+            <a:gdLst>
+              <a:gd name="connsiteX0" fmla="*/ 0 w 7290218"/>
+              <a:gd name="connsiteY0" fmla="*/ 0 h 5242298"/>
+              <a:gd name="connsiteX1" fmla="*/ 7290218 w 7290218"/>
+              <a:gd name="connsiteY1" fmla="*/ 0 h 5242298"/>
+              <a:gd name="connsiteX2" fmla="*/ 7290218 w 7290218"/>
+              <a:gd name="connsiteY2" fmla="*/ 5242298 h 5242298"/>
+              <a:gd name="connsiteX3" fmla="*/ 0 w 7290218"/>
+              <a:gd name="connsiteY3" fmla="*/ 5242298 h 5242298"/>
+            </a:gdLst>
+            <a:ahLst/>
+            <a:cxnLst>
+              <a:cxn ang="0">
+                <a:pos x="connsiteX0" y="connsiteY0"/>
+              </a:cxn>
+              <a:cxn ang="0">
+                <a:pos x="connsiteX1" y="connsiteY1"/>
+              </a:cxn>
+              <a:cxn ang="0">
+                <a:pos x="connsiteX2" y="connsiteY2"/>
+              </a:cxn>
+              <a:cxn ang="0">
+                <a:pos x="connsiteX3" y="connsiteY3"/>
+              </a:cxn>
+            </a:cxnLst>
+            <a:rect l="l" t="t" r="r" b="b"/>
+            <a:pathLst>
+              <a:path w="7290218" h="5242298">
+                <a:moveTo>
+                  <a:pt x="0" y="0"/>
+                </a:moveTo>
+                <a:lnTo>
+                  <a:pt x="7290218" y="0"/>
+                </a:lnTo>
+                <a:lnTo>
+                  <a:pt x="7290218" y="5242298"/>
+                </a:lnTo>
+                <a:lnTo>
+                  <a:pt x="0" y="5242298"/>
+                </a:lnTo>
+                <a:close/>
+              </a:path>
+            </a:pathLst>
+          </a:custGeom>
+          <a:ln>
+            <a:noFill/>
+          </a:ln>
+        </p:spPr>
+        <p:style>
+          <a:lnRef idx="2">
+            <a:schemeClr val="accent1">
+              <a:shade val="50000"/>
+            </a:schemeClr>
+          </a:lnRef>
+          <a:fillRef idx="1">
+            <a:schemeClr val="accent1"/>
+          </a:fillRef>
+          <a:effectRef idx="0">
+            <a:schemeClr val="accent1"/>
+          </a:effectRef>
+          <a:fontRef idx="minor">
+            <a:schemeClr val="lt1"/>
+          </a:fontRef>
+        </p:style>
+        <p:txBody>
+          <a:bodyPr wrap="square" rtlCol="0" anchor="ctr">
+            <a:noAutofit/>
+          </a:bodyPr>
+          <a:lstStyle/>
+          <a:p>
+            <a:pPr algn="ctr"/>
+            <a:endParaRPr lang="en-US"/>
+          </a:p>
+        </p:txBody>
+      </p:sp>
+      <p:pic>
+        <p:nvPicPr>
+          <p:cNvPr id="6" name="Immagine 5">
+            <a:extLst>
+              <a:ext uri="{FF2B5EF4-FFF2-40B4-BE49-F238E27FC236}">
+                <a16:creationId xmlns:a16="http://schemas.microsoft.com/office/drawing/2014/main" id="{319EA13C-A6AF-4154-806E-8ACB28521B7A}"/>
+              </a:ext>
+            </a:extLst>
+          </p:cNvPr>
+          <p:cNvPicPr>
+            <a:picLocks noChangeAspect="1"/>
+          </p:cNvPicPr>
+          <p:nvPr/>
+        </p:nvPicPr>
+        <p:blipFill>
+          <a:blip r:embed="rId2">
+            <a:extLst>
+              <a:ext uri="{28A0092B-C50C-407E-A947-70E740481C1C}">
+                <a14:useLocalDpi xmlns:a14="http://schemas.microsoft.com/office/drawing/2010/main" val="0"/>
+              </a:ext>
+            </a:extLst>
+          </a:blip>
+          <a:stretch>
+            <a:fillRect/>
+          </a:stretch>
+        </p:blipFill>
+        <p:spPr>
+          <a:xfrm>
+            <a:off x="1804432" y="4165599"/>
+            <a:ext cx="2792123" cy="1570569"/>
+          </a:xfrm>
+          <a:prstGeom prst="rect">
+            <a:avLst/>
+          </a:prstGeom>
+        </p:spPr>
+      </p:pic>
+      <p:sp>
+        <p:nvSpPr>
+          <p:cNvPr id="7" name="CasellaDiTesto 6">
+            <a:extLst>
+              <a:ext uri="{FF2B5EF4-FFF2-40B4-BE49-F238E27FC236}">
+                <a16:creationId xmlns:a16="http://schemas.microsoft.com/office/drawing/2014/main" id="{777A3FD9-3801-41F7-8DD1-4AF4E3125BFE}"/>
+              </a:ext>
+            </a:extLst>
+          </p:cNvPr>
+          <p:cNvSpPr txBox="1"/>
+          <p:nvPr/>
+        </p:nvSpPr>
+        <p:spPr>
+          <a:xfrm>
             <a:off x="16573" y="1521728"/>
             <a:ext cx="4882161" cy="1323439"/>
           </a:xfrm>
@@ -9593,21 +10837,14 @@
 </p:sld>
 </file>
 
-<file path=ppt/slides/slide17.xml><?xml version="1.0" encoding="utf-8"?>
+<file path=ppt/slides/slide19.xml><?xml version="1.0" encoding="utf-8"?>
 <p:sld xmlns:a="http://schemas.openxmlformats.org/drawingml/2006/main" xmlns:r="http://schemas.openxmlformats.org/officeDocument/2006/relationships" xmlns:p="http://schemas.openxmlformats.org/presentationml/2006/main">
   <p:cSld>
     <p:bg>
       <p:bgPr>
-        <a:blipFill dpi="0" rotWithShape="1">
-          <a:blip r:embed="rId2">
-            <a:alphaModFix amt="15000"/>
-            <a:lum/>
-          </a:blip>
-          <a:srcRect/>
-          <a:stretch>
-            <a:fillRect/>
-          </a:stretch>
-        </a:blipFill>
+        <a:solidFill>
+          <a:schemeClr val="bg1"/>
+        </a:solidFill>
         <a:effectLst/>
       </p:bgPr>
     </p:bg>
@@ -9625,615 +10862,488 @@
           <a:chExt cx="0" cy="0"/>
         </a:xfrm>
       </p:grpSpPr>
-      <p:sp>
-        <p:nvSpPr>
-          <p:cNvPr id="4" name="CasellaDiTesto 3">
-            <a:extLst>
-              <a:ext uri="{FF2B5EF4-FFF2-40B4-BE49-F238E27FC236}">
-                <a16:creationId xmlns:a16="http://schemas.microsoft.com/office/drawing/2014/main" id="{92023F2A-5696-48D1-A850-47EE7293D4CF}"/>
-              </a:ext>
-            </a:extLst>
-          </p:cNvPr>
-          <p:cNvSpPr txBox="1"/>
-          <p:nvPr/>
+      <p:sp useBgFill="1">
+        <p:nvSpPr>
+          <p:cNvPr id="10" name="Rectangle 9">
+            <a:extLst>
+              <a:ext uri="{FF2B5EF4-FFF2-40B4-BE49-F238E27FC236}">
+                <a16:creationId xmlns:a16="http://schemas.microsoft.com/office/drawing/2014/main" id="{A169D286-F4D7-4C8B-A6BD-D05384C7F1D8}"/>
+              </a:ext>
+              <a:ext uri="{C183D7F6-B498-43B3-948B-1728B52AA6E4}">
+                <adec:decorative xmlns:adec="http://schemas.microsoft.com/office/drawing/2017/decorative" val="1"/>
+              </a:ext>
+            </a:extLst>
+          </p:cNvPr>
+          <p:cNvSpPr>
+            <a:spLocks noGrp="1" noRot="1" noChangeAspect="1" noMove="1" noResize="1" noEditPoints="1" noAdjustHandles="1" noChangeArrowheads="1" noChangeShapeType="1" noTextEdit="1"/>
+          </p:cNvSpPr>
+          <p:nvPr>
+            <p:extLst>
+              <p:ext uri="{386F3935-93C4-4BCD-93E2-E3B085C9AB24}">
+                <p16:designElem xmlns:p16="http://schemas.microsoft.com/office/powerpoint/2015/main" val="1"/>
+              </p:ext>
+            </p:extLst>
+          </p:nvPr>
         </p:nvSpPr>
         <p:spPr>
           <a:xfrm>
-            <a:off x="2466109" y="261233"/>
-            <a:ext cx="7259781" cy="2585323"/>
+            <a:off x="0" y="0"/>
+            <a:ext cx="12188952" cy="6858000"/>
           </a:xfrm>
           <a:prstGeom prst="rect">
             <a:avLst/>
           </a:prstGeom>
-          <a:noFill/>
-        </p:spPr>
-        <p:txBody>
-          <a:bodyPr wrap="square" rtlCol="0">
-            <a:spAutoFit/>
-          </a:bodyPr>
+          <a:ln>
+            <a:noFill/>
+          </a:ln>
+        </p:spPr>
+        <p:style>
+          <a:lnRef idx="2">
+            <a:schemeClr val="accent1">
+              <a:shade val="50000"/>
+            </a:schemeClr>
+          </a:lnRef>
+          <a:fillRef idx="1">
+            <a:schemeClr val="accent1"/>
+          </a:fillRef>
+          <a:effectRef idx="0">
+            <a:schemeClr val="accent1"/>
+          </a:effectRef>
+          <a:fontRef idx="minor">
+            <a:schemeClr val="lt1"/>
+          </a:fontRef>
+        </p:style>
+        <p:txBody>
+          <a:bodyPr rtlCol="0" anchor="ctr"/>
           <a:lstStyle/>
           <a:p>
-            <a:r>
-              <a:rPr lang="it-IT" sz="2400" b="1" dirty="0"/>
-              <a:t>Ora per mostrare al meglio il funzionamento del nostro sistema portiamo all’attenzione l’operazione più significativa secondo noi, la prenotazione di una prestazione presso l’ufficio.</a:t>
-            </a:r>
-          </a:p>
-          <a:p>
-            <a:r>
-              <a:rPr lang="it-IT" sz="2400" b="1" dirty="0"/>
-              <a:t>Presentiamo quindi lo scenario relativo a questa operazione</a:t>
-            </a:r>
-          </a:p>
-          <a:p>
-            <a:endParaRPr lang="it-IT" dirty="0"/>
-          </a:p>
-        </p:txBody>
-      </p:sp>
-      <p:graphicFrame>
-        <p:nvGraphicFramePr>
-          <p:cNvPr id="5" name="Tabella 4">
-            <a:extLst>
-              <a:ext uri="{FF2B5EF4-FFF2-40B4-BE49-F238E27FC236}">
-                <a16:creationId xmlns:a16="http://schemas.microsoft.com/office/drawing/2014/main" id="{6CB2DA6F-3393-4032-AF79-EC00122D22CF}"/>
-              </a:ext>
-            </a:extLst>
-          </p:cNvPr>
-          <p:cNvGraphicFramePr>
-            <a:graphicFrameLocks noGrp="1"/>
-          </p:cNvGraphicFramePr>
+            <a:pPr algn="ctr"/>
+            <a:endParaRPr lang="en-US"/>
+          </a:p>
+        </p:txBody>
+      </p:sp>
+      <p:sp>
+        <p:nvSpPr>
+          <p:cNvPr id="12" name="Freeform 6">
+            <a:extLst>
+              <a:ext uri="{FF2B5EF4-FFF2-40B4-BE49-F238E27FC236}">
+                <a16:creationId xmlns:a16="http://schemas.microsoft.com/office/drawing/2014/main" id="{39E8235E-135E-4261-8F54-2B316E493C42}"/>
+              </a:ext>
+              <a:ext uri="{C183D7F6-B498-43B3-948B-1728B52AA6E4}">
+                <adec:decorative xmlns:adec="http://schemas.microsoft.com/office/drawing/2017/decorative" val="1"/>
+              </a:ext>
+            </a:extLst>
+          </p:cNvPr>
+          <p:cNvSpPr>
+            <a:spLocks noGrp="1" noRot="1" noChangeAspect="1" noMove="1" noResize="1" noEditPoints="1" noAdjustHandles="1" noChangeArrowheads="1" noChangeShapeType="1" noTextEdit="1"/>
+          </p:cNvSpPr>
           <p:nvPr>
             <p:extLst>
-              <p:ext uri="{D42A27DB-BD31-4B8C-83A1-F6EECF244321}">
-                <p14:modId xmlns:p14="http://schemas.microsoft.com/office/powerpoint/2010/main" val="1436470938"/>
+              <p:ext uri="{386F3935-93C4-4BCD-93E2-E3B085C9AB24}">
+                <p16:designElem xmlns:p16="http://schemas.microsoft.com/office/powerpoint/2015/main" val="1"/>
               </p:ext>
             </p:extLst>
           </p:nvPr>
-        </p:nvGraphicFramePr>
-        <p:xfrm>
-          <a:off x="2943859" y="2622796"/>
-          <a:ext cx="6304280" cy="3522663"/>
-        </p:xfrm>
-        <a:graphic>
-          <a:graphicData uri="http://schemas.openxmlformats.org/drawingml/2006/table">
-            <a:tbl>
-              <a:tblPr firstRow="1" firstCol="1" bandRow="1">
-                <a:tableStyleId>{5C22544A-7EE6-4342-B048-85BDC9FD1C3A}</a:tableStyleId>
-              </a:tblPr>
-              <a:tblGrid>
-                <a:gridCol w="1296670">
-                  <a:extLst>
-                    <a:ext uri="{9D8B030D-6E8A-4147-A177-3AD203B41FA5}">
-                      <a16:colId xmlns:a16="http://schemas.microsoft.com/office/drawing/2014/main" val="2968767303"/>
-                    </a:ext>
-                  </a:extLst>
-                </a:gridCol>
-                <a:gridCol w="5007610">
-                  <a:extLst>
-                    <a:ext uri="{9D8B030D-6E8A-4147-A177-3AD203B41FA5}">
-                      <a16:colId xmlns:a16="http://schemas.microsoft.com/office/drawing/2014/main" val="3356555618"/>
-                    </a:ext>
-                  </a:extLst>
-                </a:gridCol>
-              </a:tblGrid>
-              <a:tr h="298450">
-                <a:tc>
-                  <a:txBody>
-                    <a:bodyPr/>
-                    <a:lstStyle/>
-                    <a:p>
-                      <a:pPr algn="l">
-                        <a:lnSpc>
-                          <a:spcPct val="107000"/>
-                        </a:lnSpc>
-                        <a:spcAft>
-                          <a:spcPts val="800"/>
-                        </a:spcAft>
-                      </a:pPr>
-                      <a:r>
-                        <a:rPr lang="it-IT" sz="1200">
-                          <a:effectLst/>
-                        </a:rPr>
-                        <a:t>Nome Scenario</a:t>
-                      </a:r>
-                      <a:endParaRPr lang="it-IT" sz="1200">
-                        <a:effectLst/>
-                        <a:latin typeface="Arial" panose="020B0604020202020204" pitchFamily="34" charset="0"/>
-                        <a:ea typeface="Calibri" panose="020F0502020204030204" pitchFamily="34" charset="0"/>
-                      </a:endParaRPr>
-                    </a:p>
-                  </a:txBody>
-                  <a:tcPr marL="68580" marR="68580" marT="0" marB="0">
-                    <a:solidFill>
-                      <a:schemeClr val="accent1">
-                        <a:lumMod val="50000"/>
-                      </a:schemeClr>
-                    </a:solidFill>
-                  </a:tcPr>
-                </a:tc>
-                <a:tc>
-                  <a:txBody>
-                    <a:bodyPr/>
-                    <a:lstStyle/>
-                    <a:p>
-                      <a:pPr algn="l">
-                        <a:lnSpc>
-                          <a:spcPct val="107000"/>
-                        </a:lnSpc>
-                        <a:spcAft>
-                          <a:spcPts val="800"/>
-                        </a:spcAft>
-                      </a:pPr>
-                      <a:r>
-                        <a:rPr lang="it-IT" sz="1200" dirty="0">
-                          <a:effectLst/>
-                        </a:rPr>
-                        <a:t>SC_GP-1: Richiesta prenotazioni</a:t>
-                      </a:r>
-                      <a:endParaRPr lang="it-IT" sz="1200" dirty="0">
-                        <a:effectLst/>
-                        <a:latin typeface="Arial" panose="020B0604020202020204" pitchFamily="34" charset="0"/>
-                        <a:ea typeface="Calibri" panose="020F0502020204030204" pitchFamily="34" charset="0"/>
-                      </a:endParaRPr>
-                    </a:p>
-                  </a:txBody>
-                  <a:tcPr marL="68580" marR="68580" marT="0" marB="0">
-                    <a:solidFill>
-                      <a:schemeClr val="accent1">
-                        <a:lumMod val="50000"/>
-                      </a:schemeClr>
-                    </a:solidFill>
-                  </a:tcPr>
-                </a:tc>
-                <a:extLst>
-                  <a:ext uri="{0D108BD9-81ED-4DB2-BD59-A6C34878D82A}">
-                    <a16:rowId xmlns:a16="http://schemas.microsoft.com/office/drawing/2014/main" val="1545375592"/>
-                  </a:ext>
-                </a:extLst>
-              </a:tr>
-              <a:tr h="298450">
-                <a:tc>
-                  <a:txBody>
-                    <a:bodyPr/>
-                    <a:lstStyle/>
-                    <a:p>
-                      <a:pPr algn="l">
-                        <a:lnSpc>
-                          <a:spcPct val="107000"/>
-                        </a:lnSpc>
-                        <a:spcAft>
-                          <a:spcPts val="800"/>
-                        </a:spcAft>
-                      </a:pPr>
-                      <a:r>
-                        <a:rPr lang="it-IT" sz="1200">
-                          <a:effectLst/>
-                        </a:rPr>
-                        <a:t>Attori Principali</a:t>
-                      </a:r>
-                      <a:endParaRPr lang="it-IT" sz="1200">
-                        <a:effectLst/>
-                        <a:latin typeface="Arial" panose="020B0604020202020204" pitchFamily="34" charset="0"/>
-                        <a:ea typeface="Calibri" panose="020F0502020204030204" pitchFamily="34" charset="0"/>
-                      </a:endParaRPr>
-                    </a:p>
-                  </a:txBody>
-                  <a:tcPr marL="68580" marR="68580" marT="0" marB="0">
-                    <a:solidFill>
-                      <a:schemeClr val="accent1">
-                        <a:lumMod val="50000"/>
-                      </a:schemeClr>
-                    </a:solidFill>
-                  </a:tcPr>
-                </a:tc>
-                <a:tc>
-                  <a:txBody>
-                    <a:bodyPr/>
-                    <a:lstStyle/>
-                    <a:p>
-                      <a:pPr algn="l">
-                        <a:lnSpc>
-                          <a:spcPct val="107000"/>
-                        </a:lnSpc>
-                        <a:spcAft>
-                          <a:spcPts val="800"/>
-                        </a:spcAft>
-                      </a:pPr>
-                      <a:r>
-                        <a:rPr lang="it-IT" sz="1200" dirty="0">
-                          <a:effectLst/>
-                        </a:rPr>
-                        <a:t>Angelo: Utente Registrato</a:t>
-                      </a:r>
-                      <a:endParaRPr lang="it-IT" sz="1200" dirty="0">
-                        <a:effectLst/>
-                        <a:latin typeface="Arial" panose="020B0604020202020204" pitchFamily="34" charset="0"/>
-                        <a:ea typeface="Calibri" panose="020F0502020204030204" pitchFamily="34" charset="0"/>
-                      </a:endParaRPr>
-                    </a:p>
-                  </a:txBody>
-                  <a:tcPr marL="68580" marR="68580" marT="0" marB="0"/>
-                </a:tc>
-                <a:extLst>
-                  <a:ext uri="{0D108BD9-81ED-4DB2-BD59-A6C34878D82A}">
-                    <a16:rowId xmlns:a16="http://schemas.microsoft.com/office/drawing/2014/main" val="3965503023"/>
-                  </a:ext>
-                </a:extLst>
-              </a:tr>
-              <a:tr h="2698115">
-                <a:tc>
-                  <a:txBody>
-                    <a:bodyPr/>
-                    <a:lstStyle/>
-                    <a:p>
-                      <a:pPr algn="l">
-                        <a:lnSpc>
-                          <a:spcPct val="107000"/>
-                        </a:lnSpc>
-                        <a:spcAft>
-                          <a:spcPts val="800"/>
-                        </a:spcAft>
-                      </a:pPr>
-                      <a:r>
-                        <a:rPr lang="it-IT" sz="1200" dirty="0">
-                          <a:effectLst/>
-                        </a:rPr>
-                        <a:t>Flusso di eventi</a:t>
-                      </a:r>
-                    </a:p>
-                    <a:p>
-                      <a:pPr algn="l">
-                        <a:lnSpc>
-                          <a:spcPct val="107000"/>
-                        </a:lnSpc>
-                        <a:spcAft>
-                          <a:spcPts val="800"/>
-                        </a:spcAft>
-                      </a:pPr>
-                      <a:r>
-                        <a:rPr lang="it-IT" sz="1200" dirty="0">
-                          <a:effectLst/>
-                        </a:rPr>
-                        <a:t> </a:t>
-                      </a:r>
-                    </a:p>
-                    <a:p>
-                      <a:pPr algn="l">
-                        <a:lnSpc>
-                          <a:spcPct val="107000"/>
-                        </a:lnSpc>
-                        <a:spcAft>
-                          <a:spcPts val="800"/>
-                        </a:spcAft>
-                      </a:pPr>
-                      <a:r>
-                        <a:rPr lang="it-IT" sz="1200" dirty="0">
-                          <a:effectLst/>
-                        </a:rPr>
-                        <a:t> </a:t>
-                      </a:r>
-                    </a:p>
-                    <a:p>
-                      <a:pPr algn="l">
-                        <a:lnSpc>
-                          <a:spcPct val="107000"/>
-                        </a:lnSpc>
-                        <a:spcAft>
-                          <a:spcPts val="800"/>
-                        </a:spcAft>
-                      </a:pPr>
-                      <a:r>
-                        <a:rPr lang="it-IT" sz="1200" dirty="0">
-                          <a:effectLst/>
-                        </a:rPr>
-                        <a:t> </a:t>
-                      </a:r>
-                    </a:p>
-                    <a:p>
-                      <a:pPr algn="l">
-                        <a:lnSpc>
-                          <a:spcPct val="107000"/>
-                        </a:lnSpc>
-                        <a:spcAft>
-                          <a:spcPts val="800"/>
-                        </a:spcAft>
-                      </a:pPr>
-                      <a:r>
-                        <a:rPr lang="it-IT" sz="1200" dirty="0">
-                          <a:effectLst/>
-                        </a:rPr>
-                        <a:t> </a:t>
-                      </a:r>
-                    </a:p>
-                    <a:p>
-                      <a:pPr algn="l">
-                        <a:lnSpc>
-                          <a:spcPct val="107000"/>
-                        </a:lnSpc>
-                        <a:spcAft>
-                          <a:spcPts val="800"/>
-                        </a:spcAft>
-                      </a:pPr>
-                      <a:r>
-                        <a:rPr lang="it-IT" sz="1200" dirty="0">
-                          <a:effectLst/>
-                        </a:rPr>
-                        <a:t> </a:t>
-                      </a:r>
-                    </a:p>
-                    <a:p>
-                      <a:pPr algn="l">
-                        <a:lnSpc>
-                          <a:spcPct val="107000"/>
-                        </a:lnSpc>
-                        <a:spcAft>
-                          <a:spcPts val="800"/>
-                        </a:spcAft>
-                      </a:pPr>
-                      <a:r>
-                        <a:rPr lang="it-IT" sz="1200" dirty="0">
-                          <a:effectLst/>
-                        </a:rPr>
-                        <a:t> </a:t>
-                      </a:r>
-                    </a:p>
-                    <a:p>
-                      <a:pPr algn="l">
-                        <a:lnSpc>
-                          <a:spcPct val="107000"/>
-                        </a:lnSpc>
-                        <a:spcAft>
-                          <a:spcPts val="800"/>
-                        </a:spcAft>
-                      </a:pPr>
-                      <a:r>
-                        <a:rPr lang="it-IT" sz="1200" dirty="0">
-                          <a:effectLst/>
-                        </a:rPr>
-                        <a:t> </a:t>
-                      </a:r>
-                      <a:endParaRPr lang="it-IT" sz="1200" dirty="0">
-                        <a:effectLst/>
-                        <a:latin typeface="Arial" panose="020B0604020202020204" pitchFamily="34" charset="0"/>
-                        <a:ea typeface="Calibri" panose="020F0502020204030204" pitchFamily="34" charset="0"/>
-                      </a:endParaRPr>
-                    </a:p>
-                  </a:txBody>
-                  <a:tcPr marL="68580" marR="68580" marT="0" marB="0">
-                    <a:solidFill>
-                      <a:schemeClr val="accent1">
-                        <a:lumMod val="50000"/>
-                      </a:schemeClr>
-                    </a:solidFill>
-                  </a:tcPr>
-                </a:tc>
-                <a:tc>
-                  <a:txBody>
-                    <a:bodyPr/>
-                    <a:lstStyle/>
-                    <a:p>
-                      <a:pPr marL="342900" lvl="0" indent="-342900" algn="l">
-                        <a:lnSpc>
-                          <a:spcPct val="107000"/>
-                        </a:lnSpc>
-                        <a:buFont typeface="+mj-lt"/>
-                        <a:buAutoNum type="arabicPeriod"/>
-                      </a:pPr>
-                      <a:r>
-                        <a:rPr lang="it-IT" sz="1200" dirty="0">
-                          <a:effectLst/>
-                        </a:rPr>
-                        <a:t>Angelo si connette al sistema con l’intenzione di voler prendere una prenotazione, esegue l’autenticazione e clicca sul pulsante richiedi prenotazione.</a:t>
-                      </a:r>
-                    </a:p>
-                    <a:p>
-                      <a:pPr marL="342900" lvl="0" indent="-342900" algn="l">
-                        <a:lnSpc>
-                          <a:spcPct val="107000"/>
-                        </a:lnSpc>
-                        <a:buFont typeface="+mj-lt"/>
-                        <a:buAutoNum type="arabicPeriod"/>
-                      </a:pPr>
-                      <a:r>
-                        <a:rPr lang="it-IT" sz="1200" dirty="0">
-                          <a:effectLst/>
-                        </a:rPr>
-                        <a:t>Il sistema chiede ad Angelo di selezionare l’operazione che vuole effettuare.</a:t>
-                      </a:r>
-                    </a:p>
-                    <a:p>
-                      <a:pPr marL="342900" lvl="0" indent="-342900" algn="l">
-                        <a:lnSpc>
-                          <a:spcPct val="107000"/>
-                        </a:lnSpc>
-                        <a:buFont typeface="+mj-lt"/>
-                        <a:buAutoNum type="arabicPeriod"/>
-                      </a:pPr>
-                      <a:r>
-                        <a:rPr lang="it-IT" sz="1200" dirty="0">
-                          <a:effectLst/>
-                        </a:rPr>
-                        <a:t>Angelo seleziona “Ritira Analisi”.</a:t>
-                      </a:r>
-                    </a:p>
-                    <a:p>
-                      <a:pPr marL="342900" lvl="0" indent="-342900" algn="l">
-                        <a:lnSpc>
-                          <a:spcPct val="107000"/>
-                        </a:lnSpc>
-                        <a:buFont typeface="+mj-lt"/>
-                        <a:buAutoNum type="arabicPeriod"/>
-                      </a:pPr>
-                      <a:r>
-                        <a:rPr lang="it-IT" sz="1200" dirty="0">
-                          <a:effectLst/>
-                        </a:rPr>
-                        <a:t>Il sistema mostra ad Angelo tutti gli ospedali convenzionati.</a:t>
-                      </a:r>
-                    </a:p>
-                    <a:p>
-                      <a:pPr marL="342900" lvl="0" indent="-342900" algn="l">
-                        <a:lnSpc>
-                          <a:spcPct val="107000"/>
-                        </a:lnSpc>
-                        <a:buFont typeface="+mj-lt"/>
-                        <a:buAutoNum type="arabicPeriod"/>
-                      </a:pPr>
-                      <a:r>
-                        <a:rPr lang="it-IT" sz="1200" dirty="0">
-                          <a:effectLst/>
-                        </a:rPr>
-                        <a:t>Angelo seleziona “Ospedale di Caserta”.</a:t>
-                      </a:r>
-                    </a:p>
-                    <a:p>
-                      <a:pPr marL="342900" lvl="0" indent="-342900" algn="l">
-                        <a:lnSpc>
-                          <a:spcPct val="107000"/>
-                        </a:lnSpc>
-                        <a:buFont typeface="+mj-lt"/>
-                        <a:buAutoNum type="arabicPeriod"/>
-                      </a:pPr>
-                      <a:r>
-                        <a:rPr lang="it-IT" sz="1200" dirty="0">
-                          <a:effectLst/>
-                        </a:rPr>
-                        <a:t>Il sistema mostra ad Angelo tutti gli ambulatori presenti nell’ospedale di Caserta e un calendario con i giorni in cui è possibile effettuare una prenotazione.</a:t>
-                      </a:r>
-                    </a:p>
-                    <a:p>
-                      <a:pPr marL="342900" lvl="0" indent="-342900" algn="l">
-                        <a:lnSpc>
-                          <a:spcPct val="107000"/>
-                        </a:lnSpc>
-                        <a:buFont typeface="+mj-lt"/>
-                        <a:buAutoNum type="arabicPeriod"/>
-                      </a:pPr>
-                      <a:r>
-                        <a:rPr lang="it-IT" sz="1200" dirty="0">
-                          <a:effectLst/>
-                        </a:rPr>
-                        <a:t>Angelo sceglie di effettuare una prenotazione per il giorno 12 Dicembre e, dalla lista degli orari disponibili, seleziona le 11:00.</a:t>
-                      </a:r>
-                    </a:p>
-                    <a:p>
-                      <a:pPr marL="342900" lvl="0" indent="-342900" algn="l">
-                        <a:lnSpc>
-                          <a:spcPct val="107000"/>
-                        </a:lnSpc>
-                        <a:spcAft>
-                          <a:spcPts val="800"/>
-                        </a:spcAft>
-                        <a:buFont typeface="+mj-lt"/>
-                        <a:buAutoNum type="arabicPeriod"/>
-                      </a:pPr>
-                      <a:r>
-                        <a:rPr lang="it-IT" sz="1200" dirty="0">
-                          <a:effectLst/>
-                        </a:rPr>
-                        <a:t>Il sistema inserirà Angelo nella coda di prenotazione del giorno 12 Dicembre e restituirà ad Angelo una mail di conferma prenotazione</a:t>
-                      </a:r>
-                      <a:endParaRPr lang="it-IT" sz="1200" dirty="0">
-                        <a:effectLst/>
-                        <a:latin typeface="Arial" panose="020B0604020202020204" pitchFamily="34" charset="0"/>
-                        <a:ea typeface="Calibri" panose="020F0502020204030204" pitchFamily="34" charset="0"/>
-                      </a:endParaRPr>
-                    </a:p>
-                  </a:txBody>
-                  <a:tcPr marL="68580" marR="68580" marT="0" marB="0"/>
-                </a:tc>
-                <a:extLst>
-                  <a:ext uri="{0D108BD9-81ED-4DB2-BD59-A6C34878D82A}">
-                    <a16:rowId xmlns:a16="http://schemas.microsoft.com/office/drawing/2014/main" val="4060708561"/>
-                  </a:ext>
-                </a:extLst>
-              </a:tr>
-            </a:tbl>
-          </a:graphicData>
-        </a:graphic>
-      </p:graphicFrame>
-    </p:spTree>
-    <p:extLst>
-      <p:ext uri="{BB962C8B-B14F-4D97-AF65-F5344CB8AC3E}">
-        <p14:creationId xmlns:p14="http://schemas.microsoft.com/office/powerpoint/2010/main" val="1930732825"/>
-      </p:ext>
-    </p:extLst>
-  </p:cSld>
-  <p:clrMapOvr>
-    <a:masterClrMapping/>
-  </p:clrMapOvr>
-</p:sld>
-</file>
-
-<file path=ppt/slides/slide18.xml><?xml version="1.0" encoding="utf-8"?>
-<p:sld xmlns:a="http://schemas.openxmlformats.org/drawingml/2006/main" xmlns:r="http://schemas.openxmlformats.org/officeDocument/2006/relationships" xmlns:p="http://schemas.openxmlformats.org/presentationml/2006/main">
-  <p:cSld>
-    <p:bg>
-      <p:bgPr>
-        <a:blipFill dpi="0" rotWithShape="1">
-          <a:blip r:embed="rId2">
-            <a:alphaModFix amt="15000"/>
-            <a:lum/>
-          </a:blip>
-          <a:srcRect/>
-          <a:stretch>
-            <a:fillRect/>
-          </a:stretch>
-        </a:blipFill>
-        <a:effectLst/>
-      </p:bgPr>
-    </p:bg>
-    <p:spTree>
-      <p:nvGrpSpPr>
-        <p:cNvPr id="1" name=""/>
-        <p:cNvGrpSpPr/>
-        <p:nvPr/>
-      </p:nvGrpSpPr>
-      <p:grpSpPr>
-        <a:xfrm>
-          <a:off x="0" y="0"/>
-          <a:ext cx="0" cy="0"/>
-          <a:chOff x="0" y="0"/>
-          <a:chExt cx="0" cy="0"/>
-        </a:xfrm>
-      </p:grpSpPr>
-      <p:sp>
-        <p:nvSpPr>
-          <p:cNvPr id="3" name="CasellaDiTesto 2">
-            <a:extLst>
-              <a:ext uri="{FF2B5EF4-FFF2-40B4-BE49-F238E27FC236}">
-                <a16:creationId xmlns:a16="http://schemas.microsoft.com/office/drawing/2014/main" id="{DAE5A324-22C8-43CD-BF4E-C108FA8A3BC1}"/>
-              </a:ext>
-            </a:extLst>
-          </p:cNvPr>
-          <p:cNvSpPr txBox="1"/>
-          <p:nvPr/>
-        </p:nvSpPr>
-        <p:spPr>
-          <a:xfrm>
-            <a:off x="2601157" y="772357"/>
-            <a:ext cx="7368466" cy="461665"/>
-          </a:xfrm>
-          <a:prstGeom prst="rect">
+        </p:nvSpPr>
+        <p:spPr bwMode="auto">
+          <a:xfrm>
+            <a:off x="4142164" y="610728"/>
+            <a:ext cx="759618" cy="5710965"/>
+          </a:xfrm>
+          <a:custGeom>
             <a:avLst/>
-          </a:prstGeom>
-          <a:noFill/>
-        </p:spPr>
-        <p:txBody>
-          <a:bodyPr wrap="square" rtlCol="0">
-            <a:spAutoFit/>
+            <a:gdLst>
+              <a:gd name="T0" fmla="*/ 414 w 414"/>
+              <a:gd name="T1" fmla="*/ 2447 h 2447"/>
+              <a:gd name="T2" fmla="*/ 0 w 414"/>
+              <a:gd name="T3" fmla="*/ 2247 h 2447"/>
+              <a:gd name="T4" fmla="*/ 0 w 414"/>
+              <a:gd name="T5" fmla="*/ 0 h 2447"/>
+              <a:gd name="T6" fmla="*/ 414 w 414"/>
+              <a:gd name="T7" fmla="*/ 200 h 2447"/>
+              <a:gd name="T8" fmla="*/ 414 w 414"/>
+              <a:gd name="T9" fmla="*/ 2447 h 2447"/>
+            </a:gdLst>
+            <a:ahLst/>
+            <a:cxnLst>
+              <a:cxn ang="0">
+                <a:pos x="T0" y="T1"/>
+              </a:cxn>
+              <a:cxn ang="0">
+                <a:pos x="T2" y="T3"/>
+              </a:cxn>
+              <a:cxn ang="0">
+                <a:pos x="T4" y="T5"/>
+              </a:cxn>
+              <a:cxn ang="0">
+                <a:pos x="T6" y="T7"/>
+              </a:cxn>
+              <a:cxn ang="0">
+                <a:pos x="T8" y="T9"/>
+              </a:cxn>
+            </a:cxnLst>
+            <a:rect l="0" t="0" r="r" b="b"/>
+            <a:pathLst>
+              <a:path w="414" h="2447">
+                <a:moveTo>
+                  <a:pt x="414" y="2447"/>
+                </a:moveTo>
+                <a:lnTo>
+                  <a:pt x="0" y="2247"/>
+                </a:lnTo>
+                <a:lnTo>
+                  <a:pt x="0" y="0"/>
+                </a:lnTo>
+                <a:lnTo>
+                  <a:pt x="414" y="200"/>
+                </a:lnTo>
+                <a:lnTo>
+                  <a:pt x="414" y="2447"/>
+                </a:lnTo>
+                <a:close/>
+              </a:path>
+            </a:pathLst>
+          </a:custGeom>
+          <a:solidFill>
+            <a:schemeClr val="accent1">
+              <a:lumMod val="75000"/>
+            </a:schemeClr>
+          </a:solidFill>
+          <a:ln>
+            <a:noFill/>
+          </a:ln>
+        </p:spPr>
+        <p:txBody>
+          <a:bodyPr vert="horz" wrap="square" lIns="91440" tIns="45720" rIns="91440" bIns="45720" numCol="1" anchor="t" anchorCtr="0" compatLnSpc="1">
+            <a:prstTxWarp prst="textNoShape">
+              <a:avLst/>
+            </a:prstTxWarp>
           </a:bodyPr>
           <a:lstStyle/>
           <a:p>
-            <a:endParaRPr lang="it-IT" sz="2400" b="1" dirty="0"/>
+            <a:endParaRPr lang="en-US"/>
+          </a:p>
+        </p:txBody>
+      </p:sp>
+      <p:sp>
+        <p:nvSpPr>
+          <p:cNvPr id="14" name="Freeform 7">
+            <a:extLst>
+              <a:ext uri="{FF2B5EF4-FFF2-40B4-BE49-F238E27FC236}">
+                <a16:creationId xmlns:a16="http://schemas.microsoft.com/office/drawing/2014/main" id="{D4ED8EC3-4D57-4620-93CE-4E6661F09A3E}"/>
+              </a:ext>
+              <a:ext uri="{C183D7F6-B498-43B3-948B-1728B52AA6E4}">
+                <adec:decorative xmlns:adec="http://schemas.microsoft.com/office/drawing/2017/decorative" val="1"/>
+              </a:ext>
+            </a:extLst>
+          </p:cNvPr>
+          <p:cNvSpPr>
+            <a:spLocks noGrp="1" noRot="1" noChangeAspect="1" noMove="1" noResize="1" noEditPoints="1" noAdjustHandles="1" noChangeArrowheads="1" noChangeShapeType="1" noTextEdit="1"/>
+          </p:cNvSpPr>
+          <p:nvPr>
+            <p:extLst>
+              <p:ext uri="{386F3935-93C4-4BCD-93E2-E3B085C9AB24}">
+                <p16:designElem xmlns:p16="http://schemas.microsoft.com/office/powerpoint/2015/main" val="1"/>
+              </p:ext>
+            </p:extLst>
+          </p:nvPr>
+        </p:nvSpPr>
+        <p:spPr bwMode="auto">
+          <a:xfrm>
+            <a:off x="4144437" y="343079"/>
+            <a:ext cx="482654" cy="5521414"/>
+          </a:xfrm>
+          <a:custGeom>
+            <a:avLst/>
+            <a:gdLst>
+              <a:gd name="T0" fmla="*/ 209 w 209"/>
+              <a:gd name="T1" fmla="*/ 2246 h 2358"/>
+              <a:gd name="T2" fmla="*/ 0 w 209"/>
+              <a:gd name="T3" fmla="*/ 2358 h 2358"/>
+              <a:gd name="T4" fmla="*/ 0 w 209"/>
+              <a:gd name="T5" fmla="*/ 111 h 2358"/>
+              <a:gd name="T6" fmla="*/ 209 w 209"/>
+              <a:gd name="T7" fmla="*/ 0 h 2358"/>
+              <a:gd name="T8" fmla="*/ 209 w 209"/>
+              <a:gd name="T9" fmla="*/ 2246 h 2358"/>
+            </a:gdLst>
+            <a:ahLst/>
+            <a:cxnLst>
+              <a:cxn ang="0">
+                <a:pos x="T0" y="T1"/>
+              </a:cxn>
+              <a:cxn ang="0">
+                <a:pos x="T2" y="T3"/>
+              </a:cxn>
+              <a:cxn ang="0">
+                <a:pos x="T4" y="T5"/>
+              </a:cxn>
+              <a:cxn ang="0">
+                <a:pos x="T6" y="T7"/>
+              </a:cxn>
+              <a:cxn ang="0">
+                <a:pos x="T8" y="T9"/>
+              </a:cxn>
+            </a:cxnLst>
+            <a:rect l="0" t="0" r="r" b="b"/>
+            <a:pathLst>
+              <a:path w="209" h="2358">
+                <a:moveTo>
+                  <a:pt x="209" y="2246"/>
+                </a:moveTo>
+                <a:lnTo>
+                  <a:pt x="0" y="2358"/>
+                </a:lnTo>
+                <a:lnTo>
+                  <a:pt x="0" y="111"/>
+                </a:lnTo>
+                <a:lnTo>
+                  <a:pt x="209" y="0"/>
+                </a:lnTo>
+                <a:lnTo>
+                  <a:pt x="209" y="2246"/>
+                </a:lnTo>
+                <a:close/>
+              </a:path>
+            </a:pathLst>
+          </a:custGeom>
+          <a:solidFill>
+            <a:schemeClr val="accent1">
+              <a:lumMod val="50000"/>
+            </a:schemeClr>
+          </a:solidFill>
+          <a:ln>
+            <a:noFill/>
+          </a:ln>
+        </p:spPr>
+        <p:txBody>
+          <a:bodyPr vert="horz" wrap="square" lIns="91440" tIns="45720" rIns="91440" bIns="45720" numCol="1" anchor="t" anchorCtr="0" compatLnSpc="1">
+            <a:prstTxWarp prst="textNoShape">
+              <a:avLst/>
+            </a:prstTxWarp>
+          </a:bodyPr>
+          <a:lstStyle/>
+          <a:p>
+            <a:endParaRPr lang="en-US"/>
+          </a:p>
+        </p:txBody>
+      </p:sp>
+      <p:sp>
+        <p:nvSpPr>
+          <p:cNvPr id="16" name="Freeform: Shape 15">
+            <a:extLst>
+              <a:ext uri="{FF2B5EF4-FFF2-40B4-BE49-F238E27FC236}">
+                <a16:creationId xmlns:a16="http://schemas.microsoft.com/office/drawing/2014/main" id="{83BCB34A-2F40-4F41-8488-A134C1C155B7}"/>
+              </a:ext>
+              <a:ext uri="{C183D7F6-B498-43B3-948B-1728B52AA6E4}">
+                <adec:decorative xmlns:adec="http://schemas.microsoft.com/office/drawing/2017/decorative" val="1"/>
+              </a:ext>
+            </a:extLst>
+          </p:cNvPr>
+          <p:cNvSpPr>
+            <a:spLocks noGrp="1" noRot="1" noChangeAspect="1" noMove="1" noResize="1" noEditPoints="1" noAdjustHandles="1" noChangeArrowheads="1" noChangeShapeType="1" noTextEdit="1"/>
+          </p:cNvSpPr>
+          <p:nvPr>
+            <p:extLst>
+              <p:ext uri="{386F3935-93C4-4BCD-93E2-E3B085C9AB24}">
+                <p16:designElem xmlns:p16="http://schemas.microsoft.com/office/powerpoint/2015/main" val="1"/>
+              </p:ext>
+            </p:extLst>
+          </p:nvPr>
+        </p:nvSpPr>
+        <p:spPr>
+          <a:xfrm>
+            <a:off x="-3045" y="340424"/>
+            <a:ext cx="4630139" cy="5265795"/>
+          </a:xfrm>
+          <a:custGeom>
+            <a:avLst/>
+            <a:gdLst>
+              <a:gd name="connsiteX0" fmla="*/ 0 w 4630139"/>
+              <a:gd name="connsiteY0" fmla="*/ 0 h 5265795"/>
+              <a:gd name="connsiteX1" fmla="*/ 4630139 w 4630139"/>
+              <a:gd name="connsiteY1" fmla="*/ 0 h 5265795"/>
+              <a:gd name="connsiteX2" fmla="*/ 4630139 w 4630139"/>
+              <a:gd name="connsiteY2" fmla="*/ 5265795 h 5265795"/>
+              <a:gd name="connsiteX3" fmla="*/ 0 w 4630139"/>
+              <a:gd name="connsiteY3" fmla="*/ 5265795 h 5265795"/>
+            </a:gdLst>
+            <a:ahLst/>
+            <a:cxnLst>
+              <a:cxn ang="0">
+                <a:pos x="connsiteX0" y="connsiteY0"/>
+              </a:cxn>
+              <a:cxn ang="0">
+                <a:pos x="connsiteX1" y="connsiteY1"/>
+              </a:cxn>
+              <a:cxn ang="0">
+                <a:pos x="connsiteX2" y="connsiteY2"/>
+              </a:cxn>
+              <a:cxn ang="0">
+                <a:pos x="connsiteX3" y="connsiteY3"/>
+              </a:cxn>
+            </a:cxnLst>
+            <a:rect l="l" t="t" r="r" b="b"/>
+            <a:pathLst>
+              <a:path w="4630139" h="5265795">
+                <a:moveTo>
+                  <a:pt x="0" y="0"/>
+                </a:moveTo>
+                <a:lnTo>
+                  <a:pt x="4630139" y="0"/>
+                </a:lnTo>
+                <a:lnTo>
+                  <a:pt x="4630139" y="5265795"/>
+                </a:lnTo>
+                <a:lnTo>
+                  <a:pt x="0" y="5265795"/>
+                </a:lnTo>
+                <a:close/>
+              </a:path>
+            </a:pathLst>
+          </a:custGeom>
+          <a:ln>
+            <a:noFill/>
+          </a:ln>
+        </p:spPr>
+        <p:style>
+          <a:lnRef idx="2">
+            <a:schemeClr val="accent1">
+              <a:shade val="50000"/>
+            </a:schemeClr>
+          </a:lnRef>
+          <a:fillRef idx="1">
+            <a:schemeClr val="accent1"/>
+          </a:fillRef>
+          <a:effectRef idx="0">
+            <a:schemeClr val="accent1"/>
+          </a:effectRef>
+          <a:fontRef idx="minor">
+            <a:schemeClr val="lt1"/>
+          </a:fontRef>
+        </p:style>
+        <p:txBody>
+          <a:bodyPr wrap="square" rtlCol="0" anchor="ctr">
+            <a:noAutofit/>
+          </a:bodyPr>
+          <a:lstStyle/>
+          <a:p>
+            <a:pPr algn="ctr"/>
+            <a:endParaRPr lang="en-US"/>
+          </a:p>
+        </p:txBody>
+      </p:sp>
+      <p:sp>
+        <p:nvSpPr>
+          <p:cNvPr id="18" name="Freeform: Shape 17">
+            <a:extLst>
+              <a:ext uri="{FF2B5EF4-FFF2-40B4-BE49-F238E27FC236}">
+                <a16:creationId xmlns:a16="http://schemas.microsoft.com/office/drawing/2014/main" id="{F78382DC-4207-465E-B379-1E16448AA222}"/>
+              </a:ext>
+              <a:ext uri="{C183D7F6-B498-43B3-948B-1728B52AA6E4}">
+                <adec:decorative xmlns:adec="http://schemas.microsoft.com/office/drawing/2017/decorative" val="1"/>
+              </a:ext>
+            </a:extLst>
+          </p:cNvPr>
+          <p:cNvSpPr>
+            <a:spLocks noGrp="1" noRot="1" noChangeAspect="1" noMove="1" noResize="1" noEditPoints="1" noAdjustHandles="1" noChangeArrowheads="1" noChangeShapeType="1" noTextEdit="1"/>
+          </p:cNvSpPr>
+          <p:nvPr>
+            <p:extLst>
+              <p:ext uri="{386F3935-93C4-4BCD-93E2-E3B085C9AB24}">
+                <p16:designElem xmlns:p16="http://schemas.microsoft.com/office/powerpoint/2015/main" val="1"/>
+              </p:ext>
+            </p:extLst>
+          </p:nvPr>
+        </p:nvSpPr>
+        <p:spPr>
+          <a:xfrm>
+            <a:off x="4901780" y="1071563"/>
+            <a:ext cx="7290218" cy="5242298"/>
+          </a:xfrm>
+          <a:custGeom>
+            <a:avLst/>
+            <a:gdLst>
+              <a:gd name="connsiteX0" fmla="*/ 0 w 7290218"/>
+              <a:gd name="connsiteY0" fmla="*/ 0 h 5242298"/>
+              <a:gd name="connsiteX1" fmla="*/ 7290218 w 7290218"/>
+              <a:gd name="connsiteY1" fmla="*/ 0 h 5242298"/>
+              <a:gd name="connsiteX2" fmla="*/ 7290218 w 7290218"/>
+              <a:gd name="connsiteY2" fmla="*/ 5242298 h 5242298"/>
+              <a:gd name="connsiteX3" fmla="*/ 0 w 7290218"/>
+              <a:gd name="connsiteY3" fmla="*/ 5242298 h 5242298"/>
+            </a:gdLst>
+            <a:ahLst/>
+            <a:cxnLst>
+              <a:cxn ang="0">
+                <a:pos x="connsiteX0" y="connsiteY0"/>
+              </a:cxn>
+              <a:cxn ang="0">
+                <a:pos x="connsiteX1" y="connsiteY1"/>
+              </a:cxn>
+              <a:cxn ang="0">
+                <a:pos x="connsiteX2" y="connsiteY2"/>
+              </a:cxn>
+              <a:cxn ang="0">
+                <a:pos x="connsiteX3" y="connsiteY3"/>
+              </a:cxn>
+            </a:cxnLst>
+            <a:rect l="l" t="t" r="r" b="b"/>
+            <a:pathLst>
+              <a:path w="7290218" h="5242298">
+                <a:moveTo>
+                  <a:pt x="0" y="0"/>
+                </a:moveTo>
+                <a:lnTo>
+                  <a:pt x="7290218" y="0"/>
+                </a:lnTo>
+                <a:lnTo>
+                  <a:pt x="7290218" y="5242298"/>
+                </a:lnTo>
+                <a:lnTo>
+                  <a:pt x="0" y="5242298"/>
+                </a:lnTo>
+                <a:close/>
+              </a:path>
+            </a:pathLst>
+          </a:custGeom>
+          <a:ln>
+            <a:noFill/>
+          </a:ln>
+        </p:spPr>
+        <p:style>
+          <a:lnRef idx="2">
+            <a:schemeClr val="accent1">
+              <a:shade val="50000"/>
+            </a:schemeClr>
+          </a:lnRef>
+          <a:fillRef idx="1">
+            <a:schemeClr val="accent1"/>
+          </a:fillRef>
+          <a:effectRef idx="0">
+            <a:schemeClr val="accent1"/>
+          </a:effectRef>
+          <a:fontRef idx="minor">
+            <a:schemeClr val="lt1"/>
+          </a:fontRef>
+        </p:style>
+        <p:txBody>
+          <a:bodyPr wrap="square" rtlCol="0" anchor="ctr">
+            <a:noAutofit/>
+          </a:bodyPr>
+          <a:lstStyle/>
+          <a:p>
+            <a:pPr algn="ctr"/>
+            <a:endParaRPr lang="en-US"/>
           </a:p>
         </p:txBody>
       </p:sp>
       <p:pic>
         <p:nvPicPr>
-          <p:cNvPr id="11" name="Immagine 10">
-            <a:extLst>
-              <a:ext uri="{FF2B5EF4-FFF2-40B4-BE49-F238E27FC236}">
-                <a16:creationId xmlns:a16="http://schemas.microsoft.com/office/drawing/2014/main" id="{C836FA81-87BA-4AF4-BB1C-299ADC7B7B3E}"/>
+          <p:cNvPr id="6" name="Immagine 5">
+            <a:extLst>
+              <a:ext uri="{FF2B5EF4-FFF2-40B4-BE49-F238E27FC236}">
+                <a16:creationId xmlns:a16="http://schemas.microsoft.com/office/drawing/2014/main" id="{319EA13C-A6AF-4154-806E-8ACB28521B7A}"/>
               </a:ext>
             </a:extLst>
           </p:cNvPr>
@@ -10243,7 +11353,7 @@
           <p:nvPr/>
         </p:nvPicPr>
         <p:blipFill>
-          <a:blip r:embed="rId3">
+          <a:blip r:embed="rId2">
             <a:extLst>
               <a:ext uri="{28A0092B-C50C-407E-A947-70E740481C1C}">
                 <a14:useLocalDpi xmlns:a14="http://schemas.microsoft.com/office/drawing/2010/main" val="0"/>
@@ -10256,65 +11366,20 @@
         </p:blipFill>
         <p:spPr>
           <a:xfrm>
-            <a:off x="2938462" y="128587"/>
-            <a:ext cx="6315075" cy="6505575"/>
+            <a:off x="1804432" y="4165599"/>
+            <a:ext cx="2792123" cy="1570569"/>
           </a:xfrm>
           <a:prstGeom prst="rect">
             <a:avLst/>
           </a:prstGeom>
         </p:spPr>
       </p:pic>
-    </p:spTree>
-    <p:extLst>
-      <p:ext uri="{BB962C8B-B14F-4D97-AF65-F5344CB8AC3E}">
-        <p14:creationId xmlns:p14="http://schemas.microsoft.com/office/powerpoint/2010/main" val="2996223055"/>
-      </p:ext>
-    </p:extLst>
-  </p:cSld>
-  <p:clrMapOvr>
-    <a:masterClrMapping/>
-  </p:clrMapOvr>
-</p:sld>
-</file>
-
-<file path=ppt/slides/slide19.xml><?xml version="1.0" encoding="utf-8"?>
-<p:sld xmlns:a="http://schemas.openxmlformats.org/drawingml/2006/main" xmlns:r="http://schemas.openxmlformats.org/officeDocument/2006/relationships" xmlns:p="http://schemas.openxmlformats.org/presentationml/2006/main">
-  <p:cSld>
-    <p:bg>
-      <p:bgPr>
-        <a:blipFill dpi="0" rotWithShape="1">
-          <a:blip r:embed="rId2">
-            <a:alphaModFix amt="15000"/>
-            <a:lum/>
-          </a:blip>
-          <a:srcRect/>
-          <a:stretch>
-            <a:fillRect/>
-          </a:stretch>
-        </a:blipFill>
-        <a:effectLst/>
-      </p:bgPr>
-    </p:bg>
-    <p:spTree>
-      <p:nvGrpSpPr>
-        <p:cNvPr id="1" name=""/>
-        <p:cNvGrpSpPr/>
-        <p:nvPr/>
-      </p:nvGrpSpPr>
-      <p:grpSpPr>
-        <a:xfrm>
-          <a:off x="0" y="0"/>
-          <a:ext cx="0" cy="0"/>
-          <a:chOff x="0" y="0"/>
-          <a:chExt cx="0" cy="0"/>
-        </a:xfrm>
-      </p:grpSpPr>
       <p:sp>
         <p:nvSpPr>
-          <p:cNvPr id="2" name="CasellaDiTesto 1">
-            <a:extLst>
-              <a:ext uri="{FF2B5EF4-FFF2-40B4-BE49-F238E27FC236}">
-                <a16:creationId xmlns:a16="http://schemas.microsoft.com/office/drawing/2014/main" id="{2FC53F0E-28EF-4003-8C1C-3D70532879CA}"/>
+          <p:cNvPr id="7" name="CasellaDiTesto 6">
+            <a:extLst>
+              <a:ext uri="{FF2B5EF4-FFF2-40B4-BE49-F238E27FC236}">
+                <a16:creationId xmlns:a16="http://schemas.microsoft.com/office/drawing/2014/main" id="{777A3FD9-3801-41F7-8DD1-4AF4E3125BFE}"/>
               </a:ext>
             </a:extLst>
           </p:cNvPr>
@@ -10323,8 +11388,8 @@
         </p:nvSpPr>
         <p:spPr>
           <a:xfrm>
-            <a:off x="2565646" y="435006"/>
-            <a:ext cx="7060707" cy="830997"/>
+            <a:off x="181087" y="1775958"/>
+            <a:ext cx="4415468" cy="954107"/>
           </a:xfrm>
           <a:prstGeom prst="rect">
             <a:avLst/>
@@ -10338,18 +11403,29 @@
           <a:lstStyle/>
           <a:p>
             <a:r>
-              <a:rPr lang="it-IT" sz="2400" b="1" dirty="0"/>
-              <a:t>Ragionando sui vari tipi di utilizzo e probabili problemi abbiamo incontrato questi flussi alternativi</a:t>
+              <a:rPr lang="it-IT" sz="3200" b="1" dirty="0">
+                <a:solidFill>
+                  <a:schemeClr val="bg1"/>
+                </a:solidFill>
+              </a:rPr>
+              <a:t>Due design goals su tutti</a:t>
             </a:r>
+          </a:p>
+          <a:p>
+            <a:endParaRPr lang="it-IT" sz="2400" dirty="0">
+              <a:solidFill>
+                <a:schemeClr val="bg1"/>
+              </a:solidFill>
+            </a:endParaRPr>
           </a:p>
         </p:txBody>
       </p:sp>
       <p:pic>
         <p:nvPicPr>
-          <p:cNvPr id="4" name="Immagine 3" descr="Immagine che contiene testo&#10;&#10;Descrizione generata automaticamente">
-            <a:extLst>
-              <a:ext uri="{FF2B5EF4-FFF2-40B4-BE49-F238E27FC236}">
-                <a16:creationId xmlns:a16="http://schemas.microsoft.com/office/drawing/2014/main" id="{D3987D0D-EBB9-40CC-9D51-CB7A82B9AFDE}"/>
+          <p:cNvPr id="9" name="Immagine 8">
+            <a:extLst>
+              <a:ext uri="{FF2B5EF4-FFF2-40B4-BE49-F238E27FC236}">
+                <a16:creationId xmlns:a16="http://schemas.microsoft.com/office/drawing/2014/main" id="{82A90A7D-0ECB-4413-A70C-1220FE546F2D}"/>
               </a:ext>
             </a:extLst>
           </p:cNvPr>
@@ -10359,21 +11435,15 @@
           <p:nvPr/>
         </p:nvPicPr>
         <p:blipFill>
-          <a:blip r:embed="rId3">
-            <a:extLst>
-              <a:ext uri="{28A0092B-C50C-407E-A947-70E740481C1C}">
-                <a14:useLocalDpi xmlns:a14="http://schemas.microsoft.com/office/drawing/2010/main" val="0"/>
-              </a:ext>
-            </a:extLst>
-          </a:blip>
+          <a:blip r:embed="rId3"/>
           <a:stretch>
             <a:fillRect/>
           </a:stretch>
         </p:blipFill>
         <p:spPr>
           <a:xfrm>
-            <a:off x="2943224" y="2519362"/>
-            <a:ext cx="6305550" cy="1819275"/>
+            <a:off x="5465099" y="2486960"/>
+            <a:ext cx="6529192" cy="1884080"/>
           </a:xfrm>
           <a:prstGeom prst="rect">
             <a:avLst/>
@@ -10383,7 +11453,7 @@
     </p:spTree>
     <p:extLst>
       <p:ext uri="{BB962C8B-B14F-4D97-AF65-F5344CB8AC3E}">
-        <p14:creationId xmlns:p14="http://schemas.microsoft.com/office/powerpoint/2010/main" val="2750115854"/>
+        <p14:creationId xmlns:p14="http://schemas.microsoft.com/office/powerpoint/2010/main" val="3154088822"/>
       </p:ext>
     </p:extLst>
   </p:cSld>
@@ -11063,1169 +12133,6 @@
 </p:sld>
 </file>
 
-<file path=ppt/slides/slide20.xml><?xml version="1.0" encoding="utf-8"?>
-<p:sld xmlns:a="http://schemas.openxmlformats.org/drawingml/2006/main" xmlns:r="http://schemas.openxmlformats.org/officeDocument/2006/relationships" xmlns:p="http://schemas.openxmlformats.org/presentationml/2006/main">
-  <p:cSld>
-    <p:bg>
-      <p:bgPr>
-        <a:blipFill dpi="0" rotWithShape="1">
-          <a:blip r:embed="rId2">
-            <a:alphaModFix amt="15000"/>
-            <a:lum/>
-          </a:blip>
-          <a:srcRect/>
-          <a:stretch>
-            <a:fillRect/>
-          </a:stretch>
-        </a:blipFill>
-        <a:effectLst/>
-      </p:bgPr>
-    </p:bg>
-    <p:spTree>
-      <p:nvGrpSpPr>
-        <p:cNvPr id="1" name=""/>
-        <p:cNvGrpSpPr/>
-        <p:nvPr/>
-      </p:nvGrpSpPr>
-      <p:grpSpPr>
-        <a:xfrm>
-          <a:off x="0" y="0"/>
-          <a:ext cx="0" cy="0"/>
-          <a:chOff x="0" y="0"/>
-          <a:chExt cx="0" cy="0"/>
-        </a:xfrm>
-      </p:grpSpPr>
-      <p:pic>
-        <p:nvPicPr>
-          <p:cNvPr id="3" name="Immagine 2">
-            <a:extLst>
-              <a:ext uri="{FF2B5EF4-FFF2-40B4-BE49-F238E27FC236}">
-                <a16:creationId xmlns:a16="http://schemas.microsoft.com/office/drawing/2014/main" id="{7F145750-B209-47D7-80B9-8C5CED78FF6C}"/>
-              </a:ext>
-            </a:extLst>
-          </p:cNvPr>
-          <p:cNvPicPr>
-            <a:picLocks noChangeAspect="1"/>
-          </p:cNvPicPr>
-          <p:nvPr/>
-        </p:nvPicPr>
-        <p:blipFill>
-          <a:blip r:embed="rId3">
-            <a:extLst>
-              <a:ext uri="{28A0092B-C50C-407E-A947-70E740481C1C}">
-                <a14:useLocalDpi xmlns:a14="http://schemas.microsoft.com/office/drawing/2010/main" val="0"/>
-              </a:ext>
-            </a:extLst>
-          </a:blip>
-          <a:stretch>
-            <a:fillRect/>
-          </a:stretch>
-        </p:blipFill>
-        <p:spPr>
-          <a:xfrm>
-            <a:off x="530022" y="2285213"/>
-            <a:ext cx="6391275" cy="2962275"/>
-          </a:xfrm>
-          <a:prstGeom prst="rect">
-            <a:avLst/>
-          </a:prstGeom>
-        </p:spPr>
-      </p:pic>
-      <p:sp>
-        <p:nvSpPr>
-          <p:cNvPr id="4" name="CasellaDiTesto 3">
-            <a:extLst>
-              <a:ext uri="{FF2B5EF4-FFF2-40B4-BE49-F238E27FC236}">
-                <a16:creationId xmlns:a16="http://schemas.microsoft.com/office/drawing/2014/main" id="{A46F0114-0B1B-4843-BD56-11EB12EAE32C}"/>
-              </a:ext>
-            </a:extLst>
-          </p:cNvPr>
-          <p:cNvSpPr txBox="1"/>
-          <p:nvPr/>
-        </p:nvSpPr>
-        <p:spPr>
-          <a:xfrm>
-            <a:off x="2336305" y="807868"/>
-            <a:ext cx="7519386" cy="1200329"/>
-          </a:xfrm>
-          <a:prstGeom prst="rect">
-            <a:avLst/>
-          </a:prstGeom>
-          <a:noFill/>
-        </p:spPr>
-        <p:txBody>
-          <a:bodyPr wrap="square" rtlCol="0">
-            <a:spAutoFit/>
-          </a:bodyPr>
-          <a:lstStyle/>
-          <a:p>
-            <a:r>
-              <a:rPr lang="it-IT" sz="2400" b="1" dirty="0"/>
-              <a:t>Analizzando l’operazione e la sua implementazione, abbiamo individuato i seguenti oggetti per renderla possibile</a:t>
-            </a:r>
-          </a:p>
-        </p:txBody>
-      </p:sp>
-      <p:graphicFrame>
-        <p:nvGraphicFramePr>
-          <p:cNvPr id="5" name="Tabella 4">
-            <a:extLst>
-              <a:ext uri="{FF2B5EF4-FFF2-40B4-BE49-F238E27FC236}">
-                <a16:creationId xmlns:a16="http://schemas.microsoft.com/office/drawing/2014/main" id="{2F47D642-1E35-4A9A-8BAE-09D37B492D4D}"/>
-              </a:ext>
-            </a:extLst>
-          </p:cNvPr>
-          <p:cNvGraphicFramePr>
-            <a:graphicFrameLocks noGrp="1"/>
-          </p:cNvGraphicFramePr>
-          <p:nvPr>
-            <p:extLst>
-              <p:ext uri="{D42A27DB-BD31-4B8C-83A1-F6EECF244321}">
-                <p14:modId xmlns:p14="http://schemas.microsoft.com/office/powerpoint/2010/main" val="1400324442"/>
-              </p:ext>
-            </p:extLst>
-          </p:nvPr>
-        </p:nvGraphicFramePr>
-        <p:xfrm>
-          <a:off x="6095998" y="1860423"/>
-          <a:ext cx="5968365" cy="2563307"/>
-        </p:xfrm>
-        <a:graphic>
-          <a:graphicData uri="http://schemas.openxmlformats.org/drawingml/2006/table">
-            <a:tbl>
-              <a:tblPr firstRow="1" firstCol="1" bandRow="1">
-                <a:tableStyleId>{5C22544A-7EE6-4342-B048-85BDC9FD1C3A}</a:tableStyleId>
-              </a:tblPr>
-              <a:tblGrid>
-                <a:gridCol w="2153920">
-                  <a:extLst>
-                    <a:ext uri="{9D8B030D-6E8A-4147-A177-3AD203B41FA5}">
-                      <a16:colId xmlns:a16="http://schemas.microsoft.com/office/drawing/2014/main" val="1931723918"/>
-                    </a:ext>
-                  </a:extLst>
-                </a:gridCol>
-                <a:gridCol w="765175">
-                  <a:extLst>
-                    <a:ext uri="{9D8B030D-6E8A-4147-A177-3AD203B41FA5}">
-                      <a16:colId xmlns:a16="http://schemas.microsoft.com/office/drawing/2014/main" val="2967480987"/>
-                    </a:ext>
-                  </a:extLst>
-                </a:gridCol>
-                <a:gridCol w="3049270">
-                  <a:extLst>
-                    <a:ext uri="{9D8B030D-6E8A-4147-A177-3AD203B41FA5}">
-                      <a16:colId xmlns:a16="http://schemas.microsoft.com/office/drawing/2014/main" val="1433457205"/>
-                    </a:ext>
-                  </a:extLst>
-                </a:gridCol>
-              </a:tblGrid>
-              <a:tr h="229870">
-                <a:tc>
-                  <a:txBody>
-                    <a:bodyPr/>
-                    <a:lstStyle/>
-                    <a:p>
-                      <a:pPr>
-                        <a:lnSpc>
-                          <a:spcPct val="107000"/>
-                        </a:lnSpc>
-                        <a:spcAft>
-                          <a:spcPts val="800"/>
-                        </a:spcAft>
-                      </a:pPr>
-                      <a:r>
-                        <a:rPr lang="it-IT" sz="1200">
-                          <a:effectLst/>
-                        </a:rPr>
-                        <a:t>Nome oggetto</a:t>
-                      </a:r>
-                      <a:endParaRPr lang="it-IT" sz="1200">
-                        <a:effectLst/>
-                        <a:latin typeface="Arial" panose="020B0604020202020204" pitchFamily="34" charset="0"/>
-                        <a:ea typeface="Calibri" panose="020F0502020204030204" pitchFamily="34" charset="0"/>
-                      </a:endParaRPr>
-                    </a:p>
-                  </a:txBody>
-                  <a:tcPr marL="68580" marR="68580" marT="0" marB="0">
-                    <a:solidFill>
-                      <a:schemeClr val="accent1">
-                        <a:lumMod val="50000"/>
-                      </a:schemeClr>
-                    </a:solidFill>
-                  </a:tcPr>
-                </a:tc>
-                <a:tc>
-                  <a:txBody>
-                    <a:bodyPr/>
-                    <a:lstStyle/>
-                    <a:p>
-                      <a:pPr>
-                        <a:lnSpc>
-                          <a:spcPct val="107000"/>
-                        </a:lnSpc>
-                        <a:spcAft>
-                          <a:spcPts val="800"/>
-                        </a:spcAft>
-                      </a:pPr>
-                      <a:r>
-                        <a:rPr lang="it-IT" sz="1200">
-                          <a:effectLst/>
-                        </a:rPr>
-                        <a:t>Tipologia</a:t>
-                      </a:r>
-                      <a:endParaRPr lang="it-IT" sz="1200">
-                        <a:effectLst/>
-                        <a:latin typeface="Arial" panose="020B0604020202020204" pitchFamily="34" charset="0"/>
-                        <a:ea typeface="Calibri" panose="020F0502020204030204" pitchFamily="34" charset="0"/>
-                      </a:endParaRPr>
-                    </a:p>
-                  </a:txBody>
-                  <a:tcPr marL="68580" marR="68580" marT="0" marB="0">
-                    <a:solidFill>
-                      <a:schemeClr val="accent1">
-                        <a:lumMod val="50000"/>
-                      </a:schemeClr>
-                    </a:solidFill>
-                  </a:tcPr>
-                </a:tc>
-                <a:tc>
-                  <a:txBody>
-                    <a:bodyPr/>
-                    <a:lstStyle/>
-                    <a:p>
-                      <a:pPr>
-                        <a:lnSpc>
-                          <a:spcPct val="107000"/>
-                        </a:lnSpc>
-                        <a:spcAft>
-                          <a:spcPts val="800"/>
-                        </a:spcAft>
-                      </a:pPr>
-                      <a:r>
-                        <a:rPr lang="it-IT" sz="1200" dirty="0">
-                          <a:effectLst/>
-                        </a:rPr>
-                        <a:t>Descrizione</a:t>
-                      </a:r>
-                      <a:endParaRPr lang="it-IT" sz="1200" dirty="0">
-                        <a:effectLst/>
-                        <a:latin typeface="Arial" panose="020B0604020202020204" pitchFamily="34" charset="0"/>
-                        <a:ea typeface="Calibri" panose="020F0502020204030204" pitchFamily="34" charset="0"/>
-                      </a:endParaRPr>
-                    </a:p>
-                  </a:txBody>
-                  <a:tcPr marL="68580" marR="68580" marT="0" marB="0">
-                    <a:solidFill>
-                      <a:schemeClr val="accent1">
-                        <a:lumMod val="50000"/>
-                      </a:schemeClr>
-                    </a:solidFill>
-                  </a:tcPr>
-                </a:tc>
-                <a:extLst>
-                  <a:ext uri="{0D108BD9-81ED-4DB2-BD59-A6C34878D82A}">
-                    <a16:rowId xmlns:a16="http://schemas.microsoft.com/office/drawing/2014/main" val="2698648001"/>
-                  </a:ext>
-                </a:extLst>
-              </a:tr>
-              <a:tr h="229870">
-                <a:tc>
-                  <a:txBody>
-                    <a:bodyPr/>
-                    <a:lstStyle/>
-                    <a:p>
-                      <a:pPr>
-                        <a:lnSpc>
-                          <a:spcPct val="107000"/>
-                        </a:lnSpc>
-                        <a:spcAft>
-                          <a:spcPts val="800"/>
-                        </a:spcAft>
-                      </a:pPr>
-                      <a:r>
-                        <a:rPr lang="it-IT" sz="1200">
-                          <a:effectLst/>
-                        </a:rPr>
-                        <a:t>Utente Autenticato</a:t>
-                      </a:r>
-                      <a:endParaRPr lang="it-IT" sz="1200">
-                        <a:effectLst/>
-                        <a:latin typeface="Arial" panose="020B0604020202020204" pitchFamily="34" charset="0"/>
-                        <a:ea typeface="Calibri" panose="020F0502020204030204" pitchFamily="34" charset="0"/>
-                      </a:endParaRPr>
-                    </a:p>
-                  </a:txBody>
-                  <a:tcPr marL="68580" marR="68580" marT="0" marB="0">
-                    <a:solidFill>
-                      <a:schemeClr val="accent1">
-                        <a:lumMod val="50000"/>
-                      </a:schemeClr>
-                    </a:solidFill>
-                  </a:tcPr>
-                </a:tc>
-                <a:tc>
-                  <a:txBody>
-                    <a:bodyPr/>
-                    <a:lstStyle/>
-                    <a:p>
-                      <a:pPr>
-                        <a:lnSpc>
-                          <a:spcPct val="107000"/>
-                        </a:lnSpc>
-                        <a:spcAft>
-                          <a:spcPts val="800"/>
-                        </a:spcAft>
-                      </a:pPr>
-                      <a:r>
-                        <a:rPr lang="it-IT" sz="1200">
-                          <a:effectLst/>
-                        </a:rPr>
-                        <a:t>Entity</a:t>
-                      </a:r>
-                      <a:endParaRPr lang="it-IT" sz="1200">
-                        <a:effectLst/>
-                        <a:latin typeface="Arial" panose="020B0604020202020204" pitchFamily="34" charset="0"/>
-                        <a:ea typeface="Calibri" panose="020F0502020204030204" pitchFamily="34" charset="0"/>
-                      </a:endParaRPr>
-                    </a:p>
-                  </a:txBody>
-                  <a:tcPr marL="68580" marR="68580" marT="0" marB="0"/>
-                </a:tc>
-                <a:tc>
-                  <a:txBody>
-                    <a:bodyPr/>
-                    <a:lstStyle/>
-                    <a:p>
-                      <a:pPr>
-                        <a:lnSpc>
-                          <a:spcPct val="107000"/>
-                        </a:lnSpc>
-                        <a:spcAft>
-                          <a:spcPts val="800"/>
-                        </a:spcAft>
-                      </a:pPr>
-                      <a:r>
-                        <a:rPr lang="it-IT" sz="1200">
-                          <a:effectLst/>
-                        </a:rPr>
-                        <a:t>Entità che modella un utente autenticato</a:t>
-                      </a:r>
-                      <a:endParaRPr lang="it-IT" sz="1200">
-                        <a:effectLst/>
-                        <a:latin typeface="Arial" panose="020B0604020202020204" pitchFamily="34" charset="0"/>
-                        <a:ea typeface="Calibri" panose="020F0502020204030204" pitchFamily="34" charset="0"/>
-                      </a:endParaRPr>
-                    </a:p>
-                  </a:txBody>
-                  <a:tcPr marL="68580" marR="68580" marT="0" marB="0"/>
-                </a:tc>
-                <a:extLst>
-                  <a:ext uri="{0D108BD9-81ED-4DB2-BD59-A6C34878D82A}">
-                    <a16:rowId xmlns:a16="http://schemas.microsoft.com/office/drawing/2014/main" val="2716265364"/>
-                  </a:ext>
-                </a:extLst>
-              </a:tr>
-              <a:tr h="229870">
-                <a:tc>
-                  <a:txBody>
-                    <a:bodyPr/>
-                    <a:lstStyle/>
-                    <a:p>
-                      <a:pPr>
-                        <a:lnSpc>
-                          <a:spcPct val="107000"/>
-                        </a:lnSpc>
-                        <a:spcAft>
-                          <a:spcPts val="800"/>
-                        </a:spcAft>
-                      </a:pPr>
-                      <a:r>
-                        <a:rPr lang="it-IT" sz="1200">
-                          <a:effectLst/>
-                        </a:rPr>
-                        <a:t>Prenotazione</a:t>
-                      </a:r>
-                      <a:endParaRPr lang="it-IT" sz="1200">
-                        <a:effectLst/>
-                        <a:latin typeface="Arial" panose="020B0604020202020204" pitchFamily="34" charset="0"/>
-                        <a:ea typeface="Calibri" panose="020F0502020204030204" pitchFamily="34" charset="0"/>
-                      </a:endParaRPr>
-                    </a:p>
-                  </a:txBody>
-                  <a:tcPr marL="68580" marR="68580" marT="0" marB="0">
-                    <a:solidFill>
-                      <a:schemeClr val="accent1">
-                        <a:lumMod val="50000"/>
-                      </a:schemeClr>
-                    </a:solidFill>
-                  </a:tcPr>
-                </a:tc>
-                <a:tc>
-                  <a:txBody>
-                    <a:bodyPr/>
-                    <a:lstStyle/>
-                    <a:p>
-                      <a:pPr>
-                        <a:lnSpc>
-                          <a:spcPct val="107000"/>
-                        </a:lnSpc>
-                        <a:spcAft>
-                          <a:spcPts val="800"/>
-                        </a:spcAft>
-                      </a:pPr>
-                      <a:r>
-                        <a:rPr lang="it-IT" sz="1200">
-                          <a:effectLst/>
-                        </a:rPr>
-                        <a:t>Entity</a:t>
-                      </a:r>
-                      <a:endParaRPr lang="it-IT" sz="1200">
-                        <a:effectLst/>
-                        <a:latin typeface="Arial" panose="020B0604020202020204" pitchFamily="34" charset="0"/>
-                        <a:ea typeface="Calibri" panose="020F0502020204030204" pitchFamily="34" charset="0"/>
-                      </a:endParaRPr>
-                    </a:p>
-                  </a:txBody>
-                  <a:tcPr marL="68580" marR="68580" marT="0" marB="0"/>
-                </a:tc>
-                <a:tc>
-                  <a:txBody>
-                    <a:bodyPr/>
-                    <a:lstStyle/>
-                    <a:p>
-                      <a:pPr>
-                        <a:lnSpc>
-                          <a:spcPct val="107000"/>
-                        </a:lnSpc>
-                        <a:spcAft>
-                          <a:spcPts val="800"/>
-                        </a:spcAft>
-                      </a:pPr>
-                      <a:r>
-                        <a:rPr lang="it-IT" sz="1200">
-                          <a:effectLst/>
-                        </a:rPr>
-                        <a:t>Entità che modella una prenotazione dell’utente</a:t>
-                      </a:r>
-                      <a:endParaRPr lang="it-IT" sz="1200">
-                        <a:effectLst/>
-                        <a:latin typeface="Arial" panose="020B0604020202020204" pitchFamily="34" charset="0"/>
-                        <a:ea typeface="Calibri" panose="020F0502020204030204" pitchFamily="34" charset="0"/>
-                      </a:endParaRPr>
-                    </a:p>
-                  </a:txBody>
-                  <a:tcPr marL="68580" marR="68580" marT="0" marB="0"/>
-                </a:tc>
-                <a:extLst>
-                  <a:ext uri="{0D108BD9-81ED-4DB2-BD59-A6C34878D82A}">
-                    <a16:rowId xmlns:a16="http://schemas.microsoft.com/office/drawing/2014/main" val="3193256830"/>
-                  </a:ext>
-                </a:extLst>
-              </a:tr>
-              <a:tr h="229870">
-                <a:tc>
-                  <a:txBody>
-                    <a:bodyPr/>
-                    <a:lstStyle/>
-                    <a:p>
-                      <a:pPr>
-                        <a:lnSpc>
-                          <a:spcPct val="107000"/>
-                        </a:lnSpc>
-                        <a:spcAft>
-                          <a:spcPts val="800"/>
-                        </a:spcAft>
-                      </a:pPr>
-                      <a:r>
-                        <a:rPr lang="it-IT" sz="1200">
-                          <a:effectLst/>
-                        </a:rPr>
-                        <a:t>PrenotazioneRepository</a:t>
-                      </a:r>
-                      <a:endParaRPr lang="it-IT" sz="1200">
-                        <a:effectLst/>
-                        <a:latin typeface="Arial" panose="020B0604020202020204" pitchFamily="34" charset="0"/>
-                        <a:ea typeface="Calibri" panose="020F0502020204030204" pitchFamily="34" charset="0"/>
-                      </a:endParaRPr>
-                    </a:p>
-                  </a:txBody>
-                  <a:tcPr marL="68580" marR="68580" marT="0" marB="0">
-                    <a:solidFill>
-                      <a:schemeClr val="accent1">
-                        <a:lumMod val="50000"/>
-                      </a:schemeClr>
-                    </a:solidFill>
-                  </a:tcPr>
-                </a:tc>
-                <a:tc>
-                  <a:txBody>
-                    <a:bodyPr/>
-                    <a:lstStyle/>
-                    <a:p>
-                      <a:pPr>
-                        <a:lnSpc>
-                          <a:spcPct val="107000"/>
-                        </a:lnSpc>
-                        <a:spcAft>
-                          <a:spcPts val="800"/>
-                        </a:spcAft>
-                      </a:pPr>
-                      <a:r>
-                        <a:rPr lang="it-IT" sz="1200">
-                          <a:effectLst/>
-                        </a:rPr>
-                        <a:t>Entity</a:t>
-                      </a:r>
-                      <a:endParaRPr lang="it-IT" sz="1200">
-                        <a:effectLst/>
-                        <a:latin typeface="Arial" panose="020B0604020202020204" pitchFamily="34" charset="0"/>
-                        <a:ea typeface="Calibri" panose="020F0502020204030204" pitchFamily="34" charset="0"/>
-                      </a:endParaRPr>
-                    </a:p>
-                  </a:txBody>
-                  <a:tcPr marL="68580" marR="68580" marT="0" marB="0"/>
-                </a:tc>
-                <a:tc>
-                  <a:txBody>
-                    <a:bodyPr/>
-                    <a:lstStyle/>
-                    <a:p>
-                      <a:pPr>
-                        <a:lnSpc>
-                          <a:spcPct val="107000"/>
-                        </a:lnSpc>
-                        <a:spcAft>
-                          <a:spcPts val="800"/>
-                        </a:spcAft>
-                      </a:pPr>
-                      <a:r>
-                        <a:rPr lang="it-IT" sz="1200">
-                          <a:effectLst/>
-                        </a:rPr>
-                        <a:t>Entità che modella un raccoglitore delle prenotazioni</a:t>
-                      </a:r>
-                      <a:endParaRPr lang="it-IT" sz="1200">
-                        <a:effectLst/>
-                        <a:latin typeface="Arial" panose="020B0604020202020204" pitchFamily="34" charset="0"/>
-                        <a:ea typeface="Calibri" panose="020F0502020204030204" pitchFamily="34" charset="0"/>
-                      </a:endParaRPr>
-                    </a:p>
-                  </a:txBody>
-                  <a:tcPr marL="68580" marR="68580" marT="0" marB="0"/>
-                </a:tc>
-                <a:extLst>
-                  <a:ext uri="{0D108BD9-81ED-4DB2-BD59-A6C34878D82A}">
-                    <a16:rowId xmlns:a16="http://schemas.microsoft.com/office/drawing/2014/main" val="4104086132"/>
-                  </a:ext>
-                </a:extLst>
-              </a:tr>
-              <a:tr h="229870">
-                <a:tc>
-                  <a:txBody>
-                    <a:bodyPr/>
-                    <a:lstStyle/>
-                    <a:p>
-                      <a:pPr>
-                        <a:lnSpc>
-                          <a:spcPct val="107000"/>
-                        </a:lnSpc>
-                        <a:spcAft>
-                          <a:spcPts val="800"/>
-                        </a:spcAft>
-                      </a:pPr>
-                      <a:r>
-                        <a:rPr lang="it-IT" sz="1200">
-                          <a:effectLst/>
-                        </a:rPr>
-                        <a:t>RichiestaPrenotazioneControl</a:t>
-                      </a:r>
-                      <a:endParaRPr lang="it-IT" sz="1200">
-                        <a:effectLst/>
-                        <a:latin typeface="Arial" panose="020B0604020202020204" pitchFamily="34" charset="0"/>
-                        <a:ea typeface="Calibri" panose="020F0502020204030204" pitchFamily="34" charset="0"/>
-                      </a:endParaRPr>
-                    </a:p>
-                  </a:txBody>
-                  <a:tcPr marL="68580" marR="68580" marT="0" marB="0">
-                    <a:solidFill>
-                      <a:schemeClr val="accent1">
-                        <a:lumMod val="50000"/>
-                      </a:schemeClr>
-                    </a:solidFill>
-                  </a:tcPr>
-                </a:tc>
-                <a:tc>
-                  <a:txBody>
-                    <a:bodyPr/>
-                    <a:lstStyle/>
-                    <a:p>
-                      <a:pPr>
-                        <a:lnSpc>
-                          <a:spcPct val="107000"/>
-                        </a:lnSpc>
-                        <a:spcAft>
-                          <a:spcPts val="800"/>
-                        </a:spcAft>
-                      </a:pPr>
-                      <a:r>
-                        <a:rPr lang="it-IT" sz="1200">
-                          <a:effectLst/>
-                        </a:rPr>
-                        <a:t>Control</a:t>
-                      </a:r>
-                      <a:endParaRPr lang="it-IT" sz="1200">
-                        <a:effectLst/>
-                        <a:latin typeface="Arial" panose="020B0604020202020204" pitchFamily="34" charset="0"/>
-                        <a:ea typeface="Calibri" panose="020F0502020204030204" pitchFamily="34" charset="0"/>
-                      </a:endParaRPr>
-                    </a:p>
-                  </a:txBody>
-                  <a:tcPr marL="68580" marR="68580" marT="0" marB="0"/>
-                </a:tc>
-                <a:tc>
-                  <a:txBody>
-                    <a:bodyPr/>
-                    <a:lstStyle/>
-                    <a:p>
-                      <a:pPr>
-                        <a:lnSpc>
-                          <a:spcPct val="107000"/>
-                        </a:lnSpc>
-                        <a:spcAft>
-                          <a:spcPts val="800"/>
-                        </a:spcAft>
-                      </a:pPr>
-                      <a:r>
-                        <a:rPr lang="it-IT" sz="1200">
-                          <a:effectLst/>
-                        </a:rPr>
-                        <a:t>Control che coordina le operazioni relative ad una richiesta di prenotazione</a:t>
-                      </a:r>
-                      <a:endParaRPr lang="it-IT" sz="1200">
-                        <a:effectLst/>
-                        <a:latin typeface="Arial" panose="020B0604020202020204" pitchFamily="34" charset="0"/>
-                        <a:ea typeface="Calibri" panose="020F0502020204030204" pitchFamily="34" charset="0"/>
-                      </a:endParaRPr>
-                    </a:p>
-                  </a:txBody>
-                  <a:tcPr marL="68580" marR="68580" marT="0" marB="0"/>
-                </a:tc>
-                <a:extLst>
-                  <a:ext uri="{0D108BD9-81ED-4DB2-BD59-A6C34878D82A}">
-                    <a16:rowId xmlns:a16="http://schemas.microsoft.com/office/drawing/2014/main" val="746708502"/>
-                  </a:ext>
-                </a:extLst>
-              </a:tr>
-              <a:tr h="229870">
-                <a:tc>
-                  <a:txBody>
-                    <a:bodyPr/>
-                    <a:lstStyle/>
-                    <a:p>
-                      <a:pPr>
-                        <a:lnSpc>
-                          <a:spcPct val="107000"/>
-                        </a:lnSpc>
-                        <a:spcAft>
-                          <a:spcPts val="800"/>
-                        </a:spcAft>
-                      </a:pPr>
-                      <a:r>
-                        <a:rPr lang="it-IT" sz="1200">
-                          <a:effectLst/>
-                        </a:rPr>
-                        <a:t>PrenotazioneView</a:t>
-                      </a:r>
-                      <a:endParaRPr lang="it-IT" sz="1200">
-                        <a:effectLst/>
-                        <a:latin typeface="Arial" panose="020B0604020202020204" pitchFamily="34" charset="0"/>
-                        <a:ea typeface="Calibri" panose="020F0502020204030204" pitchFamily="34" charset="0"/>
-                      </a:endParaRPr>
-                    </a:p>
-                  </a:txBody>
-                  <a:tcPr marL="68580" marR="68580" marT="0" marB="0">
-                    <a:solidFill>
-                      <a:schemeClr val="accent1">
-                        <a:lumMod val="50000"/>
-                      </a:schemeClr>
-                    </a:solidFill>
-                  </a:tcPr>
-                </a:tc>
-                <a:tc>
-                  <a:txBody>
-                    <a:bodyPr/>
-                    <a:lstStyle/>
-                    <a:p>
-                      <a:pPr>
-                        <a:lnSpc>
-                          <a:spcPct val="107000"/>
-                        </a:lnSpc>
-                        <a:spcAft>
-                          <a:spcPts val="800"/>
-                        </a:spcAft>
-                      </a:pPr>
-                      <a:r>
-                        <a:rPr lang="it-IT" sz="1200">
-                          <a:effectLst/>
-                        </a:rPr>
-                        <a:t>Boundary</a:t>
-                      </a:r>
-                      <a:endParaRPr lang="it-IT" sz="1200">
-                        <a:effectLst/>
-                        <a:latin typeface="Arial" panose="020B0604020202020204" pitchFamily="34" charset="0"/>
-                        <a:ea typeface="Calibri" panose="020F0502020204030204" pitchFamily="34" charset="0"/>
-                      </a:endParaRPr>
-                    </a:p>
-                  </a:txBody>
-                  <a:tcPr marL="68580" marR="68580" marT="0" marB="0"/>
-                </a:tc>
-                <a:tc>
-                  <a:txBody>
-                    <a:bodyPr/>
-                    <a:lstStyle/>
-                    <a:p>
-                      <a:pPr>
-                        <a:lnSpc>
-                          <a:spcPct val="107000"/>
-                        </a:lnSpc>
-                        <a:spcAft>
-                          <a:spcPts val="800"/>
-                        </a:spcAft>
-                      </a:pPr>
-                      <a:r>
-                        <a:rPr lang="it-IT" sz="1200">
-                          <a:effectLst/>
-                        </a:rPr>
-                        <a:t>Boundary che mostra le informazioni necessarie per ottenere una prenotazione</a:t>
-                      </a:r>
-                      <a:endParaRPr lang="it-IT" sz="1200">
-                        <a:effectLst/>
-                        <a:latin typeface="Arial" panose="020B0604020202020204" pitchFamily="34" charset="0"/>
-                        <a:ea typeface="Calibri" panose="020F0502020204030204" pitchFamily="34" charset="0"/>
-                      </a:endParaRPr>
-                    </a:p>
-                  </a:txBody>
-                  <a:tcPr marL="68580" marR="68580" marT="0" marB="0"/>
-                </a:tc>
-                <a:extLst>
-                  <a:ext uri="{0D108BD9-81ED-4DB2-BD59-A6C34878D82A}">
-                    <a16:rowId xmlns:a16="http://schemas.microsoft.com/office/drawing/2014/main" val="2941900114"/>
-                  </a:ext>
-                </a:extLst>
-              </a:tr>
-              <a:tr h="229870">
-                <a:tc>
-                  <a:txBody>
-                    <a:bodyPr/>
-                    <a:lstStyle/>
-                    <a:p>
-                      <a:pPr>
-                        <a:lnSpc>
-                          <a:spcPct val="107000"/>
-                        </a:lnSpc>
-                        <a:spcAft>
-                          <a:spcPts val="800"/>
-                        </a:spcAft>
-                      </a:pPr>
-                      <a:r>
-                        <a:rPr lang="it-IT" sz="1200" dirty="0" err="1">
-                          <a:effectLst/>
-                        </a:rPr>
-                        <a:t>FormPrenotazione</a:t>
-                      </a:r>
-                      <a:endParaRPr lang="it-IT" sz="1200" dirty="0">
-                        <a:effectLst/>
-                        <a:latin typeface="Arial" panose="020B0604020202020204" pitchFamily="34" charset="0"/>
-                        <a:ea typeface="Calibri" panose="020F0502020204030204" pitchFamily="34" charset="0"/>
-                      </a:endParaRPr>
-                    </a:p>
-                  </a:txBody>
-                  <a:tcPr marL="68580" marR="68580" marT="0" marB="0">
-                    <a:solidFill>
-                      <a:schemeClr val="accent1">
-                        <a:lumMod val="50000"/>
-                      </a:schemeClr>
-                    </a:solidFill>
-                  </a:tcPr>
-                </a:tc>
-                <a:tc>
-                  <a:txBody>
-                    <a:bodyPr/>
-                    <a:lstStyle/>
-                    <a:p>
-                      <a:pPr>
-                        <a:lnSpc>
-                          <a:spcPct val="107000"/>
-                        </a:lnSpc>
-                        <a:spcAft>
-                          <a:spcPts val="800"/>
-                        </a:spcAft>
-                      </a:pPr>
-                      <a:r>
-                        <a:rPr lang="it-IT" sz="1200">
-                          <a:effectLst/>
-                        </a:rPr>
-                        <a:t>Boundary</a:t>
-                      </a:r>
-                      <a:endParaRPr lang="it-IT" sz="1200">
-                        <a:effectLst/>
-                        <a:latin typeface="Arial" panose="020B0604020202020204" pitchFamily="34" charset="0"/>
-                        <a:ea typeface="Calibri" panose="020F0502020204030204" pitchFamily="34" charset="0"/>
-                      </a:endParaRPr>
-                    </a:p>
-                  </a:txBody>
-                  <a:tcPr marL="68580" marR="68580" marT="0" marB="0"/>
-                </a:tc>
-                <a:tc>
-                  <a:txBody>
-                    <a:bodyPr/>
-                    <a:lstStyle/>
-                    <a:p>
-                      <a:pPr>
-                        <a:lnSpc>
-                          <a:spcPct val="107000"/>
-                        </a:lnSpc>
-                        <a:spcAft>
-                          <a:spcPts val="800"/>
-                        </a:spcAft>
-                      </a:pPr>
-                      <a:r>
-                        <a:rPr lang="it-IT" sz="1200" dirty="0" err="1">
-                          <a:effectLst/>
-                        </a:rPr>
-                        <a:t>Bondary</a:t>
-                      </a:r>
-                      <a:r>
-                        <a:rPr lang="it-IT" sz="1200" dirty="0">
-                          <a:effectLst/>
-                        </a:rPr>
-                        <a:t> che permette all’utente di inserire le informazioni necessarie per richiedere una prenotazione</a:t>
-                      </a:r>
-                      <a:endParaRPr lang="it-IT" sz="1200" dirty="0">
-                        <a:effectLst/>
-                        <a:latin typeface="Arial" panose="020B0604020202020204" pitchFamily="34" charset="0"/>
-                        <a:ea typeface="Calibri" panose="020F0502020204030204" pitchFamily="34" charset="0"/>
-                      </a:endParaRPr>
-                    </a:p>
-                  </a:txBody>
-                  <a:tcPr marL="68580" marR="68580" marT="0" marB="0"/>
-                </a:tc>
-                <a:extLst>
-                  <a:ext uri="{0D108BD9-81ED-4DB2-BD59-A6C34878D82A}">
-                    <a16:rowId xmlns:a16="http://schemas.microsoft.com/office/drawing/2014/main" val="4110812021"/>
-                  </a:ext>
-                </a:extLst>
-              </a:tr>
-            </a:tbl>
-          </a:graphicData>
-        </a:graphic>
-      </p:graphicFrame>
-    </p:spTree>
-    <p:extLst>
-      <p:ext uri="{BB962C8B-B14F-4D97-AF65-F5344CB8AC3E}">
-        <p14:creationId xmlns:p14="http://schemas.microsoft.com/office/powerpoint/2010/main" val="2274353086"/>
-      </p:ext>
-    </p:extLst>
-  </p:cSld>
-  <p:clrMapOvr>
-    <a:masterClrMapping/>
-  </p:clrMapOvr>
-</p:sld>
-</file>
-
-<file path=ppt/slides/slide21.xml><?xml version="1.0" encoding="utf-8"?>
-<p:sld xmlns:a="http://schemas.openxmlformats.org/drawingml/2006/main" xmlns:r="http://schemas.openxmlformats.org/officeDocument/2006/relationships" xmlns:p="http://schemas.openxmlformats.org/presentationml/2006/main">
-  <p:cSld>
-    <p:bg>
-      <p:bgPr>
-        <a:blipFill dpi="0" rotWithShape="1">
-          <a:blip r:embed="rId2">
-            <a:alphaModFix amt="15000"/>
-            <a:lum/>
-          </a:blip>
-          <a:srcRect/>
-          <a:stretch>
-            <a:fillRect/>
-          </a:stretch>
-        </a:blipFill>
-        <a:effectLst/>
-      </p:bgPr>
-    </p:bg>
-    <p:spTree>
-      <p:nvGrpSpPr>
-        <p:cNvPr id="1" name=""/>
-        <p:cNvGrpSpPr/>
-        <p:nvPr/>
-      </p:nvGrpSpPr>
-      <p:grpSpPr>
-        <a:xfrm>
-          <a:off x="0" y="0"/>
-          <a:ext cx="0" cy="0"/>
-          <a:chOff x="0" y="0"/>
-          <a:chExt cx="0" cy="0"/>
-        </a:xfrm>
-      </p:grpSpPr>
-      <p:sp>
-        <p:nvSpPr>
-          <p:cNvPr id="2" name="CasellaDiTesto 1">
-            <a:extLst>
-              <a:ext uri="{FF2B5EF4-FFF2-40B4-BE49-F238E27FC236}">
-                <a16:creationId xmlns:a16="http://schemas.microsoft.com/office/drawing/2014/main" id="{05F88D06-0FBA-4132-910E-ACFD9B873CC5}"/>
-              </a:ext>
-            </a:extLst>
-          </p:cNvPr>
-          <p:cNvSpPr txBox="1"/>
-          <p:nvPr/>
-        </p:nvSpPr>
-        <p:spPr>
-          <a:xfrm>
-            <a:off x="1856912" y="568171"/>
-            <a:ext cx="8478175" cy="1200329"/>
-          </a:xfrm>
-          <a:prstGeom prst="rect">
-            <a:avLst/>
-          </a:prstGeom>
-          <a:noFill/>
-        </p:spPr>
-        <p:txBody>
-          <a:bodyPr wrap="square" rtlCol="0">
-            <a:spAutoFit/>
-          </a:bodyPr>
-          <a:lstStyle/>
-          <a:p>
-            <a:r>
-              <a:rPr lang="it-IT" sz="2400" b="1" dirty="0"/>
-              <a:t>Per rendere più agevole e chiara l’idea che risiede dietro questa operazione mostriamo il </a:t>
-            </a:r>
-            <a:r>
-              <a:rPr lang="it-IT" sz="2400" b="1" dirty="0" err="1"/>
-              <a:t>Sequence</a:t>
-            </a:r>
-            <a:r>
-              <a:rPr lang="it-IT" sz="2400" b="1" dirty="0"/>
-              <a:t> </a:t>
-            </a:r>
-            <a:r>
-              <a:rPr lang="it-IT" sz="2400" b="1" dirty="0" err="1"/>
-              <a:t>Diagram</a:t>
-            </a:r>
-            <a:r>
-              <a:rPr lang="it-IT" sz="2400" b="1" dirty="0"/>
-              <a:t> che utilizzerà il team per implementarla</a:t>
-            </a:r>
-          </a:p>
-        </p:txBody>
-      </p:sp>
-      <p:pic>
-        <p:nvPicPr>
-          <p:cNvPr id="11" name="Immagine 10">
-            <a:extLst>
-              <a:ext uri="{FF2B5EF4-FFF2-40B4-BE49-F238E27FC236}">
-                <a16:creationId xmlns:a16="http://schemas.microsoft.com/office/drawing/2014/main" id="{31D48991-8B70-4048-BF98-713F40DE622B}"/>
-              </a:ext>
-            </a:extLst>
-          </p:cNvPr>
-          <p:cNvPicPr>
-            <a:picLocks noChangeAspect="1"/>
-          </p:cNvPicPr>
-          <p:nvPr/>
-        </p:nvPicPr>
-        <p:blipFill>
-          <a:blip r:embed="rId3">
-            <a:extLst>
-              <a:ext uri="{28A0092B-C50C-407E-A947-70E740481C1C}">
-                <a14:useLocalDpi xmlns:a14="http://schemas.microsoft.com/office/drawing/2010/main" val="0"/>
-              </a:ext>
-            </a:extLst>
-          </a:blip>
-          <a:stretch>
-            <a:fillRect/>
-          </a:stretch>
-        </p:blipFill>
-        <p:spPr>
-          <a:xfrm>
-            <a:off x="3461532" y="1768500"/>
-            <a:ext cx="5268934" cy="4738887"/>
-          </a:xfrm>
-          <a:prstGeom prst="rect">
-            <a:avLst/>
-          </a:prstGeom>
-        </p:spPr>
-      </p:pic>
-    </p:spTree>
-    <p:extLst>
-      <p:ext uri="{BB962C8B-B14F-4D97-AF65-F5344CB8AC3E}">
-        <p14:creationId xmlns:p14="http://schemas.microsoft.com/office/powerpoint/2010/main" val="2415888055"/>
-      </p:ext>
-    </p:extLst>
-  </p:cSld>
-  <p:clrMapOvr>
-    <a:masterClrMapping/>
-  </p:clrMapOvr>
-</p:sld>
-</file>
-
-<file path=ppt/slides/slide22.xml><?xml version="1.0" encoding="utf-8"?>
-<p:sld xmlns:a="http://schemas.openxmlformats.org/drawingml/2006/main" xmlns:r="http://schemas.openxmlformats.org/officeDocument/2006/relationships" xmlns:p="http://schemas.openxmlformats.org/presentationml/2006/main">
-  <p:cSld>
-    <p:bg>
-      <p:bgPr>
-        <a:blipFill dpi="0" rotWithShape="1">
-          <a:blip r:embed="rId2">
-            <a:alphaModFix amt="15000"/>
-            <a:lum/>
-          </a:blip>
-          <a:srcRect/>
-          <a:stretch>
-            <a:fillRect/>
-          </a:stretch>
-        </a:blipFill>
-        <a:effectLst/>
-      </p:bgPr>
-    </p:bg>
-    <p:spTree>
-      <p:nvGrpSpPr>
-        <p:cNvPr id="1" name=""/>
-        <p:cNvGrpSpPr/>
-        <p:nvPr/>
-      </p:nvGrpSpPr>
-      <p:grpSpPr>
-        <a:xfrm>
-          <a:off x="0" y="0"/>
-          <a:ext cx="0" cy="0"/>
-          <a:chOff x="0" y="0"/>
-          <a:chExt cx="0" cy="0"/>
-        </a:xfrm>
-      </p:grpSpPr>
-      <p:pic>
-        <p:nvPicPr>
-          <p:cNvPr id="3" name="Immagine 2">
-            <a:extLst>
-              <a:ext uri="{FF2B5EF4-FFF2-40B4-BE49-F238E27FC236}">
-                <a16:creationId xmlns:a16="http://schemas.microsoft.com/office/drawing/2014/main" id="{5D6E70D8-1347-4B84-881B-753BBC77995B}"/>
-              </a:ext>
-            </a:extLst>
-          </p:cNvPr>
-          <p:cNvPicPr>
-            <a:picLocks noChangeAspect="1"/>
-          </p:cNvPicPr>
-          <p:nvPr/>
-        </p:nvPicPr>
-        <p:blipFill>
-          <a:blip r:embed="rId3">
-            <a:extLst>
-              <a:ext uri="{28A0092B-C50C-407E-A947-70E740481C1C}">
-                <a14:useLocalDpi xmlns:a14="http://schemas.microsoft.com/office/drawing/2010/main" val="0"/>
-              </a:ext>
-            </a:extLst>
-          </a:blip>
-          <a:stretch>
-            <a:fillRect/>
-          </a:stretch>
-        </p:blipFill>
-        <p:spPr>
-          <a:xfrm>
-            <a:off x="2817966" y="1782931"/>
-            <a:ext cx="6556065" cy="4481744"/>
-          </a:xfrm>
-          <a:prstGeom prst="rect">
-            <a:avLst/>
-          </a:prstGeom>
-        </p:spPr>
-      </p:pic>
-      <p:sp>
-        <p:nvSpPr>
-          <p:cNvPr id="4" name="CasellaDiTesto 3">
-            <a:extLst>
-              <a:ext uri="{FF2B5EF4-FFF2-40B4-BE49-F238E27FC236}">
-                <a16:creationId xmlns:a16="http://schemas.microsoft.com/office/drawing/2014/main" id="{7D599C7B-7568-4E47-A4AF-F9E9AD2D546B}"/>
-              </a:ext>
-            </a:extLst>
-          </p:cNvPr>
-          <p:cNvSpPr txBox="1"/>
-          <p:nvPr/>
-        </p:nvSpPr>
-        <p:spPr>
-          <a:xfrm>
-            <a:off x="2278600" y="593325"/>
-            <a:ext cx="7634796" cy="830997"/>
-          </a:xfrm>
-          <a:prstGeom prst="rect">
-            <a:avLst/>
-          </a:prstGeom>
-          <a:noFill/>
-        </p:spPr>
-        <p:txBody>
-          <a:bodyPr wrap="square" rtlCol="0">
-            <a:spAutoFit/>
-          </a:bodyPr>
-          <a:lstStyle/>
-          <a:p>
-            <a:r>
-              <a:rPr lang="it-IT" sz="2400" b="1" dirty="0"/>
-              <a:t>Per rendere meglio l’idea dell’interazione tra sistema e utente presentiamo lo state chart dell’operazione</a:t>
-            </a:r>
-          </a:p>
-        </p:txBody>
-      </p:sp>
-    </p:spTree>
-    <p:extLst>
-      <p:ext uri="{BB962C8B-B14F-4D97-AF65-F5344CB8AC3E}">
-        <p14:creationId xmlns:p14="http://schemas.microsoft.com/office/powerpoint/2010/main" val="1906234746"/>
-      </p:ext>
-    </p:extLst>
-  </p:cSld>
-  <p:clrMapOvr>
-    <a:masterClrMapping/>
-  </p:clrMapOvr>
-</p:sld>
-</file>
-
-<file path=ppt/slides/slide23.xml><?xml version="1.0" encoding="utf-8"?>
-<p:sld xmlns:a="http://schemas.openxmlformats.org/drawingml/2006/main" xmlns:r="http://schemas.openxmlformats.org/officeDocument/2006/relationships" xmlns:p="http://schemas.openxmlformats.org/presentationml/2006/main">
-  <p:cSld>
-    <p:bg>
-      <p:bgPr>
-        <a:blipFill dpi="0" rotWithShape="1">
-          <a:blip r:embed="rId2">
-            <a:alphaModFix amt="15000"/>
-            <a:lum/>
-          </a:blip>
-          <a:srcRect/>
-          <a:stretch>
-            <a:fillRect/>
-          </a:stretch>
-        </a:blipFill>
-        <a:effectLst/>
-      </p:bgPr>
-    </p:bg>
-    <p:spTree>
-      <p:nvGrpSpPr>
-        <p:cNvPr id="1" name=""/>
-        <p:cNvGrpSpPr/>
-        <p:nvPr/>
-      </p:nvGrpSpPr>
-      <p:grpSpPr>
-        <a:xfrm>
-          <a:off x="0" y="0"/>
-          <a:ext cx="0" cy="0"/>
-          <a:chOff x="0" y="0"/>
-          <a:chExt cx="0" cy="0"/>
-        </a:xfrm>
-      </p:grpSpPr>
-    </p:spTree>
-    <p:extLst>
-      <p:ext uri="{BB962C8B-B14F-4D97-AF65-F5344CB8AC3E}">
-        <p14:creationId xmlns:p14="http://schemas.microsoft.com/office/powerpoint/2010/main" val="605240263"/>
-      </p:ext>
-    </p:extLst>
-  </p:cSld>
-  <p:clrMapOvr>
-    <a:masterClrMapping/>
-  </p:clrMapOvr>
-</p:sld>
-</file>
-
 <file path=ppt/slides/slide3.xml><?xml version="1.0" encoding="utf-8"?>
 <p:sld xmlns:a="http://schemas.openxmlformats.org/drawingml/2006/main" xmlns:r="http://schemas.openxmlformats.org/officeDocument/2006/relationships" xmlns:p="http://schemas.openxmlformats.org/presentationml/2006/main">
   <p:cSld>
@@ -13522,6 +13429,1324 @@
       </p:grpSpPr>
       <p:sp useBgFill="1">
         <p:nvSpPr>
+          <p:cNvPr id="12" name="Rectangle 11">
+            <a:extLst>
+              <a:ext uri="{FF2B5EF4-FFF2-40B4-BE49-F238E27FC236}">
+                <a16:creationId xmlns:a16="http://schemas.microsoft.com/office/drawing/2014/main" id="{A169D286-F4D7-4C8B-A6BD-D05384C7F1D8}"/>
+              </a:ext>
+              <a:ext uri="{C183D7F6-B498-43B3-948B-1728B52AA6E4}">
+                <adec:decorative xmlns:adec="http://schemas.microsoft.com/office/drawing/2017/decorative" val="1"/>
+              </a:ext>
+            </a:extLst>
+          </p:cNvPr>
+          <p:cNvSpPr>
+            <a:spLocks noGrp="1" noRot="1" noChangeAspect="1" noMove="1" noResize="1" noEditPoints="1" noAdjustHandles="1" noChangeArrowheads="1" noChangeShapeType="1" noTextEdit="1"/>
+          </p:cNvSpPr>
+          <p:nvPr>
+            <p:extLst>
+              <p:ext uri="{386F3935-93C4-4BCD-93E2-E3B085C9AB24}">
+                <p16:designElem xmlns:p16="http://schemas.microsoft.com/office/powerpoint/2015/main" val="1"/>
+              </p:ext>
+            </p:extLst>
+          </p:nvPr>
+        </p:nvSpPr>
+        <p:spPr>
+          <a:xfrm>
+            <a:off x="0" y="0"/>
+            <a:ext cx="12188952" cy="6858000"/>
+          </a:xfrm>
+          <a:prstGeom prst="rect">
+            <a:avLst/>
+          </a:prstGeom>
+          <a:ln>
+            <a:noFill/>
+          </a:ln>
+        </p:spPr>
+        <p:style>
+          <a:lnRef idx="2">
+            <a:schemeClr val="accent1">
+              <a:shade val="50000"/>
+            </a:schemeClr>
+          </a:lnRef>
+          <a:fillRef idx="1">
+            <a:schemeClr val="accent1"/>
+          </a:fillRef>
+          <a:effectRef idx="0">
+            <a:schemeClr val="accent1"/>
+          </a:effectRef>
+          <a:fontRef idx="minor">
+            <a:schemeClr val="lt1"/>
+          </a:fontRef>
+        </p:style>
+        <p:txBody>
+          <a:bodyPr rtlCol="0" anchor="ctr"/>
+          <a:lstStyle/>
+          <a:p>
+            <a:pPr algn="ctr"/>
+            <a:endParaRPr lang="en-US"/>
+          </a:p>
+        </p:txBody>
+      </p:sp>
+      <p:sp>
+        <p:nvSpPr>
+          <p:cNvPr id="14" name="Freeform 6">
+            <a:extLst>
+              <a:ext uri="{FF2B5EF4-FFF2-40B4-BE49-F238E27FC236}">
+                <a16:creationId xmlns:a16="http://schemas.microsoft.com/office/drawing/2014/main" id="{39E8235E-135E-4261-8F54-2B316E493C42}"/>
+              </a:ext>
+              <a:ext uri="{C183D7F6-B498-43B3-948B-1728B52AA6E4}">
+                <adec:decorative xmlns:adec="http://schemas.microsoft.com/office/drawing/2017/decorative" val="1"/>
+              </a:ext>
+            </a:extLst>
+          </p:cNvPr>
+          <p:cNvSpPr>
+            <a:spLocks noGrp="1" noRot="1" noChangeAspect="1" noMove="1" noResize="1" noEditPoints="1" noAdjustHandles="1" noChangeArrowheads="1" noChangeShapeType="1" noTextEdit="1"/>
+          </p:cNvSpPr>
+          <p:nvPr>
+            <p:extLst>
+              <p:ext uri="{386F3935-93C4-4BCD-93E2-E3B085C9AB24}">
+                <p16:designElem xmlns:p16="http://schemas.microsoft.com/office/powerpoint/2015/main" val="1"/>
+              </p:ext>
+            </p:extLst>
+          </p:nvPr>
+        </p:nvSpPr>
+        <p:spPr bwMode="auto">
+          <a:xfrm>
+            <a:off x="4142164" y="610728"/>
+            <a:ext cx="759618" cy="5710965"/>
+          </a:xfrm>
+          <a:custGeom>
+            <a:avLst/>
+            <a:gdLst>
+              <a:gd name="T0" fmla="*/ 414 w 414"/>
+              <a:gd name="T1" fmla="*/ 2447 h 2447"/>
+              <a:gd name="T2" fmla="*/ 0 w 414"/>
+              <a:gd name="T3" fmla="*/ 2247 h 2447"/>
+              <a:gd name="T4" fmla="*/ 0 w 414"/>
+              <a:gd name="T5" fmla="*/ 0 h 2447"/>
+              <a:gd name="T6" fmla="*/ 414 w 414"/>
+              <a:gd name="T7" fmla="*/ 200 h 2447"/>
+              <a:gd name="T8" fmla="*/ 414 w 414"/>
+              <a:gd name="T9" fmla="*/ 2447 h 2447"/>
+            </a:gdLst>
+            <a:ahLst/>
+            <a:cxnLst>
+              <a:cxn ang="0">
+                <a:pos x="T0" y="T1"/>
+              </a:cxn>
+              <a:cxn ang="0">
+                <a:pos x="T2" y="T3"/>
+              </a:cxn>
+              <a:cxn ang="0">
+                <a:pos x="T4" y="T5"/>
+              </a:cxn>
+              <a:cxn ang="0">
+                <a:pos x="T6" y="T7"/>
+              </a:cxn>
+              <a:cxn ang="0">
+                <a:pos x="T8" y="T9"/>
+              </a:cxn>
+            </a:cxnLst>
+            <a:rect l="0" t="0" r="r" b="b"/>
+            <a:pathLst>
+              <a:path w="414" h="2447">
+                <a:moveTo>
+                  <a:pt x="414" y="2447"/>
+                </a:moveTo>
+                <a:lnTo>
+                  <a:pt x="0" y="2247"/>
+                </a:lnTo>
+                <a:lnTo>
+                  <a:pt x="0" y="0"/>
+                </a:lnTo>
+                <a:lnTo>
+                  <a:pt x="414" y="200"/>
+                </a:lnTo>
+                <a:lnTo>
+                  <a:pt x="414" y="2447"/>
+                </a:lnTo>
+                <a:close/>
+              </a:path>
+            </a:pathLst>
+          </a:custGeom>
+          <a:solidFill>
+            <a:schemeClr val="accent1">
+              <a:lumMod val="75000"/>
+            </a:schemeClr>
+          </a:solidFill>
+          <a:ln>
+            <a:noFill/>
+          </a:ln>
+        </p:spPr>
+        <p:txBody>
+          <a:bodyPr vert="horz" wrap="square" lIns="91440" tIns="45720" rIns="91440" bIns="45720" numCol="1" anchor="t" anchorCtr="0" compatLnSpc="1">
+            <a:prstTxWarp prst="textNoShape">
+              <a:avLst/>
+            </a:prstTxWarp>
+          </a:bodyPr>
+          <a:lstStyle/>
+          <a:p>
+            <a:endParaRPr lang="en-US"/>
+          </a:p>
+        </p:txBody>
+      </p:sp>
+      <p:sp>
+        <p:nvSpPr>
+          <p:cNvPr id="16" name="Freeform 7">
+            <a:extLst>
+              <a:ext uri="{FF2B5EF4-FFF2-40B4-BE49-F238E27FC236}">
+                <a16:creationId xmlns:a16="http://schemas.microsoft.com/office/drawing/2014/main" id="{D4ED8EC3-4D57-4620-93CE-4E6661F09A3E}"/>
+              </a:ext>
+              <a:ext uri="{C183D7F6-B498-43B3-948B-1728B52AA6E4}">
+                <adec:decorative xmlns:adec="http://schemas.microsoft.com/office/drawing/2017/decorative" val="1"/>
+              </a:ext>
+            </a:extLst>
+          </p:cNvPr>
+          <p:cNvSpPr>
+            <a:spLocks noGrp="1" noRot="1" noChangeAspect="1" noMove="1" noResize="1" noEditPoints="1" noAdjustHandles="1" noChangeArrowheads="1" noChangeShapeType="1" noTextEdit="1"/>
+          </p:cNvSpPr>
+          <p:nvPr>
+            <p:extLst>
+              <p:ext uri="{386F3935-93C4-4BCD-93E2-E3B085C9AB24}">
+                <p16:designElem xmlns:p16="http://schemas.microsoft.com/office/powerpoint/2015/main" val="1"/>
+              </p:ext>
+            </p:extLst>
+          </p:nvPr>
+        </p:nvSpPr>
+        <p:spPr bwMode="auto">
+          <a:xfrm>
+            <a:off x="4144437" y="343079"/>
+            <a:ext cx="482654" cy="5521414"/>
+          </a:xfrm>
+          <a:custGeom>
+            <a:avLst/>
+            <a:gdLst>
+              <a:gd name="T0" fmla="*/ 209 w 209"/>
+              <a:gd name="T1" fmla="*/ 2246 h 2358"/>
+              <a:gd name="T2" fmla="*/ 0 w 209"/>
+              <a:gd name="T3" fmla="*/ 2358 h 2358"/>
+              <a:gd name="T4" fmla="*/ 0 w 209"/>
+              <a:gd name="T5" fmla="*/ 111 h 2358"/>
+              <a:gd name="T6" fmla="*/ 209 w 209"/>
+              <a:gd name="T7" fmla="*/ 0 h 2358"/>
+              <a:gd name="T8" fmla="*/ 209 w 209"/>
+              <a:gd name="T9" fmla="*/ 2246 h 2358"/>
+            </a:gdLst>
+            <a:ahLst/>
+            <a:cxnLst>
+              <a:cxn ang="0">
+                <a:pos x="T0" y="T1"/>
+              </a:cxn>
+              <a:cxn ang="0">
+                <a:pos x="T2" y="T3"/>
+              </a:cxn>
+              <a:cxn ang="0">
+                <a:pos x="T4" y="T5"/>
+              </a:cxn>
+              <a:cxn ang="0">
+                <a:pos x="T6" y="T7"/>
+              </a:cxn>
+              <a:cxn ang="0">
+                <a:pos x="T8" y="T9"/>
+              </a:cxn>
+            </a:cxnLst>
+            <a:rect l="0" t="0" r="r" b="b"/>
+            <a:pathLst>
+              <a:path w="209" h="2358">
+                <a:moveTo>
+                  <a:pt x="209" y="2246"/>
+                </a:moveTo>
+                <a:lnTo>
+                  <a:pt x="0" y="2358"/>
+                </a:lnTo>
+                <a:lnTo>
+                  <a:pt x="0" y="111"/>
+                </a:lnTo>
+                <a:lnTo>
+                  <a:pt x="209" y="0"/>
+                </a:lnTo>
+                <a:lnTo>
+                  <a:pt x="209" y="2246"/>
+                </a:lnTo>
+                <a:close/>
+              </a:path>
+            </a:pathLst>
+          </a:custGeom>
+          <a:solidFill>
+            <a:schemeClr val="accent1">
+              <a:lumMod val="50000"/>
+            </a:schemeClr>
+          </a:solidFill>
+          <a:ln>
+            <a:noFill/>
+          </a:ln>
+        </p:spPr>
+        <p:txBody>
+          <a:bodyPr vert="horz" wrap="square" lIns="91440" tIns="45720" rIns="91440" bIns="45720" numCol="1" anchor="t" anchorCtr="0" compatLnSpc="1">
+            <a:prstTxWarp prst="textNoShape">
+              <a:avLst/>
+            </a:prstTxWarp>
+          </a:bodyPr>
+          <a:lstStyle/>
+          <a:p>
+            <a:endParaRPr lang="en-US"/>
+          </a:p>
+        </p:txBody>
+      </p:sp>
+      <p:sp>
+        <p:nvSpPr>
+          <p:cNvPr id="18" name="Freeform: Shape 17">
+            <a:extLst>
+              <a:ext uri="{FF2B5EF4-FFF2-40B4-BE49-F238E27FC236}">
+                <a16:creationId xmlns:a16="http://schemas.microsoft.com/office/drawing/2014/main" id="{83BCB34A-2F40-4F41-8488-A134C1C155B7}"/>
+              </a:ext>
+              <a:ext uri="{C183D7F6-B498-43B3-948B-1728B52AA6E4}">
+                <adec:decorative xmlns:adec="http://schemas.microsoft.com/office/drawing/2017/decorative" val="1"/>
+              </a:ext>
+            </a:extLst>
+          </p:cNvPr>
+          <p:cNvSpPr>
+            <a:spLocks noGrp="1" noRot="1" noChangeAspect="1" noMove="1" noResize="1" noEditPoints="1" noAdjustHandles="1" noChangeArrowheads="1" noChangeShapeType="1" noTextEdit="1"/>
+          </p:cNvSpPr>
+          <p:nvPr>
+            <p:extLst>
+              <p:ext uri="{386F3935-93C4-4BCD-93E2-E3B085C9AB24}">
+                <p16:designElem xmlns:p16="http://schemas.microsoft.com/office/powerpoint/2015/main" val="1"/>
+              </p:ext>
+            </p:extLst>
+          </p:nvPr>
+        </p:nvSpPr>
+        <p:spPr>
+          <a:xfrm>
+            <a:off x="-3045" y="340424"/>
+            <a:ext cx="4630139" cy="5265795"/>
+          </a:xfrm>
+          <a:custGeom>
+            <a:avLst/>
+            <a:gdLst>
+              <a:gd name="connsiteX0" fmla="*/ 0 w 4630139"/>
+              <a:gd name="connsiteY0" fmla="*/ 0 h 5265795"/>
+              <a:gd name="connsiteX1" fmla="*/ 4630139 w 4630139"/>
+              <a:gd name="connsiteY1" fmla="*/ 0 h 5265795"/>
+              <a:gd name="connsiteX2" fmla="*/ 4630139 w 4630139"/>
+              <a:gd name="connsiteY2" fmla="*/ 5265795 h 5265795"/>
+              <a:gd name="connsiteX3" fmla="*/ 0 w 4630139"/>
+              <a:gd name="connsiteY3" fmla="*/ 5265795 h 5265795"/>
+            </a:gdLst>
+            <a:ahLst/>
+            <a:cxnLst>
+              <a:cxn ang="0">
+                <a:pos x="connsiteX0" y="connsiteY0"/>
+              </a:cxn>
+              <a:cxn ang="0">
+                <a:pos x="connsiteX1" y="connsiteY1"/>
+              </a:cxn>
+              <a:cxn ang="0">
+                <a:pos x="connsiteX2" y="connsiteY2"/>
+              </a:cxn>
+              <a:cxn ang="0">
+                <a:pos x="connsiteX3" y="connsiteY3"/>
+              </a:cxn>
+            </a:cxnLst>
+            <a:rect l="l" t="t" r="r" b="b"/>
+            <a:pathLst>
+              <a:path w="4630139" h="5265795">
+                <a:moveTo>
+                  <a:pt x="0" y="0"/>
+                </a:moveTo>
+                <a:lnTo>
+                  <a:pt x="4630139" y="0"/>
+                </a:lnTo>
+                <a:lnTo>
+                  <a:pt x="4630139" y="5265795"/>
+                </a:lnTo>
+                <a:lnTo>
+                  <a:pt x="0" y="5265795"/>
+                </a:lnTo>
+                <a:close/>
+              </a:path>
+            </a:pathLst>
+          </a:custGeom>
+          <a:ln>
+            <a:noFill/>
+          </a:ln>
+        </p:spPr>
+        <p:style>
+          <a:lnRef idx="2">
+            <a:schemeClr val="accent1">
+              <a:shade val="50000"/>
+            </a:schemeClr>
+          </a:lnRef>
+          <a:fillRef idx="1">
+            <a:schemeClr val="accent1"/>
+          </a:fillRef>
+          <a:effectRef idx="0">
+            <a:schemeClr val="accent1"/>
+          </a:effectRef>
+          <a:fontRef idx="minor">
+            <a:schemeClr val="lt1"/>
+          </a:fontRef>
+        </p:style>
+        <p:txBody>
+          <a:bodyPr wrap="square" rtlCol="0" anchor="ctr">
+            <a:noAutofit/>
+          </a:bodyPr>
+          <a:lstStyle/>
+          <a:p>
+            <a:pPr algn="ctr"/>
+            <a:endParaRPr lang="en-US"/>
+          </a:p>
+        </p:txBody>
+      </p:sp>
+      <p:sp>
+        <p:nvSpPr>
+          <p:cNvPr id="20" name="Freeform: Shape 19">
+            <a:extLst>
+              <a:ext uri="{FF2B5EF4-FFF2-40B4-BE49-F238E27FC236}">
+                <a16:creationId xmlns:a16="http://schemas.microsoft.com/office/drawing/2014/main" id="{F78382DC-4207-465E-B379-1E16448AA222}"/>
+              </a:ext>
+              <a:ext uri="{C183D7F6-B498-43B3-948B-1728B52AA6E4}">
+                <adec:decorative xmlns:adec="http://schemas.microsoft.com/office/drawing/2017/decorative" val="1"/>
+              </a:ext>
+            </a:extLst>
+          </p:cNvPr>
+          <p:cNvSpPr>
+            <a:spLocks noGrp="1" noRot="1" noChangeAspect="1" noMove="1" noResize="1" noEditPoints="1" noAdjustHandles="1" noChangeArrowheads="1" noChangeShapeType="1" noTextEdit="1"/>
+          </p:cNvSpPr>
+          <p:nvPr>
+            <p:extLst>
+              <p:ext uri="{386F3935-93C4-4BCD-93E2-E3B085C9AB24}">
+                <p16:designElem xmlns:p16="http://schemas.microsoft.com/office/powerpoint/2015/main" val="1"/>
+              </p:ext>
+            </p:extLst>
+          </p:nvPr>
+        </p:nvSpPr>
+        <p:spPr>
+          <a:xfrm>
+            <a:off x="4901780" y="1071563"/>
+            <a:ext cx="7290218" cy="5242298"/>
+          </a:xfrm>
+          <a:custGeom>
+            <a:avLst/>
+            <a:gdLst>
+              <a:gd name="connsiteX0" fmla="*/ 0 w 7290218"/>
+              <a:gd name="connsiteY0" fmla="*/ 0 h 5242298"/>
+              <a:gd name="connsiteX1" fmla="*/ 7290218 w 7290218"/>
+              <a:gd name="connsiteY1" fmla="*/ 0 h 5242298"/>
+              <a:gd name="connsiteX2" fmla="*/ 7290218 w 7290218"/>
+              <a:gd name="connsiteY2" fmla="*/ 5242298 h 5242298"/>
+              <a:gd name="connsiteX3" fmla="*/ 0 w 7290218"/>
+              <a:gd name="connsiteY3" fmla="*/ 5242298 h 5242298"/>
+            </a:gdLst>
+            <a:ahLst/>
+            <a:cxnLst>
+              <a:cxn ang="0">
+                <a:pos x="connsiteX0" y="connsiteY0"/>
+              </a:cxn>
+              <a:cxn ang="0">
+                <a:pos x="connsiteX1" y="connsiteY1"/>
+              </a:cxn>
+              <a:cxn ang="0">
+                <a:pos x="connsiteX2" y="connsiteY2"/>
+              </a:cxn>
+              <a:cxn ang="0">
+                <a:pos x="connsiteX3" y="connsiteY3"/>
+              </a:cxn>
+            </a:cxnLst>
+            <a:rect l="l" t="t" r="r" b="b"/>
+            <a:pathLst>
+              <a:path w="7290218" h="5242298">
+                <a:moveTo>
+                  <a:pt x="0" y="0"/>
+                </a:moveTo>
+                <a:lnTo>
+                  <a:pt x="7290218" y="0"/>
+                </a:lnTo>
+                <a:lnTo>
+                  <a:pt x="7290218" y="5242298"/>
+                </a:lnTo>
+                <a:lnTo>
+                  <a:pt x="0" y="5242298"/>
+                </a:lnTo>
+                <a:close/>
+              </a:path>
+            </a:pathLst>
+          </a:custGeom>
+          <a:ln>
+            <a:noFill/>
+          </a:ln>
+        </p:spPr>
+        <p:style>
+          <a:lnRef idx="2">
+            <a:schemeClr val="accent1">
+              <a:shade val="50000"/>
+            </a:schemeClr>
+          </a:lnRef>
+          <a:fillRef idx="1">
+            <a:schemeClr val="accent1"/>
+          </a:fillRef>
+          <a:effectRef idx="0">
+            <a:schemeClr val="accent1"/>
+          </a:effectRef>
+          <a:fontRef idx="minor">
+            <a:schemeClr val="lt1"/>
+          </a:fontRef>
+        </p:style>
+        <p:txBody>
+          <a:bodyPr wrap="square" rtlCol="0" anchor="ctr">
+            <a:noAutofit/>
+          </a:bodyPr>
+          <a:lstStyle/>
+          <a:p>
+            <a:pPr algn="ctr"/>
+            <a:endParaRPr lang="en-US"/>
+          </a:p>
+        </p:txBody>
+      </p:sp>
+      <p:pic>
+        <p:nvPicPr>
+          <p:cNvPr id="10" name="Immagine 9">
+            <a:extLst>
+              <a:ext uri="{FF2B5EF4-FFF2-40B4-BE49-F238E27FC236}">
+                <a16:creationId xmlns:a16="http://schemas.microsoft.com/office/drawing/2014/main" id="{6793A98E-AA65-421C-AE66-8F68B70CC877}"/>
+              </a:ext>
+            </a:extLst>
+          </p:cNvPr>
+          <p:cNvPicPr>
+            <a:picLocks noChangeAspect="1"/>
+          </p:cNvPicPr>
+          <p:nvPr/>
+        </p:nvPicPr>
+        <p:blipFill>
+          <a:blip r:embed="rId2">
+            <a:extLst>
+              <a:ext uri="{28A0092B-C50C-407E-A947-70E740481C1C}">
+                <a14:useLocalDpi xmlns:a14="http://schemas.microsoft.com/office/drawing/2010/main" val="0"/>
+              </a:ext>
+            </a:extLst>
+          </a:blip>
+          <a:stretch>
+            <a:fillRect/>
+          </a:stretch>
+        </p:blipFill>
+        <p:spPr>
+          <a:xfrm>
+            <a:off x="248626" y="1844388"/>
+            <a:ext cx="4013982" cy="2257865"/>
+          </a:xfrm>
+          <a:prstGeom prst="rect">
+            <a:avLst/>
+          </a:prstGeom>
+        </p:spPr>
+      </p:pic>
+      <p:sp>
+        <p:nvSpPr>
+          <p:cNvPr id="2" name="CasellaDiTesto 1">
+            <a:extLst>
+              <a:ext uri="{FF2B5EF4-FFF2-40B4-BE49-F238E27FC236}">
+                <a16:creationId xmlns:a16="http://schemas.microsoft.com/office/drawing/2014/main" id="{47600972-C833-403F-BBC6-40951F8E5AB2}"/>
+              </a:ext>
+            </a:extLst>
+          </p:cNvPr>
+          <p:cNvSpPr txBox="1"/>
+          <p:nvPr/>
+        </p:nvSpPr>
+        <p:spPr>
+          <a:xfrm>
+            <a:off x="346229" y="727969"/>
+            <a:ext cx="4013982" cy="523220"/>
+          </a:xfrm>
+          <a:prstGeom prst="rect">
+            <a:avLst/>
+          </a:prstGeom>
+          <a:noFill/>
+        </p:spPr>
+        <p:txBody>
+          <a:bodyPr wrap="square" rtlCol="0">
+            <a:spAutoFit/>
+          </a:bodyPr>
+          <a:lstStyle/>
+          <a:p>
+            <a:pPr algn="ctr"/>
+            <a:r>
+              <a:rPr lang="it-IT" sz="2800" b="1" dirty="0">
+                <a:solidFill>
+                  <a:schemeClr val="bg1"/>
+                </a:solidFill>
+              </a:rPr>
+              <a:t>Alcuni requisiti</a:t>
+            </a:r>
+          </a:p>
+        </p:txBody>
+      </p:sp>
+      <p:sp>
+        <p:nvSpPr>
+          <p:cNvPr id="3" name="CasellaDiTesto 2">
+            <a:extLst>
+              <a:ext uri="{FF2B5EF4-FFF2-40B4-BE49-F238E27FC236}">
+                <a16:creationId xmlns:a16="http://schemas.microsoft.com/office/drawing/2014/main" id="{61DED8FD-E6E6-4C7D-8B34-D72D03582F8F}"/>
+              </a:ext>
+            </a:extLst>
+          </p:cNvPr>
+          <p:cNvSpPr txBox="1"/>
+          <p:nvPr/>
+        </p:nvSpPr>
+        <p:spPr>
+          <a:xfrm>
+            <a:off x="5625492" y="1951672"/>
+            <a:ext cx="5790279" cy="2954655"/>
+          </a:xfrm>
+          <a:prstGeom prst="rect">
+            <a:avLst/>
+          </a:prstGeom>
+          <a:noFill/>
+        </p:spPr>
+        <p:txBody>
+          <a:bodyPr wrap="square" rtlCol="0">
+            <a:spAutoFit/>
+          </a:bodyPr>
+          <a:lstStyle/>
+          <a:p>
+            <a:r>
+              <a:rPr lang="it-IT" sz="2400" b="1" dirty="0">
+                <a:solidFill>
+                  <a:schemeClr val="bg1"/>
+                </a:solidFill>
+              </a:rPr>
+              <a:t>• RNF-U1: Il sistema deve essere facile da apprendere ed intuitivo da utilizzare</a:t>
+            </a:r>
+          </a:p>
+          <a:p>
+            <a:r>
+              <a:rPr lang="it-IT" sz="2400" b="1" dirty="0">
+                <a:solidFill>
+                  <a:schemeClr val="bg1"/>
+                </a:solidFill>
+              </a:rPr>
+              <a:t>senza necessariamente consultare la documentazione</a:t>
+            </a:r>
+          </a:p>
+          <a:p>
+            <a:endParaRPr lang="it-IT" sz="2400" b="1" dirty="0">
+              <a:solidFill>
+                <a:schemeClr val="bg1"/>
+              </a:solidFill>
+            </a:endParaRPr>
+          </a:p>
+          <a:p>
+            <a:r>
+              <a:rPr lang="it-IT" sz="2400" b="1" dirty="0">
+                <a:solidFill>
+                  <a:schemeClr val="bg1"/>
+                </a:solidFill>
+              </a:rPr>
+              <a:t>• RNF-U2: Il sistema deve essere accessibile sia da dispositivi desktop che mobile</a:t>
+            </a:r>
+          </a:p>
+          <a:p>
+            <a:endParaRPr lang="it-IT" dirty="0"/>
+          </a:p>
+        </p:txBody>
+      </p:sp>
+    </p:spTree>
+    <p:extLst>
+      <p:ext uri="{BB962C8B-B14F-4D97-AF65-F5344CB8AC3E}">
+        <p14:creationId xmlns:p14="http://schemas.microsoft.com/office/powerpoint/2010/main" val="108075469"/>
+      </p:ext>
+    </p:extLst>
+  </p:cSld>
+  <p:clrMapOvr>
+    <a:masterClrMapping/>
+  </p:clrMapOvr>
+</p:sld>
+</file>
+
+<file path=ppt/slides/slide6.xml><?xml version="1.0" encoding="utf-8"?>
+<p:sld xmlns:a="http://schemas.openxmlformats.org/drawingml/2006/main" xmlns:r="http://schemas.openxmlformats.org/officeDocument/2006/relationships" xmlns:p="http://schemas.openxmlformats.org/presentationml/2006/main">
+  <p:cSld>
+    <p:bg>
+      <p:bgPr>
+        <a:solidFill>
+          <a:schemeClr val="bg1"/>
+        </a:solidFill>
+        <a:effectLst/>
+      </p:bgPr>
+    </p:bg>
+    <p:spTree>
+      <p:nvGrpSpPr>
+        <p:cNvPr id="1" name=""/>
+        <p:cNvGrpSpPr/>
+        <p:nvPr/>
+      </p:nvGrpSpPr>
+      <p:grpSpPr>
+        <a:xfrm>
+          <a:off x="0" y="0"/>
+          <a:ext cx="0" cy="0"/>
+          <a:chOff x="0" y="0"/>
+          <a:chExt cx="0" cy="0"/>
+        </a:xfrm>
+      </p:grpSpPr>
+      <p:sp useBgFill="1">
+        <p:nvSpPr>
+          <p:cNvPr id="12" name="Rectangle 11">
+            <a:extLst>
+              <a:ext uri="{FF2B5EF4-FFF2-40B4-BE49-F238E27FC236}">
+                <a16:creationId xmlns:a16="http://schemas.microsoft.com/office/drawing/2014/main" id="{A169D286-F4D7-4C8B-A6BD-D05384C7F1D8}"/>
+              </a:ext>
+              <a:ext uri="{C183D7F6-B498-43B3-948B-1728B52AA6E4}">
+                <adec:decorative xmlns:adec="http://schemas.microsoft.com/office/drawing/2017/decorative" val="1"/>
+              </a:ext>
+            </a:extLst>
+          </p:cNvPr>
+          <p:cNvSpPr>
+            <a:spLocks noGrp="1" noRot="1" noChangeAspect="1" noMove="1" noResize="1" noEditPoints="1" noAdjustHandles="1" noChangeArrowheads="1" noChangeShapeType="1" noTextEdit="1"/>
+          </p:cNvSpPr>
+          <p:nvPr>
+            <p:extLst>
+              <p:ext uri="{386F3935-93C4-4BCD-93E2-E3B085C9AB24}">
+                <p16:designElem xmlns:p16="http://schemas.microsoft.com/office/powerpoint/2015/main" val="1"/>
+              </p:ext>
+            </p:extLst>
+          </p:nvPr>
+        </p:nvSpPr>
+        <p:spPr>
+          <a:xfrm>
+            <a:off x="0" y="0"/>
+            <a:ext cx="12188952" cy="6858000"/>
+          </a:xfrm>
+          <a:prstGeom prst="rect">
+            <a:avLst/>
+          </a:prstGeom>
+          <a:ln>
+            <a:noFill/>
+          </a:ln>
+        </p:spPr>
+        <p:style>
+          <a:lnRef idx="2">
+            <a:schemeClr val="accent1">
+              <a:shade val="50000"/>
+            </a:schemeClr>
+          </a:lnRef>
+          <a:fillRef idx="1">
+            <a:schemeClr val="accent1"/>
+          </a:fillRef>
+          <a:effectRef idx="0">
+            <a:schemeClr val="accent1"/>
+          </a:effectRef>
+          <a:fontRef idx="minor">
+            <a:schemeClr val="lt1"/>
+          </a:fontRef>
+        </p:style>
+        <p:txBody>
+          <a:bodyPr rtlCol="0" anchor="ctr"/>
+          <a:lstStyle/>
+          <a:p>
+            <a:pPr algn="ctr"/>
+            <a:endParaRPr lang="en-US"/>
+          </a:p>
+        </p:txBody>
+      </p:sp>
+      <p:sp>
+        <p:nvSpPr>
+          <p:cNvPr id="14" name="Freeform 6">
+            <a:extLst>
+              <a:ext uri="{FF2B5EF4-FFF2-40B4-BE49-F238E27FC236}">
+                <a16:creationId xmlns:a16="http://schemas.microsoft.com/office/drawing/2014/main" id="{39E8235E-135E-4261-8F54-2B316E493C42}"/>
+              </a:ext>
+              <a:ext uri="{C183D7F6-B498-43B3-948B-1728B52AA6E4}">
+                <adec:decorative xmlns:adec="http://schemas.microsoft.com/office/drawing/2017/decorative" val="1"/>
+              </a:ext>
+            </a:extLst>
+          </p:cNvPr>
+          <p:cNvSpPr>
+            <a:spLocks noGrp="1" noRot="1" noChangeAspect="1" noMove="1" noResize="1" noEditPoints="1" noAdjustHandles="1" noChangeArrowheads="1" noChangeShapeType="1" noTextEdit="1"/>
+          </p:cNvSpPr>
+          <p:nvPr>
+            <p:extLst>
+              <p:ext uri="{386F3935-93C4-4BCD-93E2-E3B085C9AB24}">
+                <p16:designElem xmlns:p16="http://schemas.microsoft.com/office/powerpoint/2015/main" val="1"/>
+              </p:ext>
+            </p:extLst>
+          </p:nvPr>
+        </p:nvSpPr>
+        <p:spPr bwMode="auto">
+          <a:xfrm>
+            <a:off x="4142164" y="610728"/>
+            <a:ext cx="759618" cy="5710965"/>
+          </a:xfrm>
+          <a:custGeom>
+            <a:avLst/>
+            <a:gdLst>
+              <a:gd name="T0" fmla="*/ 414 w 414"/>
+              <a:gd name="T1" fmla="*/ 2447 h 2447"/>
+              <a:gd name="T2" fmla="*/ 0 w 414"/>
+              <a:gd name="T3" fmla="*/ 2247 h 2447"/>
+              <a:gd name="T4" fmla="*/ 0 w 414"/>
+              <a:gd name="T5" fmla="*/ 0 h 2447"/>
+              <a:gd name="T6" fmla="*/ 414 w 414"/>
+              <a:gd name="T7" fmla="*/ 200 h 2447"/>
+              <a:gd name="T8" fmla="*/ 414 w 414"/>
+              <a:gd name="T9" fmla="*/ 2447 h 2447"/>
+            </a:gdLst>
+            <a:ahLst/>
+            <a:cxnLst>
+              <a:cxn ang="0">
+                <a:pos x="T0" y="T1"/>
+              </a:cxn>
+              <a:cxn ang="0">
+                <a:pos x="T2" y="T3"/>
+              </a:cxn>
+              <a:cxn ang="0">
+                <a:pos x="T4" y="T5"/>
+              </a:cxn>
+              <a:cxn ang="0">
+                <a:pos x="T6" y="T7"/>
+              </a:cxn>
+              <a:cxn ang="0">
+                <a:pos x="T8" y="T9"/>
+              </a:cxn>
+            </a:cxnLst>
+            <a:rect l="0" t="0" r="r" b="b"/>
+            <a:pathLst>
+              <a:path w="414" h="2447">
+                <a:moveTo>
+                  <a:pt x="414" y="2447"/>
+                </a:moveTo>
+                <a:lnTo>
+                  <a:pt x="0" y="2247"/>
+                </a:lnTo>
+                <a:lnTo>
+                  <a:pt x="0" y="0"/>
+                </a:lnTo>
+                <a:lnTo>
+                  <a:pt x="414" y="200"/>
+                </a:lnTo>
+                <a:lnTo>
+                  <a:pt x="414" y="2447"/>
+                </a:lnTo>
+                <a:close/>
+              </a:path>
+            </a:pathLst>
+          </a:custGeom>
+          <a:solidFill>
+            <a:schemeClr val="accent1">
+              <a:lumMod val="75000"/>
+            </a:schemeClr>
+          </a:solidFill>
+          <a:ln>
+            <a:noFill/>
+          </a:ln>
+        </p:spPr>
+        <p:txBody>
+          <a:bodyPr vert="horz" wrap="square" lIns="91440" tIns="45720" rIns="91440" bIns="45720" numCol="1" anchor="t" anchorCtr="0" compatLnSpc="1">
+            <a:prstTxWarp prst="textNoShape">
+              <a:avLst/>
+            </a:prstTxWarp>
+          </a:bodyPr>
+          <a:lstStyle/>
+          <a:p>
+            <a:endParaRPr lang="en-US"/>
+          </a:p>
+        </p:txBody>
+      </p:sp>
+      <p:sp>
+        <p:nvSpPr>
+          <p:cNvPr id="16" name="Freeform 7">
+            <a:extLst>
+              <a:ext uri="{FF2B5EF4-FFF2-40B4-BE49-F238E27FC236}">
+                <a16:creationId xmlns:a16="http://schemas.microsoft.com/office/drawing/2014/main" id="{D4ED8EC3-4D57-4620-93CE-4E6661F09A3E}"/>
+              </a:ext>
+              <a:ext uri="{C183D7F6-B498-43B3-948B-1728B52AA6E4}">
+                <adec:decorative xmlns:adec="http://schemas.microsoft.com/office/drawing/2017/decorative" val="1"/>
+              </a:ext>
+            </a:extLst>
+          </p:cNvPr>
+          <p:cNvSpPr>
+            <a:spLocks noGrp="1" noRot="1" noChangeAspect="1" noMove="1" noResize="1" noEditPoints="1" noAdjustHandles="1" noChangeArrowheads="1" noChangeShapeType="1" noTextEdit="1"/>
+          </p:cNvSpPr>
+          <p:nvPr>
+            <p:extLst>
+              <p:ext uri="{386F3935-93C4-4BCD-93E2-E3B085C9AB24}">
+                <p16:designElem xmlns:p16="http://schemas.microsoft.com/office/powerpoint/2015/main" val="1"/>
+              </p:ext>
+            </p:extLst>
+          </p:nvPr>
+        </p:nvSpPr>
+        <p:spPr bwMode="auto">
+          <a:xfrm>
+            <a:off x="4144437" y="343079"/>
+            <a:ext cx="482654" cy="5521414"/>
+          </a:xfrm>
+          <a:custGeom>
+            <a:avLst/>
+            <a:gdLst>
+              <a:gd name="T0" fmla="*/ 209 w 209"/>
+              <a:gd name="T1" fmla="*/ 2246 h 2358"/>
+              <a:gd name="T2" fmla="*/ 0 w 209"/>
+              <a:gd name="T3" fmla="*/ 2358 h 2358"/>
+              <a:gd name="T4" fmla="*/ 0 w 209"/>
+              <a:gd name="T5" fmla="*/ 111 h 2358"/>
+              <a:gd name="T6" fmla="*/ 209 w 209"/>
+              <a:gd name="T7" fmla="*/ 0 h 2358"/>
+              <a:gd name="T8" fmla="*/ 209 w 209"/>
+              <a:gd name="T9" fmla="*/ 2246 h 2358"/>
+            </a:gdLst>
+            <a:ahLst/>
+            <a:cxnLst>
+              <a:cxn ang="0">
+                <a:pos x="T0" y="T1"/>
+              </a:cxn>
+              <a:cxn ang="0">
+                <a:pos x="T2" y="T3"/>
+              </a:cxn>
+              <a:cxn ang="0">
+                <a:pos x="T4" y="T5"/>
+              </a:cxn>
+              <a:cxn ang="0">
+                <a:pos x="T6" y="T7"/>
+              </a:cxn>
+              <a:cxn ang="0">
+                <a:pos x="T8" y="T9"/>
+              </a:cxn>
+            </a:cxnLst>
+            <a:rect l="0" t="0" r="r" b="b"/>
+            <a:pathLst>
+              <a:path w="209" h="2358">
+                <a:moveTo>
+                  <a:pt x="209" y="2246"/>
+                </a:moveTo>
+                <a:lnTo>
+                  <a:pt x="0" y="2358"/>
+                </a:lnTo>
+                <a:lnTo>
+                  <a:pt x="0" y="111"/>
+                </a:lnTo>
+                <a:lnTo>
+                  <a:pt x="209" y="0"/>
+                </a:lnTo>
+                <a:lnTo>
+                  <a:pt x="209" y="2246"/>
+                </a:lnTo>
+                <a:close/>
+              </a:path>
+            </a:pathLst>
+          </a:custGeom>
+          <a:solidFill>
+            <a:schemeClr val="accent1">
+              <a:lumMod val="50000"/>
+            </a:schemeClr>
+          </a:solidFill>
+          <a:ln>
+            <a:noFill/>
+          </a:ln>
+        </p:spPr>
+        <p:txBody>
+          <a:bodyPr vert="horz" wrap="square" lIns="91440" tIns="45720" rIns="91440" bIns="45720" numCol="1" anchor="t" anchorCtr="0" compatLnSpc="1">
+            <a:prstTxWarp prst="textNoShape">
+              <a:avLst/>
+            </a:prstTxWarp>
+          </a:bodyPr>
+          <a:lstStyle/>
+          <a:p>
+            <a:endParaRPr lang="en-US"/>
+          </a:p>
+        </p:txBody>
+      </p:sp>
+      <p:sp>
+        <p:nvSpPr>
+          <p:cNvPr id="18" name="Freeform: Shape 17">
+            <a:extLst>
+              <a:ext uri="{FF2B5EF4-FFF2-40B4-BE49-F238E27FC236}">
+                <a16:creationId xmlns:a16="http://schemas.microsoft.com/office/drawing/2014/main" id="{83BCB34A-2F40-4F41-8488-A134C1C155B7}"/>
+              </a:ext>
+              <a:ext uri="{C183D7F6-B498-43B3-948B-1728B52AA6E4}">
+                <adec:decorative xmlns:adec="http://schemas.microsoft.com/office/drawing/2017/decorative" val="1"/>
+              </a:ext>
+            </a:extLst>
+          </p:cNvPr>
+          <p:cNvSpPr>
+            <a:spLocks noGrp="1" noRot="1" noChangeAspect="1" noMove="1" noResize="1" noEditPoints="1" noAdjustHandles="1" noChangeArrowheads="1" noChangeShapeType="1" noTextEdit="1"/>
+          </p:cNvSpPr>
+          <p:nvPr>
+            <p:extLst>
+              <p:ext uri="{386F3935-93C4-4BCD-93E2-E3B085C9AB24}">
+                <p16:designElem xmlns:p16="http://schemas.microsoft.com/office/powerpoint/2015/main" val="1"/>
+              </p:ext>
+            </p:extLst>
+          </p:nvPr>
+        </p:nvSpPr>
+        <p:spPr>
+          <a:xfrm>
+            <a:off x="-3045" y="340424"/>
+            <a:ext cx="4630139" cy="5265795"/>
+          </a:xfrm>
+          <a:custGeom>
+            <a:avLst/>
+            <a:gdLst>
+              <a:gd name="connsiteX0" fmla="*/ 0 w 4630139"/>
+              <a:gd name="connsiteY0" fmla="*/ 0 h 5265795"/>
+              <a:gd name="connsiteX1" fmla="*/ 4630139 w 4630139"/>
+              <a:gd name="connsiteY1" fmla="*/ 0 h 5265795"/>
+              <a:gd name="connsiteX2" fmla="*/ 4630139 w 4630139"/>
+              <a:gd name="connsiteY2" fmla="*/ 5265795 h 5265795"/>
+              <a:gd name="connsiteX3" fmla="*/ 0 w 4630139"/>
+              <a:gd name="connsiteY3" fmla="*/ 5265795 h 5265795"/>
+            </a:gdLst>
+            <a:ahLst/>
+            <a:cxnLst>
+              <a:cxn ang="0">
+                <a:pos x="connsiteX0" y="connsiteY0"/>
+              </a:cxn>
+              <a:cxn ang="0">
+                <a:pos x="connsiteX1" y="connsiteY1"/>
+              </a:cxn>
+              <a:cxn ang="0">
+                <a:pos x="connsiteX2" y="connsiteY2"/>
+              </a:cxn>
+              <a:cxn ang="0">
+                <a:pos x="connsiteX3" y="connsiteY3"/>
+              </a:cxn>
+            </a:cxnLst>
+            <a:rect l="l" t="t" r="r" b="b"/>
+            <a:pathLst>
+              <a:path w="4630139" h="5265795">
+                <a:moveTo>
+                  <a:pt x="0" y="0"/>
+                </a:moveTo>
+                <a:lnTo>
+                  <a:pt x="4630139" y="0"/>
+                </a:lnTo>
+                <a:lnTo>
+                  <a:pt x="4630139" y="5265795"/>
+                </a:lnTo>
+                <a:lnTo>
+                  <a:pt x="0" y="5265795"/>
+                </a:lnTo>
+                <a:close/>
+              </a:path>
+            </a:pathLst>
+          </a:custGeom>
+          <a:ln>
+            <a:noFill/>
+          </a:ln>
+        </p:spPr>
+        <p:style>
+          <a:lnRef idx="2">
+            <a:schemeClr val="accent1">
+              <a:shade val="50000"/>
+            </a:schemeClr>
+          </a:lnRef>
+          <a:fillRef idx="1">
+            <a:schemeClr val="accent1"/>
+          </a:fillRef>
+          <a:effectRef idx="0">
+            <a:schemeClr val="accent1"/>
+          </a:effectRef>
+          <a:fontRef idx="minor">
+            <a:schemeClr val="lt1"/>
+          </a:fontRef>
+        </p:style>
+        <p:txBody>
+          <a:bodyPr wrap="square" rtlCol="0" anchor="ctr">
+            <a:noAutofit/>
+          </a:bodyPr>
+          <a:lstStyle/>
+          <a:p>
+            <a:pPr algn="ctr"/>
+            <a:endParaRPr lang="en-US"/>
+          </a:p>
+        </p:txBody>
+      </p:sp>
+      <p:sp>
+        <p:nvSpPr>
+          <p:cNvPr id="20" name="Freeform: Shape 19">
+            <a:extLst>
+              <a:ext uri="{FF2B5EF4-FFF2-40B4-BE49-F238E27FC236}">
+                <a16:creationId xmlns:a16="http://schemas.microsoft.com/office/drawing/2014/main" id="{F78382DC-4207-465E-B379-1E16448AA222}"/>
+              </a:ext>
+              <a:ext uri="{C183D7F6-B498-43B3-948B-1728B52AA6E4}">
+                <adec:decorative xmlns:adec="http://schemas.microsoft.com/office/drawing/2017/decorative" val="1"/>
+              </a:ext>
+            </a:extLst>
+          </p:cNvPr>
+          <p:cNvSpPr>
+            <a:spLocks noGrp="1" noRot="1" noChangeAspect="1" noMove="1" noResize="1" noEditPoints="1" noAdjustHandles="1" noChangeArrowheads="1" noChangeShapeType="1" noTextEdit="1"/>
+          </p:cNvSpPr>
+          <p:nvPr>
+            <p:extLst>
+              <p:ext uri="{386F3935-93C4-4BCD-93E2-E3B085C9AB24}">
+                <p16:designElem xmlns:p16="http://schemas.microsoft.com/office/powerpoint/2015/main" val="1"/>
+              </p:ext>
+            </p:extLst>
+          </p:nvPr>
+        </p:nvSpPr>
+        <p:spPr>
+          <a:xfrm>
+            <a:off x="4901780" y="1071563"/>
+            <a:ext cx="7290218" cy="5242298"/>
+          </a:xfrm>
+          <a:custGeom>
+            <a:avLst/>
+            <a:gdLst>
+              <a:gd name="connsiteX0" fmla="*/ 0 w 7290218"/>
+              <a:gd name="connsiteY0" fmla="*/ 0 h 5242298"/>
+              <a:gd name="connsiteX1" fmla="*/ 7290218 w 7290218"/>
+              <a:gd name="connsiteY1" fmla="*/ 0 h 5242298"/>
+              <a:gd name="connsiteX2" fmla="*/ 7290218 w 7290218"/>
+              <a:gd name="connsiteY2" fmla="*/ 5242298 h 5242298"/>
+              <a:gd name="connsiteX3" fmla="*/ 0 w 7290218"/>
+              <a:gd name="connsiteY3" fmla="*/ 5242298 h 5242298"/>
+            </a:gdLst>
+            <a:ahLst/>
+            <a:cxnLst>
+              <a:cxn ang="0">
+                <a:pos x="connsiteX0" y="connsiteY0"/>
+              </a:cxn>
+              <a:cxn ang="0">
+                <a:pos x="connsiteX1" y="connsiteY1"/>
+              </a:cxn>
+              <a:cxn ang="0">
+                <a:pos x="connsiteX2" y="connsiteY2"/>
+              </a:cxn>
+              <a:cxn ang="0">
+                <a:pos x="connsiteX3" y="connsiteY3"/>
+              </a:cxn>
+            </a:cxnLst>
+            <a:rect l="l" t="t" r="r" b="b"/>
+            <a:pathLst>
+              <a:path w="7290218" h="5242298">
+                <a:moveTo>
+                  <a:pt x="0" y="0"/>
+                </a:moveTo>
+                <a:lnTo>
+                  <a:pt x="7290218" y="0"/>
+                </a:lnTo>
+                <a:lnTo>
+                  <a:pt x="7290218" y="5242298"/>
+                </a:lnTo>
+                <a:lnTo>
+                  <a:pt x="0" y="5242298"/>
+                </a:lnTo>
+                <a:close/>
+              </a:path>
+            </a:pathLst>
+          </a:custGeom>
+          <a:ln>
+            <a:noFill/>
+          </a:ln>
+        </p:spPr>
+        <p:style>
+          <a:lnRef idx="2">
+            <a:schemeClr val="accent1">
+              <a:shade val="50000"/>
+            </a:schemeClr>
+          </a:lnRef>
+          <a:fillRef idx="1">
+            <a:schemeClr val="accent1"/>
+          </a:fillRef>
+          <a:effectRef idx="0">
+            <a:schemeClr val="accent1"/>
+          </a:effectRef>
+          <a:fontRef idx="minor">
+            <a:schemeClr val="lt1"/>
+          </a:fontRef>
+        </p:style>
+        <p:txBody>
+          <a:bodyPr wrap="square" rtlCol="0" anchor="ctr">
+            <a:noAutofit/>
+          </a:bodyPr>
+          <a:lstStyle/>
+          <a:p>
+            <a:pPr algn="ctr"/>
+            <a:endParaRPr lang="en-US"/>
+          </a:p>
+        </p:txBody>
+      </p:sp>
+      <p:pic>
+        <p:nvPicPr>
+          <p:cNvPr id="10" name="Immagine 9">
+            <a:extLst>
+              <a:ext uri="{FF2B5EF4-FFF2-40B4-BE49-F238E27FC236}">
+                <a16:creationId xmlns:a16="http://schemas.microsoft.com/office/drawing/2014/main" id="{6793A98E-AA65-421C-AE66-8F68B70CC877}"/>
+              </a:ext>
+            </a:extLst>
+          </p:cNvPr>
+          <p:cNvPicPr>
+            <a:picLocks noChangeAspect="1"/>
+          </p:cNvPicPr>
+          <p:nvPr/>
+        </p:nvPicPr>
+        <p:blipFill>
+          <a:blip r:embed="rId2">
+            <a:extLst>
+              <a:ext uri="{28A0092B-C50C-407E-A947-70E740481C1C}">
+                <a14:useLocalDpi xmlns:a14="http://schemas.microsoft.com/office/drawing/2010/main" val="0"/>
+              </a:ext>
+            </a:extLst>
+          </a:blip>
+          <a:stretch>
+            <a:fillRect/>
+          </a:stretch>
+        </p:blipFill>
+        <p:spPr>
+          <a:xfrm>
+            <a:off x="248626" y="1844388"/>
+            <a:ext cx="4013982" cy="2257865"/>
+          </a:xfrm>
+          <a:prstGeom prst="rect">
+            <a:avLst/>
+          </a:prstGeom>
+        </p:spPr>
+      </p:pic>
+      <p:sp>
+        <p:nvSpPr>
+          <p:cNvPr id="2" name="CasellaDiTesto 1">
+            <a:extLst>
+              <a:ext uri="{FF2B5EF4-FFF2-40B4-BE49-F238E27FC236}">
+                <a16:creationId xmlns:a16="http://schemas.microsoft.com/office/drawing/2014/main" id="{47600972-C833-403F-BBC6-40951F8E5AB2}"/>
+              </a:ext>
+            </a:extLst>
+          </p:cNvPr>
+          <p:cNvSpPr txBox="1"/>
+          <p:nvPr/>
+        </p:nvSpPr>
+        <p:spPr>
+          <a:xfrm>
+            <a:off x="346229" y="727969"/>
+            <a:ext cx="4013982" cy="523220"/>
+          </a:xfrm>
+          <a:prstGeom prst="rect">
+            <a:avLst/>
+          </a:prstGeom>
+          <a:noFill/>
+        </p:spPr>
+        <p:txBody>
+          <a:bodyPr wrap="square" rtlCol="0">
+            <a:spAutoFit/>
+          </a:bodyPr>
+          <a:lstStyle/>
+          <a:p>
+            <a:pPr algn="ctr"/>
+            <a:r>
+              <a:rPr lang="it-IT" sz="2800" b="1" dirty="0">
+                <a:solidFill>
+                  <a:schemeClr val="bg1"/>
+                </a:solidFill>
+              </a:rPr>
+              <a:t>Alcuni requisiti</a:t>
+            </a:r>
+          </a:p>
+        </p:txBody>
+      </p:sp>
+      <p:sp>
+        <p:nvSpPr>
+          <p:cNvPr id="3" name="CasellaDiTesto 2">
+            <a:extLst>
+              <a:ext uri="{FF2B5EF4-FFF2-40B4-BE49-F238E27FC236}">
+                <a16:creationId xmlns:a16="http://schemas.microsoft.com/office/drawing/2014/main" id="{61DED8FD-E6E6-4C7D-8B34-D72D03582F8F}"/>
+              </a:ext>
+            </a:extLst>
+          </p:cNvPr>
+          <p:cNvSpPr txBox="1"/>
+          <p:nvPr/>
+        </p:nvSpPr>
+        <p:spPr>
+          <a:xfrm>
+            <a:off x="5625492" y="1951672"/>
+            <a:ext cx="5790279" cy="2954655"/>
+          </a:xfrm>
+          <a:prstGeom prst="rect">
+            <a:avLst/>
+          </a:prstGeom>
+          <a:noFill/>
+        </p:spPr>
+        <p:txBody>
+          <a:bodyPr wrap="square" rtlCol="0">
+            <a:spAutoFit/>
+          </a:bodyPr>
+          <a:lstStyle/>
+          <a:p>
+            <a:r>
+              <a:rPr lang="it-IT" sz="2400" b="1" dirty="0">
+                <a:solidFill>
+                  <a:schemeClr val="bg1"/>
+                </a:solidFill>
+              </a:rPr>
+              <a:t>• RNF-U1: Il sistema deve essere facile da apprendere ed intuitivo da utilizzare</a:t>
+            </a:r>
+          </a:p>
+          <a:p>
+            <a:r>
+              <a:rPr lang="it-IT" sz="2400" b="1" dirty="0">
+                <a:solidFill>
+                  <a:schemeClr val="bg1"/>
+                </a:solidFill>
+              </a:rPr>
+              <a:t>senza necessariamente consultare la documentazione</a:t>
+            </a:r>
+          </a:p>
+          <a:p>
+            <a:endParaRPr lang="it-IT" sz="2400" b="1" dirty="0">
+              <a:solidFill>
+                <a:schemeClr val="bg1"/>
+              </a:solidFill>
+            </a:endParaRPr>
+          </a:p>
+          <a:p>
+            <a:r>
+              <a:rPr lang="it-IT" sz="2400" b="1" dirty="0">
+                <a:solidFill>
+                  <a:schemeClr val="bg1"/>
+                </a:solidFill>
+              </a:rPr>
+              <a:t>• RNF-U2: Il sistema deve essere accessibile sia da dispositivi desktop che mobile</a:t>
+            </a:r>
+          </a:p>
+          <a:p>
+            <a:endParaRPr lang="it-IT" dirty="0"/>
+          </a:p>
+        </p:txBody>
+      </p:sp>
+    </p:spTree>
+    <p:extLst>
+      <p:ext uri="{BB962C8B-B14F-4D97-AF65-F5344CB8AC3E}">
+        <p14:creationId xmlns:p14="http://schemas.microsoft.com/office/powerpoint/2010/main" val="1700135131"/>
+      </p:ext>
+    </p:extLst>
+  </p:cSld>
+  <p:clrMapOvr>
+    <a:masterClrMapping/>
+  </p:clrMapOvr>
+</p:sld>
+</file>
+
+<file path=ppt/slides/slide7.xml><?xml version="1.0" encoding="utf-8"?>
+<p:sld xmlns:a="http://schemas.openxmlformats.org/drawingml/2006/main" xmlns:r="http://schemas.openxmlformats.org/officeDocument/2006/relationships" xmlns:p="http://schemas.openxmlformats.org/presentationml/2006/main">
+  <p:cSld>
+    <p:bg>
+      <p:bgPr>
+        <a:solidFill>
+          <a:schemeClr val="bg1"/>
+        </a:solidFill>
+        <a:effectLst/>
+      </p:bgPr>
+    </p:bg>
+    <p:spTree>
+      <p:nvGrpSpPr>
+        <p:cNvPr id="1" name=""/>
+        <p:cNvGrpSpPr/>
+        <p:nvPr/>
+      </p:nvGrpSpPr>
+      <p:grpSpPr>
+        <a:xfrm>
+          <a:off x="0" y="0"/>
+          <a:ext cx="0" cy="0"/>
+          <a:chOff x="0" y="0"/>
+          <a:chExt cx="0" cy="0"/>
+        </a:xfrm>
+      </p:grpSpPr>
+      <p:sp useBgFill="1">
+        <p:nvSpPr>
           <p:cNvPr id="10" name="Rectangle 9">
             <a:extLst>
               <a:ext uri="{FF2B5EF4-FFF2-40B4-BE49-F238E27FC236}">
@@ -14183,7 +15408,7 @@
 </p:sld>
 </file>
 
-<file path=ppt/slides/slide6.xml><?xml version="1.0" encoding="utf-8"?>
+<file path=ppt/slides/slide8.xml><?xml version="1.0" encoding="utf-8"?>
 <p:sld xmlns:a="http://schemas.openxmlformats.org/drawingml/2006/main" xmlns:r="http://schemas.openxmlformats.org/officeDocument/2006/relationships" xmlns:p="http://schemas.openxmlformats.org/presentationml/2006/main">
   <p:cSld>
     <p:bg>
@@ -15272,1260 +16497,6 @@
 </p:sld>
 </file>
 
-<file path=ppt/slides/slide7.xml><?xml version="1.0" encoding="utf-8"?>
-<p:sld xmlns:a="http://schemas.openxmlformats.org/drawingml/2006/main" xmlns:r="http://schemas.openxmlformats.org/officeDocument/2006/relationships" xmlns:p="http://schemas.openxmlformats.org/presentationml/2006/main">
-  <p:cSld>
-    <p:bg>
-      <p:bgPr>
-        <a:solidFill>
-          <a:schemeClr val="bg1"/>
-        </a:solidFill>
-        <a:effectLst/>
-      </p:bgPr>
-    </p:bg>
-    <p:spTree>
-      <p:nvGrpSpPr>
-        <p:cNvPr id="1" name=""/>
-        <p:cNvGrpSpPr/>
-        <p:nvPr/>
-      </p:nvGrpSpPr>
-      <p:grpSpPr>
-        <a:xfrm>
-          <a:off x="0" y="0"/>
-          <a:ext cx="0" cy="0"/>
-          <a:chOff x="0" y="0"/>
-          <a:chExt cx="0" cy="0"/>
-        </a:xfrm>
-      </p:grpSpPr>
-      <p:sp useBgFill="1">
-        <p:nvSpPr>
-          <p:cNvPr id="10" name="Rectangle 9">
-            <a:extLst>
-              <a:ext uri="{FF2B5EF4-FFF2-40B4-BE49-F238E27FC236}">
-                <a16:creationId xmlns:a16="http://schemas.microsoft.com/office/drawing/2014/main" id="{A169D286-F4D7-4C8B-A6BD-D05384C7F1D8}"/>
-              </a:ext>
-              <a:ext uri="{C183D7F6-B498-43B3-948B-1728B52AA6E4}">
-                <adec:decorative xmlns:adec="http://schemas.microsoft.com/office/drawing/2017/decorative" val="1"/>
-              </a:ext>
-            </a:extLst>
-          </p:cNvPr>
-          <p:cNvSpPr>
-            <a:spLocks noGrp="1" noRot="1" noChangeAspect="1" noMove="1" noResize="1" noEditPoints="1" noAdjustHandles="1" noChangeArrowheads="1" noChangeShapeType="1" noTextEdit="1"/>
-          </p:cNvSpPr>
-          <p:nvPr>
-            <p:extLst>
-              <p:ext uri="{386F3935-93C4-4BCD-93E2-E3B085C9AB24}">
-                <p16:designElem xmlns:p16="http://schemas.microsoft.com/office/powerpoint/2015/main" val="1"/>
-              </p:ext>
-            </p:extLst>
-          </p:nvPr>
-        </p:nvSpPr>
-        <p:spPr>
-          <a:xfrm>
-            <a:off x="0" y="0"/>
-            <a:ext cx="12188952" cy="6858000"/>
-          </a:xfrm>
-          <a:prstGeom prst="rect">
-            <a:avLst/>
-          </a:prstGeom>
-          <a:ln>
-            <a:noFill/>
-          </a:ln>
-        </p:spPr>
-        <p:style>
-          <a:lnRef idx="2">
-            <a:schemeClr val="accent1">
-              <a:shade val="50000"/>
-            </a:schemeClr>
-          </a:lnRef>
-          <a:fillRef idx="1">
-            <a:schemeClr val="accent1"/>
-          </a:fillRef>
-          <a:effectRef idx="0">
-            <a:schemeClr val="accent1"/>
-          </a:effectRef>
-          <a:fontRef idx="minor">
-            <a:schemeClr val="lt1"/>
-          </a:fontRef>
-        </p:style>
-        <p:txBody>
-          <a:bodyPr rtlCol="0" anchor="ctr"/>
-          <a:lstStyle/>
-          <a:p>
-            <a:pPr algn="ctr"/>
-            <a:endParaRPr lang="en-US"/>
-          </a:p>
-        </p:txBody>
-      </p:sp>
-      <p:sp>
-        <p:nvSpPr>
-          <p:cNvPr id="12" name="Freeform 6">
-            <a:extLst>
-              <a:ext uri="{FF2B5EF4-FFF2-40B4-BE49-F238E27FC236}">
-                <a16:creationId xmlns:a16="http://schemas.microsoft.com/office/drawing/2014/main" id="{39E8235E-135E-4261-8F54-2B316E493C42}"/>
-              </a:ext>
-              <a:ext uri="{C183D7F6-B498-43B3-948B-1728B52AA6E4}">
-                <adec:decorative xmlns:adec="http://schemas.microsoft.com/office/drawing/2017/decorative" val="1"/>
-              </a:ext>
-            </a:extLst>
-          </p:cNvPr>
-          <p:cNvSpPr>
-            <a:spLocks noGrp="1" noRot="1" noChangeAspect="1" noMove="1" noResize="1" noEditPoints="1" noAdjustHandles="1" noChangeArrowheads="1" noChangeShapeType="1" noTextEdit="1"/>
-          </p:cNvSpPr>
-          <p:nvPr>
-            <p:extLst>
-              <p:ext uri="{386F3935-93C4-4BCD-93E2-E3B085C9AB24}">
-                <p16:designElem xmlns:p16="http://schemas.microsoft.com/office/powerpoint/2015/main" val="1"/>
-              </p:ext>
-            </p:extLst>
-          </p:nvPr>
-        </p:nvSpPr>
-        <p:spPr bwMode="auto">
-          <a:xfrm>
-            <a:off x="4142164" y="610728"/>
-            <a:ext cx="759618" cy="5710965"/>
-          </a:xfrm>
-          <a:custGeom>
-            <a:avLst/>
-            <a:gdLst>
-              <a:gd name="T0" fmla="*/ 414 w 414"/>
-              <a:gd name="T1" fmla="*/ 2447 h 2447"/>
-              <a:gd name="T2" fmla="*/ 0 w 414"/>
-              <a:gd name="T3" fmla="*/ 2247 h 2447"/>
-              <a:gd name="T4" fmla="*/ 0 w 414"/>
-              <a:gd name="T5" fmla="*/ 0 h 2447"/>
-              <a:gd name="T6" fmla="*/ 414 w 414"/>
-              <a:gd name="T7" fmla="*/ 200 h 2447"/>
-              <a:gd name="T8" fmla="*/ 414 w 414"/>
-              <a:gd name="T9" fmla="*/ 2447 h 2447"/>
-            </a:gdLst>
-            <a:ahLst/>
-            <a:cxnLst>
-              <a:cxn ang="0">
-                <a:pos x="T0" y="T1"/>
-              </a:cxn>
-              <a:cxn ang="0">
-                <a:pos x="T2" y="T3"/>
-              </a:cxn>
-              <a:cxn ang="0">
-                <a:pos x="T4" y="T5"/>
-              </a:cxn>
-              <a:cxn ang="0">
-                <a:pos x="T6" y="T7"/>
-              </a:cxn>
-              <a:cxn ang="0">
-                <a:pos x="T8" y="T9"/>
-              </a:cxn>
-            </a:cxnLst>
-            <a:rect l="0" t="0" r="r" b="b"/>
-            <a:pathLst>
-              <a:path w="414" h="2447">
-                <a:moveTo>
-                  <a:pt x="414" y="2447"/>
-                </a:moveTo>
-                <a:lnTo>
-                  <a:pt x="0" y="2247"/>
-                </a:lnTo>
-                <a:lnTo>
-                  <a:pt x="0" y="0"/>
-                </a:lnTo>
-                <a:lnTo>
-                  <a:pt x="414" y="200"/>
-                </a:lnTo>
-                <a:lnTo>
-                  <a:pt x="414" y="2447"/>
-                </a:lnTo>
-                <a:close/>
-              </a:path>
-            </a:pathLst>
-          </a:custGeom>
-          <a:solidFill>
-            <a:schemeClr val="accent1">
-              <a:lumMod val="75000"/>
-            </a:schemeClr>
-          </a:solidFill>
-          <a:ln>
-            <a:noFill/>
-          </a:ln>
-        </p:spPr>
-        <p:txBody>
-          <a:bodyPr vert="horz" wrap="square" lIns="91440" tIns="45720" rIns="91440" bIns="45720" numCol="1" anchor="t" anchorCtr="0" compatLnSpc="1">
-            <a:prstTxWarp prst="textNoShape">
-              <a:avLst/>
-            </a:prstTxWarp>
-          </a:bodyPr>
-          <a:lstStyle/>
-          <a:p>
-            <a:endParaRPr lang="en-US"/>
-          </a:p>
-        </p:txBody>
-      </p:sp>
-      <p:sp>
-        <p:nvSpPr>
-          <p:cNvPr id="14" name="Freeform 7">
-            <a:extLst>
-              <a:ext uri="{FF2B5EF4-FFF2-40B4-BE49-F238E27FC236}">
-                <a16:creationId xmlns:a16="http://schemas.microsoft.com/office/drawing/2014/main" id="{D4ED8EC3-4D57-4620-93CE-4E6661F09A3E}"/>
-              </a:ext>
-              <a:ext uri="{C183D7F6-B498-43B3-948B-1728B52AA6E4}">
-                <adec:decorative xmlns:adec="http://schemas.microsoft.com/office/drawing/2017/decorative" val="1"/>
-              </a:ext>
-            </a:extLst>
-          </p:cNvPr>
-          <p:cNvSpPr>
-            <a:spLocks noGrp="1" noRot="1" noChangeAspect="1" noMove="1" noResize="1" noEditPoints="1" noAdjustHandles="1" noChangeArrowheads="1" noChangeShapeType="1" noTextEdit="1"/>
-          </p:cNvSpPr>
-          <p:nvPr>
-            <p:extLst>
-              <p:ext uri="{386F3935-93C4-4BCD-93E2-E3B085C9AB24}">
-                <p16:designElem xmlns:p16="http://schemas.microsoft.com/office/powerpoint/2015/main" val="1"/>
-              </p:ext>
-            </p:extLst>
-          </p:nvPr>
-        </p:nvSpPr>
-        <p:spPr bwMode="auto">
-          <a:xfrm>
-            <a:off x="4144437" y="343079"/>
-            <a:ext cx="482654" cy="5521414"/>
-          </a:xfrm>
-          <a:custGeom>
-            <a:avLst/>
-            <a:gdLst>
-              <a:gd name="T0" fmla="*/ 209 w 209"/>
-              <a:gd name="T1" fmla="*/ 2246 h 2358"/>
-              <a:gd name="T2" fmla="*/ 0 w 209"/>
-              <a:gd name="T3" fmla="*/ 2358 h 2358"/>
-              <a:gd name="T4" fmla="*/ 0 w 209"/>
-              <a:gd name="T5" fmla="*/ 111 h 2358"/>
-              <a:gd name="T6" fmla="*/ 209 w 209"/>
-              <a:gd name="T7" fmla="*/ 0 h 2358"/>
-              <a:gd name="T8" fmla="*/ 209 w 209"/>
-              <a:gd name="T9" fmla="*/ 2246 h 2358"/>
-            </a:gdLst>
-            <a:ahLst/>
-            <a:cxnLst>
-              <a:cxn ang="0">
-                <a:pos x="T0" y="T1"/>
-              </a:cxn>
-              <a:cxn ang="0">
-                <a:pos x="T2" y="T3"/>
-              </a:cxn>
-              <a:cxn ang="0">
-                <a:pos x="T4" y="T5"/>
-              </a:cxn>
-              <a:cxn ang="0">
-                <a:pos x="T6" y="T7"/>
-              </a:cxn>
-              <a:cxn ang="0">
-                <a:pos x="T8" y="T9"/>
-              </a:cxn>
-            </a:cxnLst>
-            <a:rect l="0" t="0" r="r" b="b"/>
-            <a:pathLst>
-              <a:path w="209" h="2358">
-                <a:moveTo>
-                  <a:pt x="209" y="2246"/>
-                </a:moveTo>
-                <a:lnTo>
-                  <a:pt x="0" y="2358"/>
-                </a:lnTo>
-                <a:lnTo>
-                  <a:pt x="0" y="111"/>
-                </a:lnTo>
-                <a:lnTo>
-                  <a:pt x="209" y="0"/>
-                </a:lnTo>
-                <a:lnTo>
-                  <a:pt x="209" y="2246"/>
-                </a:lnTo>
-                <a:close/>
-              </a:path>
-            </a:pathLst>
-          </a:custGeom>
-          <a:solidFill>
-            <a:schemeClr val="accent1">
-              <a:lumMod val="50000"/>
-            </a:schemeClr>
-          </a:solidFill>
-          <a:ln>
-            <a:noFill/>
-          </a:ln>
-        </p:spPr>
-        <p:txBody>
-          <a:bodyPr vert="horz" wrap="square" lIns="91440" tIns="45720" rIns="91440" bIns="45720" numCol="1" anchor="t" anchorCtr="0" compatLnSpc="1">
-            <a:prstTxWarp prst="textNoShape">
-              <a:avLst/>
-            </a:prstTxWarp>
-          </a:bodyPr>
-          <a:lstStyle/>
-          <a:p>
-            <a:endParaRPr lang="en-US"/>
-          </a:p>
-        </p:txBody>
-      </p:sp>
-      <p:sp>
-        <p:nvSpPr>
-          <p:cNvPr id="16" name="Freeform: Shape 15">
-            <a:extLst>
-              <a:ext uri="{FF2B5EF4-FFF2-40B4-BE49-F238E27FC236}">
-                <a16:creationId xmlns:a16="http://schemas.microsoft.com/office/drawing/2014/main" id="{83BCB34A-2F40-4F41-8488-A134C1C155B7}"/>
-              </a:ext>
-              <a:ext uri="{C183D7F6-B498-43B3-948B-1728B52AA6E4}">
-                <adec:decorative xmlns:adec="http://schemas.microsoft.com/office/drawing/2017/decorative" val="1"/>
-              </a:ext>
-            </a:extLst>
-          </p:cNvPr>
-          <p:cNvSpPr>
-            <a:spLocks noGrp="1" noRot="1" noChangeAspect="1" noMove="1" noResize="1" noEditPoints="1" noAdjustHandles="1" noChangeArrowheads="1" noChangeShapeType="1" noTextEdit="1"/>
-          </p:cNvSpPr>
-          <p:nvPr>
-            <p:extLst>
-              <p:ext uri="{386F3935-93C4-4BCD-93E2-E3B085C9AB24}">
-                <p16:designElem xmlns:p16="http://schemas.microsoft.com/office/powerpoint/2015/main" val="1"/>
-              </p:ext>
-            </p:extLst>
-          </p:nvPr>
-        </p:nvSpPr>
-        <p:spPr>
-          <a:xfrm>
-            <a:off x="-3045" y="340424"/>
-            <a:ext cx="4630139" cy="5265795"/>
-          </a:xfrm>
-          <a:custGeom>
-            <a:avLst/>
-            <a:gdLst>
-              <a:gd name="connsiteX0" fmla="*/ 0 w 4630139"/>
-              <a:gd name="connsiteY0" fmla="*/ 0 h 5265795"/>
-              <a:gd name="connsiteX1" fmla="*/ 4630139 w 4630139"/>
-              <a:gd name="connsiteY1" fmla="*/ 0 h 5265795"/>
-              <a:gd name="connsiteX2" fmla="*/ 4630139 w 4630139"/>
-              <a:gd name="connsiteY2" fmla="*/ 5265795 h 5265795"/>
-              <a:gd name="connsiteX3" fmla="*/ 0 w 4630139"/>
-              <a:gd name="connsiteY3" fmla="*/ 5265795 h 5265795"/>
-            </a:gdLst>
-            <a:ahLst/>
-            <a:cxnLst>
-              <a:cxn ang="0">
-                <a:pos x="connsiteX0" y="connsiteY0"/>
-              </a:cxn>
-              <a:cxn ang="0">
-                <a:pos x="connsiteX1" y="connsiteY1"/>
-              </a:cxn>
-              <a:cxn ang="0">
-                <a:pos x="connsiteX2" y="connsiteY2"/>
-              </a:cxn>
-              <a:cxn ang="0">
-                <a:pos x="connsiteX3" y="connsiteY3"/>
-              </a:cxn>
-            </a:cxnLst>
-            <a:rect l="l" t="t" r="r" b="b"/>
-            <a:pathLst>
-              <a:path w="4630139" h="5265795">
-                <a:moveTo>
-                  <a:pt x="0" y="0"/>
-                </a:moveTo>
-                <a:lnTo>
-                  <a:pt x="4630139" y="0"/>
-                </a:lnTo>
-                <a:lnTo>
-                  <a:pt x="4630139" y="5265795"/>
-                </a:lnTo>
-                <a:lnTo>
-                  <a:pt x="0" y="5265795"/>
-                </a:lnTo>
-                <a:close/>
-              </a:path>
-            </a:pathLst>
-          </a:custGeom>
-          <a:ln>
-            <a:noFill/>
-          </a:ln>
-        </p:spPr>
-        <p:style>
-          <a:lnRef idx="2">
-            <a:schemeClr val="accent1">
-              <a:shade val="50000"/>
-            </a:schemeClr>
-          </a:lnRef>
-          <a:fillRef idx="1">
-            <a:schemeClr val="accent1"/>
-          </a:fillRef>
-          <a:effectRef idx="0">
-            <a:schemeClr val="accent1"/>
-          </a:effectRef>
-          <a:fontRef idx="minor">
-            <a:schemeClr val="lt1"/>
-          </a:fontRef>
-        </p:style>
-        <p:txBody>
-          <a:bodyPr wrap="square" rtlCol="0" anchor="ctr">
-            <a:noAutofit/>
-          </a:bodyPr>
-          <a:lstStyle/>
-          <a:p>
-            <a:pPr algn="ctr"/>
-            <a:endParaRPr lang="en-US"/>
-          </a:p>
-        </p:txBody>
-      </p:sp>
-      <p:sp>
-        <p:nvSpPr>
-          <p:cNvPr id="18" name="Freeform: Shape 17">
-            <a:extLst>
-              <a:ext uri="{FF2B5EF4-FFF2-40B4-BE49-F238E27FC236}">
-                <a16:creationId xmlns:a16="http://schemas.microsoft.com/office/drawing/2014/main" id="{F78382DC-4207-465E-B379-1E16448AA222}"/>
-              </a:ext>
-              <a:ext uri="{C183D7F6-B498-43B3-948B-1728B52AA6E4}">
-                <adec:decorative xmlns:adec="http://schemas.microsoft.com/office/drawing/2017/decorative" val="1"/>
-              </a:ext>
-            </a:extLst>
-          </p:cNvPr>
-          <p:cNvSpPr>
-            <a:spLocks noGrp="1" noRot="1" noChangeAspect="1" noMove="1" noResize="1" noEditPoints="1" noAdjustHandles="1" noChangeArrowheads="1" noChangeShapeType="1" noTextEdit="1"/>
-          </p:cNvSpPr>
-          <p:nvPr>
-            <p:extLst>
-              <p:ext uri="{386F3935-93C4-4BCD-93E2-E3B085C9AB24}">
-                <p16:designElem xmlns:p16="http://schemas.microsoft.com/office/powerpoint/2015/main" val="1"/>
-              </p:ext>
-            </p:extLst>
-          </p:nvPr>
-        </p:nvSpPr>
-        <p:spPr>
-          <a:xfrm>
-            <a:off x="4901780" y="1071563"/>
-            <a:ext cx="7290218" cy="5242298"/>
-          </a:xfrm>
-          <a:custGeom>
-            <a:avLst/>
-            <a:gdLst>
-              <a:gd name="connsiteX0" fmla="*/ 0 w 7290218"/>
-              <a:gd name="connsiteY0" fmla="*/ 0 h 5242298"/>
-              <a:gd name="connsiteX1" fmla="*/ 7290218 w 7290218"/>
-              <a:gd name="connsiteY1" fmla="*/ 0 h 5242298"/>
-              <a:gd name="connsiteX2" fmla="*/ 7290218 w 7290218"/>
-              <a:gd name="connsiteY2" fmla="*/ 5242298 h 5242298"/>
-              <a:gd name="connsiteX3" fmla="*/ 0 w 7290218"/>
-              <a:gd name="connsiteY3" fmla="*/ 5242298 h 5242298"/>
-            </a:gdLst>
-            <a:ahLst/>
-            <a:cxnLst>
-              <a:cxn ang="0">
-                <a:pos x="connsiteX0" y="connsiteY0"/>
-              </a:cxn>
-              <a:cxn ang="0">
-                <a:pos x="connsiteX1" y="connsiteY1"/>
-              </a:cxn>
-              <a:cxn ang="0">
-                <a:pos x="connsiteX2" y="connsiteY2"/>
-              </a:cxn>
-              <a:cxn ang="0">
-                <a:pos x="connsiteX3" y="connsiteY3"/>
-              </a:cxn>
-            </a:cxnLst>
-            <a:rect l="l" t="t" r="r" b="b"/>
-            <a:pathLst>
-              <a:path w="7290218" h="5242298">
-                <a:moveTo>
-                  <a:pt x="0" y="0"/>
-                </a:moveTo>
-                <a:lnTo>
-                  <a:pt x="7290218" y="0"/>
-                </a:lnTo>
-                <a:lnTo>
-                  <a:pt x="7290218" y="5242298"/>
-                </a:lnTo>
-                <a:lnTo>
-                  <a:pt x="0" y="5242298"/>
-                </a:lnTo>
-                <a:close/>
-              </a:path>
-            </a:pathLst>
-          </a:custGeom>
-          <a:ln>
-            <a:noFill/>
-          </a:ln>
-        </p:spPr>
-        <p:style>
-          <a:lnRef idx="2">
-            <a:schemeClr val="accent1">
-              <a:shade val="50000"/>
-            </a:schemeClr>
-          </a:lnRef>
-          <a:fillRef idx="1">
-            <a:schemeClr val="accent1"/>
-          </a:fillRef>
-          <a:effectRef idx="0">
-            <a:schemeClr val="accent1"/>
-          </a:effectRef>
-          <a:fontRef idx="minor">
-            <a:schemeClr val="lt1"/>
-          </a:fontRef>
-        </p:style>
-        <p:txBody>
-          <a:bodyPr wrap="square" rtlCol="0" anchor="ctr">
-            <a:noAutofit/>
-          </a:bodyPr>
-          <a:lstStyle/>
-          <a:p>
-            <a:pPr algn="ctr"/>
-            <a:endParaRPr lang="en-US"/>
-          </a:p>
-        </p:txBody>
-      </p:sp>
-      <p:pic>
-        <p:nvPicPr>
-          <p:cNvPr id="6" name="Immagine 5">
-            <a:extLst>
-              <a:ext uri="{FF2B5EF4-FFF2-40B4-BE49-F238E27FC236}">
-                <a16:creationId xmlns:a16="http://schemas.microsoft.com/office/drawing/2014/main" id="{319EA13C-A6AF-4154-806E-8ACB28521B7A}"/>
-              </a:ext>
-            </a:extLst>
-          </p:cNvPr>
-          <p:cNvPicPr>
-            <a:picLocks noChangeAspect="1"/>
-          </p:cNvPicPr>
-          <p:nvPr/>
-        </p:nvPicPr>
-        <p:blipFill>
-          <a:blip r:embed="rId2">
-            <a:extLst>
-              <a:ext uri="{28A0092B-C50C-407E-A947-70E740481C1C}">
-                <a14:useLocalDpi xmlns:a14="http://schemas.microsoft.com/office/drawing/2010/main" val="0"/>
-              </a:ext>
-            </a:extLst>
-          </a:blip>
-          <a:stretch>
-            <a:fillRect/>
-          </a:stretch>
-        </p:blipFill>
-        <p:spPr>
-          <a:xfrm>
-            <a:off x="1804432" y="4165599"/>
-            <a:ext cx="2792123" cy="1570569"/>
-          </a:xfrm>
-          <a:prstGeom prst="rect">
-            <a:avLst/>
-          </a:prstGeom>
-        </p:spPr>
-      </p:pic>
-      <p:sp>
-        <p:nvSpPr>
-          <p:cNvPr id="7" name="CasellaDiTesto 6">
-            <a:extLst>
-              <a:ext uri="{FF2B5EF4-FFF2-40B4-BE49-F238E27FC236}">
-                <a16:creationId xmlns:a16="http://schemas.microsoft.com/office/drawing/2014/main" id="{777A3FD9-3801-41F7-8DD1-4AF4E3125BFE}"/>
-              </a:ext>
-            </a:extLst>
-          </p:cNvPr>
-          <p:cNvSpPr txBox="1"/>
-          <p:nvPr/>
-        </p:nvSpPr>
-        <p:spPr>
-          <a:xfrm>
-            <a:off x="3048" y="705138"/>
-            <a:ext cx="4627091" cy="830997"/>
-          </a:xfrm>
-          <a:prstGeom prst="rect">
-            <a:avLst/>
-          </a:prstGeom>
-          <a:noFill/>
-        </p:spPr>
-        <p:txBody>
-          <a:bodyPr wrap="square" rtlCol="0">
-            <a:spAutoFit/>
-          </a:bodyPr>
-          <a:lstStyle/>
-          <a:p>
-            <a:r>
-              <a:rPr lang="it-IT" sz="2400" dirty="0">
-                <a:solidFill>
-                  <a:schemeClr val="bg1"/>
-                </a:solidFill>
-              </a:rPr>
-              <a:t>Per andare più nello specifico ci rifacciamo allo Use Case</a:t>
-            </a:r>
-            <a:endParaRPr lang="it-IT" sz="2000" dirty="0">
-              <a:solidFill>
-                <a:schemeClr val="bg1"/>
-              </a:solidFill>
-            </a:endParaRPr>
-          </a:p>
-        </p:txBody>
-      </p:sp>
-      <p:pic>
-        <p:nvPicPr>
-          <p:cNvPr id="11" name="Immagine 10">
-            <a:extLst>
-              <a:ext uri="{FF2B5EF4-FFF2-40B4-BE49-F238E27FC236}">
-                <a16:creationId xmlns:a16="http://schemas.microsoft.com/office/drawing/2014/main" id="{04CA39F9-73A7-411E-A358-DCC8B1801154}"/>
-              </a:ext>
-            </a:extLst>
-          </p:cNvPr>
-          <p:cNvPicPr>
-            <a:picLocks noChangeAspect="1"/>
-          </p:cNvPicPr>
-          <p:nvPr/>
-        </p:nvPicPr>
-        <p:blipFill>
-          <a:blip r:embed="rId3">
-            <a:extLst>
-              <a:ext uri="{28A0092B-C50C-407E-A947-70E740481C1C}">
-                <a14:useLocalDpi xmlns:a14="http://schemas.microsoft.com/office/drawing/2010/main" val="0"/>
-              </a:ext>
-            </a:extLst>
-          </a:blip>
-          <a:stretch>
-            <a:fillRect/>
-          </a:stretch>
-        </p:blipFill>
-        <p:spPr>
-          <a:xfrm>
-            <a:off x="6362093" y="1366225"/>
-            <a:ext cx="4366548" cy="4498268"/>
-          </a:xfrm>
-          <a:prstGeom prst="rect">
-            <a:avLst/>
-          </a:prstGeom>
-        </p:spPr>
-      </p:pic>
-    </p:spTree>
-    <p:extLst>
-      <p:ext uri="{BB962C8B-B14F-4D97-AF65-F5344CB8AC3E}">
-        <p14:creationId xmlns:p14="http://schemas.microsoft.com/office/powerpoint/2010/main" val="2251447104"/>
-      </p:ext>
-    </p:extLst>
-  </p:cSld>
-  <p:clrMapOvr>
-    <a:masterClrMapping/>
-  </p:clrMapOvr>
-</p:sld>
-</file>
-
-<file path=ppt/slides/slide8.xml><?xml version="1.0" encoding="utf-8"?>
-<p:sld xmlns:a="http://schemas.openxmlformats.org/drawingml/2006/main" xmlns:r="http://schemas.openxmlformats.org/officeDocument/2006/relationships" xmlns:p="http://schemas.openxmlformats.org/presentationml/2006/main">
-  <p:cSld>
-    <p:bg>
-      <p:bgPr>
-        <a:solidFill>
-          <a:schemeClr val="bg1"/>
-        </a:solidFill>
-        <a:effectLst/>
-      </p:bgPr>
-    </p:bg>
-    <p:spTree>
-      <p:nvGrpSpPr>
-        <p:cNvPr id="1" name=""/>
-        <p:cNvGrpSpPr/>
-        <p:nvPr/>
-      </p:nvGrpSpPr>
-      <p:grpSpPr>
-        <a:xfrm>
-          <a:off x="0" y="0"/>
-          <a:ext cx="0" cy="0"/>
-          <a:chOff x="0" y="0"/>
-          <a:chExt cx="0" cy="0"/>
-        </a:xfrm>
-      </p:grpSpPr>
-      <p:sp useBgFill="1">
-        <p:nvSpPr>
-          <p:cNvPr id="10" name="Rectangle 9">
-            <a:extLst>
-              <a:ext uri="{FF2B5EF4-FFF2-40B4-BE49-F238E27FC236}">
-                <a16:creationId xmlns:a16="http://schemas.microsoft.com/office/drawing/2014/main" id="{A169D286-F4D7-4C8B-A6BD-D05384C7F1D8}"/>
-              </a:ext>
-              <a:ext uri="{C183D7F6-B498-43B3-948B-1728B52AA6E4}">
-                <adec:decorative xmlns:adec="http://schemas.microsoft.com/office/drawing/2017/decorative" val="1"/>
-              </a:ext>
-            </a:extLst>
-          </p:cNvPr>
-          <p:cNvSpPr>
-            <a:spLocks noGrp="1" noRot="1" noChangeAspect="1" noMove="1" noResize="1" noEditPoints="1" noAdjustHandles="1" noChangeArrowheads="1" noChangeShapeType="1" noTextEdit="1"/>
-          </p:cNvSpPr>
-          <p:nvPr>
-            <p:extLst>
-              <p:ext uri="{386F3935-93C4-4BCD-93E2-E3B085C9AB24}">
-                <p16:designElem xmlns:p16="http://schemas.microsoft.com/office/powerpoint/2015/main" val="1"/>
-              </p:ext>
-            </p:extLst>
-          </p:nvPr>
-        </p:nvSpPr>
-        <p:spPr>
-          <a:xfrm>
-            <a:off x="0" y="0"/>
-            <a:ext cx="12188952" cy="6858000"/>
-          </a:xfrm>
-          <a:prstGeom prst="rect">
-            <a:avLst/>
-          </a:prstGeom>
-          <a:ln>
-            <a:noFill/>
-          </a:ln>
-        </p:spPr>
-        <p:style>
-          <a:lnRef idx="2">
-            <a:schemeClr val="accent1">
-              <a:shade val="50000"/>
-            </a:schemeClr>
-          </a:lnRef>
-          <a:fillRef idx="1">
-            <a:schemeClr val="accent1"/>
-          </a:fillRef>
-          <a:effectRef idx="0">
-            <a:schemeClr val="accent1"/>
-          </a:effectRef>
-          <a:fontRef idx="minor">
-            <a:schemeClr val="lt1"/>
-          </a:fontRef>
-        </p:style>
-        <p:txBody>
-          <a:bodyPr rtlCol="0" anchor="ctr"/>
-          <a:lstStyle/>
-          <a:p>
-            <a:pPr algn="ctr"/>
-            <a:endParaRPr lang="en-US"/>
-          </a:p>
-        </p:txBody>
-      </p:sp>
-      <p:sp>
-        <p:nvSpPr>
-          <p:cNvPr id="12" name="Freeform 6">
-            <a:extLst>
-              <a:ext uri="{FF2B5EF4-FFF2-40B4-BE49-F238E27FC236}">
-                <a16:creationId xmlns:a16="http://schemas.microsoft.com/office/drawing/2014/main" id="{39E8235E-135E-4261-8F54-2B316E493C42}"/>
-              </a:ext>
-              <a:ext uri="{C183D7F6-B498-43B3-948B-1728B52AA6E4}">
-                <adec:decorative xmlns:adec="http://schemas.microsoft.com/office/drawing/2017/decorative" val="1"/>
-              </a:ext>
-            </a:extLst>
-          </p:cNvPr>
-          <p:cNvSpPr>
-            <a:spLocks noGrp="1" noRot="1" noChangeAspect="1" noMove="1" noResize="1" noEditPoints="1" noAdjustHandles="1" noChangeArrowheads="1" noChangeShapeType="1" noTextEdit="1"/>
-          </p:cNvSpPr>
-          <p:nvPr>
-            <p:extLst>
-              <p:ext uri="{386F3935-93C4-4BCD-93E2-E3B085C9AB24}">
-                <p16:designElem xmlns:p16="http://schemas.microsoft.com/office/powerpoint/2015/main" val="1"/>
-              </p:ext>
-            </p:extLst>
-          </p:nvPr>
-        </p:nvSpPr>
-        <p:spPr bwMode="auto">
-          <a:xfrm>
-            <a:off x="4142164" y="610728"/>
-            <a:ext cx="759618" cy="5710965"/>
-          </a:xfrm>
-          <a:custGeom>
-            <a:avLst/>
-            <a:gdLst>
-              <a:gd name="T0" fmla="*/ 414 w 414"/>
-              <a:gd name="T1" fmla="*/ 2447 h 2447"/>
-              <a:gd name="T2" fmla="*/ 0 w 414"/>
-              <a:gd name="T3" fmla="*/ 2247 h 2447"/>
-              <a:gd name="T4" fmla="*/ 0 w 414"/>
-              <a:gd name="T5" fmla="*/ 0 h 2447"/>
-              <a:gd name="T6" fmla="*/ 414 w 414"/>
-              <a:gd name="T7" fmla="*/ 200 h 2447"/>
-              <a:gd name="T8" fmla="*/ 414 w 414"/>
-              <a:gd name="T9" fmla="*/ 2447 h 2447"/>
-            </a:gdLst>
-            <a:ahLst/>
-            <a:cxnLst>
-              <a:cxn ang="0">
-                <a:pos x="T0" y="T1"/>
-              </a:cxn>
-              <a:cxn ang="0">
-                <a:pos x="T2" y="T3"/>
-              </a:cxn>
-              <a:cxn ang="0">
-                <a:pos x="T4" y="T5"/>
-              </a:cxn>
-              <a:cxn ang="0">
-                <a:pos x="T6" y="T7"/>
-              </a:cxn>
-              <a:cxn ang="0">
-                <a:pos x="T8" y="T9"/>
-              </a:cxn>
-            </a:cxnLst>
-            <a:rect l="0" t="0" r="r" b="b"/>
-            <a:pathLst>
-              <a:path w="414" h="2447">
-                <a:moveTo>
-                  <a:pt x="414" y="2447"/>
-                </a:moveTo>
-                <a:lnTo>
-                  <a:pt x="0" y="2247"/>
-                </a:lnTo>
-                <a:lnTo>
-                  <a:pt x="0" y="0"/>
-                </a:lnTo>
-                <a:lnTo>
-                  <a:pt x="414" y="200"/>
-                </a:lnTo>
-                <a:lnTo>
-                  <a:pt x="414" y="2447"/>
-                </a:lnTo>
-                <a:close/>
-              </a:path>
-            </a:pathLst>
-          </a:custGeom>
-          <a:solidFill>
-            <a:schemeClr val="accent1">
-              <a:lumMod val="75000"/>
-            </a:schemeClr>
-          </a:solidFill>
-          <a:ln>
-            <a:noFill/>
-          </a:ln>
-        </p:spPr>
-        <p:txBody>
-          <a:bodyPr vert="horz" wrap="square" lIns="91440" tIns="45720" rIns="91440" bIns="45720" numCol="1" anchor="t" anchorCtr="0" compatLnSpc="1">
-            <a:prstTxWarp prst="textNoShape">
-              <a:avLst/>
-            </a:prstTxWarp>
-          </a:bodyPr>
-          <a:lstStyle/>
-          <a:p>
-            <a:endParaRPr lang="en-US"/>
-          </a:p>
-        </p:txBody>
-      </p:sp>
-      <p:sp>
-        <p:nvSpPr>
-          <p:cNvPr id="14" name="Freeform 7">
-            <a:extLst>
-              <a:ext uri="{FF2B5EF4-FFF2-40B4-BE49-F238E27FC236}">
-                <a16:creationId xmlns:a16="http://schemas.microsoft.com/office/drawing/2014/main" id="{D4ED8EC3-4D57-4620-93CE-4E6661F09A3E}"/>
-              </a:ext>
-              <a:ext uri="{C183D7F6-B498-43B3-948B-1728B52AA6E4}">
-                <adec:decorative xmlns:adec="http://schemas.microsoft.com/office/drawing/2017/decorative" val="1"/>
-              </a:ext>
-            </a:extLst>
-          </p:cNvPr>
-          <p:cNvSpPr>
-            <a:spLocks noGrp="1" noRot="1" noChangeAspect="1" noMove="1" noResize="1" noEditPoints="1" noAdjustHandles="1" noChangeArrowheads="1" noChangeShapeType="1" noTextEdit="1"/>
-          </p:cNvSpPr>
-          <p:nvPr>
-            <p:extLst>
-              <p:ext uri="{386F3935-93C4-4BCD-93E2-E3B085C9AB24}">
-                <p16:designElem xmlns:p16="http://schemas.microsoft.com/office/powerpoint/2015/main" val="1"/>
-              </p:ext>
-            </p:extLst>
-          </p:nvPr>
-        </p:nvSpPr>
-        <p:spPr bwMode="auto">
-          <a:xfrm>
-            <a:off x="4144437" y="343079"/>
-            <a:ext cx="482654" cy="5521414"/>
-          </a:xfrm>
-          <a:custGeom>
-            <a:avLst/>
-            <a:gdLst>
-              <a:gd name="T0" fmla="*/ 209 w 209"/>
-              <a:gd name="T1" fmla="*/ 2246 h 2358"/>
-              <a:gd name="T2" fmla="*/ 0 w 209"/>
-              <a:gd name="T3" fmla="*/ 2358 h 2358"/>
-              <a:gd name="T4" fmla="*/ 0 w 209"/>
-              <a:gd name="T5" fmla="*/ 111 h 2358"/>
-              <a:gd name="T6" fmla="*/ 209 w 209"/>
-              <a:gd name="T7" fmla="*/ 0 h 2358"/>
-              <a:gd name="T8" fmla="*/ 209 w 209"/>
-              <a:gd name="T9" fmla="*/ 2246 h 2358"/>
-            </a:gdLst>
-            <a:ahLst/>
-            <a:cxnLst>
-              <a:cxn ang="0">
-                <a:pos x="T0" y="T1"/>
-              </a:cxn>
-              <a:cxn ang="0">
-                <a:pos x="T2" y="T3"/>
-              </a:cxn>
-              <a:cxn ang="0">
-                <a:pos x="T4" y="T5"/>
-              </a:cxn>
-              <a:cxn ang="0">
-                <a:pos x="T6" y="T7"/>
-              </a:cxn>
-              <a:cxn ang="0">
-                <a:pos x="T8" y="T9"/>
-              </a:cxn>
-            </a:cxnLst>
-            <a:rect l="0" t="0" r="r" b="b"/>
-            <a:pathLst>
-              <a:path w="209" h="2358">
-                <a:moveTo>
-                  <a:pt x="209" y="2246"/>
-                </a:moveTo>
-                <a:lnTo>
-                  <a:pt x="0" y="2358"/>
-                </a:lnTo>
-                <a:lnTo>
-                  <a:pt x="0" y="111"/>
-                </a:lnTo>
-                <a:lnTo>
-                  <a:pt x="209" y="0"/>
-                </a:lnTo>
-                <a:lnTo>
-                  <a:pt x="209" y="2246"/>
-                </a:lnTo>
-                <a:close/>
-              </a:path>
-            </a:pathLst>
-          </a:custGeom>
-          <a:solidFill>
-            <a:schemeClr val="accent1">
-              <a:lumMod val="50000"/>
-            </a:schemeClr>
-          </a:solidFill>
-          <a:ln>
-            <a:noFill/>
-          </a:ln>
-        </p:spPr>
-        <p:txBody>
-          <a:bodyPr vert="horz" wrap="square" lIns="91440" tIns="45720" rIns="91440" bIns="45720" numCol="1" anchor="t" anchorCtr="0" compatLnSpc="1">
-            <a:prstTxWarp prst="textNoShape">
-              <a:avLst/>
-            </a:prstTxWarp>
-          </a:bodyPr>
-          <a:lstStyle/>
-          <a:p>
-            <a:endParaRPr lang="en-US"/>
-          </a:p>
-        </p:txBody>
-      </p:sp>
-      <p:sp>
-        <p:nvSpPr>
-          <p:cNvPr id="16" name="Freeform: Shape 15">
-            <a:extLst>
-              <a:ext uri="{FF2B5EF4-FFF2-40B4-BE49-F238E27FC236}">
-                <a16:creationId xmlns:a16="http://schemas.microsoft.com/office/drawing/2014/main" id="{83BCB34A-2F40-4F41-8488-A134C1C155B7}"/>
-              </a:ext>
-              <a:ext uri="{C183D7F6-B498-43B3-948B-1728B52AA6E4}">
-                <adec:decorative xmlns:adec="http://schemas.microsoft.com/office/drawing/2017/decorative" val="1"/>
-              </a:ext>
-            </a:extLst>
-          </p:cNvPr>
-          <p:cNvSpPr>
-            <a:spLocks noGrp="1" noRot="1" noChangeAspect="1" noMove="1" noResize="1" noEditPoints="1" noAdjustHandles="1" noChangeArrowheads="1" noChangeShapeType="1" noTextEdit="1"/>
-          </p:cNvSpPr>
-          <p:nvPr>
-            <p:extLst>
-              <p:ext uri="{386F3935-93C4-4BCD-93E2-E3B085C9AB24}">
-                <p16:designElem xmlns:p16="http://schemas.microsoft.com/office/powerpoint/2015/main" val="1"/>
-              </p:ext>
-            </p:extLst>
-          </p:nvPr>
-        </p:nvSpPr>
-        <p:spPr>
-          <a:xfrm>
-            <a:off x="-3045" y="340424"/>
-            <a:ext cx="4630139" cy="5265795"/>
-          </a:xfrm>
-          <a:custGeom>
-            <a:avLst/>
-            <a:gdLst>
-              <a:gd name="connsiteX0" fmla="*/ 0 w 4630139"/>
-              <a:gd name="connsiteY0" fmla="*/ 0 h 5265795"/>
-              <a:gd name="connsiteX1" fmla="*/ 4630139 w 4630139"/>
-              <a:gd name="connsiteY1" fmla="*/ 0 h 5265795"/>
-              <a:gd name="connsiteX2" fmla="*/ 4630139 w 4630139"/>
-              <a:gd name="connsiteY2" fmla="*/ 5265795 h 5265795"/>
-              <a:gd name="connsiteX3" fmla="*/ 0 w 4630139"/>
-              <a:gd name="connsiteY3" fmla="*/ 5265795 h 5265795"/>
-            </a:gdLst>
-            <a:ahLst/>
-            <a:cxnLst>
-              <a:cxn ang="0">
-                <a:pos x="connsiteX0" y="connsiteY0"/>
-              </a:cxn>
-              <a:cxn ang="0">
-                <a:pos x="connsiteX1" y="connsiteY1"/>
-              </a:cxn>
-              <a:cxn ang="0">
-                <a:pos x="connsiteX2" y="connsiteY2"/>
-              </a:cxn>
-              <a:cxn ang="0">
-                <a:pos x="connsiteX3" y="connsiteY3"/>
-              </a:cxn>
-            </a:cxnLst>
-            <a:rect l="l" t="t" r="r" b="b"/>
-            <a:pathLst>
-              <a:path w="4630139" h="5265795">
-                <a:moveTo>
-                  <a:pt x="0" y="0"/>
-                </a:moveTo>
-                <a:lnTo>
-                  <a:pt x="4630139" y="0"/>
-                </a:lnTo>
-                <a:lnTo>
-                  <a:pt x="4630139" y="5265795"/>
-                </a:lnTo>
-                <a:lnTo>
-                  <a:pt x="0" y="5265795"/>
-                </a:lnTo>
-                <a:close/>
-              </a:path>
-            </a:pathLst>
-          </a:custGeom>
-          <a:ln>
-            <a:noFill/>
-          </a:ln>
-        </p:spPr>
-        <p:style>
-          <a:lnRef idx="2">
-            <a:schemeClr val="accent1">
-              <a:shade val="50000"/>
-            </a:schemeClr>
-          </a:lnRef>
-          <a:fillRef idx="1">
-            <a:schemeClr val="accent1"/>
-          </a:fillRef>
-          <a:effectRef idx="0">
-            <a:schemeClr val="accent1"/>
-          </a:effectRef>
-          <a:fontRef idx="minor">
-            <a:schemeClr val="lt1"/>
-          </a:fontRef>
-        </p:style>
-        <p:txBody>
-          <a:bodyPr wrap="square" rtlCol="0" anchor="ctr">
-            <a:noAutofit/>
-          </a:bodyPr>
-          <a:lstStyle/>
-          <a:p>
-            <a:pPr algn="ctr"/>
-            <a:endParaRPr lang="en-US"/>
-          </a:p>
-        </p:txBody>
-      </p:sp>
-      <p:sp>
-        <p:nvSpPr>
-          <p:cNvPr id="18" name="Freeform: Shape 17">
-            <a:extLst>
-              <a:ext uri="{FF2B5EF4-FFF2-40B4-BE49-F238E27FC236}">
-                <a16:creationId xmlns:a16="http://schemas.microsoft.com/office/drawing/2014/main" id="{F78382DC-4207-465E-B379-1E16448AA222}"/>
-              </a:ext>
-              <a:ext uri="{C183D7F6-B498-43B3-948B-1728B52AA6E4}">
-                <adec:decorative xmlns:adec="http://schemas.microsoft.com/office/drawing/2017/decorative" val="1"/>
-              </a:ext>
-            </a:extLst>
-          </p:cNvPr>
-          <p:cNvSpPr>
-            <a:spLocks noGrp="1" noRot="1" noChangeAspect="1" noMove="1" noResize="1" noEditPoints="1" noAdjustHandles="1" noChangeArrowheads="1" noChangeShapeType="1" noTextEdit="1"/>
-          </p:cNvSpPr>
-          <p:nvPr>
-            <p:extLst>
-              <p:ext uri="{386F3935-93C4-4BCD-93E2-E3B085C9AB24}">
-                <p16:designElem xmlns:p16="http://schemas.microsoft.com/office/powerpoint/2015/main" val="1"/>
-              </p:ext>
-            </p:extLst>
-          </p:nvPr>
-        </p:nvSpPr>
-        <p:spPr>
-          <a:xfrm>
-            <a:off x="4901780" y="1071563"/>
-            <a:ext cx="7290218" cy="5242298"/>
-          </a:xfrm>
-          <a:custGeom>
-            <a:avLst/>
-            <a:gdLst>
-              <a:gd name="connsiteX0" fmla="*/ 0 w 7290218"/>
-              <a:gd name="connsiteY0" fmla="*/ 0 h 5242298"/>
-              <a:gd name="connsiteX1" fmla="*/ 7290218 w 7290218"/>
-              <a:gd name="connsiteY1" fmla="*/ 0 h 5242298"/>
-              <a:gd name="connsiteX2" fmla="*/ 7290218 w 7290218"/>
-              <a:gd name="connsiteY2" fmla="*/ 5242298 h 5242298"/>
-              <a:gd name="connsiteX3" fmla="*/ 0 w 7290218"/>
-              <a:gd name="connsiteY3" fmla="*/ 5242298 h 5242298"/>
-            </a:gdLst>
-            <a:ahLst/>
-            <a:cxnLst>
-              <a:cxn ang="0">
-                <a:pos x="connsiteX0" y="connsiteY0"/>
-              </a:cxn>
-              <a:cxn ang="0">
-                <a:pos x="connsiteX1" y="connsiteY1"/>
-              </a:cxn>
-              <a:cxn ang="0">
-                <a:pos x="connsiteX2" y="connsiteY2"/>
-              </a:cxn>
-              <a:cxn ang="0">
-                <a:pos x="connsiteX3" y="connsiteY3"/>
-              </a:cxn>
-            </a:cxnLst>
-            <a:rect l="l" t="t" r="r" b="b"/>
-            <a:pathLst>
-              <a:path w="7290218" h="5242298">
-                <a:moveTo>
-                  <a:pt x="0" y="0"/>
-                </a:moveTo>
-                <a:lnTo>
-                  <a:pt x="7290218" y="0"/>
-                </a:lnTo>
-                <a:lnTo>
-                  <a:pt x="7290218" y="5242298"/>
-                </a:lnTo>
-                <a:lnTo>
-                  <a:pt x="0" y="5242298"/>
-                </a:lnTo>
-                <a:close/>
-              </a:path>
-            </a:pathLst>
-          </a:custGeom>
-          <a:ln>
-            <a:noFill/>
-          </a:ln>
-        </p:spPr>
-        <p:style>
-          <a:lnRef idx="2">
-            <a:schemeClr val="accent1">
-              <a:shade val="50000"/>
-            </a:schemeClr>
-          </a:lnRef>
-          <a:fillRef idx="1">
-            <a:schemeClr val="accent1"/>
-          </a:fillRef>
-          <a:effectRef idx="0">
-            <a:schemeClr val="accent1"/>
-          </a:effectRef>
-          <a:fontRef idx="minor">
-            <a:schemeClr val="lt1"/>
-          </a:fontRef>
-        </p:style>
-        <p:txBody>
-          <a:bodyPr wrap="square" rtlCol="0" anchor="ctr">
-            <a:noAutofit/>
-          </a:bodyPr>
-          <a:lstStyle/>
-          <a:p>
-            <a:pPr algn="ctr"/>
-            <a:endParaRPr lang="en-US"/>
-          </a:p>
-        </p:txBody>
-      </p:sp>
-      <p:pic>
-        <p:nvPicPr>
-          <p:cNvPr id="6" name="Immagine 5">
-            <a:extLst>
-              <a:ext uri="{FF2B5EF4-FFF2-40B4-BE49-F238E27FC236}">
-                <a16:creationId xmlns:a16="http://schemas.microsoft.com/office/drawing/2014/main" id="{319EA13C-A6AF-4154-806E-8ACB28521B7A}"/>
-              </a:ext>
-            </a:extLst>
-          </p:cNvPr>
-          <p:cNvPicPr>
-            <a:picLocks noChangeAspect="1"/>
-          </p:cNvPicPr>
-          <p:nvPr/>
-        </p:nvPicPr>
-        <p:blipFill>
-          <a:blip r:embed="rId2">
-            <a:extLst>
-              <a:ext uri="{28A0092B-C50C-407E-A947-70E740481C1C}">
-                <a14:useLocalDpi xmlns:a14="http://schemas.microsoft.com/office/drawing/2010/main" val="0"/>
-              </a:ext>
-            </a:extLst>
-          </a:blip>
-          <a:stretch>
-            <a:fillRect/>
-          </a:stretch>
-        </p:blipFill>
-        <p:spPr>
-          <a:xfrm>
-            <a:off x="1804432" y="4165599"/>
-            <a:ext cx="2792123" cy="1570569"/>
-          </a:xfrm>
-          <a:prstGeom prst="rect">
-            <a:avLst/>
-          </a:prstGeom>
-        </p:spPr>
-      </p:pic>
-      <p:sp>
-        <p:nvSpPr>
-          <p:cNvPr id="7" name="CasellaDiTesto 6">
-            <a:extLst>
-              <a:ext uri="{FF2B5EF4-FFF2-40B4-BE49-F238E27FC236}">
-                <a16:creationId xmlns:a16="http://schemas.microsoft.com/office/drawing/2014/main" id="{777A3FD9-3801-41F7-8DD1-4AF4E3125BFE}"/>
-              </a:ext>
-            </a:extLst>
-          </p:cNvPr>
-          <p:cNvSpPr txBox="1"/>
-          <p:nvPr/>
-        </p:nvSpPr>
-        <p:spPr>
-          <a:xfrm>
-            <a:off x="3048" y="705138"/>
-            <a:ext cx="4627091" cy="1200329"/>
-          </a:xfrm>
-          <a:prstGeom prst="rect">
-            <a:avLst/>
-          </a:prstGeom>
-          <a:noFill/>
-        </p:spPr>
-        <p:txBody>
-          <a:bodyPr wrap="square" rtlCol="0">
-            <a:spAutoFit/>
-          </a:bodyPr>
-          <a:lstStyle/>
-          <a:p>
-            <a:r>
-              <a:rPr lang="it-IT" sz="2400" dirty="0">
-                <a:solidFill>
-                  <a:schemeClr val="bg1"/>
-                </a:solidFill>
-              </a:rPr>
-              <a:t>Individuiamo inoltre, in base ai probabili problemi ed i vari tipi di utilizzo, questi flussi alternativi</a:t>
-            </a:r>
-            <a:endParaRPr lang="it-IT" sz="2000" dirty="0">
-              <a:solidFill>
-                <a:schemeClr val="bg1"/>
-              </a:solidFill>
-            </a:endParaRPr>
-          </a:p>
-        </p:txBody>
-      </p:sp>
-      <p:pic>
-        <p:nvPicPr>
-          <p:cNvPr id="2" name="Immagine 1">
-            <a:extLst>
-              <a:ext uri="{FF2B5EF4-FFF2-40B4-BE49-F238E27FC236}">
-                <a16:creationId xmlns:a16="http://schemas.microsoft.com/office/drawing/2014/main" id="{2E0DC9A9-9884-41A9-9704-0813FAF0C8EA}"/>
-              </a:ext>
-            </a:extLst>
-          </p:cNvPr>
-          <p:cNvPicPr>
-            <a:picLocks noChangeAspect="1"/>
-          </p:cNvPicPr>
-          <p:nvPr/>
-        </p:nvPicPr>
-        <p:blipFill>
-          <a:blip r:embed="rId3"/>
-          <a:stretch>
-            <a:fillRect/>
-          </a:stretch>
-        </p:blipFill>
-        <p:spPr>
-          <a:xfrm>
-            <a:off x="5661398" y="2517569"/>
-            <a:ext cx="6303810" cy="1822862"/>
-          </a:xfrm>
-          <a:prstGeom prst="rect">
-            <a:avLst/>
-          </a:prstGeom>
-        </p:spPr>
-      </p:pic>
-    </p:spTree>
-    <p:extLst>
-      <p:ext uri="{BB962C8B-B14F-4D97-AF65-F5344CB8AC3E}">
-        <p14:creationId xmlns:p14="http://schemas.microsoft.com/office/powerpoint/2010/main" val="2055331329"/>
-      </p:ext>
-    </p:extLst>
-  </p:cSld>
-  <p:clrMapOvr>
-    <a:masterClrMapping/>
-  </p:clrMapOvr>
-</p:sld>
-</file>
-
 <file path=ppt/slides/slide9.xml><?xml version="1.0" encoding="utf-8"?>
 <p:sld xmlns:a="http://schemas.openxmlformats.org/drawingml/2006/main" xmlns:r="http://schemas.openxmlformats.org/officeDocument/2006/relationships" xmlns:p="http://schemas.openxmlformats.org/presentationml/2006/main">
   <p:cSld>
@@ -17078,7 +17049,7 @@
         <p:spPr>
           <a:xfrm>
             <a:off x="3048" y="705138"/>
-            <a:ext cx="4627091" cy="1200329"/>
+            <a:ext cx="4627091" cy="830997"/>
           </a:xfrm>
           <a:prstGeom prst="rect">
             <a:avLst/>
@@ -17097,7 +17068,7 @@
                   <a:schemeClr val="bg1"/>
                 </a:solidFill>
               </a:rPr>
-              <a:t>Individuiamo inoltre, in base ai probabili problemi ed i vari tipi di utilizzo, questi flussi alternativi</a:t>
+              <a:t>Per andare più nello specifico ci rifacciamo allo Use Case</a:t>
             </a:r>
             <a:endParaRPr lang="it-IT" sz="2000" dirty="0">
               <a:solidFill>
@@ -17109,10 +17080,10 @@
       </p:sp>
       <p:pic>
         <p:nvPicPr>
-          <p:cNvPr id="2" name="Immagine 1">
-            <a:extLst>
-              <a:ext uri="{FF2B5EF4-FFF2-40B4-BE49-F238E27FC236}">
-                <a16:creationId xmlns:a16="http://schemas.microsoft.com/office/drawing/2014/main" id="{2E0DC9A9-9884-41A9-9704-0813FAF0C8EA}"/>
+          <p:cNvPr id="11" name="Immagine 10">
+            <a:extLst>
+              <a:ext uri="{FF2B5EF4-FFF2-40B4-BE49-F238E27FC236}">
+                <a16:creationId xmlns:a16="http://schemas.microsoft.com/office/drawing/2014/main" id="{04CA39F9-73A7-411E-A358-DCC8B1801154}"/>
               </a:ext>
             </a:extLst>
           </p:cNvPr>
@@ -17122,15 +17093,21 @@
           <p:nvPr/>
         </p:nvPicPr>
         <p:blipFill>
-          <a:blip r:embed="rId3"/>
+          <a:blip r:embed="rId3">
+            <a:extLst>
+              <a:ext uri="{28A0092B-C50C-407E-A947-70E740481C1C}">
+                <a14:useLocalDpi xmlns:a14="http://schemas.microsoft.com/office/drawing/2010/main" val="0"/>
+              </a:ext>
+            </a:extLst>
+          </a:blip>
           <a:stretch>
             <a:fillRect/>
           </a:stretch>
         </p:blipFill>
         <p:spPr>
           <a:xfrm>
-            <a:off x="5661398" y="2517569"/>
-            <a:ext cx="6303810" cy="1822862"/>
+            <a:off x="6362093" y="1366225"/>
+            <a:ext cx="4366548" cy="4498268"/>
           </a:xfrm>
           <a:prstGeom prst="rect">
             <a:avLst/>
@@ -17140,7 +17117,7 @@
     </p:spTree>
     <p:extLst>
       <p:ext uri="{BB962C8B-B14F-4D97-AF65-F5344CB8AC3E}">
-        <p14:creationId xmlns:p14="http://schemas.microsoft.com/office/powerpoint/2010/main" val="2555717710"/>
+        <p14:creationId xmlns:p14="http://schemas.microsoft.com/office/powerpoint/2010/main" val="2251447104"/>
       </p:ext>
     </p:extLst>
   </p:cSld>

--- a/This is my PP/Presentazione 06-12-2020.pptx
+++ b/This is my PP/Presentazione 06-12-2020.pptx
@@ -10,20 +10,21 @@
     <p:sldId id="265" r:id="rId4"/>
     <p:sldId id="267" r:id="rId5"/>
     <p:sldId id="279" r:id="rId6"/>
-    <p:sldId id="280" r:id="rId7"/>
+    <p:sldId id="282" r:id="rId7"/>
     <p:sldId id="266" r:id="rId8"/>
-    <p:sldId id="268" r:id="rId9"/>
-    <p:sldId id="269" r:id="rId10"/>
-    <p:sldId id="270" r:id="rId11"/>
-    <p:sldId id="271" r:id="rId12"/>
-    <p:sldId id="272" r:id="rId13"/>
-    <p:sldId id="273" r:id="rId14"/>
-    <p:sldId id="274" r:id="rId15"/>
-    <p:sldId id="275" r:id="rId16"/>
-    <p:sldId id="276" r:id="rId17"/>
-    <p:sldId id="277" r:id="rId18"/>
-    <p:sldId id="278" r:id="rId19"/>
-    <p:sldId id="281" r:id="rId20"/>
+    <p:sldId id="283" r:id="rId9"/>
+    <p:sldId id="268" r:id="rId10"/>
+    <p:sldId id="269" r:id="rId11"/>
+    <p:sldId id="270" r:id="rId12"/>
+    <p:sldId id="271" r:id="rId13"/>
+    <p:sldId id="272" r:id="rId14"/>
+    <p:sldId id="273" r:id="rId15"/>
+    <p:sldId id="274" r:id="rId16"/>
+    <p:sldId id="275" r:id="rId17"/>
+    <p:sldId id="276" r:id="rId18"/>
+    <p:sldId id="277" r:id="rId19"/>
+    <p:sldId id="278" r:id="rId20"/>
+    <p:sldId id="281" r:id="rId21"/>
   </p:sldIdLst>
   <p:sldSz cx="12192000" cy="6858000"/>
   <p:notesSz cx="6858000" cy="9144000"/>
@@ -4568,7 +4569,7 @@
         <p:spPr>
           <a:xfrm>
             <a:off x="3048" y="705138"/>
-            <a:ext cx="4627091" cy="1200329"/>
+            <a:ext cx="4627091" cy="830997"/>
           </a:xfrm>
           <a:prstGeom prst="rect">
             <a:avLst/>
@@ -4587,7 +4588,7 @@
                   <a:schemeClr val="bg1"/>
                 </a:solidFill>
               </a:rPr>
-              <a:t>Individuiamo inoltre, in base ai probabili problemi ed i vari tipi di utilizzo, questi flussi alternativi</a:t>
+              <a:t>Per andare più nello specifico ci rifacciamo allo Use Case</a:t>
             </a:r>
             <a:endParaRPr lang="it-IT" sz="2000" dirty="0">
               <a:solidFill>
@@ -4599,10 +4600,10 @@
       </p:sp>
       <p:pic>
         <p:nvPicPr>
-          <p:cNvPr id="2" name="Immagine 1">
-            <a:extLst>
-              <a:ext uri="{FF2B5EF4-FFF2-40B4-BE49-F238E27FC236}">
-                <a16:creationId xmlns:a16="http://schemas.microsoft.com/office/drawing/2014/main" id="{2E0DC9A9-9884-41A9-9704-0813FAF0C8EA}"/>
+          <p:cNvPr id="11" name="Immagine 10">
+            <a:extLst>
+              <a:ext uri="{FF2B5EF4-FFF2-40B4-BE49-F238E27FC236}">
+                <a16:creationId xmlns:a16="http://schemas.microsoft.com/office/drawing/2014/main" id="{04CA39F9-73A7-411E-A358-DCC8B1801154}"/>
               </a:ext>
             </a:extLst>
           </p:cNvPr>
@@ -4612,15 +4613,21 @@
           <p:nvPr/>
         </p:nvPicPr>
         <p:blipFill>
-          <a:blip r:embed="rId3"/>
+          <a:blip r:embed="rId3">
+            <a:extLst>
+              <a:ext uri="{28A0092B-C50C-407E-A947-70E740481C1C}">
+                <a14:useLocalDpi xmlns:a14="http://schemas.microsoft.com/office/drawing/2010/main" val="0"/>
+              </a:ext>
+            </a:extLst>
+          </a:blip>
           <a:stretch>
             <a:fillRect/>
           </a:stretch>
         </p:blipFill>
         <p:spPr>
           <a:xfrm>
-            <a:off x="5661398" y="2517569"/>
-            <a:ext cx="6303810" cy="1822862"/>
+            <a:off x="6362093" y="1366225"/>
+            <a:ext cx="4366548" cy="4498268"/>
           </a:xfrm>
           <a:prstGeom prst="rect">
             <a:avLst/>
@@ -4630,7 +4637,7 @@
     </p:spTree>
     <p:extLst>
       <p:ext uri="{BB962C8B-B14F-4D97-AF65-F5344CB8AC3E}">
-        <p14:creationId xmlns:p14="http://schemas.microsoft.com/office/powerpoint/2010/main" val="2055331329"/>
+        <p14:creationId xmlns:p14="http://schemas.microsoft.com/office/powerpoint/2010/main" val="2251447104"/>
       </p:ext>
     </p:extLst>
   </p:cSld>
@@ -5254,6 +5261,630 @@
     </p:spTree>
     <p:extLst>
       <p:ext uri="{BB962C8B-B14F-4D97-AF65-F5344CB8AC3E}">
+        <p14:creationId xmlns:p14="http://schemas.microsoft.com/office/powerpoint/2010/main" val="2055331329"/>
+      </p:ext>
+    </p:extLst>
+  </p:cSld>
+  <p:clrMapOvr>
+    <a:masterClrMapping/>
+  </p:clrMapOvr>
+</p:sld>
+</file>
+
+<file path=ppt/slides/slide12.xml><?xml version="1.0" encoding="utf-8"?>
+<p:sld xmlns:a="http://schemas.openxmlformats.org/drawingml/2006/main" xmlns:r="http://schemas.openxmlformats.org/officeDocument/2006/relationships" xmlns:p="http://schemas.openxmlformats.org/presentationml/2006/main">
+  <p:cSld>
+    <p:bg>
+      <p:bgPr>
+        <a:solidFill>
+          <a:schemeClr val="bg1"/>
+        </a:solidFill>
+        <a:effectLst/>
+      </p:bgPr>
+    </p:bg>
+    <p:spTree>
+      <p:nvGrpSpPr>
+        <p:cNvPr id="1" name=""/>
+        <p:cNvGrpSpPr/>
+        <p:nvPr/>
+      </p:nvGrpSpPr>
+      <p:grpSpPr>
+        <a:xfrm>
+          <a:off x="0" y="0"/>
+          <a:ext cx="0" cy="0"/>
+          <a:chOff x="0" y="0"/>
+          <a:chExt cx="0" cy="0"/>
+        </a:xfrm>
+      </p:grpSpPr>
+      <p:sp useBgFill="1">
+        <p:nvSpPr>
+          <p:cNvPr id="10" name="Rectangle 9">
+            <a:extLst>
+              <a:ext uri="{FF2B5EF4-FFF2-40B4-BE49-F238E27FC236}">
+                <a16:creationId xmlns:a16="http://schemas.microsoft.com/office/drawing/2014/main" id="{A169D286-F4D7-4C8B-A6BD-D05384C7F1D8}"/>
+              </a:ext>
+              <a:ext uri="{C183D7F6-B498-43B3-948B-1728B52AA6E4}">
+                <adec:decorative xmlns:adec="http://schemas.microsoft.com/office/drawing/2017/decorative" val="1"/>
+              </a:ext>
+            </a:extLst>
+          </p:cNvPr>
+          <p:cNvSpPr>
+            <a:spLocks noGrp="1" noRot="1" noChangeAspect="1" noMove="1" noResize="1" noEditPoints="1" noAdjustHandles="1" noChangeArrowheads="1" noChangeShapeType="1" noTextEdit="1"/>
+          </p:cNvSpPr>
+          <p:nvPr>
+            <p:extLst>
+              <p:ext uri="{386F3935-93C4-4BCD-93E2-E3B085C9AB24}">
+                <p16:designElem xmlns:p16="http://schemas.microsoft.com/office/powerpoint/2015/main" val="1"/>
+              </p:ext>
+            </p:extLst>
+          </p:nvPr>
+        </p:nvSpPr>
+        <p:spPr>
+          <a:xfrm>
+            <a:off x="0" y="0"/>
+            <a:ext cx="12188952" cy="6858000"/>
+          </a:xfrm>
+          <a:prstGeom prst="rect">
+            <a:avLst/>
+          </a:prstGeom>
+          <a:ln>
+            <a:noFill/>
+          </a:ln>
+        </p:spPr>
+        <p:style>
+          <a:lnRef idx="2">
+            <a:schemeClr val="accent1">
+              <a:shade val="50000"/>
+            </a:schemeClr>
+          </a:lnRef>
+          <a:fillRef idx="1">
+            <a:schemeClr val="accent1"/>
+          </a:fillRef>
+          <a:effectRef idx="0">
+            <a:schemeClr val="accent1"/>
+          </a:effectRef>
+          <a:fontRef idx="minor">
+            <a:schemeClr val="lt1"/>
+          </a:fontRef>
+        </p:style>
+        <p:txBody>
+          <a:bodyPr rtlCol="0" anchor="ctr"/>
+          <a:lstStyle/>
+          <a:p>
+            <a:pPr algn="ctr"/>
+            <a:endParaRPr lang="en-US"/>
+          </a:p>
+        </p:txBody>
+      </p:sp>
+      <p:sp>
+        <p:nvSpPr>
+          <p:cNvPr id="12" name="Freeform 6">
+            <a:extLst>
+              <a:ext uri="{FF2B5EF4-FFF2-40B4-BE49-F238E27FC236}">
+                <a16:creationId xmlns:a16="http://schemas.microsoft.com/office/drawing/2014/main" id="{39E8235E-135E-4261-8F54-2B316E493C42}"/>
+              </a:ext>
+              <a:ext uri="{C183D7F6-B498-43B3-948B-1728B52AA6E4}">
+                <adec:decorative xmlns:adec="http://schemas.microsoft.com/office/drawing/2017/decorative" val="1"/>
+              </a:ext>
+            </a:extLst>
+          </p:cNvPr>
+          <p:cNvSpPr>
+            <a:spLocks noGrp="1" noRot="1" noChangeAspect="1" noMove="1" noResize="1" noEditPoints="1" noAdjustHandles="1" noChangeArrowheads="1" noChangeShapeType="1" noTextEdit="1"/>
+          </p:cNvSpPr>
+          <p:nvPr>
+            <p:extLst>
+              <p:ext uri="{386F3935-93C4-4BCD-93E2-E3B085C9AB24}">
+                <p16:designElem xmlns:p16="http://schemas.microsoft.com/office/powerpoint/2015/main" val="1"/>
+              </p:ext>
+            </p:extLst>
+          </p:nvPr>
+        </p:nvSpPr>
+        <p:spPr bwMode="auto">
+          <a:xfrm>
+            <a:off x="4142164" y="610728"/>
+            <a:ext cx="759618" cy="5710965"/>
+          </a:xfrm>
+          <a:custGeom>
+            <a:avLst/>
+            <a:gdLst>
+              <a:gd name="T0" fmla="*/ 414 w 414"/>
+              <a:gd name="T1" fmla="*/ 2447 h 2447"/>
+              <a:gd name="T2" fmla="*/ 0 w 414"/>
+              <a:gd name="T3" fmla="*/ 2247 h 2447"/>
+              <a:gd name="T4" fmla="*/ 0 w 414"/>
+              <a:gd name="T5" fmla="*/ 0 h 2447"/>
+              <a:gd name="T6" fmla="*/ 414 w 414"/>
+              <a:gd name="T7" fmla="*/ 200 h 2447"/>
+              <a:gd name="T8" fmla="*/ 414 w 414"/>
+              <a:gd name="T9" fmla="*/ 2447 h 2447"/>
+            </a:gdLst>
+            <a:ahLst/>
+            <a:cxnLst>
+              <a:cxn ang="0">
+                <a:pos x="T0" y="T1"/>
+              </a:cxn>
+              <a:cxn ang="0">
+                <a:pos x="T2" y="T3"/>
+              </a:cxn>
+              <a:cxn ang="0">
+                <a:pos x="T4" y="T5"/>
+              </a:cxn>
+              <a:cxn ang="0">
+                <a:pos x="T6" y="T7"/>
+              </a:cxn>
+              <a:cxn ang="0">
+                <a:pos x="T8" y="T9"/>
+              </a:cxn>
+            </a:cxnLst>
+            <a:rect l="0" t="0" r="r" b="b"/>
+            <a:pathLst>
+              <a:path w="414" h="2447">
+                <a:moveTo>
+                  <a:pt x="414" y="2447"/>
+                </a:moveTo>
+                <a:lnTo>
+                  <a:pt x="0" y="2247"/>
+                </a:lnTo>
+                <a:lnTo>
+                  <a:pt x="0" y="0"/>
+                </a:lnTo>
+                <a:lnTo>
+                  <a:pt x="414" y="200"/>
+                </a:lnTo>
+                <a:lnTo>
+                  <a:pt x="414" y="2447"/>
+                </a:lnTo>
+                <a:close/>
+              </a:path>
+            </a:pathLst>
+          </a:custGeom>
+          <a:solidFill>
+            <a:schemeClr val="accent1">
+              <a:lumMod val="75000"/>
+            </a:schemeClr>
+          </a:solidFill>
+          <a:ln>
+            <a:noFill/>
+          </a:ln>
+        </p:spPr>
+        <p:txBody>
+          <a:bodyPr vert="horz" wrap="square" lIns="91440" tIns="45720" rIns="91440" bIns="45720" numCol="1" anchor="t" anchorCtr="0" compatLnSpc="1">
+            <a:prstTxWarp prst="textNoShape">
+              <a:avLst/>
+            </a:prstTxWarp>
+          </a:bodyPr>
+          <a:lstStyle/>
+          <a:p>
+            <a:endParaRPr lang="en-US"/>
+          </a:p>
+        </p:txBody>
+      </p:sp>
+      <p:sp>
+        <p:nvSpPr>
+          <p:cNvPr id="14" name="Freeform 7">
+            <a:extLst>
+              <a:ext uri="{FF2B5EF4-FFF2-40B4-BE49-F238E27FC236}">
+                <a16:creationId xmlns:a16="http://schemas.microsoft.com/office/drawing/2014/main" id="{D4ED8EC3-4D57-4620-93CE-4E6661F09A3E}"/>
+              </a:ext>
+              <a:ext uri="{C183D7F6-B498-43B3-948B-1728B52AA6E4}">
+                <adec:decorative xmlns:adec="http://schemas.microsoft.com/office/drawing/2017/decorative" val="1"/>
+              </a:ext>
+            </a:extLst>
+          </p:cNvPr>
+          <p:cNvSpPr>
+            <a:spLocks noGrp="1" noRot="1" noChangeAspect="1" noMove="1" noResize="1" noEditPoints="1" noAdjustHandles="1" noChangeArrowheads="1" noChangeShapeType="1" noTextEdit="1"/>
+          </p:cNvSpPr>
+          <p:nvPr>
+            <p:extLst>
+              <p:ext uri="{386F3935-93C4-4BCD-93E2-E3B085C9AB24}">
+                <p16:designElem xmlns:p16="http://schemas.microsoft.com/office/powerpoint/2015/main" val="1"/>
+              </p:ext>
+            </p:extLst>
+          </p:nvPr>
+        </p:nvSpPr>
+        <p:spPr bwMode="auto">
+          <a:xfrm>
+            <a:off x="4144437" y="343079"/>
+            <a:ext cx="482654" cy="5521414"/>
+          </a:xfrm>
+          <a:custGeom>
+            <a:avLst/>
+            <a:gdLst>
+              <a:gd name="T0" fmla="*/ 209 w 209"/>
+              <a:gd name="T1" fmla="*/ 2246 h 2358"/>
+              <a:gd name="T2" fmla="*/ 0 w 209"/>
+              <a:gd name="T3" fmla="*/ 2358 h 2358"/>
+              <a:gd name="T4" fmla="*/ 0 w 209"/>
+              <a:gd name="T5" fmla="*/ 111 h 2358"/>
+              <a:gd name="T6" fmla="*/ 209 w 209"/>
+              <a:gd name="T7" fmla="*/ 0 h 2358"/>
+              <a:gd name="T8" fmla="*/ 209 w 209"/>
+              <a:gd name="T9" fmla="*/ 2246 h 2358"/>
+            </a:gdLst>
+            <a:ahLst/>
+            <a:cxnLst>
+              <a:cxn ang="0">
+                <a:pos x="T0" y="T1"/>
+              </a:cxn>
+              <a:cxn ang="0">
+                <a:pos x="T2" y="T3"/>
+              </a:cxn>
+              <a:cxn ang="0">
+                <a:pos x="T4" y="T5"/>
+              </a:cxn>
+              <a:cxn ang="0">
+                <a:pos x="T6" y="T7"/>
+              </a:cxn>
+              <a:cxn ang="0">
+                <a:pos x="T8" y="T9"/>
+              </a:cxn>
+            </a:cxnLst>
+            <a:rect l="0" t="0" r="r" b="b"/>
+            <a:pathLst>
+              <a:path w="209" h="2358">
+                <a:moveTo>
+                  <a:pt x="209" y="2246"/>
+                </a:moveTo>
+                <a:lnTo>
+                  <a:pt x="0" y="2358"/>
+                </a:lnTo>
+                <a:lnTo>
+                  <a:pt x="0" y="111"/>
+                </a:lnTo>
+                <a:lnTo>
+                  <a:pt x="209" y="0"/>
+                </a:lnTo>
+                <a:lnTo>
+                  <a:pt x="209" y="2246"/>
+                </a:lnTo>
+                <a:close/>
+              </a:path>
+            </a:pathLst>
+          </a:custGeom>
+          <a:solidFill>
+            <a:schemeClr val="accent1">
+              <a:lumMod val="50000"/>
+            </a:schemeClr>
+          </a:solidFill>
+          <a:ln>
+            <a:noFill/>
+          </a:ln>
+        </p:spPr>
+        <p:txBody>
+          <a:bodyPr vert="horz" wrap="square" lIns="91440" tIns="45720" rIns="91440" bIns="45720" numCol="1" anchor="t" anchorCtr="0" compatLnSpc="1">
+            <a:prstTxWarp prst="textNoShape">
+              <a:avLst/>
+            </a:prstTxWarp>
+          </a:bodyPr>
+          <a:lstStyle/>
+          <a:p>
+            <a:endParaRPr lang="en-US"/>
+          </a:p>
+        </p:txBody>
+      </p:sp>
+      <p:sp>
+        <p:nvSpPr>
+          <p:cNvPr id="16" name="Freeform: Shape 15">
+            <a:extLst>
+              <a:ext uri="{FF2B5EF4-FFF2-40B4-BE49-F238E27FC236}">
+                <a16:creationId xmlns:a16="http://schemas.microsoft.com/office/drawing/2014/main" id="{83BCB34A-2F40-4F41-8488-A134C1C155B7}"/>
+              </a:ext>
+              <a:ext uri="{C183D7F6-B498-43B3-948B-1728B52AA6E4}">
+                <adec:decorative xmlns:adec="http://schemas.microsoft.com/office/drawing/2017/decorative" val="1"/>
+              </a:ext>
+            </a:extLst>
+          </p:cNvPr>
+          <p:cNvSpPr>
+            <a:spLocks noGrp="1" noRot="1" noChangeAspect="1" noMove="1" noResize="1" noEditPoints="1" noAdjustHandles="1" noChangeArrowheads="1" noChangeShapeType="1" noTextEdit="1"/>
+          </p:cNvSpPr>
+          <p:nvPr>
+            <p:extLst>
+              <p:ext uri="{386F3935-93C4-4BCD-93E2-E3B085C9AB24}">
+                <p16:designElem xmlns:p16="http://schemas.microsoft.com/office/powerpoint/2015/main" val="1"/>
+              </p:ext>
+            </p:extLst>
+          </p:nvPr>
+        </p:nvSpPr>
+        <p:spPr>
+          <a:xfrm>
+            <a:off x="-3045" y="340424"/>
+            <a:ext cx="4630139" cy="5265795"/>
+          </a:xfrm>
+          <a:custGeom>
+            <a:avLst/>
+            <a:gdLst>
+              <a:gd name="connsiteX0" fmla="*/ 0 w 4630139"/>
+              <a:gd name="connsiteY0" fmla="*/ 0 h 5265795"/>
+              <a:gd name="connsiteX1" fmla="*/ 4630139 w 4630139"/>
+              <a:gd name="connsiteY1" fmla="*/ 0 h 5265795"/>
+              <a:gd name="connsiteX2" fmla="*/ 4630139 w 4630139"/>
+              <a:gd name="connsiteY2" fmla="*/ 5265795 h 5265795"/>
+              <a:gd name="connsiteX3" fmla="*/ 0 w 4630139"/>
+              <a:gd name="connsiteY3" fmla="*/ 5265795 h 5265795"/>
+            </a:gdLst>
+            <a:ahLst/>
+            <a:cxnLst>
+              <a:cxn ang="0">
+                <a:pos x="connsiteX0" y="connsiteY0"/>
+              </a:cxn>
+              <a:cxn ang="0">
+                <a:pos x="connsiteX1" y="connsiteY1"/>
+              </a:cxn>
+              <a:cxn ang="0">
+                <a:pos x="connsiteX2" y="connsiteY2"/>
+              </a:cxn>
+              <a:cxn ang="0">
+                <a:pos x="connsiteX3" y="connsiteY3"/>
+              </a:cxn>
+            </a:cxnLst>
+            <a:rect l="l" t="t" r="r" b="b"/>
+            <a:pathLst>
+              <a:path w="4630139" h="5265795">
+                <a:moveTo>
+                  <a:pt x="0" y="0"/>
+                </a:moveTo>
+                <a:lnTo>
+                  <a:pt x="4630139" y="0"/>
+                </a:lnTo>
+                <a:lnTo>
+                  <a:pt x="4630139" y="5265795"/>
+                </a:lnTo>
+                <a:lnTo>
+                  <a:pt x="0" y="5265795"/>
+                </a:lnTo>
+                <a:close/>
+              </a:path>
+            </a:pathLst>
+          </a:custGeom>
+          <a:ln>
+            <a:noFill/>
+          </a:ln>
+        </p:spPr>
+        <p:style>
+          <a:lnRef idx="2">
+            <a:schemeClr val="accent1">
+              <a:shade val="50000"/>
+            </a:schemeClr>
+          </a:lnRef>
+          <a:fillRef idx="1">
+            <a:schemeClr val="accent1"/>
+          </a:fillRef>
+          <a:effectRef idx="0">
+            <a:schemeClr val="accent1"/>
+          </a:effectRef>
+          <a:fontRef idx="minor">
+            <a:schemeClr val="lt1"/>
+          </a:fontRef>
+        </p:style>
+        <p:txBody>
+          <a:bodyPr wrap="square" rtlCol="0" anchor="ctr">
+            <a:noAutofit/>
+          </a:bodyPr>
+          <a:lstStyle/>
+          <a:p>
+            <a:pPr algn="ctr"/>
+            <a:endParaRPr lang="en-US"/>
+          </a:p>
+        </p:txBody>
+      </p:sp>
+      <p:sp>
+        <p:nvSpPr>
+          <p:cNvPr id="18" name="Freeform: Shape 17">
+            <a:extLst>
+              <a:ext uri="{FF2B5EF4-FFF2-40B4-BE49-F238E27FC236}">
+                <a16:creationId xmlns:a16="http://schemas.microsoft.com/office/drawing/2014/main" id="{F78382DC-4207-465E-B379-1E16448AA222}"/>
+              </a:ext>
+              <a:ext uri="{C183D7F6-B498-43B3-948B-1728B52AA6E4}">
+                <adec:decorative xmlns:adec="http://schemas.microsoft.com/office/drawing/2017/decorative" val="1"/>
+              </a:ext>
+            </a:extLst>
+          </p:cNvPr>
+          <p:cNvSpPr>
+            <a:spLocks noGrp="1" noRot="1" noChangeAspect="1" noMove="1" noResize="1" noEditPoints="1" noAdjustHandles="1" noChangeArrowheads="1" noChangeShapeType="1" noTextEdit="1"/>
+          </p:cNvSpPr>
+          <p:nvPr>
+            <p:extLst>
+              <p:ext uri="{386F3935-93C4-4BCD-93E2-E3B085C9AB24}">
+                <p16:designElem xmlns:p16="http://schemas.microsoft.com/office/powerpoint/2015/main" val="1"/>
+              </p:ext>
+            </p:extLst>
+          </p:nvPr>
+        </p:nvSpPr>
+        <p:spPr>
+          <a:xfrm>
+            <a:off x="4901780" y="1071563"/>
+            <a:ext cx="7290218" cy="5242298"/>
+          </a:xfrm>
+          <a:custGeom>
+            <a:avLst/>
+            <a:gdLst>
+              <a:gd name="connsiteX0" fmla="*/ 0 w 7290218"/>
+              <a:gd name="connsiteY0" fmla="*/ 0 h 5242298"/>
+              <a:gd name="connsiteX1" fmla="*/ 7290218 w 7290218"/>
+              <a:gd name="connsiteY1" fmla="*/ 0 h 5242298"/>
+              <a:gd name="connsiteX2" fmla="*/ 7290218 w 7290218"/>
+              <a:gd name="connsiteY2" fmla="*/ 5242298 h 5242298"/>
+              <a:gd name="connsiteX3" fmla="*/ 0 w 7290218"/>
+              <a:gd name="connsiteY3" fmla="*/ 5242298 h 5242298"/>
+            </a:gdLst>
+            <a:ahLst/>
+            <a:cxnLst>
+              <a:cxn ang="0">
+                <a:pos x="connsiteX0" y="connsiteY0"/>
+              </a:cxn>
+              <a:cxn ang="0">
+                <a:pos x="connsiteX1" y="connsiteY1"/>
+              </a:cxn>
+              <a:cxn ang="0">
+                <a:pos x="connsiteX2" y="connsiteY2"/>
+              </a:cxn>
+              <a:cxn ang="0">
+                <a:pos x="connsiteX3" y="connsiteY3"/>
+              </a:cxn>
+            </a:cxnLst>
+            <a:rect l="l" t="t" r="r" b="b"/>
+            <a:pathLst>
+              <a:path w="7290218" h="5242298">
+                <a:moveTo>
+                  <a:pt x="0" y="0"/>
+                </a:moveTo>
+                <a:lnTo>
+                  <a:pt x="7290218" y="0"/>
+                </a:lnTo>
+                <a:lnTo>
+                  <a:pt x="7290218" y="5242298"/>
+                </a:lnTo>
+                <a:lnTo>
+                  <a:pt x="0" y="5242298"/>
+                </a:lnTo>
+                <a:close/>
+              </a:path>
+            </a:pathLst>
+          </a:custGeom>
+          <a:ln>
+            <a:noFill/>
+          </a:ln>
+        </p:spPr>
+        <p:style>
+          <a:lnRef idx="2">
+            <a:schemeClr val="accent1">
+              <a:shade val="50000"/>
+            </a:schemeClr>
+          </a:lnRef>
+          <a:fillRef idx="1">
+            <a:schemeClr val="accent1"/>
+          </a:fillRef>
+          <a:effectRef idx="0">
+            <a:schemeClr val="accent1"/>
+          </a:effectRef>
+          <a:fontRef idx="minor">
+            <a:schemeClr val="lt1"/>
+          </a:fontRef>
+        </p:style>
+        <p:txBody>
+          <a:bodyPr wrap="square" rtlCol="0" anchor="ctr">
+            <a:noAutofit/>
+          </a:bodyPr>
+          <a:lstStyle/>
+          <a:p>
+            <a:pPr algn="ctr"/>
+            <a:endParaRPr lang="en-US"/>
+          </a:p>
+        </p:txBody>
+      </p:sp>
+      <p:pic>
+        <p:nvPicPr>
+          <p:cNvPr id="6" name="Immagine 5">
+            <a:extLst>
+              <a:ext uri="{FF2B5EF4-FFF2-40B4-BE49-F238E27FC236}">
+                <a16:creationId xmlns:a16="http://schemas.microsoft.com/office/drawing/2014/main" id="{319EA13C-A6AF-4154-806E-8ACB28521B7A}"/>
+              </a:ext>
+            </a:extLst>
+          </p:cNvPr>
+          <p:cNvPicPr>
+            <a:picLocks noChangeAspect="1"/>
+          </p:cNvPicPr>
+          <p:nvPr/>
+        </p:nvPicPr>
+        <p:blipFill>
+          <a:blip r:embed="rId2">
+            <a:extLst>
+              <a:ext uri="{28A0092B-C50C-407E-A947-70E740481C1C}">
+                <a14:useLocalDpi xmlns:a14="http://schemas.microsoft.com/office/drawing/2010/main" val="0"/>
+              </a:ext>
+            </a:extLst>
+          </a:blip>
+          <a:stretch>
+            <a:fillRect/>
+          </a:stretch>
+        </p:blipFill>
+        <p:spPr>
+          <a:xfrm>
+            <a:off x="1804432" y="4165599"/>
+            <a:ext cx="2792123" cy="1570569"/>
+          </a:xfrm>
+          <a:prstGeom prst="rect">
+            <a:avLst/>
+          </a:prstGeom>
+        </p:spPr>
+      </p:pic>
+      <p:sp>
+        <p:nvSpPr>
+          <p:cNvPr id="7" name="CasellaDiTesto 6">
+            <a:extLst>
+              <a:ext uri="{FF2B5EF4-FFF2-40B4-BE49-F238E27FC236}">
+                <a16:creationId xmlns:a16="http://schemas.microsoft.com/office/drawing/2014/main" id="{777A3FD9-3801-41F7-8DD1-4AF4E3125BFE}"/>
+              </a:ext>
+            </a:extLst>
+          </p:cNvPr>
+          <p:cNvSpPr txBox="1"/>
+          <p:nvPr/>
+        </p:nvSpPr>
+        <p:spPr>
+          <a:xfrm>
+            <a:off x="3048" y="705138"/>
+            <a:ext cx="4627091" cy="1200329"/>
+          </a:xfrm>
+          <a:prstGeom prst="rect">
+            <a:avLst/>
+          </a:prstGeom>
+          <a:noFill/>
+        </p:spPr>
+        <p:txBody>
+          <a:bodyPr wrap="square" rtlCol="0">
+            <a:spAutoFit/>
+          </a:bodyPr>
+          <a:lstStyle/>
+          <a:p>
+            <a:r>
+              <a:rPr lang="it-IT" sz="2400" dirty="0">
+                <a:solidFill>
+                  <a:schemeClr val="bg1"/>
+                </a:solidFill>
+              </a:rPr>
+              <a:t>Individuiamo inoltre, in base ai probabili problemi ed i vari tipi di utilizzo, questi flussi alternativi</a:t>
+            </a:r>
+            <a:endParaRPr lang="it-IT" sz="2000" dirty="0">
+              <a:solidFill>
+                <a:schemeClr val="bg1"/>
+              </a:solidFill>
+            </a:endParaRPr>
+          </a:p>
+        </p:txBody>
+      </p:sp>
+      <p:pic>
+        <p:nvPicPr>
+          <p:cNvPr id="2" name="Immagine 1">
+            <a:extLst>
+              <a:ext uri="{FF2B5EF4-FFF2-40B4-BE49-F238E27FC236}">
+                <a16:creationId xmlns:a16="http://schemas.microsoft.com/office/drawing/2014/main" id="{2E0DC9A9-9884-41A9-9704-0813FAF0C8EA}"/>
+              </a:ext>
+            </a:extLst>
+          </p:cNvPr>
+          <p:cNvPicPr>
+            <a:picLocks noChangeAspect="1"/>
+          </p:cNvPicPr>
+          <p:nvPr/>
+        </p:nvPicPr>
+        <p:blipFill>
+          <a:blip r:embed="rId3"/>
+          <a:stretch>
+            <a:fillRect/>
+          </a:stretch>
+        </p:blipFill>
+        <p:spPr>
+          <a:xfrm>
+            <a:off x="5661398" y="2517569"/>
+            <a:ext cx="6303810" cy="1822862"/>
+          </a:xfrm>
+          <a:prstGeom prst="rect">
+            <a:avLst/>
+          </a:prstGeom>
+        </p:spPr>
+      </p:pic>
+    </p:spTree>
+    <p:extLst>
+      <p:ext uri="{BB962C8B-B14F-4D97-AF65-F5344CB8AC3E}">
         <p14:creationId xmlns:p14="http://schemas.microsoft.com/office/powerpoint/2010/main" val="2555717710"/>
       </p:ext>
     </p:extLst>
@@ -5264,7 +5895,7 @@
 </p:sld>
 </file>
 
-<file path=ppt/slides/slide12.xml><?xml version="1.0" encoding="utf-8"?>
+<file path=ppt/slides/slide13.xml><?xml version="1.0" encoding="utf-8"?>
 <p:sld xmlns:a="http://schemas.openxmlformats.org/drawingml/2006/main" xmlns:r="http://schemas.openxmlformats.org/officeDocument/2006/relationships" xmlns:p="http://schemas.openxmlformats.org/presentationml/2006/main">
   <p:cSld>
     <p:bg>
@@ -6967,7 +7598,7 @@
 </p:sld>
 </file>
 
-<file path=ppt/slides/slide13.xml><?xml version="1.0" encoding="utf-8"?>
+<file path=ppt/slides/slide14.xml><?xml version="1.0" encoding="utf-8"?>
 <p:sld xmlns:a="http://schemas.openxmlformats.org/drawingml/2006/main" xmlns:r="http://schemas.openxmlformats.org/officeDocument/2006/relationships" xmlns:p="http://schemas.openxmlformats.org/presentationml/2006/main">
   <p:cSld>
     <p:bg>
@@ -7682,631 +8313,6 @@
 </p:sld>
 </file>
 
-<file path=ppt/slides/slide14.xml><?xml version="1.0" encoding="utf-8"?>
-<p:sld xmlns:a="http://schemas.openxmlformats.org/drawingml/2006/main" xmlns:r="http://schemas.openxmlformats.org/officeDocument/2006/relationships" xmlns:p="http://schemas.openxmlformats.org/presentationml/2006/main">
-  <p:cSld>
-    <p:bg>
-      <p:bgPr>
-        <a:solidFill>
-          <a:schemeClr val="bg1"/>
-        </a:solidFill>
-        <a:effectLst/>
-      </p:bgPr>
-    </p:bg>
-    <p:spTree>
-      <p:nvGrpSpPr>
-        <p:cNvPr id="1" name=""/>
-        <p:cNvGrpSpPr/>
-        <p:nvPr/>
-      </p:nvGrpSpPr>
-      <p:grpSpPr>
-        <a:xfrm>
-          <a:off x="0" y="0"/>
-          <a:ext cx="0" cy="0"/>
-          <a:chOff x="0" y="0"/>
-          <a:chExt cx="0" cy="0"/>
-        </a:xfrm>
-      </p:grpSpPr>
-      <p:sp useBgFill="1">
-        <p:nvSpPr>
-          <p:cNvPr id="10" name="Rectangle 9">
-            <a:extLst>
-              <a:ext uri="{FF2B5EF4-FFF2-40B4-BE49-F238E27FC236}">
-                <a16:creationId xmlns:a16="http://schemas.microsoft.com/office/drawing/2014/main" id="{A169D286-F4D7-4C8B-A6BD-D05384C7F1D8}"/>
-              </a:ext>
-              <a:ext uri="{C183D7F6-B498-43B3-948B-1728B52AA6E4}">
-                <adec:decorative xmlns:adec="http://schemas.microsoft.com/office/drawing/2017/decorative" val="1"/>
-              </a:ext>
-            </a:extLst>
-          </p:cNvPr>
-          <p:cNvSpPr>
-            <a:spLocks noGrp="1" noRot="1" noChangeAspect="1" noMove="1" noResize="1" noEditPoints="1" noAdjustHandles="1" noChangeArrowheads="1" noChangeShapeType="1" noTextEdit="1"/>
-          </p:cNvSpPr>
-          <p:nvPr>
-            <p:extLst>
-              <p:ext uri="{386F3935-93C4-4BCD-93E2-E3B085C9AB24}">
-                <p16:designElem xmlns:p16="http://schemas.microsoft.com/office/powerpoint/2015/main" val="1"/>
-              </p:ext>
-            </p:extLst>
-          </p:nvPr>
-        </p:nvSpPr>
-        <p:spPr>
-          <a:xfrm>
-            <a:off x="0" y="0"/>
-            <a:ext cx="12188952" cy="6858000"/>
-          </a:xfrm>
-          <a:prstGeom prst="rect">
-            <a:avLst/>
-          </a:prstGeom>
-          <a:ln>
-            <a:noFill/>
-          </a:ln>
-        </p:spPr>
-        <p:style>
-          <a:lnRef idx="2">
-            <a:schemeClr val="accent1">
-              <a:shade val="50000"/>
-            </a:schemeClr>
-          </a:lnRef>
-          <a:fillRef idx="1">
-            <a:schemeClr val="accent1"/>
-          </a:fillRef>
-          <a:effectRef idx="0">
-            <a:schemeClr val="accent1"/>
-          </a:effectRef>
-          <a:fontRef idx="minor">
-            <a:schemeClr val="lt1"/>
-          </a:fontRef>
-        </p:style>
-        <p:txBody>
-          <a:bodyPr rtlCol="0" anchor="ctr"/>
-          <a:lstStyle/>
-          <a:p>
-            <a:pPr algn="ctr"/>
-            <a:endParaRPr lang="en-US"/>
-          </a:p>
-        </p:txBody>
-      </p:sp>
-      <p:sp>
-        <p:nvSpPr>
-          <p:cNvPr id="12" name="Freeform 6">
-            <a:extLst>
-              <a:ext uri="{FF2B5EF4-FFF2-40B4-BE49-F238E27FC236}">
-                <a16:creationId xmlns:a16="http://schemas.microsoft.com/office/drawing/2014/main" id="{39E8235E-135E-4261-8F54-2B316E493C42}"/>
-              </a:ext>
-              <a:ext uri="{C183D7F6-B498-43B3-948B-1728B52AA6E4}">
-                <adec:decorative xmlns:adec="http://schemas.microsoft.com/office/drawing/2017/decorative" val="1"/>
-              </a:ext>
-            </a:extLst>
-          </p:cNvPr>
-          <p:cNvSpPr>
-            <a:spLocks noGrp="1" noRot="1" noChangeAspect="1" noMove="1" noResize="1" noEditPoints="1" noAdjustHandles="1" noChangeArrowheads="1" noChangeShapeType="1" noTextEdit="1"/>
-          </p:cNvSpPr>
-          <p:nvPr>
-            <p:extLst>
-              <p:ext uri="{386F3935-93C4-4BCD-93E2-E3B085C9AB24}">
-                <p16:designElem xmlns:p16="http://schemas.microsoft.com/office/powerpoint/2015/main" val="1"/>
-              </p:ext>
-            </p:extLst>
-          </p:nvPr>
-        </p:nvSpPr>
-        <p:spPr bwMode="auto">
-          <a:xfrm>
-            <a:off x="4142164" y="610728"/>
-            <a:ext cx="759618" cy="5710965"/>
-          </a:xfrm>
-          <a:custGeom>
-            <a:avLst/>
-            <a:gdLst>
-              <a:gd name="T0" fmla="*/ 414 w 414"/>
-              <a:gd name="T1" fmla="*/ 2447 h 2447"/>
-              <a:gd name="T2" fmla="*/ 0 w 414"/>
-              <a:gd name="T3" fmla="*/ 2247 h 2447"/>
-              <a:gd name="T4" fmla="*/ 0 w 414"/>
-              <a:gd name="T5" fmla="*/ 0 h 2447"/>
-              <a:gd name="T6" fmla="*/ 414 w 414"/>
-              <a:gd name="T7" fmla="*/ 200 h 2447"/>
-              <a:gd name="T8" fmla="*/ 414 w 414"/>
-              <a:gd name="T9" fmla="*/ 2447 h 2447"/>
-            </a:gdLst>
-            <a:ahLst/>
-            <a:cxnLst>
-              <a:cxn ang="0">
-                <a:pos x="T0" y="T1"/>
-              </a:cxn>
-              <a:cxn ang="0">
-                <a:pos x="T2" y="T3"/>
-              </a:cxn>
-              <a:cxn ang="0">
-                <a:pos x="T4" y="T5"/>
-              </a:cxn>
-              <a:cxn ang="0">
-                <a:pos x="T6" y="T7"/>
-              </a:cxn>
-              <a:cxn ang="0">
-                <a:pos x="T8" y="T9"/>
-              </a:cxn>
-            </a:cxnLst>
-            <a:rect l="0" t="0" r="r" b="b"/>
-            <a:pathLst>
-              <a:path w="414" h="2447">
-                <a:moveTo>
-                  <a:pt x="414" y="2447"/>
-                </a:moveTo>
-                <a:lnTo>
-                  <a:pt x="0" y="2247"/>
-                </a:lnTo>
-                <a:lnTo>
-                  <a:pt x="0" y="0"/>
-                </a:lnTo>
-                <a:lnTo>
-                  <a:pt x="414" y="200"/>
-                </a:lnTo>
-                <a:lnTo>
-                  <a:pt x="414" y="2447"/>
-                </a:lnTo>
-                <a:close/>
-              </a:path>
-            </a:pathLst>
-          </a:custGeom>
-          <a:solidFill>
-            <a:schemeClr val="accent1">
-              <a:lumMod val="75000"/>
-            </a:schemeClr>
-          </a:solidFill>
-          <a:ln>
-            <a:noFill/>
-          </a:ln>
-        </p:spPr>
-        <p:txBody>
-          <a:bodyPr vert="horz" wrap="square" lIns="91440" tIns="45720" rIns="91440" bIns="45720" numCol="1" anchor="t" anchorCtr="0" compatLnSpc="1">
-            <a:prstTxWarp prst="textNoShape">
-              <a:avLst/>
-            </a:prstTxWarp>
-          </a:bodyPr>
-          <a:lstStyle/>
-          <a:p>
-            <a:endParaRPr lang="en-US"/>
-          </a:p>
-        </p:txBody>
-      </p:sp>
-      <p:sp>
-        <p:nvSpPr>
-          <p:cNvPr id="14" name="Freeform 7">
-            <a:extLst>
-              <a:ext uri="{FF2B5EF4-FFF2-40B4-BE49-F238E27FC236}">
-                <a16:creationId xmlns:a16="http://schemas.microsoft.com/office/drawing/2014/main" id="{D4ED8EC3-4D57-4620-93CE-4E6661F09A3E}"/>
-              </a:ext>
-              <a:ext uri="{C183D7F6-B498-43B3-948B-1728B52AA6E4}">
-                <adec:decorative xmlns:adec="http://schemas.microsoft.com/office/drawing/2017/decorative" val="1"/>
-              </a:ext>
-            </a:extLst>
-          </p:cNvPr>
-          <p:cNvSpPr>
-            <a:spLocks noGrp="1" noRot="1" noChangeAspect="1" noMove="1" noResize="1" noEditPoints="1" noAdjustHandles="1" noChangeArrowheads="1" noChangeShapeType="1" noTextEdit="1"/>
-          </p:cNvSpPr>
-          <p:nvPr>
-            <p:extLst>
-              <p:ext uri="{386F3935-93C4-4BCD-93E2-E3B085C9AB24}">
-                <p16:designElem xmlns:p16="http://schemas.microsoft.com/office/powerpoint/2015/main" val="1"/>
-              </p:ext>
-            </p:extLst>
-          </p:nvPr>
-        </p:nvSpPr>
-        <p:spPr bwMode="auto">
-          <a:xfrm>
-            <a:off x="4144437" y="343079"/>
-            <a:ext cx="482654" cy="5521414"/>
-          </a:xfrm>
-          <a:custGeom>
-            <a:avLst/>
-            <a:gdLst>
-              <a:gd name="T0" fmla="*/ 209 w 209"/>
-              <a:gd name="T1" fmla="*/ 2246 h 2358"/>
-              <a:gd name="T2" fmla="*/ 0 w 209"/>
-              <a:gd name="T3" fmla="*/ 2358 h 2358"/>
-              <a:gd name="T4" fmla="*/ 0 w 209"/>
-              <a:gd name="T5" fmla="*/ 111 h 2358"/>
-              <a:gd name="T6" fmla="*/ 209 w 209"/>
-              <a:gd name="T7" fmla="*/ 0 h 2358"/>
-              <a:gd name="T8" fmla="*/ 209 w 209"/>
-              <a:gd name="T9" fmla="*/ 2246 h 2358"/>
-            </a:gdLst>
-            <a:ahLst/>
-            <a:cxnLst>
-              <a:cxn ang="0">
-                <a:pos x="T0" y="T1"/>
-              </a:cxn>
-              <a:cxn ang="0">
-                <a:pos x="T2" y="T3"/>
-              </a:cxn>
-              <a:cxn ang="0">
-                <a:pos x="T4" y="T5"/>
-              </a:cxn>
-              <a:cxn ang="0">
-                <a:pos x="T6" y="T7"/>
-              </a:cxn>
-              <a:cxn ang="0">
-                <a:pos x="T8" y="T9"/>
-              </a:cxn>
-            </a:cxnLst>
-            <a:rect l="0" t="0" r="r" b="b"/>
-            <a:pathLst>
-              <a:path w="209" h="2358">
-                <a:moveTo>
-                  <a:pt x="209" y="2246"/>
-                </a:moveTo>
-                <a:lnTo>
-                  <a:pt x="0" y="2358"/>
-                </a:lnTo>
-                <a:lnTo>
-                  <a:pt x="0" y="111"/>
-                </a:lnTo>
-                <a:lnTo>
-                  <a:pt x="209" y="0"/>
-                </a:lnTo>
-                <a:lnTo>
-                  <a:pt x="209" y="2246"/>
-                </a:lnTo>
-                <a:close/>
-              </a:path>
-            </a:pathLst>
-          </a:custGeom>
-          <a:solidFill>
-            <a:schemeClr val="accent1">
-              <a:lumMod val="50000"/>
-            </a:schemeClr>
-          </a:solidFill>
-          <a:ln>
-            <a:noFill/>
-          </a:ln>
-        </p:spPr>
-        <p:txBody>
-          <a:bodyPr vert="horz" wrap="square" lIns="91440" tIns="45720" rIns="91440" bIns="45720" numCol="1" anchor="t" anchorCtr="0" compatLnSpc="1">
-            <a:prstTxWarp prst="textNoShape">
-              <a:avLst/>
-            </a:prstTxWarp>
-          </a:bodyPr>
-          <a:lstStyle/>
-          <a:p>
-            <a:endParaRPr lang="en-US"/>
-          </a:p>
-        </p:txBody>
-      </p:sp>
-      <p:sp>
-        <p:nvSpPr>
-          <p:cNvPr id="16" name="Freeform: Shape 15">
-            <a:extLst>
-              <a:ext uri="{FF2B5EF4-FFF2-40B4-BE49-F238E27FC236}">
-                <a16:creationId xmlns:a16="http://schemas.microsoft.com/office/drawing/2014/main" id="{83BCB34A-2F40-4F41-8488-A134C1C155B7}"/>
-              </a:ext>
-              <a:ext uri="{C183D7F6-B498-43B3-948B-1728B52AA6E4}">
-                <adec:decorative xmlns:adec="http://schemas.microsoft.com/office/drawing/2017/decorative" val="1"/>
-              </a:ext>
-            </a:extLst>
-          </p:cNvPr>
-          <p:cNvSpPr>
-            <a:spLocks noGrp="1" noRot="1" noChangeAspect="1" noMove="1" noResize="1" noEditPoints="1" noAdjustHandles="1" noChangeArrowheads="1" noChangeShapeType="1" noTextEdit="1"/>
-          </p:cNvSpPr>
-          <p:nvPr>
-            <p:extLst>
-              <p:ext uri="{386F3935-93C4-4BCD-93E2-E3B085C9AB24}">
-                <p16:designElem xmlns:p16="http://schemas.microsoft.com/office/powerpoint/2015/main" val="1"/>
-              </p:ext>
-            </p:extLst>
-          </p:nvPr>
-        </p:nvSpPr>
-        <p:spPr>
-          <a:xfrm>
-            <a:off x="-3045" y="340424"/>
-            <a:ext cx="4630139" cy="5265795"/>
-          </a:xfrm>
-          <a:custGeom>
-            <a:avLst/>
-            <a:gdLst>
-              <a:gd name="connsiteX0" fmla="*/ 0 w 4630139"/>
-              <a:gd name="connsiteY0" fmla="*/ 0 h 5265795"/>
-              <a:gd name="connsiteX1" fmla="*/ 4630139 w 4630139"/>
-              <a:gd name="connsiteY1" fmla="*/ 0 h 5265795"/>
-              <a:gd name="connsiteX2" fmla="*/ 4630139 w 4630139"/>
-              <a:gd name="connsiteY2" fmla="*/ 5265795 h 5265795"/>
-              <a:gd name="connsiteX3" fmla="*/ 0 w 4630139"/>
-              <a:gd name="connsiteY3" fmla="*/ 5265795 h 5265795"/>
-            </a:gdLst>
-            <a:ahLst/>
-            <a:cxnLst>
-              <a:cxn ang="0">
-                <a:pos x="connsiteX0" y="connsiteY0"/>
-              </a:cxn>
-              <a:cxn ang="0">
-                <a:pos x="connsiteX1" y="connsiteY1"/>
-              </a:cxn>
-              <a:cxn ang="0">
-                <a:pos x="connsiteX2" y="connsiteY2"/>
-              </a:cxn>
-              <a:cxn ang="0">
-                <a:pos x="connsiteX3" y="connsiteY3"/>
-              </a:cxn>
-            </a:cxnLst>
-            <a:rect l="l" t="t" r="r" b="b"/>
-            <a:pathLst>
-              <a:path w="4630139" h="5265795">
-                <a:moveTo>
-                  <a:pt x="0" y="0"/>
-                </a:moveTo>
-                <a:lnTo>
-                  <a:pt x="4630139" y="0"/>
-                </a:lnTo>
-                <a:lnTo>
-                  <a:pt x="4630139" y="5265795"/>
-                </a:lnTo>
-                <a:lnTo>
-                  <a:pt x="0" y="5265795"/>
-                </a:lnTo>
-                <a:close/>
-              </a:path>
-            </a:pathLst>
-          </a:custGeom>
-          <a:ln>
-            <a:noFill/>
-          </a:ln>
-        </p:spPr>
-        <p:style>
-          <a:lnRef idx="2">
-            <a:schemeClr val="accent1">
-              <a:shade val="50000"/>
-            </a:schemeClr>
-          </a:lnRef>
-          <a:fillRef idx="1">
-            <a:schemeClr val="accent1"/>
-          </a:fillRef>
-          <a:effectRef idx="0">
-            <a:schemeClr val="accent1"/>
-          </a:effectRef>
-          <a:fontRef idx="minor">
-            <a:schemeClr val="lt1"/>
-          </a:fontRef>
-        </p:style>
-        <p:txBody>
-          <a:bodyPr wrap="square" rtlCol="0" anchor="ctr">
-            <a:noAutofit/>
-          </a:bodyPr>
-          <a:lstStyle/>
-          <a:p>
-            <a:pPr algn="ctr"/>
-            <a:endParaRPr lang="en-US"/>
-          </a:p>
-        </p:txBody>
-      </p:sp>
-      <p:sp>
-        <p:nvSpPr>
-          <p:cNvPr id="18" name="Freeform: Shape 17">
-            <a:extLst>
-              <a:ext uri="{FF2B5EF4-FFF2-40B4-BE49-F238E27FC236}">
-                <a16:creationId xmlns:a16="http://schemas.microsoft.com/office/drawing/2014/main" id="{F78382DC-4207-465E-B379-1E16448AA222}"/>
-              </a:ext>
-              <a:ext uri="{C183D7F6-B498-43B3-948B-1728B52AA6E4}">
-                <adec:decorative xmlns:adec="http://schemas.microsoft.com/office/drawing/2017/decorative" val="1"/>
-              </a:ext>
-            </a:extLst>
-          </p:cNvPr>
-          <p:cNvSpPr>
-            <a:spLocks noGrp="1" noRot="1" noChangeAspect="1" noMove="1" noResize="1" noEditPoints="1" noAdjustHandles="1" noChangeArrowheads="1" noChangeShapeType="1" noTextEdit="1"/>
-          </p:cNvSpPr>
-          <p:nvPr>
-            <p:extLst>
-              <p:ext uri="{386F3935-93C4-4BCD-93E2-E3B085C9AB24}">
-                <p16:designElem xmlns:p16="http://schemas.microsoft.com/office/powerpoint/2015/main" val="1"/>
-              </p:ext>
-            </p:extLst>
-          </p:nvPr>
-        </p:nvSpPr>
-        <p:spPr>
-          <a:xfrm>
-            <a:off x="4901780" y="1071563"/>
-            <a:ext cx="7290218" cy="5242298"/>
-          </a:xfrm>
-          <a:custGeom>
-            <a:avLst/>
-            <a:gdLst>
-              <a:gd name="connsiteX0" fmla="*/ 0 w 7290218"/>
-              <a:gd name="connsiteY0" fmla="*/ 0 h 5242298"/>
-              <a:gd name="connsiteX1" fmla="*/ 7290218 w 7290218"/>
-              <a:gd name="connsiteY1" fmla="*/ 0 h 5242298"/>
-              <a:gd name="connsiteX2" fmla="*/ 7290218 w 7290218"/>
-              <a:gd name="connsiteY2" fmla="*/ 5242298 h 5242298"/>
-              <a:gd name="connsiteX3" fmla="*/ 0 w 7290218"/>
-              <a:gd name="connsiteY3" fmla="*/ 5242298 h 5242298"/>
-            </a:gdLst>
-            <a:ahLst/>
-            <a:cxnLst>
-              <a:cxn ang="0">
-                <a:pos x="connsiteX0" y="connsiteY0"/>
-              </a:cxn>
-              <a:cxn ang="0">
-                <a:pos x="connsiteX1" y="connsiteY1"/>
-              </a:cxn>
-              <a:cxn ang="0">
-                <a:pos x="connsiteX2" y="connsiteY2"/>
-              </a:cxn>
-              <a:cxn ang="0">
-                <a:pos x="connsiteX3" y="connsiteY3"/>
-              </a:cxn>
-            </a:cxnLst>
-            <a:rect l="l" t="t" r="r" b="b"/>
-            <a:pathLst>
-              <a:path w="7290218" h="5242298">
-                <a:moveTo>
-                  <a:pt x="0" y="0"/>
-                </a:moveTo>
-                <a:lnTo>
-                  <a:pt x="7290218" y="0"/>
-                </a:lnTo>
-                <a:lnTo>
-                  <a:pt x="7290218" y="5242298"/>
-                </a:lnTo>
-                <a:lnTo>
-                  <a:pt x="0" y="5242298"/>
-                </a:lnTo>
-                <a:close/>
-              </a:path>
-            </a:pathLst>
-          </a:custGeom>
-          <a:ln>
-            <a:noFill/>
-          </a:ln>
-        </p:spPr>
-        <p:style>
-          <a:lnRef idx="2">
-            <a:schemeClr val="accent1">
-              <a:shade val="50000"/>
-            </a:schemeClr>
-          </a:lnRef>
-          <a:fillRef idx="1">
-            <a:schemeClr val="accent1"/>
-          </a:fillRef>
-          <a:effectRef idx="0">
-            <a:schemeClr val="accent1"/>
-          </a:effectRef>
-          <a:fontRef idx="minor">
-            <a:schemeClr val="lt1"/>
-          </a:fontRef>
-        </p:style>
-        <p:txBody>
-          <a:bodyPr wrap="square" rtlCol="0" anchor="ctr">
-            <a:noAutofit/>
-          </a:bodyPr>
-          <a:lstStyle/>
-          <a:p>
-            <a:pPr algn="ctr"/>
-            <a:endParaRPr lang="en-US"/>
-          </a:p>
-        </p:txBody>
-      </p:sp>
-      <p:pic>
-        <p:nvPicPr>
-          <p:cNvPr id="6" name="Immagine 5">
-            <a:extLst>
-              <a:ext uri="{FF2B5EF4-FFF2-40B4-BE49-F238E27FC236}">
-                <a16:creationId xmlns:a16="http://schemas.microsoft.com/office/drawing/2014/main" id="{319EA13C-A6AF-4154-806E-8ACB28521B7A}"/>
-              </a:ext>
-            </a:extLst>
-          </p:cNvPr>
-          <p:cNvPicPr>
-            <a:picLocks noChangeAspect="1"/>
-          </p:cNvPicPr>
-          <p:nvPr/>
-        </p:nvPicPr>
-        <p:blipFill>
-          <a:blip r:embed="rId2">
-            <a:extLst>
-              <a:ext uri="{28A0092B-C50C-407E-A947-70E740481C1C}">
-                <a14:useLocalDpi xmlns:a14="http://schemas.microsoft.com/office/drawing/2010/main" val="0"/>
-              </a:ext>
-            </a:extLst>
-          </a:blip>
-          <a:stretch>
-            <a:fillRect/>
-          </a:stretch>
-        </p:blipFill>
-        <p:spPr>
-          <a:xfrm>
-            <a:off x="1804432" y="4165599"/>
-            <a:ext cx="2792123" cy="1570569"/>
-          </a:xfrm>
-          <a:prstGeom prst="rect">
-            <a:avLst/>
-          </a:prstGeom>
-        </p:spPr>
-      </p:pic>
-      <p:sp>
-        <p:nvSpPr>
-          <p:cNvPr id="7" name="CasellaDiTesto 6">
-            <a:extLst>
-              <a:ext uri="{FF2B5EF4-FFF2-40B4-BE49-F238E27FC236}">
-                <a16:creationId xmlns:a16="http://schemas.microsoft.com/office/drawing/2014/main" id="{777A3FD9-3801-41F7-8DD1-4AF4E3125BFE}"/>
-              </a:ext>
-            </a:extLst>
-          </p:cNvPr>
-          <p:cNvSpPr txBox="1"/>
-          <p:nvPr/>
-        </p:nvSpPr>
-        <p:spPr>
-          <a:xfrm>
-            <a:off x="3048" y="705138"/>
-            <a:ext cx="4627091" cy="1569660"/>
-          </a:xfrm>
-          <a:prstGeom prst="rect">
-            <a:avLst/>
-          </a:prstGeom>
-          <a:noFill/>
-        </p:spPr>
-        <p:txBody>
-          <a:bodyPr wrap="square" rtlCol="0">
-            <a:spAutoFit/>
-          </a:bodyPr>
-          <a:lstStyle/>
-          <a:p>
-            <a:r>
-              <a:rPr lang="it-IT" sz="2400" dirty="0">
-                <a:solidFill>
-                  <a:schemeClr val="bg1"/>
-                </a:solidFill>
-              </a:rPr>
-              <a:t>Per rendere meglio l’idea dell’interazione tra sistema e utente presentiamo lo state chart dell’operazione</a:t>
-            </a:r>
-          </a:p>
-        </p:txBody>
-      </p:sp>
-      <p:pic>
-        <p:nvPicPr>
-          <p:cNvPr id="11" name="Immagine 10">
-            <a:extLst>
-              <a:ext uri="{FF2B5EF4-FFF2-40B4-BE49-F238E27FC236}">
-                <a16:creationId xmlns:a16="http://schemas.microsoft.com/office/drawing/2014/main" id="{32639F8C-AE53-47A6-9374-A4BFF7F8FEC1}"/>
-              </a:ext>
-            </a:extLst>
-          </p:cNvPr>
-          <p:cNvPicPr>
-            <a:picLocks noChangeAspect="1"/>
-          </p:cNvPicPr>
-          <p:nvPr/>
-        </p:nvPicPr>
-        <p:blipFill>
-          <a:blip r:embed="rId3">
-            <a:extLst>
-              <a:ext uri="{28A0092B-C50C-407E-A947-70E740481C1C}">
-                <a14:useLocalDpi xmlns:a14="http://schemas.microsoft.com/office/drawing/2010/main" val="0"/>
-              </a:ext>
-            </a:extLst>
-          </a:blip>
-          <a:stretch>
-            <a:fillRect/>
-          </a:stretch>
-        </p:blipFill>
-        <p:spPr>
-          <a:xfrm>
-            <a:off x="5356171" y="1451840"/>
-            <a:ext cx="6556065" cy="4481744"/>
-          </a:xfrm>
-          <a:prstGeom prst="rect">
-            <a:avLst/>
-          </a:prstGeom>
-        </p:spPr>
-      </p:pic>
-    </p:spTree>
-    <p:extLst>
-      <p:ext uri="{BB962C8B-B14F-4D97-AF65-F5344CB8AC3E}">
-        <p14:creationId xmlns:p14="http://schemas.microsoft.com/office/powerpoint/2010/main" val="3485280220"/>
-      </p:ext>
-    </p:extLst>
-  </p:cSld>
-  <p:clrMapOvr>
-    <a:masterClrMapping/>
-  </p:clrMapOvr>
-</p:sld>
-</file>
-
 <file path=ppt/slides/slide15.xml><?xml version="1.0" encoding="utf-8"?>
 <p:sld xmlns:a="http://schemas.openxmlformats.org/drawingml/2006/main" xmlns:r="http://schemas.openxmlformats.org/officeDocument/2006/relationships" xmlns:p="http://schemas.openxmlformats.org/presentationml/2006/main">
   <p:cSld>
@@ -8859,7 +8865,7 @@
         <p:spPr>
           <a:xfrm>
             <a:off x="3048" y="705138"/>
-            <a:ext cx="4627091" cy="461665"/>
+            <a:ext cx="4627091" cy="1569660"/>
           </a:xfrm>
           <a:prstGeom prst="rect">
             <a:avLst/>
@@ -8878,17 +8884,17 @@
                   <a:schemeClr val="bg1"/>
                 </a:solidFill>
               </a:rPr>
-              <a:t>Come vedrà tutto questo l’utente?</a:t>
+              <a:t>Per rendere meglio l’idea dell’interazione tra sistema e utente presentiamo lo state chart dell’operazione</a:t>
             </a:r>
           </a:p>
         </p:txBody>
       </p:sp>
       <p:pic>
         <p:nvPicPr>
-          <p:cNvPr id="3" name="Immagine 2">
-            <a:extLst>
-              <a:ext uri="{FF2B5EF4-FFF2-40B4-BE49-F238E27FC236}">
-                <a16:creationId xmlns:a16="http://schemas.microsoft.com/office/drawing/2014/main" id="{DF8E5127-ECC8-4A9A-9817-6D44D60595CE}"/>
+          <p:cNvPr id="11" name="Immagine 10">
+            <a:extLst>
+              <a:ext uri="{FF2B5EF4-FFF2-40B4-BE49-F238E27FC236}">
+                <a16:creationId xmlns:a16="http://schemas.microsoft.com/office/drawing/2014/main" id="{32639F8C-AE53-47A6-9374-A4BFF7F8FEC1}"/>
               </a:ext>
             </a:extLst>
           </p:cNvPr>
@@ -8911,8 +8917,8 @@
         </p:blipFill>
         <p:spPr>
           <a:xfrm>
-            <a:off x="6284126" y="1361458"/>
-            <a:ext cx="4525525" cy="4662508"/>
+            <a:off x="5356171" y="1451840"/>
+            <a:ext cx="6556065" cy="4481744"/>
           </a:xfrm>
           <a:prstGeom prst="rect">
             <a:avLst/>
@@ -8922,7 +8928,7 @@
     </p:spTree>
     <p:extLst>
       <p:ext uri="{BB962C8B-B14F-4D97-AF65-F5344CB8AC3E}">
-        <p14:creationId xmlns:p14="http://schemas.microsoft.com/office/powerpoint/2010/main" val="3802422659"/>
+        <p14:creationId xmlns:p14="http://schemas.microsoft.com/office/powerpoint/2010/main" val="3485280220"/>
       </p:ext>
     </p:extLst>
   </p:cSld>
@@ -9510,10 +9516,10 @@
       </p:sp>
       <p:pic>
         <p:nvPicPr>
-          <p:cNvPr id="8" name="Immagine 7">
-            <a:extLst>
-              <a:ext uri="{FF2B5EF4-FFF2-40B4-BE49-F238E27FC236}">
-                <a16:creationId xmlns:a16="http://schemas.microsoft.com/office/drawing/2014/main" id="{296F354F-C1AF-4A34-8353-36EB36513D4E}"/>
+          <p:cNvPr id="3" name="Immagine 2">
+            <a:extLst>
+              <a:ext uri="{FF2B5EF4-FFF2-40B4-BE49-F238E27FC236}">
+                <a16:creationId xmlns:a16="http://schemas.microsoft.com/office/drawing/2014/main" id="{DF8E5127-ECC8-4A9A-9817-6D44D60595CE}"/>
               </a:ext>
             </a:extLst>
           </p:cNvPr>
@@ -9536,8 +9542,8 @@
         </p:blipFill>
         <p:spPr>
           <a:xfrm>
-            <a:off x="6671980" y="1371620"/>
-            <a:ext cx="4505797" cy="4642183"/>
+            <a:off x="6284126" y="1361458"/>
+            <a:ext cx="4525525" cy="4662508"/>
           </a:xfrm>
           <a:prstGeom prst="rect">
             <a:avLst/>
@@ -9547,7 +9553,7 @@
     </p:spTree>
     <p:extLst>
       <p:ext uri="{BB962C8B-B14F-4D97-AF65-F5344CB8AC3E}">
-        <p14:creationId xmlns:p14="http://schemas.microsoft.com/office/powerpoint/2010/main" val="3917971081"/>
+        <p14:creationId xmlns:p14="http://schemas.microsoft.com/office/powerpoint/2010/main" val="3802422659"/>
       </p:ext>
     </p:extLst>
   </p:cSld>
@@ -10108,8 +10114,8 @@
         </p:nvSpPr>
         <p:spPr>
           <a:xfrm>
-            <a:off x="271643" y="1521728"/>
-            <a:ext cx="4627091" cy="1323439"/>
+            <a:off x="3048" y="705138"/>
+            <a:ext cx="4627091" cy="461665"/>
           </a:xfrm>
           <a:prstGeom prst="rect">
             <a:avLst/>
@@ -10123,29 +10129,22 @@
           <a:lstStyle/>
           <a:p>
             <a:r>
-              <a:rPr lang="it-IT" sz="2800" dirty="0">
+              <a:rPr lang="it-IT" sz="2400" dirty="0">
                 <a:solidFill>
                   <a:schemeClr val="bg1"/>
                 </a:solidFill>
               </a:rPr>
-              <a:t>In generale, il progetto sarà strutturato così</a:t>
+              <a:t>Come vedrà tutto questo l’utente?</a:t>
             </a:r>
-          </a:p>
-          <a:p>
-            <a:endParaRPr lang="it-IT" sz="2400" dirty="0">
-              <a:solidFill>
-                <a:schemeClr val="bg1"/>
-              </a:solidFill>
-            </a:endParaRPr>
           </a:p>
         </p:txBody>
       </p:sp>
       <p:pic>
         <p:nvPicPr>
-          <p:cNvPr id="3" name="Immagine 2">
-            <a:extLst>
-              <a:ext uri="{FF2B5EF4-FFF2-40B4-BE49-F238E27FC236}">
-                <a16:creationId xmlns:a16="http://schemas.microsoft.com/office/drawing/2014/main" id="{FFDB861D-295A-407F-A99E-53A67B54F058}"/>
+          <p:cNvPr id="8" name="Immagine 7">
+            <a:extLst>
+              <a:ext uri="{FF2B5EF4-FFF2-40B4-BE49-F238E27FC236}">
+                <a16:creationId xmlns:a16="http://schemas.microsoft.com/office/drawing/2014/main" id="{296F354F-C1AF-4A34-8353-36EB36513D4E}"/>
               </a:ext>
             </a:extLst>
           </p:cNvPr>
@@ -10168,8 +10167,8 @@
         </p:blipFill>
         <p:spPr>
           <a:xfrm>
-            <a:off x="6958732" y="1234474"/>
-            <a:ext cx="3833240" cy="4981241"/>
+            <a:off x="6671980" y="1371620"/>
+            <a:ext cx="4505797" cy="4642183"/>
           </a:xfrm>
           <a:prstGeom prst="rect">
             <a:avLst/>
@@ -10179,7 +10178,7 @@
     </p:spTree>
     <p:extLst>
       <p:ext uri="{BB962C8B-B14F-4D97-AF65-F5344CB8AC3E}">
-        <p14:creationId xmlns:p14="http://schemas.microsoft.com/office/powerpoint/2010/main" val="2310303746"/>
+        <p14:creationId xmlns:p14="http://schemas.microsoft.com/office/powerpoint/2010/main" val="3917971081"/>
       </p:ext>
     </p:extLst>
   </p:cSld>
@@ -10740,8 +10739,8 @@
         </p:nvSpPr>
         <p:spPr>
           <a:xfrm>
-            <a:off x="16573" y="1521728"/>
-            <a:ext cx="4882161" cy="1323439"/>
+            <a:off x="271643" y="1521728"/>
+            <a:ext cx="4627091" cy="1323439"/>
           </a:xfrm>
           <a:prstGeom prst="rect">
             <a:avLst/>
@@ -10760,23 +10759,7 @@
                   <a:schemeClr val="bg1"/>
                 </a:solidFill>
               </a:rPr>
-              <a:t>E sarà </a:t>
-            </a:r>
-            <a:r>
-              <a:rPr lang="it-IT" sz="2800" dirty="0" err="1">
-                <a:solidFill>
-                  <a:schemeClr val="bg1"/>
-                </a:solidFill>
-              </a:rPr>
-              <a:t>deployato</a:t>
-            </a:r>
-            <a:r>
-              <a:rPr lang="it-IT" sz="2800" dirty="0">
-                <a:solidFill>
-                  <a:schemeClr val="bg1"/>
-                </a:solidFill>
-              </a:rPr>
-              <a:t> in questa forma</a:t>
+              <a:t>In generale, il progetto sarà strutturato così</a:t>
             </a:r>
           </a:p>
           <a:p>
@@ -10790,10 +10773,10 @@
       </p:sp>
       <p:pic>
         <p:nvPicPr>
-          <p:cNvPr id="4" name="Immagine 3">
-            <a:extLst>
-              <a:ext uri="{FF2B5EF4-FFF2-40B4-BE49-F238E27FC236}">
-                <a16:creationId xmlns:a16="http://schemas.microsoft.com/office/drawing/2014/main" id="{E64A7578-920D-4551-8B4E-BD8004272121}"/>
+          <p:cNvPr id="3" name="Immagine 2">
+            <a:extLst>
+              <a:ext uri="{FF2B5EF4-FFF2-40B4-BE49-F238E27FC236}">
+                <a16:creationId xmlns:a16="http://schemas.microsoft.com/office/drawing/2014/main" id="{FFDB861D-295A-407F-A99E-53A67B54F058}"/>
               </a:ext>
             </a:extLst>
           </p:cNvPr>
@@ -10816,8 +10799,8 @@
         </p:blipFill>
         <p:spPr>
           <a:xfrm>
-            <a:off x="5594710" y="1836359"/>
-            <a:ext cx="6315949" cy="3712705"/>
+            <a:off x="6958732" y="1234474"/>
+            <a:ext cx="3833240" cy="4981241"/>
           </a:xfrm>
           <a:prstGeom prst="rect">
             <a:avLst/>
@@ -10827,7 +10810,7 @@
     </p:spTree>
     <p:extLst>
       <p:ext uri="{BB962C8B-B14F-4D97-AF65-F5344CB8AC3E}">
-        <p14:creationId xmlns:p14="http://schemas.microsoft.com/office/powerpoint/2010/main" val="256468084"/>
+        <p14:creationId xmlns:p14="http://schemas.microsoft.com/office/powerpoint/2010/main" val="2310303746"/>
       </p:ext>
     </p:extLst>
   </p:cSld>
@@ -11388,8 +11371,8 @@
         </p:nvSpPr>
         <p:spPr>
           <a:xfrm>
-            <a:off x="181087" y="1775958"/>
-            <a:ext cx="4415468" cy="954107"/>
+            <a:off x="16573" y="1521728"/>
+            <a:ext cx="4882161" cy="1323439"/>
           </a:xfrm>
           <a:prstGeom prst="rect">
             <a:avLst/>
@@ -11403,12 +11386,28 @@
           <a:lstStyle/>
           <a:p>
             <a:r>
-              <a:rPr lang="it-IT" sz="3200" b="1" dirty="0">
+              <a:rPr lang="it-IT" sz="2800" dirty="0">
                 <a:solidFill>
                   <a:schemeClr val="bg1"/>
                 </a:solidFill>
               </a:rPr>
-              <a:t>Due design goals su tutti</a:t>
+              <a:t>E sarà </a:t>
+            </a:r>
+            <a:r>
+              <a:rPr lang="it-IT" sz="2800" dirty="0" err="1">
+                <a:solidFill>
+                  <a:schemeClr val="bg1"/>
+                </a:solidFill>
+              </a:rPr>
+              <a:t>deployato</a:t>
+            </a:r>
+            <a:r>
+              <a:rPr lang="it-IT" sz="2800" dirty="0">
+                <a:solidFill>
+                  <a:schemeClr val="bg1"/>
+                </a:solidFill>
+              </a:rPr>
+              <a:t> in questa forma</a:t>
             </a:r>
           </a:p>
           <a:p>
@@ -11422,10 +11421,10 @@
       </p:sp>
       <p:pic>
         <p:nvPicPr>
-          <p:cNvPr id="9" name="Immagine 8">
-            <a:extLst>
-              <a:ext uri="{FF2B5EF4-FFF2-40B4-BE49-F238E27FC236}">
-                <a16:creationId xmlns:a16="http://schemas.microsoft.com/office/drawing/2014/main" id="{82A90A7D-0ECB-4413-A70C-1220FE546F2D}"/>
+          <p:cNvPr id="4" name="Immagine 3">
+            <a:extLst>
+              <a:ext uri="{FF2B5EF4-FFF2-40B4-BE49-F238E27FC236}">
+                <a16:creationId xmlns:a16="http://schemas.microsoft.com/office/drawing/2014/main" id="{E64A7578-920D-4551-8B4E-BD8004272121}"/>
               </a:ext>
             </a:extLst>
           </p:cNvPr>
@@ -11435,15 +11434,21 @@
           <p:nvPr/>
         </p:nvPicPr>
         <p:blipFill>
-          <a:blip r:embed="rId3"/>
+          <a:blip r:embed="rId3">
+            <a:extLst>
+              <a:ext uri="{28A0092B-C50C-407E-A947-70E740481C1C}">
+                <a14:useLocalDpi xmlns:a14="http://schemas.microsoft.com/office/drawing/2010/main" val="0"/>
+              </a:ext>
+            </a:extLst>
+          </a:blip>
           <a:stretch>
             <a:fillRect/>
           </a:stretch>
         </p:blipFill>
         <p:spPr>
           <a:xfrm>
-            <a:off x="5465099" y="2486960"/>
-            <a:ext cx="6529192" cy="1884080"/>
+            <a:off x="5594710" y="1836359"/>
+            <a:ext cx="6315949" cy="3712705"/>
           </a:xfrm>
           <a:prstGeom prst="rect">
             <a:avLst/>
@@ -11453,7 +11458,7 @@
     </p:spTree>
     <p:extLst>
       <p:ext uri="{BB962C8B-B14F-4D97-AF65-F5344CB8AC3E}">
-        <p14:creationId xmlns:p14="http://schemas.microsoft.com/office/powerpoint/2010/main" val="3154088822"/>
+        <p14:creationId xmlns:p14="http://schemas.microsoft.com/office/powerpoint/2010/main" val="256468084"/>
       </p:ext>
     </p:extLst>
   </p:cSld>
@@ -12037,30 +12042,37 @@
               <a:buChar char="•"/>
             </a:pPr>
             <a:r>
-              <a:rPr lang="en-US" sz="2400" b="1">
+              <a:rPr lang="en-US" sz="2400" b="1" dirty="0" err="1">
                 <a:solidFill>
                   <a:srgbClr val="FEFFFF"/>
                 </a:solidFill>
               </a:rPr>
-              <a:t>MedQueue nasce per semplificare il processo di prenotazione ai servizi burocratici degli ospedali, rendendo più facile e gestibile la situazione all’interno degli uffici sia per il personale ospedaliero sia per i clienti.</a:t>
+              <a:t>Semplificazione</a:t>
             </a:r>
-          </a:p>
-          <a:p>
-            <a:pPr indent="-228600">
-              <a:lnSpc>
-                <a:spcPct val="90000"/>
-              </a:lnSpc>
-              <a:spcAft>
-                <a:spcPts val="600"/>
-              </a:spcAft>
-              <a:buFont typeface="Arial" panose="020B0604020202020204" pitchFamily="34" charset="0"/>
-              <a:buChar char="•"/>
-            </a:pPr>
-            <a:endParaRPr lang="en-US" sz="2400" b="1">
-              <a:solidFill>
-                <a:srgbClr val="FEFFFF"/>
-              </a:solidFill>
-            </a:endParaRPr>
+            <a:r>
+              <a:rPr lang="en-US" sz="2400" b="1" dirty="0">
+                <a:solidFill>
+                  <a:srgbClr val="FEFFFF"/>
+                </a:solidFill>
+              </a:rPr>
+              <a:t> per tutti </a:t>
+            </a:r>
+            <a:r>
+              <a:rPr lang="en-US" sz="2400" b="1" dirty="0" err="1">
+                <a:solidFill>
+                  <a:srgbClr val="FEFFFF"/>
+                </a:solidFill>
+              </a:rPr>
+              <a:t>gli</a:t>
+            </a:r>
+            <a:r>
+              <a:rPr lang="en-US" sz="2400" b="1" dirty="0">
+                <a:solidFill>
+                  <a:srgbClr val="FEFFFF"/>
+                </a:solidFill>
+              </a:rPr>
+              <a:t> stakeholders</a:t>
+            </a:r>
           </a:p>
           <a:p>
             <a:pPr indent="-228600">
@@ -12074,12 +12086,44 @@
               <a:buChar char="•"/>
             </a:pPr>
             <a:r>
-              <a:rPr lang="en-US" sz="2400" b="1">
+              <a:rPr lang="en-US" sz="2400" b="1" dirty="0">
                 <a:solidFill>
                   <a:srgbClr val="FEFFFF"/>
                 </a:solidFill>
               </a:rPr>
-              <a:t>Oltre a rendere in generale l’esperienza migliore, in periodi come quelli moderni, aiuta anche a gestire i distanziamenti dovuti alle imposizioni per prevenzione Covid-19.</a:t>
+              <a:t>Rispetto </a:t>
+            </a:r>
+            <a:r>
+              <a:rPr lang="en-US" sz="2400" b="1" dirty="0" err="1">
+                <a:solidFill>
+                  <a:srgbClr val="FEFFFF"/>
+                </a:solidFill>
+              </a:rPr>
+              <a:t>delle</a:t>
+            </a:r>
+            <a:r>
+              <a:rPr lang="en-US" sz="2400" b="1" dirty="0">
+                <a:solidFill>
+                  <a:srgbClr val="FEFFFF"/>
+                </a:solidFill>
+              </a:rPr>
+              <a:t> </a:t>
+            </a:r>
+            <a:r>
+              <a:rPr lang="en-US" sz="2400" b="1" dirty="0" err="1">
+                <a:solidFill>
+                  <a:srgbClr val="FEFFFF"/>
+                </a:solidFill>
+              </a:rPr>
+              <a:t>norme</a:t>
+            </a:r>
+            <a:r>
+              <a:rPr lang="en-US" sz="2400" b="1" dirty="0">
+                <a:solidFill>
+                  <a:srgbClr val="FEFFFF"/>
+                </a:solidFill>
+              </a:rPr>
+              <a:t> anti Covid-19.</a:t>
             </a:r>
           </a:p>
         </p:txBody>
@@ -12124,6 +12168,632 @@
     <p:extLst>
       <p:ext uri="{BB962C8B-B14F-4D97-AF65-F5344CB8AC3E}">
         <p14:creationId xmlns:p14="http://schemas.microsoft.com/office/powerpoint/2010/main" val="938063604"/>
+      </p:ext>
+    </p:extLst>
+  </p:cSld>
+  <p:clrMapOvr>
+    <a:masterClrMapping/>
+  </p:clrMapOvr>
+</p:sld>
+</file>
+
+<file path=ppt/slides/slide20.xml><?xml version="1.0" encoding="utf-8"?>
+<p:sld xmlns:a="http://schemas.openxmlformats.org/drawingml/2006/main" xmlns:r="http://schemas.openxmlformats.org/officeDocument/2006/relationships" xmlns:p="http://schemas.openxmlformats.org/presentationml/2006/main">
+  <p:cSld>
+    <p:bg>
+      <p:bgPr>
+        <a:solidFill>
+          <a:schemeClr val="bg1"/>
+        </a:solidFill>
+        <a:effectLst/>
+      </p:bgPr>
+    </p:bg>
+    <p:spTree>
+      <p:nvGrpSpPr>
+        <p:cNvPr id="1" name=""/>
+        <p:cNvGrpSpPr/>
+        <p:nvPr/>
+      </p:nvGrpSpPr>
+      <p:grpSpPr>
+        <a:xfrm>
+          <a:off x="0" y="0"/>
+          <a:ext cx="0" cy="0"/>
+          <a:chOff x="0" y="0"/>
+          <a:chExt cx="0" cy="0"/>
+        </a:xfrm>
+      </p:grpSpPr>
+      <p:sp useBgFill="1">
+        <p:nvSpPr>
+          <p:cNvPr id="10" name="Rectangle 9">
+            <a:extLst>
+              <a:ext uri="{FF2B5EF4-FFF2-40B4-BE49-F238E27FC236}">
+                <a16:creationId xmlns:a16="http://schemas.microsoft.com/office/drawing/2014/main" id="{A169D286-F4D7-4C8B-A6BD-D05384C7F1D8}"/>
+              </a:ext>
+              <a:ext uri="{C183D7F6-B498-43B3-948B-1728B52AA6E4}">
+                <adec:decorative xmlns:adec="http://schemas.microsoft.com/office/drawing/2017/decorative" val="1"/>
+              </a:ext>
+            </a:extLst>
+          </p:cNvPr>
+          <p:cNvSpPr>
+            <a:spLocks noGrp="1" noRot="1" noChangeAspect="1" noMove="1" noResize="1" noEditPoints="1" noAdjustHandles="1" noChangeArrowheads="1" noChangeShapeType="1" noTextEdit="1"/>
+          </p:cNvSpPr>
+          <p:nvPr>
+            <p:extLst>
+              <p:ext uri="{386F3935-93C4-4BCD-93E2-E3B085C9AB24}">
+                <p16:designElem xmlns:p16="http://schemas.microsoft.com/office/powerpoint/2015/main" val="1"/>
+              </p:ext>
+            </p:extLst>
+          </p:nvPr>
+        </p:nvSpPr>
+        <p:spPr>
+          <a:xfrm>
+            <a:off x="0" y="0"/>
+            <a:ext cx="12188952" cy="6858000"/>
+          </a:xfrm>
+          <a:prstGeom prst="rect">
+            <a:avLst/>
+          </a:prstGeom>
+          <a:ln>
+            <a:noFill/>
+          </a:ln>
+        </p:spPr>
+        <p:style>
+          <a:lnRef idx="2">
+            <a:schemeClr val="accent1">
+              <a:shade val="50000"/>
+            </a:schemeClr>
+          </a:lnRef>
+          <a:fillRef idx="1">
+            <a:schemeClr val="accent1"/>
+          </a:fillRef>
+          <a:effectRef idx="0">
+            <a:schemeClr val="accent1"/>
+          </a:effectRef>
+          <a:fontRef idx="minor">
+            <a:schemeClr val="lt1"/>
+          </a:fontRef>
+        </p:style>
+        <p:txBody>
+          <a:bodyPr rtlCol="0" anchor="ctr"/>
+          <a:lstStyle/>
+          <a:p>
+            <a:pPr algn="ctr"/>
+            <a:endParaRPr lang="en-US"/>
+          </a:p>
+        </p:txBody>
+      </p:sp>
+      <p:sp>
+        <p:nvSpPr>
+          <p:cNvPr id="12" name="Freeform 6">
+            <a:extLst>
+              <a:ext uri="{FF2B5EF4-FFF2-40B4-BE49-F238E27FC236}">
+                <a16:creationId xmlns:a16="http://schemas.microsoft.com/office/drawing/2014/main" id="{39E8235E-135E-4261-8F54-2B316E493C42}"/>
+              </a:ext>
+              <a:ext uri="{C183D7F6-B498-43B3-948B-1728B52AA6E4}">
+                <adec:decorative xmlns:adec="http://schemas.microsoft.com/office/drawing/2017/decorative" val="1"/>
+              </a:ext>
+            </a:extLst>
+          </p:cNvPr>
+          <p:cNvSpPr>
+            <a:spLocks noGrp="1" noRot="1" noChangeAspect="1" noMove="1" noResize="1" noEditPoints="1" noAdjustHandles="1" noChangeArrowheads="1" noChangeShapeType="1" noTextEdit="1"/>
+          </p:cNvSpPr>
+          <p:nvPr>
+            <p:extLst>
+              <p:ext uri="{386F3935-93C4-4BCD-93E2-E3B085C9AB24}">
+                <p16:designElem xmlns:p16="http://schemas.microsoft.com/office/powerpoint/2015/main" val="1"/>
+              </p:ext>
+            </p:extLst>
+          </p:nvPr>
+        </p:nvSpPr>
+        <p:spPr bwMode="auto">
+          <a:xfrm>
+            <a:off x="4142164" y="610728"/>
+            <a:ext cx="759618" cy="5710965"/>
+          </a:xfrm>
+          <a:custGeom>
+            <a:avLst/>
+            <a:gdLst>
+              <a:gd name="T0" fmla="*/ 414 w 414"/>
+              <a:gd name="T1" fmla="*/ 2447 h 2447"/>
+              <a:gd name="T2" fmla="*/ 0 w 414"/>
+              <a:gd name="T3" fmla="*/ 2247 h 2447"/>
+              <a:gd name="T4" fmla="*/ 0 w 414"/>
+              <a:gd name="T5" fmla="*/ 0 h 2447"/>
+              <a:gd name="T6" fmla="*/ 414 w 414"/>
+              <a:gd name="T7" fmla="*/ 200 h 2447"/>
+              <a:gd name="T8" fmla="*/ 414 w 414"/>
+              <a:gd name="T9" fmla="*/ 2447 h 2447"/>
+            </a:gdLst>
+            <a:ahLst/>
+            <a:cxnLst>
+              <a:cxn ang="0">
+                <a:pos x="T0" y="T1"/>
+              </a:cxn>
+              <a:cxn ang="0">
+                <a:pos x="T2" y="T3"/>
+              </a:cxn>
+              <a:cxn ang="0">
+                <a:pos x="T4" y="T5"/>
+              </a:cxn>
+              <a:cxn ang="0">
+                <a:pos x="T6" y="T7"/>
+              </a:cxn>
+              <a:cxn ang="0">
+                <a:pos x="T8" y="T9"/>
+              </a:cxn>
+            </a:cxnLst>
+            <a:rect l="0" t="0" r="r" b="b"/>
+            <a:pathLst>
+              <a:path w="414" h="2447">
+                <a:moveTo>
+                  <a:pt x="414" y="2447"/>
+                </a:moveTo>
+                <a:lnTo>
+                  <a:pt x="0" y="2247"/>
+                </a:lnTo>
+                <a:lnTo>
+                  <a:pt x="0" y="0"/>
+                </a:lnTo>
+                <a:lnTo>
+                  <a:pt x="414" y="200"/>
+                </a:lnTo>
+                <a:lnTo>
+                  <a:pt x="414" y="2447"/>
+                </a:lnTo>
+                <a:close/>
+              </a:path>
+            </a:pathLst>
+          </a:custGeom>
+          <a:solidFill>
+            <a:schemeClr val="accent1">
+              <a:lumMod val="75000"/>
+            </a:schemeClr>
+          </a:solidFill>
+          <a:ln>
+            <a:noFill/>
+          </a:ln>
+        </p:spPr>
+        <p:txBody>
+          <a:bodyPr vert="horz" wrap="square" lIns="91440" tIns="45720" rIns="91440" bIns="45720" numCol="1" anchor="t" anchorCtr="0" compatLnSpc="1">
+            <a:prstTxWarp prst="textNoShape">
+              <a:avLst/>
+            </a:prstTxWarp>
+          </a:bodyPr>
+          <a:lstStyle/>
+          <a:p>
+            <a:endParaRPr lang="en-US"/>
+          </a:p>
+        </p:txBody>
+      </p:sp>
+      <p:sp>
+        <p:nvSpPr>
+          <p:cNvPr id="14" name="Freeform 7">
+            <a:extLst>
+              <a:ext uri="{FF2B5EF4-FFF2-40B4-BE49-F238E27FC236}">
+                <a16:creationId xmlns:a16="http://schemas.microsoft.com/office/drawing/2014/main" id="{D4ED8EC3-4D57-4620-93CE-4E6661F09A3E}"/>
+              </a:ext>
+              <a:ext uri="{C183D7F6-B498-43B3-948B-1728B52AA6E4}">
+                <adec:decorative xmlns:adec="http://schemas.microsoft.com/office/drawing/2017/decorative" val="1"/>
+              </a:ext>
+            </a:extLst>
+          </p:cNvPr>
+          <p:cNvSpPr>
+            <a:spLocks noGrp="1" noRot="1" noChangeAspect="1" noMove="1" noResize="1" noEditPoints="1" noAdjustHandles="1" noChangeArrowheads="1" noChangeShapeType="1" noTextEdit="1"/>
+          </p:cNvSpPr>
+          <p:nvPr>
+            <p:extLst>
+              <p:ext uri="{386F3935-93C4-4BCD-93E2-E3B085C9AB24}">
+                <p16:designElem xmlns:p16="http://schemas.microsoft.com/office/powerpoint/2015/main" val="1"/>
+              </p:ext>
+            </p:extLst>
+          </p:nvPr>
+        </p:nvSpPr>
+        <p:spPr bwMode="auto">
+          <a:xfrm>
+            <a:off x="4144437" y="343079"/>
+            <a:ext cx="482654" cy="5521414"/>
+          </a:xfrm>
+          <a:custGeom>
+            <a:avLst/>
+            <a:gdLst>
+              <a:gd name="T0" fmla="*/ 209 w 209"/>
+              <a:gd name="T1" fmla="*/ 2246 h 2358"/>
+              <a:gd name="T2" fmla="*/ 0 w 209"/>
+              <a:gd name="T3" fmla="*/ 2358 h 2358"/>
+              <a:gd name="T4" fmla="*/ 0 w 209"/>
+              <a:gd name="T5" fmla="*/ 111 h 2358"/>
+              <a:gd name="T6" fmla="*/ 209 w 209"/>
+              <a:gd name="T7" fmla="*/ 0 h 2358"/>
+              <a:gd name="T8" fmla="*/ 209 w 209"/>
+              <a:gd name="T9" fmla="*/ 2246 h 2358"/>
+            </a:gdLst>
+            <a:ahLst/>
+            <a:cxnLst>
+              <a:cxn ang="0">
+                <a:pos x="T0" y="T1"/>
+              </a:cxn>
+              <a:cxn ang="0">
+                <a:pos x="T2" y="T3"/>
+              </a:cxn>
+              <a:cxn ang="0">
+                <a:pos x="T4" y="T5"/>
+              </a:cxn>
+              <a:cxn ang="0">
+                <a:pos x="T6" y="T7"/>
+              </a:cxn>
+              <a:cxn ang="0">
+                <a:pos x="T8" y="T9"/>
+              </a:cxn>
+            </a:cxnLst>
+            <a:rect l="0" t="0" r="r" b="b"/>
+            <a:pathLst>
+              <a:path w="209" h="2358">
+                <a:moveTo>
+                  <a:pt x="209" y="2246"/>
+                </a:moveTo>
+                <a:lnTo>
+                  <a:pt x="0" y="2358"/>
+                </a:lnTo>
+                <a:lnTo>
+                  <a:pt x="0" y="111"/>
+                </a:lnTo>
+                <a:lnTo>
+                  <a:pt x="209" y="0"/>
+                </a:lnTo>
+                <a:lnTo>
+                  <a:pt x="209" y="2246"/>
+                </a:lnTo>
+                <a:close/>
+              </a:path>
+            </a:pathLst>
+          </a:custGeom>
+          <a:solidFill>
+            <a:schemeClr val="accent1">
+              <a:lumMod val="50000"/>
+            </a:schemeClr>
+          </a:solidFill>
+          <a:ln>
+            <a:noFill/>
+          </a:ln>
+        </p:spPr>
+        <p:txBody>
+          <a:bodyPr vert="horz" wrap="square" lIns="91440" tIns="45720" rIns="91440" bIns="45720" numCol="1" anchor="t" anchorCtr="0" compatLnSpc="1">
+            <a:prstTxWarp prst="textNoShape">
+              <a:avLst/>
+            </a:prstTxWarp>
+          </a:bodyPr>
+          <a:lstStyle/>
+          <a:p>
+            <a:endParaRPr lang="en-US"/>
+          </a:p>
+        </p:txBody>
+      </p:sp>
+      <p:sp>
+        <p:nvSpPr>
+          <p:cNvPr id="16" name="Freeform: Shape 15">
+            <a:extLst>
+              <a:ext uri="{FF2B5EF4-FFF2-40B4-BE49-F238E27FC236}">
+                <a16:creationId xmlns:a16="http://schemas.microsoft.com/office/drawing/2014/main" id="{83BCB34A-2F40-4F41-8488-A134C1C155B7}"/>
+              </a:ext>
+              <a:ext uri="{C183D7F6-B498-43B3-948B-1728B52AA6E4}">
+                <adec:decorative xmlns:adec="http://schemas.microsoft.com/office/drawing/2017/decorative" val="1"/>
+              </a:ext>
+            </a:extLst>
+          </p:cNvPr>
+          <p:cNvSpPr>
+            <a:spLocks noGrp="1" noRot="1" noChangeAspect="1" noMove="1" noResize="1" noEditPoints="1" noAdjustHandles="1" noChangeArrowheads="1" noChangeShapeType="1" noTextEdit="1"/>
+          </p:cNvSpPr>
+          <p:nvPr>
+            <p:extLst>
+              <p:ext uri="{386F3935-93C4-4BCD-93E2-E3B085C9AB24}">
+                <p16:designElem xmlns:p16="http://schemas.microsoft.com/office/powerpoint/2015/main" val="1"/>
+              </p:ext>
+            </p:extLst>
+          </p:nvPr>
+        </p:nvSpPr>
+        <p:spPr>
+          <a:xfrm>
+            <a:off x="-3045" y="340424"/>
+            <a:ext cx="4630139" cy="5265795"/>
+          </a:xfrm>
+          <a:custGeom>
+            <a:avLst/>
+            <a:gdLst>
+              <a:gd name="connsiteX0" fmla="*/ 0 w 4630139"/>
+              <a:gd name="connsiteY0" fmla="*/ 0 h 5265795"/>
+              <a:gd name="connsiteX1" fmla="*/ 4630139 w 4630139"/>
+              <a:gd name="connsiteY1" fmla="*/ 0 h 5265795"/>
+              <a:gd name="connsiteX2" fmla="*/ 4630139 w 4630139"/>
+              <a:gd name="connsiteY2" fmla="*/ 5265795 h 5265795"/>
+              <a:gd name="connsiteX3" fmla="*/ 0 w 4630139"/>
+              <a:gd name="connsiteY3" fmla="*/ 5265795 h 5265795"/>
+            </a:gdLst>
+            <a:ahLst/>
+            <a:cxnLst>
+              <a:cxn ang="0">
+                <a:pos x="connsiteX0" y="connsiteY0"/>
+              </a:cxn>
+              <a:cxn ang="0">
+                <a:pos x="connsiteX1" y="connsiteY1"/>
+              </a:cxn>
+              <a:cxn ang="0">
+                <a:pos x="connsiteX2" y="connsiteY2"/>
+              </a:cxn>
+              <a:cxn ang="0">
+                <a:pos x="connsiteX3" y="connsiteY3"/>
+              </a:cxn>
+            </a:cxnLst>
+            <a:rect l="l" t="t" r="r" b="b"/>
+            <a:pathLst>
+              <a:path w="4630139" h="5265795">
+                <a:moveTo>
+                  <a:pt x="0" y="0"/>
+                </a:moveTo>
+                <a:lnTo>
+                  <a:pt x="4630139" y="0"/>
+                </a:lnTo>
+                <a:lnTo>
+                  <a:pt x="4630139" y="5265795"/>
+                </a:lnTo>
+                <a:lnTo>
+                  <a:pt x="0" y="5265795"/>
+                </a:lnTo>
+                <a:close/>
+              </a:path>
+            </a:pathLst>
+          </a:custGeom>
+          <a:ln>
+            <a:noFill/>
+          </a:ln>
+        </p:spPr>
+        <p:style>
+          <a:lnRef idx="2">
+            <a:schemeClr val="accent1">
+              <a:shade val="50000"/>
+            </a:schemeClr>
+          </a:lnRef>
+          <a:fillRef idx="1">
+            <a:schemeClr val="accent1"/>
+          </a:fillRef>
+          <a:effectRef idx="0">
+            <a:schemeClr val="accent1"/>
+          </a:effectRef>
+          <a:fontRef idx="minor">
+            <a:schemeClr val="lt1"/>
+          </a:fontRef>
+        </p:style>
+        <p:txBody>
+          <a:bodyPr wrap="square" rtlCol="0" anchor="ctr">
+            <a:noAutofit/>
+          </a:bodyPr>
+          <a:lstStyle/>
+          <a:p>
+            <a:pPr algn="ctr"/>
+            <a:endParaRPr lang="en-US"/>
+          </a:p>
+        </p:txBody>
+      </p:sp>
+      <p:sp>
+        <p:nvSpPr>
+          <p:cNvPr id="18" name="Freeform: Shape 17">
+            <a:extLst>
+              <a:ext uri="{FF2B5EF4-FFF2-40B4-BE49-F238E27FC236}">
+                <a16:creationId xmlns:a16="http://schemas.microsoft.com/office/drawing/2014/main" id="{F78382DC-4207-465E-B379-1E16448AA222}"/>
+              </a:ext>
+              <a:ext uri="{C183D7F6-B498-43B3-948B-1728B52AA6E4}">
+                <adec:decorative xmlns:adec="http://schemas.microsoft.com/office/drawing/2017/decorative" val="1"/>
+              </a:ext>
+            </a:extLst>
+          </p:cNvPr>
+          <p:cNvSpPr>
+            <a:spLocks noGrp="1" noRot="1" noChangeAspect="1" noMove="1" noResize="1" noEditPoints="1" noAdjustHandles="1" noChangeArrowheads="1" noChangeShapeType="1" noTextEdit="1"/>
+          </p:cNvSpPr>
+          <p:nvPr>
+            <p:extLst>
+              <p:ext uri="{386F3935-93C4-4BCD-93E2-E3B085C9AB24}">
+                <p16:designElem xmlns:p16="http://schemas.microsoft.com/office/powerpoint/2015/main" val="1"/>
+              </p:ext>
+            </p:extLst>
+          </p:nvPr>
+        </p:nvSpPr>
+        <p:spPr>
+          <a:xfrm>
+            <a:off x="4901780" y="1071563"/>
+            <a:ext cx="7290218" cy="5242298"/>
+          </a:xfrm>
+          <a:custGeom>
+            <a:avLst/>
+            <a:gdLst>
+              <a:gd name="connsiteX0" fmla="*/ 0 w 7290218"/>
+              <a:gd name="connsiteY0" fmla="*/ 0 h 5242298"/>
+              <a:gd name="connsiteX1" fmla="*/ 7290218 w 7290218"/>
+              <a:gd name="connsiteY1" fmla="*/ 0 h 5242298"/>
+              <a:gd name="connsiteX2" fmla="*/ 7290218 w 7290218"/>
+              <a:gd name="connsiteY2" fmla="*/ 5242298 h 5242298"/>
+              <a:gd name="connsiteX3" fmla="*/ 0 w 7290218"/>
+              <a:gd name="connsiteY3" fmla="*/ 5242298 h 5242298"/>
+            </a:gdLst>
+            <a:ahLst/>
+            <a:cxnLst>
+              <a:cxn ang="0">
+                <a:pos x="connsiteX0" y="connsiteY0"/>
+              </a:cxn>
+              <a:cxn ang="0">
+                <a:pos x="connsiteX1" y="connsiteY1"/>
+              </a:cxn>
+              <a:cxn ang="0">
+                <a:pos x="connsiteX2" y="connsiteY2"/>
+              </a:cxn>
+              <a:cxn ang="0">
+                <a:pos x="connsiteX3" y="connsiteY3"/>
+              </a:cxn>
+            </a:cxnLst>
+            <a:rect l="l" t="t" r="r" b="b"/>
+            <a:pathLst>
+              <a:path w="7290218" h="5242298">
+                <a:moveTo>
+                  <a:pt x="0" y="0"/>
+                </a:moveTo>
+                <a:lnTo>
+                  <a:pt x="7290218" y="0"/>
+                </a:lnTo>
+                <a:lnTo>
+                  <a:pt x="7290218" y="5242298"/>
+                </a:lnTo>
+                <a:lnTo>
+                  <a:pt x="0" y="5242298"/>
+                </a:lnTo>
+                <a:close/>
+              </a:path>
+            </a:pathLst>
+          </a:custGeom>
+          <a:ln>
+            <a:noFill/>
+          </a:ln>
+        </p:spPr>
+        <p:style>
+          <a:lnRef idx="2">
+            <a:schemeClr val="accent1">
+              <a:shade val="50000"/>
+            </a:schemeClr>
+          </a:lnRef>
+          <a:fillRef idx="1">
+            <a:schemeClr val="accent1"/>
+          </a:fillRef>
+          <a:effectRef idx="0">
+            <a:schemeClr val="accent1"/>
+          </a:effectRef>
+          <a:fontRef idx="minor">
+            <a:schemeClr val="lt1"/>
+          </a:fontRef>
+        </p:style>
+        <p:txBody>
+          <a:bodyPr wrap="square" rtlCol="0" anchor="ctr">
+            <a:noAutofit/>
+          </a:bodyPr>
+          <a:lstStyle/>
+          <a:p>
+            <a:pPr algn="ctr"/>
+            <a:endParaRPr lang="en-US"/>
+          </a:p>
+        </p:txBody>
+      </p:sp>
+      <p:pic>
+        <p:nvPicPr>
+          <p:cNvPr id="6" name="Immagine 5">
+            <a:extLst>
+              <a:ext uri="{FF2B5EF4-FFF2-40B4-BE49-F238E27FC236}">
+                <a16:creationId xmlns:a16="http://schemas.microsoft.com/office/drawing/2014/main" id="{319EA13C-A6AF-4154-806E-8ACB28521B7A}"/>
+              </a:ext>
+            </a:extLst>
+          </p:cNvPr>
+          <p:cNvPicPr>
+            <a:picLocks noChangeAspect="1"/>
+          </p:cNvPicPr>
+          <p:nvPr/>
+        </p:nvPicPr>
+        <p:blipFill>
+          <a:blip r:embed="rId2">
+            <a:extLst>
+              <a:ext uri="{28A0092B-C50C-407E-A947-70E740481C1C}">
+                <a14:useLocalDpi xmlns:a14="http://schemas.microsoft.com/office/drawing/2010/main" val="0"/>
+              </a:ext>
+            </a:extLst>
+          </a:blip>
+          <a:stretch>
+            <a:fillRect/>
+          </a:stretch>
+        </p:blipFill>
+        <p:spPr>
+          <a:xfrm>
+            <a:off x="1804432" y="4165599"/>
+            <a:ext cx="2792123" cy="1570569"/>
+          </a:xfrm>
+          <a:prstGeom prst="rect">
+            <a:avLst/>
+          </a:prstGeom>
+        </p:spPr>
+      </p:pic>
+      <p:sp>
+        <p:nvSpPr>
+          <p:cNvPr id="7" name="CasellaDiTesto 6">
+            <a:extLst>
+              <a:ext uri="{FF2B5EF4-FFF2-40B4-BE49-F238E27FC236}">
+                <a16:creationId xmlns:a16="http://schemas.microsoft.com/office/drawing/2014/main" id="{777A3FD9-3801-41F7-8DD1-4AF4E3125BFE}"/>
+              </a:ext>
+            </a:extLst>
+          </p:cNvPr>
+          <p:cNvSpPr txBox="1"/>
+          <p:nvPr/>
+        </p:nvSpPr>
+        <p:spPr>
+          <a:xfrm>
+            <a:off x="181087" y="1775958"/>
+            <a:ext cx="4415468" cy="954107"/>
+          </a:xfrm>
+          <a:prstGeom prst="rect">
+            <a:avLst/>
+          </a:prstGeom>
+          <a:noFill/>
+        </p:spPr>
+        <p:txBody>
+          <a:bodyPr wrap="square" rtlCol="0">
+            <a:spAutoFit/>
+          </a:bodyPr>
+          <a:lstStyle/>
+          <a:p>
+            <a:r>
+              <a:rPr lang="it-IT" sz="3200" b="1" dirty="0">
+                <a:solidFill>
+                  <a:schemeClr val="bg1"/>
+                </a:solidFill>
+              </a:rPr>
+              <a:t>Due design goals su tutti</a:t>
+            </a:r>
+          </a:p>
+          <a:p>
+            <a:endParaRPr lang="it-IT" sz="2400" dirty="0">
+              <a:solidFill>
+                <a:schemeClr val="bg1"/>
+              </a:solidFill>
+            </a:endParaRPr>
+          </a:p>
+        </p:txBody>
+      </p:sp>
+      <p:pic>
+        <p:nvPicPr>
+          <p:cNvPr id="9" name="Immagine 8">
+            <a:extLst>
+              <a:ext uri="{FF2B5EF4-FFF2-40B4-BE49-F238E27FC236}">
+                <a16:creationId xmlns:a16="http://schemas.microsoft.com/office/drawing/2014/main" id="{82A90A7D-0ECB-4413-A70C-1220FE546F2D}"/>
+              </a:ext>
+            </a:extLst>
+          </p:cNvPr>
+          <p:cNvPicPr>
+            <a:picLocks noChangeAspect="1"/>
+          </p:cNvPicPr>
+          <p:nvPr/>
+        </p:nvPicPr>
+        <p:blipFill>
+          <a:blip r:embed="rId3"/>
+          <a:stretch>
+            <a:fillRect/>
+          </a:stretch>
+        </p:blipFill>
+        <p:spPr>
+          <a:xfrm>
+            <a:off x="5465099" y="2486960"/>
+            <a:ext cx="6529192" cy="1884080"/>
+          </a:xfrm>
+          <a:prstGeom prst="rect">
+            <a:avLst/>
+          </a:prstGeom>
+        </p:spPr>
+      </p:pic>
+    </p:spTree>
+    <p:extLst>
+      <p:ext uri="{BB962C8B-B14F-4D97-AF65-F5344CB8AC3E}">
+        <p14:creationId xmlns:p14="http://schemas.microsoft.com/office/powerpoint/2010/main" val="3154088822"/>
       </p:ext>
     </p:extLst>
   </p:cSld>
@@ -14710,7 +15380,7 @@
     </p:spTree>
     <p:extLst>
       <p:ext uri="{BB962C8B-B14F-4D97-AF65-F5344CB8AC3E}">
-        <p14:creationId xmlns:p14="http://schemas.microsoft.com/office/powerpoint/2010/main" val="1700135131"/>
+        <p14:creationId xmlns:p14="http://schemas.microsoft.com/office/powerpoint/2010/main" val="3443692678"/>
       </p:ext>
     </p:extLst>
   </p:cSld>
@@ -15959,8 +16629,636 @@
         </p:nvSpPr>
         <p:spPr>
           <a:xfrm>
+            <a:off x="137344" y="1864944"/>
+            <a:ext cx="4627091" cy="523220"/>
+          </a:xfrm>
+          <a:prstGeom prst="rect">
+            <a:avLst/>
+          </a:prstGeom>
+          <a:noFill/>
+        </p:spPr>
+        <p:txBody>
+          <a:bodyPr wrap="square" rtlCol="0">
+            <a:spAutoFit/>
+          </a:bodyPr>
+          <a:lstStyle/>
+          <a:p>
+            <a:r>
+              <a:rPr lang="it-IT" sz="2800" b="1" dirty="0">
+                <a:solidFill>
+                  <a:schemeClr val="bg1"/>
+                </a:solidFill>
+              </a:rPr>
+              <a:t>Basandoci su una User Story</a:t>
+            </a:r>
+          </a:p>
+        </p:txBody>
+      </p:sp>
+      <p:sp>
+        <p:nvSpPr>
+          <p:cNvPr id="13" name="CasellaDiTesto 12">
+            <a:extLst>
+              <a:ext uri="{FF2B5EF4-FFF2-40B4-BE49-F238E27FC236}">
+                <a16:creationId xmlns:a16="http://schemas.microsoft.com/office/drawing/2014/main" id="{F6F19AFD-1928-499C-844B-187FDAD517C8}"/>
+              </a:ext>
+            </a:extLst>
+          </p:cNvPr>
+          <p:cNvSpPr txBox="1"/>
+          <p:nvPr/>
+        </p:nvSpPr>
+        <p:spPr>
+          <a:xfrm>
+            <a:off x="5691459" y="2644170"/>
+            <a:ext cx="6094520" cy="1569660"/>
+          </a:xfrm>
+          <a:prstGeom prst="rect">
+            <a:avLst/>
+          </a:prstGeom>
+          <a:noFill/>
+        </p:spPr>
+        <p:txBody>
+          <a:bodyPr wrap="square">
+            <a:spAutoFit/>
+          </a:bodyPr>
+          <a:lstStyle/>
+          <a:p>
+            <a:r>
+              <a:rPr lang="it-IT" sz="2400" b="1" i="1" dirty="0">
+                <a:solidFill>
+                  <a:schemeClr val="bg1"/>
+                </a:solidFill>
+              </a:rPr>
+              <a:t>Da utente che utilizza la piattaforma posso prenotare l’accesso presso l’ufficio convenzionato che preferisco o quello che mi è più vicino</a:t>
+            </a:r>
+          </a:p>
+        </p:txBody>
+      </p:sp>
+    </p:spTree>
+    <p:extLst>
+      <p:ext uri="{BB962C8B-B14F-4D97-AF65-F5344CB8AC3E}">
+        <p14:creationId xmlns:p14="http://schemas.microsoft.com/office/powerpoint/2010/main" val="471862322"/>
+      </p:ext>
+    </p:extLst>
+  </p:cSld>
+  <p:clrMapOvr>
+    <a:masterClrMapping/>
+  </p:clrMapOvr>
+</p:sld>
+</file>
+
+<file path=ppt/slides/slide9.xml><?xml version="1.0" encoding="utf-8"?>
+<p:sld xmlns:a="http://schemas.openxmlformats.org/drawingml/2006/main" xmlns:r="http://schemas.openxmlformats.org/officeDocument/2006/relationships" xmlns:p="http://schemas.openxmlformats.org/presentationml/2006/main">
+  <p:cSld>
+    <p:bg>
+      <p:bgPr>
+        <a:solidFill>
+          <a:schemeClr val="bg1"/>
+        </a:solidFill>
+        <a:effectLst/>
+      </p:bgPr>
+    </p:bg>
+    <p:spTree>
+      <p:nvGrpSpPr>
+        <p:cNvPr id="1" name=""/>
+        <p:cNvGrpSpPr/>
+        <p:nvPr/>
+      </p:nvGrpSpPr>
+      <p:grpSpPr>
+        <a:xfrm>
+          <a:off x="0" y="0"/>
+          <a:ext cx="0" cy="0"/>
+          <a:chOff x="0" y="0"/>
+          <a:chExt cx="0" cy="0"/>
+        </a:xfrm>
+      </p:grpSpPr>
+      <p:sp useBgFill="1">
+        <p:nvSpPr>
+          <p:cNvPr id="10" name="Rectangle 9">
+            <a:extLst>
+              <a:ext uri="{FF2B5EF4-FFF2-40B4-BE49-F238E27FC236}">
+                <a16:creationId xmlns:a16="http://schemas.microsoft.com/office/drawing/2014/main" id="{A169D286-F4D7-4C8B-A6BD-D05384C7F1D8}"/>
+              </a:ext>
+              <a:ext uri="{C183D7F6-B498-43B3-948B-1728B52AA6E4}">
+                <adec:decorative xmlns:adec="http://schemas.microsoft.com/office/drawing/2017/decorative" val="1"/>
+              </a:ext>
+            </a:extLst>
+          </p:cNvPr>
+          <p:cNvSpPr>
+            <a:spLocks noGrp="1" noRot="1" noChangeAspect="1" noMove="1" noResize="1" noEditPoints="1" noAdjustHandles="1" noChangeArrowheads="1" noChangeShapeType="1" noTextEdit="1"/>
+          </p:cNvSpPr>
+          <p:nvPr>
+            <p:extLst>
+              <p:ext uri="{386F3935-93C4-4BCD-93E2-E3B085C9AB24}">
+                <p16:designElem xmlns:p16="http://schemas.microsoft.com/office/powerpoint/2015/main" val="1"/>
+              </p:ext>
+            </p:extLst>
+          </p:nvPr>
+        </p:nvSpPr>
+        <p:spPr>
+          <a:xfrm>
+            <a:off x="0" y="0"/>
+            <a:ext cx="12188952" cy="6858000"/>
+          </a:xfrm>
+          <a:prstGeom prst="rect">
+            <a:avLst/>
+          </a:prstGeom>
+          <a:ln>
+            <a:noFill/>
+          </a:ln>
+        </p:spPr>
+        <p:style>
+          <a:lnRef idx="2">
+            <a:schemeClr val="accent1">
+              <a:shade val="50000"/>
+            </a:schemeClr>
+          </a:lnRef>
+          <a:fillRef idx="1">
+            <a:schemeClr val="accent1"/>
+          </a:fillRef>
+          <a:effectRef idx="0">
+            <a:schemeClr val="accent1"/>
+          </a:effectRef>
+          <a:fontRef idx="minor">
+            <a:schemeClr val="lt1"/>
+          </a:fontRef>
+        </p:style>
+        <p:txBody>
+          <a:bodyPr rtlCol="0" anchor="ctr"/>
+          <a:lstStyle/>
+          <a:p>
+            <a:pPr algn="ctr"/>
+            <a:endParaRPr lang="en-US"/>
+          </a:p>
+        </p:txBody>
+      </p:sp>
+      <p:sp>
+        <p:nvSpPr>
+          <p:cNvPr id="12" name="Freeform 6">
+            <a:extLst>
+              <a:ext uri="{FF2B5EF4-FFF2-40B4-BE49-F238E27FC236}">
+                <a16:creationId xmlns:a16="http://schemas.microsoft.com/office/drawing/2014/main" id="{39E8235E-135E-4261-8F54-2B316E493C42}"/>
+              </a:ext>
+              <a:ext uri="{C183D7F6-B498-43B3-948B-1728B52AA6E4}">
+                <adec:decorative xmlns:adec="http://schemas.microsoft.com/office/drawing/2017/decorative" val="1"/>
+              </a:ext>
+            </a:extLst>
+          </p:cNvPr>
+          <p:cNvSpPr>
+            <a:spLocks noGrp="1" noRot="1" noChangeAspect="1" noMove="1" noResize="1" noEditPoints="1" noAdjustHandles="1" noChangeArrowheads="1" noChangeShapeType="1" noTextEdit="1"/>
+          </p:cNvSpPr>
+          <p:nvPr>
+            <p:extLst>
+              <p:ext uri="{386F3935-93C4-4BCD-93E2-E3B085C9AB24}">
+                <p16:designElem xmlns:p16="http://schemas.microsoft.com/office/powerpoint/2015/main" val="1"/>
+              </p:ext>
+            </p:extLst>
+          </p:nvPr>
+        </p:nvSpPr>
+        <p:spPr bwMode="auto">
+          <a:xfrm>
+            <a:off x="4142164" y="610728"/>
+            <a:ext cx="759618" cy="5710965"/>
+          </a:xfrm>
+          <a:custGeom>
+            <a:avLst/>
+            <a:gdLst>
+              <a:gd name="T0" fmla="*/ 414 w 414"/>
+              <a:gd name="T1" fmla="*/ 2447 h 2447"/>
+              <a:gd name="T2" fmla="*/ 0 w 414"/>
+              <a:gd name="T3" fmla="*/ 2247 h 2447"/>
+              <a:gd name="T4" fmla="*/ 0 w 414"/>
+              <a:gd name="T5" fmla="*/ 0 h 2447"/>
+              <a:gd name="T6" fmla="*/ 414 w 414"/>
+              <a:gd name="T7" fmla="*/ 200 h 2447"/>
+              <a:gd name="T8" fmla="*/ 414 w 414"/>
+              <a:gd name="T9" fmla="*/ 2447 h 2447"/>
+            </a:gdLst>
+            <a:ahLst/>
+            <a:cxnLst>
+              <a:cxn ang="0">
+                <a:pos x="T0" y="T1"/>
+              </a:cxn>
+              <a:cxn ang="0">
+                <a:pos x="T2" y="T3"/>
+              </a:cxn>
+              <a:cxn ang="0">
+                <a:pos x="T4" y="T5"/>
+              </a:cxn>
+              <a:cxn ang="0">
+                <a:pos x="T6" y="T7"/>
+              </a:cxn>
+              <a:cxn ang="0">
+                <a:pos x="T8" y="T9"/>
+              </a:cxn>
+            </a:cxnLst>
+            <a:rect l="0" t="0" r="r" b="b"/>
+            <a:pathLst>
+              <a:path w="414" h="2447">
+                <a:moveTo>
+                  <a:pt x="414" y="2447"/>
+                </a:moveTo>
+                <a:lnTo>
+                  <a:pt x="0" y="2247"/>
+                </a:lnTo>
+                <a:lnTo>
+                  <a:pt x="0" y="0"/>
+                </a:lnTo>
+                <a:lnTo>
+                  <a:pt x="414" y="200"/>
+                </a:lnTo>
+                <a:lnTo>
+                  <a:pt x="414" y="2447"/>
+                </a:lnTo>
+                <a:close/>
+              </a:path>
+            </a:pathLst>
+          </a:custGeom>
+          <a:solidFill>
+            <a:schemeClr val="accent1">
+              <a:lumMod val="75000"/>
+            </a:schemeClr>
+          </a:solidFill>
+          <a:ln>
+            <a:noFill/>
+          </a:ln>
+        </p:spPr>
+        <p:txBody>
+          <a:bodyPr vert="horz" wrap="square" lIns="91440" tIns="45720" rIns="91440" bIns="45720" numCol="1" anchor="t" anchorCtr="0" compatLnSpc="1">
+            <a:prstTxWarp prst="textNoShape">
+              <a:avLst/>
+            </a:prstTxWarp>
+          </a:bodyPr>
+          <a:lstStyle/>
+          <a:p>
+            <a:endParaRPr lang="en-US"/>
+          </a:p>
+        </p:txBody>
+      </p:sp>
+      <p:sp>
+        <p:nvSpPr>
+          <p:cNvPr id="14" name="Freeform 7">
+            <a:extLst>
+              <a:ext uri="{FF2B5EF4-FFF2-40B4-BE49-F238E27FC236}">
+                <a16:creationId xmlns:a16="http://schemas.microsoft.com/office/drawing/2014/main" id="{D4ED8EC3-4D57-4620-93CE-4E6661F09A3E}"/>
+              </a:ext>
+              <a:ext uri="{C183D7F6-B498-43B3-948B-1728B52AA6E4}">
+                <adec:decorative xmlns:adec="http://schemas.microsoft.com/office/drawing/2017/decorative" val="1"/>
+              </a:ext>
+            </a:extLst>
+          </p:cNvPr>
+          <p:cNvSpPr>
+            <a:spLocks noGrp="1" noRot="1" noChangeAspect="1" noMove="1" noResize="1" noEditPoints="1" noAdjustHandles="1" noChangeArrowheads="1" noChangeShapeType="1" noTextEdit="1"/>
+          </p:cNvSpPr>
+          <p:nvPr>
+            <p:extLst>
+              <p:ext uri="{386F3935-93C4-4BCD-93E2-E3B085C9AB24}">
+                <p16:designElem xmlns:p16="http://schemas.microsoft.com/office/powerpoint/2015/main" val="1"/>
+              </p:ext>
+            </p:extLst>
+          </p:nvPr>
+        </p:nvSpPr>
+        <p:spPr bwMode="auto">
+          <a:xfrm>
+            <a:off x="4144437" y="343079"/>
+            <a:ext cx="482654" cy="5521414"/>
+          </a:xfrm>
+          <a:custGeom>
+            <a:avLst/>
+            <a:gdLst>
+              <a:gd name="T0" fmla="*/ 209 w 209"/>
+              <a:gd name="T1" fmla="*/ 2246 h 2358"/>
+              <a:gd name="T2" fmla="*/ 0 w 209"/>
+              <a:gd name="T3" fmla="*/ 2358 h 2358"/>
+              <a:gd name="T4" fmla="*/ 0 w 209"/>
+              <a:gd name="T5" fmla="*/ 111 h 2358"/>
+              <a:gd name="T6" fmla="*/ 209 w 209"/>
+              <a:gd name="T7" fmla="*/ 0 h 2358"/>
+              <a:gd name="T8" fmla="*/ 209 w 209"/>
+              <a:gd name="T9" fmla="*/ 2246 h 2358"/>
+            </a:gdLst>
+            <a:ahLst/>
+            <a:cxnLst>
+              <a:cxn ang="0">
+                <a:pos x="T0" y="T1"/>
+              </a:cxn>
+              <a:cxn ang="0">
+                <a:pos x="T2" y="T3"/>
+              </a:cxn>
+              <a:cxn ang="0">
+                <a:pos x="T4" y="T5"/>
+              </a:cxn>
+              <a:cxn ang="0">
+                <a:pos x="T6" y="T7"/>
+              </a:cxn>
+              <a:cxn ang="0">
+                <a:pos x="T8" y="T9"/>
+              </a:cxn>
+            </a:cxnLst>
+            <a:rect l="0" t="0" r="r" b="b"/>
+            <a:pathLst>
+              <a:path w="209" h="2358">
+                <a:moveTo>
+                  <a:pt x="209" y="2246"/>
+                </a:moveTo>
+                <a:lnTo>
+                  <a:pt x="0" y="2358"/>
+                </a:lnTo>
+                <a:lnTo>
+                  <a:pt x="0" y="111"/>
+                </a:lnTo>
+                <a:lnTo>
+                  <a:pt x="209" y="0"/>
+                </a:lnTo>
+                <a:lnTo>
+                  <a:pt x="209" y="2246"/>
+                </a:lnTo>
+                <a:close/>
+              </a:path>
+            </a:pathLst>
+          </a:custGeom>
+          <a:solidFill>
+            <a:schemeClr val="accent1">
+              <a:lumMod val="50000"/>
+            </a:schemeClr>
+          </a:solidFill>
+          <a:ln>
+            <a:noFill/>
+          </a:ln>
+        </p:spPr>
+        <p:txBody>
+          <a:bodyPr vert="horz" wrap="square" lIns="91440" tIns="45720" rIns="91440" bIns="45720" numCol="1" anchor="t" anchorCtr="0" compatLnSpc="1">
+            <a:prstTxWarp prst="textNoShape">
+              <a:avLst/>
+            </a:prstTxWarp>
+          </a:bodyPr>
+          <a:lstStyle/>
+          <a:p>
+            <a:endParaRPr lang="en-US"/>
+          </a:p>
+        </p:txBody>
+      </p:sp>
+      <p:sp>
+        <p:nvSpPr>
+          <p:cNvPr id="16" name="Freeform: Shape 15">
+            <a:extLst>
+              <a:ext uri="{FF2B5EF4-FFF2-40B4-BE49-F238E27FC236}">
+                <a16:creationId xmlns:a16="http://schemas.microsoft.com/office/drawing/2014/main" id="{83BCB34A-2F40-4F41-8488-A134C1C155B7}"/>
+              </a:ext>
+              <a:ext uri="{C183D7F6-B498-43B3-948B-1728B52AA6E4}">
+                <adec:decorative xmlns:adec="http://schemas.microsoft.com/office/drawing/2017/decorative" val="1"/>
+              </a:ext>
+            </a:extLst>
+          </p:cNvPr>
+          <p:cNvSpPr>
+            <a:spLocks noGrp="1" noRot="1" noChangeAspect="1" noMove="1" noResize="1" noEditPoints="1" noAdjustHandles="1" noChangeArrowheads="1" noChangeShapeType="1" noTextEdit="1"/>
+          </p:cNvSpPr>
+          <p:nvPr>
+            <p:extLst>
+              <p:ext uri="{386F3935-93C4-4BCD-93E2-E3B085C9AB24}">
+                <p16:designElem xmlns:p16="http://schemas.microsoft.com/office/powerpoint/2015/main" val="1"/>
+              </p:ext>
+            </p:extLst>
+          </p:nvPr>
+        </p:nvSpPr>
+        <p:spPr>
+          <a:xfrm>
+            <a:off x="-3045" y="340424"/>
+            <a:ext cx="4630139" cy="5265795"/>
+          </a:xfrm>
+          <a:custGeom>
+            <a:avLst/>
+            <a:gdLst>
+              <a:gd name="connsiteX0" fmla="*/ 0 w 4630139"/>
+              <a:gd name="connsiteY0" fmla="*/ 0 h 5265795"/>
+              <a:gd name="connsiteX1" fmla="*/ 4630139 w 4630139"/>
+              <a:gd name="connsiteY1" fmla="*/ 0 h 5265795"/>
+              <a:gd name="connsiteX2" fmla="*/ 4630139 w 4630139"/>
+              <a:gd name="connsiteY2" fmla="*/ 5265795 h 5265795"/>
+              <a:gd name="connsiteX3" fmla="*/ 0 w 4630139"/>
+              <a:gd name="connsiteY3" fmla="*/ 5265795 h 5265795"/>
+            </a:gdLst>
+            <a:ahLst/>
+            <a:cxnLst>
+              <a:cxn ang="0">
+                <a:pos x="connsiteX0" y="connsiteY0"/>
+              </a:cxn>
+              <a:cxn ang="0">
+                <a:pos x="connsiteX1" y="connsiteY1"/>
+              </a:cxn>
+              <a:cxn ang="0">
+                <a:pos x="connsiteX2" y="connsiteY2"/>
+              </a:cxn>
+              <a:cxn ang="0">
+                <a:pos x="connsiteX3" y="connsiteY3"/>
+              </a:cxn>
+            </a:cxnLst>
+            <a:rect l="l" t="t" r="r" b="b"/>
+            <a:pathLst>
+              <a:path w="4630139" h="5265795">
+                <a:moveTo>
+                  <a:pt x="0" y="0"/>
+                </a:moveTo>
+                <a:lnTo>
+                  <a:pt x="4630139" y="0"/>
+                </a:lnTo>
+                <a:lnTo>
+                  <a:pt x="4630139" y="5265795"/>
+                </a:lnTo>
+                <a:lnTo>
+                  <a:pt x="0" y="5265795"/>
+                </a:lnTo>
+                <a:close/>
+              </a:path>
+            </a:pathLst>
+          </a:custGeom>
+          <a:ln>
+            <a:noFill/>
+          </a:ln>
+        </p:spPr>
+        <p:style>
+          <a:lnRef idx="2">
+            <a:schemeClr val="accent1">
+              <a:shade val="50000"/>
+            </a:schemeClr>
+          </a:lnRef>
+          <a:fillRef idx="1">
+            <a:schemeClr val="accent1"/>
+          </a:fillRef>
+          <a:effectRef idx="0">
+            <a:schemeClr val="accent1"/>
+          </a:effectRef>
+          <a:fontRef idx="minor">
+            <a:schemeClr val="lt1"/>
+          </a:fontRef>
+        </p:style>
+        <p:txBody>
+          <a:bodyPr wrap="square" rtlCol="0" anchor="ctr">
+            <a:noAutofit/>
+          </a:bodyPr>
+          <a:lstStyle/>
+          <a:p>
+            <a:pPr algn="ctr"/>
+            <a:endParaRPr lang="en-US"/>
+          </a:p>
+        </p:txBody>
+      </p:sp>
+      <p:sp>
+        <p:nvSpPr>
+          <p:cNvPr id="18" name="Freeform: Shape 17">
+            <a:extLst>
+              <a:ext uri="{FF2B5EF4-FFF2-40B4-BE49-F238E27FC236}">
+                <a16:creationId xmlns:a16="http://schemas.microsoft.com/office/drawing/2014/main" id="{F78382DC-4207-465E-B379-1E16448AA222}"/>
+              </a:ext>
+              <a:ext uri="{C183D7F6-B498-43B3-948B-1728B52AA6E4}">
+                <adec:decorative xmlns:adec="http://schemas.microsoft.com/office/drawing/2017/decorative" val="1"/>
+              </a:ext>
+            </a:extLst>
+          </p:cNvPr>
+          <p:cNvSpPr>
+            <a:spLocks noGrp="1" noRot="1" noChangeAspect="1" noMove="1" noResize="1" noEditPoints="1" noAdjustHandles="1" noChangeArrowheads="1" noChangeShapeType="1" noTextEdit="1"/>
+          </p:cNvSpPr>
+          <p:nvPr>
+            <p:extLst>
+              <p:ext uri="{386F3935-93C4-4BCD-93E2-E3B085C9AB24}">
+                <p16:designElem xmlns:p16="http://schemas.microsoft.com/office/powerpoint/2015/main" val="1"/>
+              </p:ext>
+            </p:extLst>
+          </p:nvPr>
+        </p:nvSpPr>
+        <p:spPr>
+          <a:xfrm>
+            <a:off x="4901780" y="1071563"/>
+            <a:ext cx="7290218" cy="5242298"/>
+          </a:xfrm>
+          <a:custGeom>
+            <a:avLst/>
+            <a:gdLst>
+              <a:gd name="connsiteX0" fmla="*/ 0 w 7290218"/>
+              <a:gd name="connsiteY0" fmla="*/ 0 h 5242298"/>
+              <a:gd name="connsiteX1" fmla="*/ 7290218 w 7290218"/>
+              <a:gd name="connsiteY1" fmla="*/ 0 h 5242298"/>
+              <a:gd name="connsiteX2" fmla="*/ 7290218 w 7290218"/>
+              <a:gd name="connsiteY2" fmla="*/ 5242298 h 5242298"/>
+              <a:gd name="connsiteX3" fmla="*/ 0 w 7290218"/>
+              <a:gd name="connsiteY3" fmla="*/ 5242298 h 5242298"/>
+            </a:gdLst>
+            <a:ahLst/>
+            <a:cxnLst>
+              <a:cxn ang="0">
+                <a:pos x="connsiteX0" y="connsiteY0"/>
+              </a:cxn>
+              <a:cxn ang="0">
+                <a:pos x="connsiteX1" y="connsiteY1"/>
+              </a:cxn>
+              <a:cxn ang="0">
+                <a:pos x="connsiteX2" y="connsiteY2"/>
+              </a:cxn>
+              <a:cxn ang="0">
+                <a:pos x="connsiteX3" y="connsiteY3"/>
+              </a:cxn>
+            </a:cxnLst>
+            <a:rect l="l" t="t" r="r" b="b"/>
+            <a:pathLst>
+              <a:path w="7290218" h="5242298">
+                <a:moveTo>
+                  <a:pt x="0" y="0"/>
+                </a:moveTo>
+                <a:lnTo>
+                  <a:pt x="7290218" y="0"/>
+                </a:lnTo>
+                <a:lnTo>
+                  <a:pt x="7290218" y="5242298"/>
+                </a:lnTo>
+                <a:lnTo>
+                  <a:pt x="0" y="5242298"/>
+                </a:lnTo>
+                <a:close/>
+              </a:path>
+            </a:pathLst>
+          </a:custGeom>
+          <a:ln>
+            <a:noFill/>
+          </a:ln>
+        </p:spPr>
+        <p:style>
+          <a:lnRef idx="2">
+            <a:schemeClr val="accent1">
+              <a:shade val="50000"/>
+            </a:schemeClr>
+          </a:lnRef>
+          <a:fillRef idx="1">
+            <a:schemeClr val="accent1"/>
+          </a:fillRef>
+          <a:effectRef idx="0">
+            <a:schemeClr val="accent1"/>
+          </a:effectRef>
+          <a:fontRef idx="minor">
+            <a:schemeClr val="lt1"/>
+          </a:fontRef>
+        </p:style>
+        <p:txBody>
+          <a:bodyPr wrap="square" rtlCol="0" anchor="ctr">
+            <a:noAutofit/>
+          </a:bodyPr>
+          <a:lstStyle/>
+          <a:p>
+            <a:pPr algn="ctr"/>
+            <a:endParaRPr lang="en-US"/>
+          </a:p>
+        </p:txBody>
+      </p:sp>
+      <p:pic>
+        <p:nvPicPr>
+          <p:cNvPr id="6" name="Immagine 5">
+            <a:extLst>
+              <a:ext uri="{FF2B5EF4-FFF2-40B4-BE49-F238E27FC236}">
+                <a16:creationId xmlns:a16="http://schemas.microsoft.com/office/drawing/2014/main" id="{319EA13C-A6AF-4154-806E-8ACB28521B7A}"/>
+              </a:ext>
+            </a:extLst>
+          </p:cNvPr>
+          <p:cNvPicPr>
+            <a:picLocks noChangeAspect="1"/>
+          </p:cNvPicPr>
+          <p:nvPr/>
+        </p:nvPicPr>
+        <p:blipFill>
+          <a:blip r:embed="rId2">
+            <a:extLst>
+              <a:ext uri="{28A0092B-C50C-407E-A947-70E740481C1C}">
+                <a14:useLocalDpi xmlns:a14="http://schemas.microsoft.com/office/drawing/2010/main" val="0"/>
+              </a:ext>
+            </a:extLst>
+          </a:blip>
+          <a:stretch>
+            <a:fillRect/>
+          </a:stretch>
+        </p:blipFill>
+        <p:spPr>
+          <a:xfrm>
+            <a:off x="1804432" y="4165599"/>
+            <a:ext cx="2792123" cy="1570569"/>
+          </a:xfrm>
+          <a:prstGeom prst="rect">
+            <a:avLst/>
+          </a:prstGeom>
+        </p:spPr>
+      </p:pic>
+      <p:sp>
+        <p:nvSpPr>
+          <p:cNvPr id="7" name="CasellaDiTesto 6">
+            <a:extLst>
+              <a:ext uri="{FF2B5EF4-FFF2-40B4-BE49-F238E27FC236}">
+                <a16:creationId xmlns:a16="http://schemas.microsoft.com/office/drawing/2014/main" id="{777A3FD9-3801-41F7-8DD1-4AF4E3125BFE}"/>
+              </a:ext>
+            </a:extLst>
+          </p:cNvPr>
+          <p:cNvSpPr txBox="1"/>
+          <p:nvPr/>
+        </p:nvSpPr>
+        <p:spPr>
+          <a:xfrm>
             <a:off x="3048" y="705138"/>
-            <a:ext cx="4627091" cy="2308324"/>
+            <a:ext cx="4627091" cy="2000548"/>
           </a:xfrm>
           <a:prstGeom prst="rect">
             <a:avLst/>
@@ -15979,7 +17277,7 @@
                   <a:schemeClr val="bg1"/>
                 </a:solidFill>
               </a:rPr>
-              <a:t>O</a:t>
+              <a:t>P</a:t>
             </a:r>
             <a:r>
               <a:rPr lang="it-IT" sz="2000" dirty="0">
@@ -15987,7 +17285,7 @@
                   <a:schemeClr val="bg1"/>
                 </a:solidFill>
               </a:rPr>
-              <a:t>ra per mostrare al meglio il funzionamento del nostro sistema portiamo all’attenzione l’operazione più significativa secondo noi, la prenotazione di una prestazione presso l’ufficio.</a:t>
+              <a:t>er rispondere a questa necessità mostriamo come il nostro sistema portiamo all’attenzione la prenotazione di una prestazione presso l’ufficio.</a:t>
             </a:r>
           </a:p>
           <a:p>
@@ -16497,636 +17795,6 @@
 </p:sld>
 </file>
 
-<file path=ppt/slides/slide9.xml><?xml version="1.0" encoding="utf-8"?>
-<p:sld xmlns:a="http://schemas.openxmlformats.org/drawingml/2006/main" xmlns:r="http://schemas.openxmlformats.org/officeDocument/2006/relationships" xmlns:p="http://schemas.openxmlformats.org/presentationml/2006/main">
-  <p:cSld>
-    <p:bg>
-      <p:bgPr>
-        <a:solidFill>
-          <a:schemeClr val="bg1"/>
-        </a:solidFill>
-        <a:effectLst/>
-      </p:bgPr>
-    </p:bg>
-    <p:spTree>
-      <p:nvGrpSpPr>
-        <p:cNvPr id="1" name=""/>
-        <p:cNvGrpSpPr/>
-        <p:nvPr/>
-      </p:nvGrpSpPr>
-      <p:grpSpPr>
-        <a:xfrm>
-          <a:off x="0" y="0"/>
-          <a:ext cx="0" cy="0"/>
-          <a:chOff x="0" y="0"/>
-          <a:chExt cx="0" cy="0"/>
-        </a:xfrm>
-      </p:grpSpPr>
-      <p:sp useBgFill="1">
-        <p:nvSpPr>
-          <p:cNvPr id="10" name="Rectangle 9">
-            <a:extLst>
-              <a:ext uri="{FF2B5EF4-FFF2-40B4-BE49-F238E27FC236}">
-                <a16:creationId xmlns:a16="http://schemas.microsoft.com/office/drawing/2014/main" id="{A169D286-F4D7-4C8B-A6BD-D05384C7F1D8}"/>
-              </a:ext>
-              <a:ext uri="{C183D7F6-B498-43B3-948B-1728B52AA6E4}">
-                <adec:decorative xmlns:adec="http://schemas.microsoft.com/office/drawing/2017/decorative" val="1"/>
-              </a:ext>
-            </a:extLst>
-          </p:cNvPr>
-          <p:cNvSpPr>
-            <a:spLocks noGrp="1" noRot="1" noChangeAspect="1" noMove="1" noResize="1" noEditPoints="1" noAdjustHandles="1" noChangeArrowheads="1" noChangeShapeType="1" noTextEdit="1"/>
-          </p:cNvSpPr>
-          <p:nvPr>
-            <p:extLst>
-              <p:ext uri="{386F3935-93C4-4BCD-93E2-E3B085C9AB24}">
-                <p16:designElem xmlns:p16="http://schemas.microsoft.com/office/powerpoint/2015/main" val="1"/>
-              </p:ext>
-            </p:extLst>
-          </p:nvPr>
-        </p:nvSpPr>
-        <p:spPr>
-          <a:xfrm>
-            <a:off x="0" y="0"/>
-            <a:ext cx="12188952" cy="6858000"/>
-          </a:xfrm>
-          <a:prstGeom prst="rect">
-            <a:avLst/>
-          </a:prstGeom>
-          <a:ln>
-            <a:noFill/>
-          </a:ln>
-        </p:spPr>
-        <p:style>
-          <a:lnRef idx="2">
-            <a:schemeClr val="accent1">
-              <a:shade val="50000"/>
-            </a:schemeClr>
-          </a:lnRef>
-          <a:fillRef idx="1">
-            <a:schemeClr val="accent1"/>
-          </a:fillRef>
-          <a:effectRef idx="0">
-            <a:schemeClr val="accent1"/>
-          </a:effectRef>
-          <a:fontRef idx="minor">
-            <a:schemeClr val="lt1"/>
-          </a:fontRef>
-        </p:style>
-        <p:txBody>
-          <a:bodyPr rtlCol="0" anchor="ctr"/>
-          <a:lstStyle/>
-          <a:p>
-            <a:pPr algn="ctr"/>
-            <a:endParaRPr lang="en-US"/>
-          </a:p>
-        </p:txBody>
-      </p:sp>
-      <p:sp>
-        <p:nvSpPr>
-          <p:cNvPr id="12" name="Freeform 6">
-            <a:extLst>
-              <a:ext uri="{FF2B5EF4-FFF2-40B4-BE49-F238E27FC236}">
-                <a16:creationId xmlns:a16="http://schemas.microsoft.com/office/drawing/2014/main" id="{39E8235E-135E-4261-8F54-2B316E493C42}"/>
-              </a:ext>
-              <a:ext uri="{C183D7F6-B498-43B3-948B-1728B52AA6E4}">
-                <adec:decorative xmlns:adec="http://schemas.microsoft.com/office/drawing/2017/decorative" val="1"/>
-              </a:ext>
-            </a:extLst>
-          </p:cNvPr>
-          <p:cNvSpPr>
-            <a:spLocks noGrp="1" noRot="1" noChangeAspect="1" noMove="1" noResize="1" noEditPoints="1" noAdjustHandles="1" noChangeArrowheads="1" noChangeShapeType="1" noTextEdit="1"/>
-          </p:cNvSpPr>
-          <p:nvPr>
-            <p:extLst>
-              <p:ext uri="{386F3935-93C4-4BCD-93E2-E3B085C9AB24}">
-                <p16:designElem xmlns:p16="http://schemas.microsoft.com/office/powerpoint/2015/main" val="1"/>
-              </p:ext>
-            </p:extLst>
-          </p:nvPr>
-        </p:nvSpPr>
-        <p:spPr bwMode="auto">
-          <a:xfrm>
-            <a:off x="4142164" y="610728"/>
-            <a:ext cx="759618" cy="5710965"/>
-          </a:xfrm>
-          <a:custGeom>
-            <a:avLst/>
-            <a:gdLst>
-              <a:gd name="T0" fmla="*/ 414 w 414"/>
-              <a:gd name="T1" fmla="*/ 2447 h 2447"/>
-              <a:gd name="T2" fmla="*/ 0 w 414"/>
-              <a:gd name="T3" fmla="*/ 2247 h 2447"/>
-              <a:gd name="T4" fmla="*/ 0 w 414"/>
-              <a:gd name="T5" fmla="*/ 0 h 2447"/>
-              <a:gd name="T6" fmla="*/ 414 w 414"/>
-              <a:gd name="T7" fmla="*/ 200 h 2447"/>
-              <a:gd name="T8" fmla="*/ 414 w 414"/>
-              <a:gd name="T9" fmla="*/ 2447 h 2447"/>
-            </a:gdLst>
-            <a:ahLst/>
-            <a:cxnLst>
-              <a:cxn ang="0">
-                <a:pos x="T0" y="T1"/>
-              </a:cxn>
-              <a:cxn ang="0">
-                <a:pos x="T2" y="T3"/>
-              </a:cxn>
-              <a:cxn ang="0">
-                <a:pos x="T4" y="T5"/>
-              </a:cxn>
-              <a:cxn ang="0">
-                <a:pos x="T6" y="T7"/>
-              </a:cxn>
-              <a:cxn ang="0">
-                <a:pos x="T8" y="T9"/>
-              </a:cxn>
-            </a:cxnLst>
-            <a:rect l="0" t="0" r="r" b="b"/>
-            <a:pathLst>
-              <a:path w="414" h="2447">
-                <a:moveTo>
-                  <a:pt x="414" y="2447"/>
-                </a:moveTo>
-                <a:lnTo>
-                  <a:pt x="0" y="2247"/>
-                </a:lnTo>
-                <a:lnTo>
-                  <a:pt x="0" y="0"/>
-                </a:lnTo>
-                <a:lnTo>
-                  <a:pt x="414" y="200"/>
-                </a:lnTo>
-                <a:lnTo>
-                  <a:pt x="414" y="2447"/>
-                </a:lnTo>
-                <a:close/>
-              </a:path>
-            </a:pathLst>
-          </a:custGeom>
-          <a:solidFill>
-            <a:schemeClr val="accent1">
-              <a:lumMod val="75000"/>
-            </a:schemeClr>
-          </a:solidFill>
-          <a:ln>
-            <a:noFill/>
-          </a:ln>
-        </p:spPr>
-        <p:txBody>
-          <a:bodyPr vert="horz" wrap="square" lIns="91440" tIns="45720" rIns="91440" bIns="45720" numCol="1" anchor="t" anchorCtr="0" compatLnSpc="1">
-            <a:prstTxWarp prst="textNoShape">
-              <a:avLst/>
-            </a:prstTxWarp>
-          </a:bodyPr>
-          <a:lstStyle/>
-          <a:p>
-            <a:endParaRPr lang="en-US"/>
-          </a:p>
-        </p:txBody>
-      </p:sp>
-      <p:sp>
-        <p:nvSpPr>
-          <p:cNvPr id="14" name="Freeform 7">
-            <a:extLst>
-              <a:ext uri="{FF2B5EF4-FFF2-40B4-BE49-F238E27FC236}">
-                <a16:creationId xmlns:a16="http://schemas.microsoft.com/office/drawing/2014/main" id="{D4ED8EC3-4D57-4620-93CE-4E6661F09A3E}"/>
-              </a:ext>
-              <a:ext uri="{C183D7F6-B498-43B3-948B-1728B52AA6E4}">
-                <adec:decorative xmlns:adec="http://schemas.microsoft.com/office/drawing/2017/decorative" val="1"/>
-              </a:ext>
-            </a:extLst>
-          </p:cNvPr>
-          <p:cNvSpPr>
-            <a:spLocks noGrp="1" noRot="1" noChangeAspect="1" noMove="1" noResize="1" noEditPoints="1" noAdjustHandles="1" noChangeArrowheads="1" noChangeShapeType="1" noTextEdit="1"/>
-          </p:cNvSpPr>
-          <p:nvPr>
-            <p:extLst>
-              <p:ext uri="{386F3935-93C4-4BCD-93E2-E3B085C9AB24}">
-                <p16:designElem xmlns:p16="http://schemas.microsoft.com/office/powerpoint/2015/main" val="1"/>
-              </p:ext>
-            </p:extLst>
-          </p:nvPr>
-        </p:nvSpPr>
-        <p:spPr bwMode="auto">
-          <a:xfrm>
-            <a:off x="4144437" y="343079"/>
-            <a:ext cx="482654" cy="5521414"/>
-          </a:xfrm>
-          <a:custGeom>
-            <a:avLst/>
-            <a:gdLst>
-              <a:gd name="T0" fmla="*/ 209 w 209"/>
-              <a:gd name="T1" fmla="*/ 2246 h 2358"/>
-              <a:gd name="T2" fmla="*/ 0 w 209"/>
-              <a:gd name="T3" fmla="*/ 2358 h 2358"/>
-              <a:gd name="T4" fmla="*/ 0 w 209"/>
-              <a:gd name="T5" fmla="*/ 111 h 2358"/>
-              <a:gd name="T6" fmla="*/ 209 w 209"/>
-              <a:gd name="T7" fmla="*/ 0 h 2358"/>
-              <a:gd name="T8" fmla="*/ 209 w 209"/>
-              <a:gd name="T9" fmla="*/ 2246 h 2358"/>
-            </a:gdLst>
-            <a:ahLst/>
-            <a:cxnLst>
-              <a:cxn ang="0">
-                <a:pos x="T0" y="T1"/>
-              </a:cxn>
-              <a:cxn ang="0">
-                <a:pos x="T2" y="T3"/>
-              </a:cxn>
-              <a:cxn ang="0">
-                <a:pos x="T4" y="T5"/>
-              </a:cxn>
-              <a:cxn ang="0">
-                <a:pos x="T6" y="T7"/>
-              </a:cxn>
-              <a:cxn ang="0">
-                <a:pos x="T8" y="T9"/>
-              </a:cxn>
-            </a:cxnLst>
-            <a:rect l="0" t="0" r="r" b="b"/>
-            <a:pathLst>
-              <a:path w="209" h="2358">
-                <a:moveTo>
-                  <a:pt x="209" y="2246"/>
-                </a:moveTo>
-                <a:lnTo>
-                  <a:pt x="0" y="2358"/>
-                </a:lnTo>
-                <a:lnTo>
-                  <a:pt x="0" y="111"/>
-                </a:lnTo>
-                <a:lnTo>
-                  <a:pt x="209" y="0"/>
-                </a:lnTo>
-                <a:lnTo>
-                  <a:pt x="209" y="2246"/>
-                </a:lnTo>
-                <a:close/>
-              </a:path>
-            </a:pathLst>
-          </a:custGeom>
-          <a:solidFill>
-            <a:schemeClr val="accent1">
-              <a:lumMod val="50000"/>
-            </a:schemeClr>
-          </a:solidFill>
-          <a:ln>
-            <a:noFill/>
-          </a:ln>
-        </p:spPr>
-        <p:txBody>
-          <a:bodyPr vert="horz" wrap="square" lIns="91440" tIns="45720" rIns="91440" bIns="45720" numCol="1" anchor="t" anchorCtr="0" compatLnSpc="1">
-            <a:prstTxWarp prst="textNoShape">
-              <a:avLst/>
-            </a:prstTxWarp>
-          </a:bodyPr>
-          <a:lstStyle/>
-          <a:p>
-            <a:endParaRPr lang="en-US"/>
-          </a:p>
-        </p:txBody>
-      </p:sp>
-      <p:sp>
-        <p:nvSpPr>
-          <p:cNvPr id="16" name="Freeform: Shape 15">
-            <a:extLst>
-              <a:ext uri="{FF2B5EF4-FFF2-40B4-BE49-F238E27FC236}">
-                <a16:creationId xmlns:a16="http://schemas.microsoft.com/office/drawing/2014/main" id="{83BCB34A-2F40-4F41-8488-A134C1C155B7}"/>
-              </a:ext>
-              <a:ext uri="{C183D7F6-B498-43B3-948B-1728B52AA6E4}">
-                <adec:decorative xmlns:adec="http://schemas.microsoft.com/office/drawing/2017/decorative" val="1"/>
-              </a:ext>
-            </a:extLst>
-          </p:cNvPr>
-          <p:cNvSpPr>
-            <a:spLocks noGrp="1" noRot="1" noChangeAspect="1" noMove="1" noResize="1" noEditPoints="1" noAdjustHandles="1" noChangeArrowheads="1" noChangeShapeType="1" noTextEdit="1"/>
-          </p:cNvSpPr>
-          <p:nvPr>
-            <p:extLst>
-              <p:ext uri="{386F3935-93C4-4BCD-93E2-E3B085C9AB24}">
-                <p16:designElem xmlns:p16="http://schemas.microsoft.com/office/powerpoint/2015/main" val="1"/>
-              </p:ext>
-            </p:extLst>
-          </p:nvPr>
-        </p:nvSpPr>
-        <p:spPr>
-          <a:xfrm>
-            <a:off x="-3045" y="340424"/>
-            <a:ext cx="4630139" cy="5265795"/>
-          </a:xfrm>
-          <a:custGeom>
-            <a:avLst/>
-            <a:gdLst>
-              <a:gd name="connsiteX0" fmla="*/ 0 w 4630139"/>
-              <a:gd name="connsiteY0" fmla="*/ 0 h 5265795"/>
-              <a:gd name="connsiteX1" fmla="*/ 4630139 w 4630139"/>
-              <a:gd name="connsiteY1" fmla="*/ 0 h 5265795"/>
-              <a:gd name="connsiteX2" fmla="*/ 4630139 w 4630139"/>
-              <a:gd name="connsiteY2" fmla="*/ 5265795 h 5265795"/>
-              <a:gd name="connsiteX3" fmla="*/ 0 w 4630139"/>
-              <a:gd name="connsiteY3" fmla="*/ 5265795 h 5265795"/>
-            </a:gdLst>
-            <a:ahLst/>
-            <a:cxnLst>
-              <a:cxn ang="0">
-                <a:pos x="connsiteX0" y="connsiteY0"/>
-              </a:cxn>
-              <a:cxn ang="0">
-                <a:pos x="connsiteX1" y="connsiteY1"/>
-              </a:cxn>
-              <a:cxn ang="0">
-                <a:pos x="connsiteX2" y="connsiteY2"/>
-              </a:cxn>
-              <a:cxn ang="0">
-                <a:pos x="connsiteX3" y="connsiteY3"/>
-              </a:cxn>
-            </a:cxnLst>
-            <a:rect l="l" t="t" r="r" b="b"/>
-            <a:pathLst>
-              <a:path w="4630139" h="5265795">
-                <a:moveTo>
-                  <a:pt x="0" y="0"/>
-                </a:moveTo>
-                <a:lnTo>
-                  <a:pt x="4630139" y="0"/>
-                </a:lnTo>
-                <a:lnTo>
-                  <a:pt x="4630139" y="5265795"/>
-                </a:lnTo>
-                <a:lnTo>
-                  <a:pt x="0" y="5265795"/>
-                </a:lnTo>
-                <a:close/>
-              </a:path>
-            </a:pathLst>
-          </a:custGeom>
-          <a:ln>
-            <a:noFill/>
-          </a:ln>
-        </p:spPr>
-        <p:style>
-          <a:lnRef idx="2">
-            <a:schemeClr val="accent1">
-              <a:shade val="50000"/>
-            </a:schemeClr>
-          </a:lnRef>
-          <a:fillRef idx="1">
-            <a:schemeClr val="accent1"/>
-          </a:fillRef>
-          <a:effectRef idx="0">
-            <a:schemeClr val="accent1"/>
-          </a:effectRef>
-          <a:fontRef idx="minor">
-            <a:schemeClr val="lt1"/>
-          </a:fontRef>
-        </p:style>
-        <p:txBody>
-          <a:bodyPr wrap="square" rtlCol="0" anchor="ctr">
-            <a:noAutofit/>
-          </a:bodyPr>
-          <a:lstStyle/>
-          <a:p>
-            <a:pPr algn="ctr"/>
-            <a:endParaRPr lang="en-US"/>
-          </a:p>
-        </p:txBody>
-      </p:sp>
-      <p:sp>
-        <p:nvSpPr>
-          <p:cNvPr id="18" name="Freeform: Shape 17">
-            <a:extLst>
-              <a:ext uri="{FF2B5EF4-FFF2-40B4-BE49-F238E27FC236}">
-                <a16:creationId xmlns:a16="http://schemas.microsoft.com/office/drawing/2014/main" id="{F78382DC-4207-465E-B379-1E16448AA222}"/>
-              </a:ext>
-              <a:ext uri="{C183D7F6-B498-43B3-948B-1728B52AA6E4}">
-                <adec:decorative xmlns:adec="http://schemas.microsoft.com/office/drawing/2017/decorative" val="1"/>
-              </a:ext>
-            </a:extLst>
-          </p:cNvPr>
-          <p:cNvSpPr>
-            <a:spLocks noGrp="1" noRot="1" noChangeAspect="1" noMove="1" noResize="1" noEditPoints="1" noAdjustHandles="1" noChangeArrowheads="1" noChangeShapeType="1" noTextEdit="1"/>
-          </p:cNvSpPr>
-          <p:nvPr>
-            <p:extLst>
-              <p:ext uri="{386F3935-93C4-4BCD-93E2-E3B085C9AB24}">
-                <p16:designElem xmlns:p16="http://schemas.microsoft.com/office/powerpoint/2015/main" val="1"/>
-              </p:ext>
-            </p:extLst>
-          </p:nvPr>
-        </p:nvSpPr>
-        <p:spPr>
-          <a:xfrm>
-            <a:off x="4901780" y="1071563"/>
-            <a:ext cx="7290218" cy="5242298"/>
-          </a:xfrm>
-          <a:custGeom>
-            <a:avLst/>
-            <a:gdLst>
-              <a:gd name="connsiteX0" fmla="*/ 0 w 7290218"/>
-              <a:gd name="connsiteY0" fmla="*/ 0 h 5242298"/>
-              <a:gd name="connsiteX1" fmla="*/ 7290218 w 7290218"/>
-              <a:gd name="connsiteY1" fmla="*/ 0 h 5242298"/>
-              <a:gd name="connsiteX2" fmla="*/ 7290218 w 7290218"/>
-              <a:gd name="connsiteY2" fmla="*/ 5242298 h 5242298"/>
-              <a:gd name="connsiteX3" fmla="*/ 0 w 7290218"/>
-              <a:gd name="connsiteY3" fmla="*/ 5242298 h 5242298"/>
-            </a:gdLst>
-            <a:ahLst/>
-            <a:cxnLst>
-              <a:cxn ang="0">
-                <a:pos x="connsiteX0" y="connsiteY0"/>
-              </a:cxn>
-              <a:cxn ang="0">
-                <a:pos x="connsiteX1" y="connsiteY1"/>
-              </a:cxn>
-              <a:cxn ang="0">
-                <a:pos x="connsiteX2" y="connsiteY2"/>
-              </a:cxn>
-              <a:cxn ang="0">
-                <a:pos x="connsiteX3" y="connsiteY3"/>
-              </a:cxn>
-            </a:cxnLst>
-            <a:rect l="l" t="t" r="r" b="b"/>
-            <a:pathLst>
-              <a:path w="7290218" h="5242298">
-                <a:moveTo>
-                  <a:pt x="0" y="0"/>
-                </a:moveTo>
-                <a:lnTo>
-                  <a:pt x="7290218" y="0"/>
-                </a:lnTo>
-                <a:lnTo>
-                  <a:pt x="7290218" y="5242298"/>
-                </a:lnTo>
-                <a:lnTo>
-                  <a:pt x="0" y="5242298"/>
-                </a:lnTo>
-                <a:close/>
-              </a:path>
-            </a:pathLst>
-          </a:custGeom>
-          <a:ln>
-            <a:noFill/>
-          </a:ln>
-        </p:spPr>
-        <p:style>
-          <a:lnRef idx="2">
-            <a:schemeClr val="accent1">
-              <a:shade val="50000"/>
-            </a:schemeClr>
-          </a:lnRef>
-          <a:fillRef idx="1">
-            <a:schemeClr val="accent1"/>
-          </a:fillRef>
-          <a:effectRef idx="0">
-            <a:schemeClr val="accent1"/>
-          </a:effectRef>
-          <a:fontRef idx="minor">
-            <a:schemeClr val="lt1"/>
-          </a:fontRef>
-        </p:style>
-        <p:txBody>
-          <a:bodyPr wrap="square" rtlCol="0" anchor="ctr">
-            <a:noAutofit/>
-          </a:bodyPr>
-          <a:lstStyle/>
-          <a:p>
-            <a:pPr algn="ctr"/>
-            <a:endParaRPr lang="en-US"/>
-          </a:p>
-        </p:txBody>
-      </p:sp>
-      <p:pic>
-        <p:nvPicPr>
-          <p:cNvPr id="6" name="Immagine 5">
-            <a:extLst>
-              <a:ext uri="{FF2B5EF4-FFF2-40B4-BE49-F238E27FC236}">
-                <a16:creationId xmlns:a16="http://schemas.microsoft.com/office/drawing/2014/main" id="{319EA13C-A6AF-4154-806E-8ACB28521B7A}"/>
-              </a:ext>
-            </a:extLst>
-          </p:cNvPr>
-          <p:cNvPicPr>
-            <a:picLocks noChangeAspect="1"/>
-          </p:cNvPicPr>
-          <p:nvPr/>
-        </p:nvPicPr>
-        <p:blipFill>
-          <a:blip r:embed="rId2">
-            <a:extLst>
-              <a:ext uri="{28A0092B-C50C-407E-A947-70E740481C1C}">
-                <a14:useLocalDpi xmlns:a14="http://schemas.microsoft.com/office/drawing/2010/main" val="0"/>
-              </a:ext>
-            </a:extLst>
-          </a:blip>
-          <a:stretch>
-            <a:fillRect/>
-          </a:stretch>
-        </p:blipFill>
-        <p:spPr>
-          <a:xfrm>
-            <a:off x="1804432" y="4165599"/>
-            <a:ext cx="2792123" cy="1570569"/>
-          </a:xfrm>
-          <a:prstGeom prst="rect">
-            <a:avLst/>
-          </a:prstGeom>
-        </p:spPr>
-      </p:pic>
-      <p:sp>
-        <p:nvSpPr>
-          <p:cNvPr id="7" name="CasellaDiTesto 6">
-            <a:extLst>
-              <a:ext uri="{FF2B5EF4-FFF2-40B4-BE49-F238E27FC236}">
-                <a16:creationId xmlns:a16="http://schemas.microsoft.com/office/drawing/2014/main" id="{777A3FD9-3801-41F7-8DD1-4AF4E3125BFE}"/>
-              </a:ext>
-            </a:extLst>
-          </p:cNvPr>
-          <p:cNvSpPr txBox="1"/>
-          <p:nvPr/>
-        </p:nvSpPr>
-        <p:spPr>
-          <a:xfrm>
-            <a:off x="3048" y="705138"/>
-            <a:ext cx="4627091" cy="830997"/>
-          </a:xfrm>
-          <a:prstGeom prst="rect">
-            <a:avLst/>
-          </a:prstGeom>
-          <a:noFill/>
-        </p:spPr>
-        <p:txBody>
-          <a:bodyPr wrap="square" rtlCol="0">
-            <a:spAutoFit/>
-          </a:bodyPr>
-          <a:lstStyle/>
-          <a:p>
-            <a:r>
-              <a:rPr lang="it-IT" sz="2400" dirty="0">
-                <a:solidFill>
-                  <a:schemeClr val="bg1"/>
-                </a:solidFill>
-              </a:rPr>
-              <a:t>Per andare più nello specifico ci rifacciamo allo Use Case</a:t>
-            </a:r>
-            <a:endParaRPr lang="it-IT" sz="2000" dirty="0">
-              <a:solidFill>
-                <a:schemeClr val="bg1"/>
-              </a:solidFill>
-            </a:endParaRPr>
-          </a:p>
-        </p:txBody>
-      </p:sp>
-      <p:pic>
-        <p:nvPicPr>
-          <p:cNvPr id="11" name="Immagine 10">
-            <a:extLst>
-              <a:ext uri="{FF2B5EF4-FFF2-40B4-BE49-F238E27FC236}">
-                <a16:creationId xmlns:a16="http://schemas.microsoft.com/office/drawing/2014/main" id="{04CA39F9-73A7-411E-A358-DCC8B1801154}"/>
-              </a:ext>
-            </a:extLst>
-          </p:cNvPr>
-          <p:cNvPicPr>
-            <a:picLocks noChangeAspect="1"/>
-          </p:cNvPicPr>
-          <p:nvPr/>
-        </p:nvPicPr>
-        <p:blipFill>
-          <a:blip r:embed="rId3">
-            <a:extLst>
-              <a:ext uri="{28A0092B-C50C-407E-A947-70E740481C1C}">
-                <a14:useLocalDpi xmlns:a14="http://schemas.microsoft.com/office/drawing/2010/main" val="0"/>
-              </a:ext>
-            </a:extLst>
-          </a:blip>
-          <a:stretch>
-            <a:fillRect/>
-          </a:stretch>
-        </p:blipFill>
-        <p:spPr>
-          <a:xfrm>
-            <a:off x="6362093" y="1366225"/>
-            <a:ext cx="4366548" cy="4498268"/>
-          </a:xfrm>
-          <a:prstGeom prst="rect">
-            <a:avLst/>
-          </a:prstGeom>
-        </p:spPr>
-      </p:pic>
-    </p:spTree>
-    <p:extLst>
-      <p:ext uri="{BB962C8B-B14F-4D97-AF65-F5344CB8AC3E}">
-        <p14:creationId xmlns:p14="http://schemas.microsoft.com/office/powerpoint/2010/main" val="2251447104"/>
-      </p:ext>
-    </p:extLst>
-  </p:cSld>
-  <p:clrMapOvr>
-    <a:masterClrMapping/>
-  </p:clrMapOvr>
-</p:sld>
-</file>
-
 <file path=ppt/theme/theme1.xml><?xml version="1.0" encoding="utf-8"?>
 <a:theme xmlns:a="http://schemas.openxmlformats.org/drawingml/2006/main" name="Tema di Office">
   <a:themeElements>

--- a/This is my PP/Presentazione 06-12-2020.pptx
+++ b/This is my PP/Presentazione 06-12-2020.pptx
@@ -10,7 +10,7 @@
     <p:sldId id="265" r:id="rId4"/>
     <p:sldId id="267" r:id="rId5"/>
     <p:sldId id="279" r:id="rId6"/>
-    <p:sldId id="282" r:id="rId7"/>
+    <p:sldId id="281" r:id="rId7"/>
     <p:sldId id="266" r:id="rId8"/>
     <p:sldId id="283" r:id="rId9"/>
     <p:sldId id="268" r:id="rId10"/>
@@ -24,7 +24,6 @@
     <p:sldId id="276" r:id="rId18"/>
     <p:sldId id="277" r:id="rId19"/>
     <p:sldId id="278" r:id="rId20"/>
-    <p:sldId id="281" r:id="rId21"/>
   </p:sldIdLst>
   <p:sldSz cx="12192000" cy="6858000"/>
   <p:notesSz cx="6858000" cy="9144000"/>
@@ -3949,8 +3948,8 @@
         </p:nvSpPr>
         <p:spPr>
           <a:xfrm>
-            <a:off x="9934537" y="4899456"/>
-            <a:ext cx="3184202" cy="954107"/>
+            <a:off x="9934537" y="4717308"/>
+            <a:ext cx="3184202" cy="1169551"/>
           </a:xfrm>
           <a:prstGeom prst="rect">
             <a:avLst/>
@@ -3962,6 +3961,16 @@
             <a:spAutoFit/>
           </a:bodyPr>
           <a:lstStyle/>
+          <a:p>
+            <a:r>
+              <a:rPr lang="it-IT" sz="1400" b="1" dirty="0">
+                <a:solidFill>
+                  <a:schemeClr val="bg1"/>
+                </a:solidFill>
+              </a:rPr>
+              <a:t>NC12</a:t>
+            </a:r>
+          </a:p>
           <a:p>
             <a:r>
               <a:rPr lang="it-IT" sz="1400" b="1" dirty="0">
@@ -12177,632 +12186,6 @@
 </p:sld>
 </file>
 
-<file path=ppt/slides/slide20.xml><?xml version="1.0" encoding="utf-8"?>
-<p:sld xmlns:a="http://schemas.openxmlformats.org/drawingml/2006/main" xmlns:r="http://schemas.openxmlformats.org/officeDocument/2006/relationships" xmlns:p="http://schemas.openxmlformats.org/presentationml/2006/main">
-  <p:cSld>
-    <p:bg>
-      <p:bgPr>
-        <a:solidFill>
-          <a:schemeClr val="bg1"/>
-        </a:solidFill>
-        <a:effectLst/>
-      </p:bgPr>
-    </p:bg>
-    <p:spTree>
-      <p:nvGrpSpPr>
-        <p:cNvPr id="1" name=""/>
-        <p:cNvGrpSpPr/>
-        <p:nvPr/>
-      </p:nvGrpSpPr>
-      <p:grpSpPr>
-        <a:xfrm>
-          <a:off x="0" y="0"/>
-          <a:ext cx="0" cy="0"/>
-          <a:chOff x="0" y="0"/>
-          <a:chExt cx="0" cy="0"/>
-        </a:xfrm>
-      </p:grpSpPr>
-      <p:sp useBgFill="1">
-        <p:nvSpPr>
-          <p:cNvPr id="10" name="Rectangle 9">
-            <a:extLst>
-              <a:ext uri="{FF2B5EF4-FFF2-40B4-BE49-F238E27FC236}">
-                <a16:creationId xmlns:a16="http://schemas.microsoft.com/office/drawing/2014/main" id="{A169D286-F4D7-4C8B-A6BD-D05384C7F1D8}"/>
-              </a:ext>
-              <a:ext uri="{C183D7F6-B498-43B3-948B-1728B52AA6E4}">
-                <adec:decorative xmlns:adec="http://schemas.microsoft.com/office/drawing/2017/decorative" val="1"/>
-              </a:ext>
-            </a:extLst>
-          </p:cNvPr>
-          <p:cNvSpPr>
-            <a:spLocks noGrp="1" noRot="1" noChangeAspect="1" noMove="1" noResize="1" noEditPoints="1" noAdjustHandles="1" noChangeArrowheads="1" noChangeShapeType="1" noTextEdit="1"/>
-          </p:cNvSpPr>
-          <p:nvPr>
-            <p:extLst>
-              <p:ext uri="{386F3935-93C4-4BCD-93E2-E3B085C9AB24}">
-                <p16:designElem xmlns:p16="http://schemas.microsoft.com/office/powerpoint/2015/main" val="1"/>
-              </p:ext>
-            </p:extLst>
-          </p:nvPr>
-        </p:nvSpPr>
-        <p:spPr>
-          <a:xfrm>
-            <a:off x="0" y="0"/>
-            <a:ext cx="12188952" cy="6858000"/>
-          </a:xfrm>
-          <a:prstGeom prst="rect">
-            <a:avLst/>
-          </a:prstGeom>
-          <a:ln>
-            <a:noFill/>
-          </a:ln>
-        </p:spPr>
-        <p:style>
-          <a:lnRef idx="2">
-            <a:schemeClr val="accent1">
-              <a:shade val="50000"/>
-            </a:schemeClr>
-          </a:lnRef>
-          <a:fillRef idx="1">
-            <a:schemeClr val="accent1"/>
-          </a:fillRef>
-          <a:effectRef idx="0">
-            <a:schemeClr val="accent1"/>
-          </a:effectRef>
-          <a:fontRef idx="minor">
-            <a:schemeClr val="lt1"/>
-          </a:fontRef>
-        </p:style>
-        <p:txBody>
-          <a:bodyPr rtlCol="0" anchor="ctr"/>
-          <a:lstStyle/>
-          <a:p>
-            <a:pPr algn="ctr"/>
-            <a:endParaRPr lang="en-US"/>
-          </a:p>
-        </p:txBody>
-      </p:sp>
-      <p:sp>
-        <p:nvSpPr>
-          <p:cNvPr id="12" name="Freeform 6">
-            <a:extLst>
-              <a:ext uri="{FF2B5EF4-FFF2-40B4-BE49-F238E27FC236}">
-                <a16:creationId xmlns:a16="http://schemas.microsoft.com/office/drawing/2014/main" id="{39E8235E-135E-4261-8F54-2B316E493C42}"/>
-              </a:ext>
-              <a:ext uri="{C183D7F6-B498-43B3-948B-1728B52AA6E4}">
-                <adec:decorative xmlns:adec="http://schemas.microsoft.com/office/drawing/2017/decorative" val="1"/>
-              </a:ext>
-            </a:extLst>
-          </p:cNvPr>
-          <p:cNvSpPr>
-            <a:spLocks noGrp="1" noRot="1" noChangeAspect="1" noMove="1" noResize="1" noEditPoints="1" noAdjustHandles="1" noChangeArrowheads="1" noChangeShapeType="1" noTextEdit="1"/>
-          </p:cNvSpPr>
-          <p:nvPr>
-            <p:extLst>
-              <p:ext uri="{386F3935-93C4-4BCD-93E2-E3B085C9AB24}">
-                <p16:designElem xmlns:p16="http://schemas.microsoft.com/office/powerpoint/2015/main" val="1"/>
-              </p:ext>
-            </p:extLst>
-          </p:nvPr>
-        </p:nvSpPr>
-        <p:spPr bwMode="auto">
-          <a:xfrm>
-            <a:off x="4142164" y="610728"/>
-            <a:ext cx="759618" cy="5710965"/>
-          </a:xfrm>
-          <a:custGeom>
-            <a:avLst/>
-            <a:gdLst>
-              <a:gd name="T0" fmla="*/ 414 w 414"/>
-              <a:gd name="T1" fmla="*/ 2447 h 2447"/>
-              <a:gd name="T2" fmla="*/ 0 w 414"/>
-              <a:gd name="T3" fmla="*/ 2247 h 2447"/>
-              <a:gd name="T4" fmla="*/ 0 w 414"/>
-              <a:gd name="T5" fmla="*/ 0 h 2447"/>
-              <a:gd name="T6" fmla="*/ 414 w 414"/>
-              <a:gd name="T7" fmla="*/ 200 h 2447"/>
-              <a:gd name="T8" fmla="*/ 414 w 414"/>
-              <a:gd name="T9" fmla="*/ 2447 h 2447"/>
-            </a:gdLst>
-            <a:ahLst/>
-            <a:cxnLst>
-              <a:cxn ang="0">
-                <a:pos x="T0" y="T1"/>
-              </a:cxn>
-              <a:cxn ang="0">
-                <a:pos x="T2" y="T3"/>
-              </a:cxn>
-              <a:cxn ang="0">
-                <a:pos x="T4" y="T5"/>
-              </a:cxn>
-              <a:cxn ang="0">
-                <a:pos x="T6" y="T7"/>
-              </a:cxn>
-              <a:cxn ang="0">
-                <a:pos x="T8" y="T9"/>
-              </a:cxn>
-            </a:cxnLst>
-            <a:rect l="0" t="0" r="r" b="b"/>
-            <a:pathLst>
-              <a:path w="414" h="2447">
-                <a:moveTo>
-                  <a:pt x="414" y="2447"/>
-                </a:moveTo>
-                <a:lnTo>
-                  <a:pt x="0" y="2247"/>
-                </a:lnTo>
-                <a:lnTo>
-                  <a:pt x="0" y="0"/>
-                </a:lnTo>
-                <a:lnTo>
-                  <a:pt x="414" y="200"/>
-                </a:lnTo>
-                <a:lnTo>
-                  <a:pt x="414" y="2447"/>
-                </a:lnTo>
-                <a:close/>
-              </a:path>
-            </a:pathLst>
-          </a:custGeom>
-          <a:solidFill>
-            <a:schemeClr val="accent1">
-              <a:lumMod val="75000"/>
-            </a:schemeClr>
-          </a:solidFill>
-          <a:ln>
-            <a:noFill/>
-          </a:ln>
-        </p:spPr>
-        <p:txBody>
-          <a:bodyPr vert="horz" wrap="square" lIns="91440" tIns="45720" rIns="91440" bIns="45720" numCol="1" anchor="t" anchorCtr="0" compatLnSpc="1">
-            <a:prstTxWarp prst="textNoShape">
-              <a:avLst/>
-            </a:prstTxWarp>
-          </a:bodyPr>
-          <a:lstStyle/>
-          <a:p>
-            <a:endParaRPr lang="en-US"/>
-          </a:p>
-        </p:txBody>
-      </p:sp>
-      <p:sp>
-        <p:nvSpPr>
-          <p:cNvPr id="14" name="Freeform 7">
-            <a:extLst>
-              <a:ext uri="{FF2B5EF4-FFF2-40B4-BE49-F238E27FC236}">
-                <a16:creationId xmlns:a16="http://schemas.microsoft.com/office/drawing/2014/main" id="{D4ED8EC3-4D57-4620-93CE-4E6661F09A3E}"/>
-              </a:ext>
-              <a:ext uri="{C183D7F6-B498-43B3-948B-1728B52AA6E4}">
-                <adec:decorative xmlns:adec="http://schemas.microsoft.com/office/drawing/2017/decorative" val="1"/>
-              </a:ext>
-            </a:extLst>
-          </p:cNvPr>
-          <p:cNvSpPr>
-            <a:spLocks noGrp="1" noRot="1" noChangeAspect="1" noMove="1" noResize="1" noEditPoints="1" noAdjustHandles="1" noChangeArrowheads="1" noChangeShapeType="1" noTextEdit="1"/>
-          </p:cNvSpPr>
-          <p:nvPr>
-            <p:extLst>
-              <p:ext uri="{386F3935-93C4-4BCD-93E2-E3B085C9AB24}">
-                <p16:designElem xmlns:p16="http://schemas.microsoft.com/office/powerpoint/2015/main" val="1"/>
-              </p:ext>
-            </p:extLst>
-          </p:nvPr>
-        </p:nvSpPr>
-        <p:spPr bwMode="auto">
-          <a:xfrm>
-            <a:off x="4144437" y="343079"/>
-            <a:ext cx="482654" cy="5521414"/>
-          </a:xfrm>
-          <a:custGeom>
-            <a:avLst/>
-            <a:gdLst>
-              <a:gd name="T0" fmla="*/ 209 w 209"/>
-              <a:gd name="T1" fmla="*/ 2246 h 2358"/>
-              <a:gd name="T2" fmla="*/ 0 w 209"/>
-              <a:gd name="T3" fmla="*/ 2358 h 2358"/>
-              <a:gd name="T4" fmla="*/ 0 w 209"/>
-              <a:gd name="T5" fmla="*/ 111 h 2358"/>
-              <a:gd name="T6" fmla="*/ 209 w 209"/>
-              <a:gd name="T7" fmla="*/ 0 h 2358"/>
-              <a:gd name="T8" fmla="*/ 209 w 209"/>
-              <a:gd name="T9" fmla="*/ 2246 h 2358"/>
-            </a:gdLst>
-            <a:ahLst/>
-            <a:cxnLst>
-              <a:cxn ang="0">
-                <a:pos x="T0" y="T1"/>
-              </a:cxn>
-              <a:cxn ang="0">
-                <a:pos x="T2" y="T3"/>
-              </a:cxn>
-              <a:cxn ang="0">
-                <a:pos x="T4" y="T5"/>
-              </a:cxn>
-              <a:cxn ang="0">
-                <a:pos x="T6" y="T7"/>
-              </a:cxn>
-              <a:cxn ang="0">
-                <a:pos x="T8" y="T9"/>
-              </a:cxn>
-            </a:cxnLst>
-            <a:rect l="0" t="0" r="r" b="b"/>
-            <a:pathLst>
-              <a:path w="209" h="2358">
-                <a:moveTo>
-                  <a:pt x="209" y="2246"/>
-                </a:moveTo>
-                <a:lnTo>
-                  <a:pt x="0" y="2358"/>
-                </a:lnTo>
-                <a:lnTo>
-                  <a:pt x="0" y="111"/>
-                </a:lnTo>
-                <a:lnTo>
-                  <a:pt x="209" y="0"/>
-                </a:lnTo>
-                <a:lnTo>
-                  <a:pt x="209" y="2246"/>
-                </a:lnTo>
-                <a:close/>
-              </a:path>
-            </a:pathLst>
-          </a:custGeom>
-          <a:solidFill>
-            <a:schemeClr val="accent1">
-              <a:lumMod val="50000"/>
-            </a:schemeClr>
-          </a:solidFill>
-          <a:ln>
-            <a:noFill/>
-          </a:ln>
-        </p:spPr>
-        <p:txBody>
-          <a:bodyPr vert="horz" wrap="square" lIns="91440" tIns="45720" rIns="91440" bIns="45720" numCol="1" anchor="t" anchorCtr="0" compatLnSpc="1">
-            <a:prstTxWarp prst="textNoShape">
-              <a:avLst/>
-            </a:prstTxWarp>
-          </a:bodyPr>
-          <a:lstStyle/>
-          <a:p>
-            <a:endParaRPr lang="en-US"/>
-          </a:p>
-        </p:txBody>
-      </p:sp>
-      <p:sp>
-        <p:nvSpPr>
-          <p:cNvPr id="16" name="Freeform: Shape 15">
-            <a:extLst>
-              <a:ext uri="{FF2B5EF4-FFF2-40B4-BE49-F238E27FC236}">
-                <a16:creationId xmlns:a16="http://schemas.microsoft.com/office/drawing/2014/main" id="{83BCB34A-2F40-4F41-8488-A134C1C155B7}"/>
-              </a:ext>
-              <a:ext uri="{C183D7F6-B498-43B3-948B-1728B52AA6E4}">
-                <adec:decorative xmlns:adec="http://schemas.microsoft.com/office/drawing/2017/decorative" val="1"/>
-              </a:ext>
-            </a:extLst>
-          </p:cNvPr>
-          <p:cNvSpPr>
-            <a:spLocks noGrp="1" noRot="1" noChangeAspect="1" noMove="1" noResize="1" noEditPoints="1" noAdjustHandles="1" noChangeArrowheads="1" noChangeShapeType="1" noTextEdit="1"/>
-          </p:cNvSpPr>
-          <p:nvPr>
-            <p:extLst>
-              <p:ext uri="{386F3935-93C4-4BCD-93E2-E3B085C9AB24}">
-                <p16:designElem xmlns:p16="http://schemas.microsoft.com/office/powerpoint/2015/main" val="1"/>
-              </p:ext>
-            </p:extLst>
-          </p:nvPr>
-        </p:nvSpPr>
-        <p:spPr>
-          <a:xfrm>
-            <a:off x="-3045" y="340424"/>
-            <a:ext cx="4630139" cy="5265795"/>
-          </a:xfrm>
-          <a:custGeom>
-            <a:avLst/>
-            <a:gdLst>
-              <a:gd name="connsiteX0" fmla="*/ 0 w 4630139"/>
-              <a:gd name="connsiteY0" fmla="*/ 0 h 5265795"/>
-              <a:gd name="connsiteX1" fmla="*/ 4630139 w 4630139"/>
-              <a:gd name="connsiteY1" fmla="*/ 0 h 5265795"/>
-              <a:gd name="connsiteX2" fmla="*/ 4630139 w 4630139"/>
-              <a:gd name="connsiteY2" fmla="*/ 5265795 h 5265795"/>
-              <a:gd name="connsiteX3" fmla="*/ 0 w 4630139"/>
-              <a:gd name="connsiteY3" fmla="*/ 5265795 h 5265795"/>
-            </a:gdLst>
-            <a:ahLst/>
-            <a:cxnLst>
-              <a:cxn ang="0">
-                <a:pos x="connsiteX0" y="connsiteY0"/>
-              </a:cxn>
-              <a:cxn ang="0">
-                <a:pos x="connsiteX1" y="connsiteY1"/>
-              </a:cxn>
-              <a:cxn ang="0">
-                <a:pos x="connsiteX2" y="connsiteY2"/>
-              </a:cxn>
-              <a:cxn ang="0">
-                <a:pos x="connsiteX3" y="connsiteY3"/>
-              </a:cxn>
-            </a:cxnLst>
-            <a:rect l="l" t="t" r="r" b="b"/>
-            <a:pathLst>
-              <a:path w="4630139" h="5265795">
-                <a:moveTo>
-                  <a:pt x="0" y="0"/>
-                </a:moveTo>
-                <a:lnTo>
-                  <a:pt x="4630139" y="0"/>
-                </a:lnTo>
-                <a:lnTo>
-                  <a:pt x="4630139" y="5265795"/>
-                </a:lnTo>
-                <a:lnTo>
-                  <a:pt x="0" y="5265795"/>
-                </a:lnTo>
-                <a:close/>
-              </a:path>
-            </a:pathLst>
-          </a:custGeom>
-          <a:ln>
-            <a:noFill/>
-          </a:ln>
-        </p:spPr>
-        <p:style>
-          <a:lnRef idx="2">
-            <a:schemeClr val="accent1">
-              <a:shade val="50000"/>
-            </a:schemeClr>
-          </a:lnRef>
-          <a:fillRef idx="1">
-            <a:schemeClr val="accent1"/>
-          </a:fillRef>
-          <a:effectRef idx="0">
-            <a:schemeClr val="accent1"/>
-          </a:effectRef>
-          <a:fontRef idx="minor">
-            <a:schemeClr val="lt1"/>
-          </a:fontRef>
-        </p:style>
-        <p:txBody>
-          <a:bodyPr wrap="square" rtlCol="0" anchor="ctr">
-            <a:noAutofit/>
-          </a:bodyPr>
-          <a:lstStyle/>
-          <a:p>
-            <a:pPr algn="ctr"/>
-            <a:endParaRPr lang="en-US"/>
-          </a:p>
-        </p:txBody>
-      </p:sp>
-      <p:sp>
-        <p:nvSpPr>
-          <p:cNvPr id="18" name="Freeform: Shape 17">
-            <a:extLst>
-              <a:ext uri="{FF2B5EF4-FFF2-40B4-BE49-F238E27FC236}">
-                <a16:creationId xmlns:a16="http://schemas.microsoft.com/office/drawing/2014/main" id="{F78382DC-4207-465E-B379-1E16448AA222}"/>
-              </a:ext>
-              <a:ext uri="{C183D7F6-B498-43B3-948B-1728B52AA6E4}">
-                <adec:decorative xmlns:adec="http://schemas.microsoft.com/office/drawing/2017/decorative" val="1"/>
-              </a:ext>
-            </a:extLst>
-          </p:cNvPr>
-          <p:cNvSpPr>
-            <a:spLocks noGrp="1" noRot="1" noChangeAspect="1" noMove="1" noResize="1" noEditPoints="1" noAdjustHandles="1" noChangeArrowheads="1" noChangeShapeType="1" noTextEdit="1"/>
-          </p:cNvSpPr>
-          <p:nvPr>
-            <p:extLst>
-              <p:ext uri="{386F3935-93C4-4BCD-93E2-E3B085C9AB24}">
-                <p16:designElem xmlns:p16="http://schemas.microsoft.com/office/powerpoint/2015/main" val="1"/>
-              </p:ext>
-            </p:extLst>
-          </p:nvPr>
-        </p:nvSpPr>
-        <p:spPr>
-          <a:xfrm>
-            <a:off x="4901780" y="1071563"/>
-            <a:ext cx="7290218" cy="5242298"/>
-          </a:xfrm>
-          <a:custGeom>
-            <a:avLst/>
-            <a:gdLst>
-              <a:gd name="connsiteX0" fmla="*/ 0 w 7290218"/>
-              <a:gd name="connsiteY0" fmla="*/ 0 h 5242298"/>
-              <a:gd name="connsiteX1" fmla="*/ 7290218 w 7290218"/>
-              <a:gd name="connsiteY1" fmla="*/ 0 h 5242298"/>
-              <a:gd name="connsiteX2" fmla="*/ 7290218 w 7290218"/>
-              <a:gd name="connsiteY2" fmla="*/ 5242298 h 5242298"/>
-              <a:gd name="connsiteX3" fmla="*/ 0 w 7290218"/>
-              <a:gd name="connsiteY3" fmla="*/ 5242298 h 5242298"/>
-            </a:gdLst>
-            <a:ahLst/>
-            <a:cxnLst>
-              <a:cxn ang="0">
-                <a:pos x="connsiteX0" y="connsiteY0"/>
-              </a:cxn>
-              <a:cxn ang="0">
-                <a:pos x="connsiteX1" y="connsiteY1"/>
-              </a:cxn>
-              <a:cxn ang="0">
-                <a:pos x="connsiteX2" y="connsiteY2"/>
-              </a:cxn>
-              <a:cxn ang="0">
-                <a:pos x="connsiteX3" y="connsiteY3"/>
-              </a:cxn>
-            </a:cxnLst>
-            <a:rect l="l" t="t" r="r" b="b"/>
-            <a:pathLst>
-              <a:path w="7290218" h="5242298">
-                <a:moveTo>
-                  <a:pt x="0" y="0"/>
-                </a:moveTo>
-                <a:lnTo>
-                  <a:pt x="7290218" y="0"/>
-                </a:lnTo>
-                <a:lnTo>
-                  <a:pt x="7290218" y="5242298"/>
-                </a:lnTo>
-                <a:lnTo>
-                  <a:pt x="0" y="5242298"/>
-                </a:lnTo>
-                <a:close/>
-              </a:path>
-            </a:pathLst>
-          </a:custGeom>
-          <a:ln>
-            <a:noFill/>
-          </a:ln>
-        </p:spPr>
-        <p:style>
-          <a:lnRef idx="2">
-            <a:schemeClr val="accent1">
-              <a:shade val="50000"/>
-            </a:schemeClr>
-          </a:lnRef>
-          <a:fillRef idx="1">
-            <a:schemeClr val="accent1"/>
-          </a:fillRef>
-          <a:effectRef idx="0">
-            <a:schemeClr val="accent1"/>
-          </a:effectRef>
-          <a:fontRef idx="minor">
-            <a:schemeClr val="lt1"/>
-          </a:fontRef>
-        </p:style>
-        <p:txBody>
-          <a:bodyPr wrap="square" rtlCol="0" anchor="ctr">
-            <a:noAutofit/>
-          </a:bodyPr>
-          <a:lstStyle/>
-          <a:p>
-            <a:pPr algn="ctr"/>
-            <a:endParaRPr lang="en-US"/>
-          </a:p>
-        </p:txBody>
-      </p:sp>
-      <p:pic>
-        <p:nvPicPr>
-          <p:cNvPr id="6" name="Immagine 5">
-            <a:extLst>
-              <a:ext uri="{FF2B5EF4-FFF2-40B4-BE49-F238E27FC236}">
-                <a16:creationId xmlns:a16="http://schemas.microsoft.com/office/drawing/2014/main" id="{319EA13C-A6AF-4154-806E-8ACB28521B7A}"/>
-              </a:ext>
-            </a:extLst>
-          </p:cNvPr>
-          <p:cNvPicPr>
-            <a:picLocks noChangeAspect="1"/>
-          </p:cNvPicPr>
-          <p:nvPr/>
-        </p:nvPicPr>
-        <p:blipFill>
-          <a:blip r:embed="rId2">
-            <a:extLst>
-              <a:ext uri="{28A0092B-C50C-407E-A947-70E740481C1C}">
-                <a14:useLocalDpi xmlns:a14="http://schemas.microsoft.com/office/drawing/2010/main" val="0"/>
-              </a:ext>
-            </a:extLst>
-          </a:blip>
-          <a:stretch>
-            <a:fillRect/>
-          </a:stretch>
-        </p:blipFill>
-        <p:spPr>
-          <a:xfrm>
-            <a:off x="1804432" y="4165599"/>
-            <a:ext cx="2792123" cy="1570569"/>
-          </a:xfrm>
-          <a:prstGeom prst="rect">
-            <a:avLst/>
-          </a:prstGeom>
-        </p:spPr>
-      </p:pic>
-      <p:sp>
-        <p:nvSpPr>
-          <p:cNvPr id="7" name="CasellaDiTesto 6">
-            <a:extLst>
-              <a:ext uri="{FF2B5EF4-FFF2-40B4-BE49-F238E27FC236}">
-                <a16:creationId xmlns:a16="http://schemas.microsoft.com/office/drawing/2014/main" id="{777A3FD9-3801-41F7-8DD1-4AF4E3125BFE}"/>
-              </a:ext>
-            </a:extLst>
-          </p:cNvPr>
-          <p:cNvSpPr txBox="1"/>
-          <p:nvPr/>
-        </p:nvSpPr>
-        <p:spPr>
-          <a:xfrm>
-            <a:off x="181087" y="1775958"/>
-            <a:ext cx="4415468" cy="954107"/>
-          </a:xfrm>
-          <a:prstGeom prst="rect">
-            <a:avLst/>
-          </a:prstGeom>
-          <a:noFill/>
-        </p:spPr>
-        <p:txBody>
-          <a:bodyPr wrap="square" rtlCol="0">
-            <a:spAutoFit/>
-          </a:bodyPr>
-          <a:lstStyle/>
-          <a:p>
-            <a:r>
-              <a:rPr lang="it-IT" sz="3200" b="1" dirty="0">
-                <a:solidFill>
-                  <a:schemeClr val="bg1"/>
-                </a:solidFill>
-              </a:rPr>
-              <a:t>Due design goals su tutti</a:t>
-            </a:r>
-          </a:p>
-          <a:p>
-            <a:endParaRPr lang="it-IT" sz="2400" dirty="0">
-              <a:solidFill>
-                <a:schemeClr val="bg1"/>
-              </a:solidFill>
-            </a:endParaRPr>
-          </a:p>
-        </p:txBody>
-      </p:sp>
-      <p:pic>
-        <p:nvPicPr>
-          <p:cNvPr id="9" name="Immagine 8">
-            <a:extLst>
-              <a:ext uri="{FF2B5EF4-FFF2-40B4-BE49-F238E27FC236}">
-                <a16:creationId xmlns:a16="http://schemas.microsoft.com/office/drawing/2014/main" id="{82A90A7D-0ECB-4413-A70C-1220FE546F2D}"/>
-              </a:ext>
-            </a:extLst>
-          </p:cNvPr>
-          <p:cNvPicPr>
-            <a:picLocks noChangeAspect="1"/>
-          </p:cNvPicPr>
-          <p:nvPr/>
-        </p:nvPicPr>
-        <p:blipFill>
-          <a:blip r:embed="rId3"/>
-          <a:stretch>
-            <a:fillRect/>
-          </a:stretch>
-        </p:blipFill>
-        <p:spPr>
-          <a:xfrm>
-            <a:off x="5465099" y="2486960"/>
-            <a:ext cx="6529192" cy="1884080"/>
-          </a:xfrm>
-          <a:prstGeom prst="rect">
-            <a:avLst/>
-          </a:prstGeom>
-        </p:spPr>
-      </p:pic>
-    </p:spTree>
-    <p:extLst>
-      <p:ext uri="{BB962C8B-B14F-4D97-AF65-F5344CB8AC3E}">
-        <p14:creationId xmlns:p14="http://schemas.microsoft.com/office/powerpoint/2010/main" val="3154088822"/>
-      </p:ext>
-    </p:extLst>
-  </p:cSld>
-  <p:clrMapOvr>
-    <a:masterClrMapping/>
-  </p:clrMapOvr>
-</p:sld>
-</file>
-
 <file path=ppt/slides/slide3.xml><?xml version="1.0" encoding="utf-8"?>
 <p:sld xmlns:a="http://schemas.openxmlformats.org/drawingml/2006/main" xmlns:r="http://schemas.openxmlformats.org/officeDocument/2006/relationships" xmlns:p="http://schemas.openxmlformats.org/presentationml/2006/main">
   <p:cSld>
@@ -14663,8 +14046,8 @@
         </p:nvSpPr>
         <p:spPr>
           <a:xfrm>
-            <a:off x="5625492" y="1951672"/>
-            <a:ext cx="5790279" cy="2954655"/>
+            <a:off x="5625492" y="1701596"/>
+            <a:ext cx="5790279" cy="4801314"/>
           </a:xfrm>
           <a:prstGeom prst="rect">
             <a:avLst/>
@@ -14712,6 +14095,30 @@
               </a:rPr>
               <a:t>• RNF-U2: Il sistema deve essere accessibile sia da dispositivi desktop che mobile</a:t>
             </a:r>
+          </a:p>
+          <a:p>
+            <a:endParaRPr lang="it-IT" sz="2400" b="1" dirty="0">
+              <a:solidFill>
+                <a:schemeClr val="bg1"/>
+              </a:solidFill>
+            </a:endParaRPr>
+          </a:p>
+          <a:p>
+            <a:r>
+              <a:rPr lang="it-IT" sz="2400" b="1" dirty="0">
+                <a:solidFill>
+                  <a:schemeClr val="bg1"/>
+                </a:solidFill>
+              </a:rPr>
+              <a:t>• RNF-P1: Il sistema deve elaborare le richieste o produrre output in mendo di 2 secondi</a:t>
+            </a:r>
+          </a:p>
+          <a:p>
+            <a:endParaRPr lang="it-IT" sz="2400" b="1" dirty="0">
+              <a:solidFill>
+                <a:schemeClr val="bg1"/>
+              </a:solidFill>
+            </a:endParaRPr>
           </a:p>
           <a:p>
             <a:endParaRPr lang="it-IT" dirty="0"/>
@@ -14758,7 +14165,7 @@
       </p:grpSpPr>
       <p:sp useBgFill="1">
         <p:nvSpPr>
-          <p:cNvPr id="12" name="Rectangle 11">
+          <p:cNvPr id="10" name="Rectangle 9">
             <a:extLst>
               <a:ext uri="{FF2B5EF4-FFF2-40B4-BE49-F238E27FC236}">
                 <a16:creationId xmlns:a16="http://schemas.microsoft.com/office/drawing/2014/main" id="{A169D286-F4D7-4C8B-A6BD-D05384C7F1D8}"/>
@@ -14818,7 +14225,7 @@
       </p:sp>
       <p:sp>
         <p:nvSpPr>
-          <p:cNvPr id="14" name="Freeform 6">
+          <p:cNvPr id="12" name="Freeform 6">
             <a:extLst>
               <a:ext uri="{FF2B5EF4-FFF2-40B4-BE49-F238E27FC236}">
                 <a16:creationId xmlns:a16="http://schemas.microsoft.com/office/drawing/2014/main" id="{39E8235E-135E-4261-8F54-2B316E493C42}"/>
@@ -14921,7 +14328,7 @@
       </p:sp>
       <p:sp>
         <p:nvSpPr>
-          <p:cNvPr id="16" name="Freeform 7">
+          <p:cNvPr id="14" name="Freeform 7">
             <a:extLst>
               <a:ext uri="{FF2B5EF4-FFF2-40B4-BE49-F238E27FC236}">
                 <a16:creationId xmlns:a16="http://schemas.microsoft.com/office/drawing/2014/main" id="{D4ED8EC3-4D57-4620-93CE-4E6661F09A3E}"/>
@@ -15024,7 +14431,7 @@
       </p:sp>
       <p:sp>
         <p:nvSpPr>
-          <p:cNvPr id="18" name="Freeform: Shape 17">
+          <p:cNvPr id="16" name="Freeform: Shape 15">
             <a:extLst>
               <a:ext uri="{FF2B5EF4-FFF2-40B4-BE49-F238E27FC236}">
                 <a16:creationId xmlns:a16="http://schemas.microsoft.com/office/drawing/2014/main" id="{83BCB34A-2F40-4F41-8488-A134C1C155B7}"/>
@@ -15129,7 +14536,7 @@
       </p:sp>
       <p:sp>
         <p:nvSpPr>
-          <p:cNvPr id="20" name="Freeform: Shape 19">
+          <p:cNvPr id="18" name="Freeform: Shape 17">
             <a:extLst>
               <a:ext uri="{FF2B5EF4-FFF2-40B4-BE49-F238E27FC236}">
                 <a16:creationId xmlns:a16="http://schemas.microsoft.com/office/drawing/2014/main" id="{F78382DC-4207-465E-B379-1E16448AA222}"/>
@@ -15234,10 +14641,10 @@
       </p:sp>
       <p:pic>
         <p:nvPicPr>
-          <p:cNvPr id="10" name="Immagine 9">
-            <a:extLst>
-              <a:ext uri="{FF2B5EF4-FFF2-40B4-BE49-F238E27FC236}">
-                <a16:creationId xmlns:a16="http://schemas.microsoft.com/office/drawing/2014/main" id="{6793A98E-AA65-421C-AE66-8F68B70CC877}"/>
+          <p:cNvPr id="6" name="Immagine 5">
+            <a:extLst>
+              <a:ext uri="{FF2B5EF4-FFF2-40B4-BE49-F238E27FC236}">
+                <a16:creationId xmlns:a16="http://schemas.microsoft.com/office/drawing/2014/main" id="{319EA13C-A6AF-4154-806E-8ACB28521B7A}"/>
               </a:ext>
             </a:extLst>
           </p:cNvPr>
@@ -15260,8 +14667,8 @@
         </p:blipFill>
         <p:spPr>
           <a:xfrm>
-            <a:off x="248626" y="1844388"/>
-            <a:ext cx="4013982" cy="2257865"/>
+            <a:off x="1804432" y="4165599"/>
+            <a:ext cx="2792123" cy="1570569"/>
           </a:xfrm>
           <a:prstGeom prst="rect">
             <a:avLst/>
@@ -15270,10 +14677,10 @@
       </p:pic>
       <p:sp>
         <p:nvSpPr>
-          <p:cNvPr id="2" name="CasellaDiTesto 1">
-            <a:extLst>
-              <a:ext uri="{FF2B5EF4-FFF2-40B4-BE49-F238E27FC236}">
-                <a16:creationId xmlns:a16="http://schemas.microsoft.com/office/drawing/2014/main" id="{47600972-C833-403F-BBC6-40951F8E5AB2}"/>
+          <p:cNvPr id="7" name="CasellaDiTesto 6">
+            <a:extLst>
+              <a:ext uri="{FF2B5EF4-FFF2-40B4-BE49-F238E27FC236}">
+                <a16:creationId xmlns:a16="http://schemas.microsoft.com/office/drawing/2014/main" id="{777A3FD9-3801-41F7-8DD1-4AF4E3125BFE}"/>
               </a:ext>
             </a:extLst>
           </p:cNvPr>
@@ -15282,8 +14689,8 @@
         </p:nvSpPr>
         <p:spPr>
           <a:xfrm>
-            <a:off x="346229" y="727969"/>
-            <a:ext cx="4013982" cy="523220"/>
+            <a:off x="181087" y="1775958"/>
+            <a:ext cx="4415468" cy="1077218"/>
           </a:xfrm>
           <a:prstGeom prst="rect">
             <a:avLst/>
@@ -15296,91 +14703,56 @@
           </a:bodyPr>
           <a:lstStyle/>
           <a:p>
-            <a:pPr algn="ctr"/>
             <a:r>
-              <a:rPr lang="it-IT" sz="2800" b="1" dirty="0">
+              <a:rPr lang="it-IT" sz="3200" b="1" dirty="0">
                 <a:solidFill>
                   <a:schemeClr val="bg1"/>
                 </a:solidFill>
               </a:rPr>
-              <a:t>Alcuni requisiti</a:t>
+              <a:t>Dai quali derivano questi design goals</a:t>
             </a:r>
-          </a:p>
-        </p:txBody>
-      </p:sp>
-      <p:sp>
-        <p:nvSpPr>
-          <p:cNvPr id="3" name="CasellaDiTesto 2">
-            <a:extLst>
-              <a:ext uri="{FF2B5EF4-FFF2-40B4-BE49-F238E27FC236}">
-                <a16:creationId xmlns:a16="http://schemas.microsoft.com/office/drawing/2014/main" id="{61DED8FD-E6E6-4C7D-8B34-D72D03582F8F}"/>
-              </a:ext>
-            </a:extLst>
-          </p:cNvPr>
-          <p:cNvSpPr txBox="1"/>
-          <p:nvPr/>
-        </p:nvSpPr>
-        <p:spPr>
-          <a:xfrm>
-            <a:off x="5625492" y="1951672"/>
-            <a:ext cx="5790279" cy="2954655"/>
-          </a:xfrm>
-          <a:prstGeom prst="rect">
-            <a:avLst/>
-          </a:prstGeom>
-          <a:noFill/>
-        </p:spPr>
-        <p:txBody>
-          <a:bodyPr wrap="square" rtlCol="0">
-            <a:spAutoFit/>
-          </a:bodyPr>
-          <a:lstStyle/>
-          <a:p>
-            <a:r>
-              <a:rPr lang="it-IT" sz="2400" b="1" dirty="0">
-                <a:solidFill>
-                  <a:schemeClr val="bg1"/>
-                </a:solidFill>
-              </a:rPr>
-              <a:t>• RNF-U1: Il sistema deve essere facile da apprendere ed intuitivo da utilizzare</a:t>
-            </a:r>
-          </a:p>
-          <a:p>
-            <a:r>
-              <a:rPr lang="it-IT" sz="2400" b="1" dirty="0">
-                <a:solidFill>
-                  <a:schemeClr val="bg1"/>
-                </a:solidFill>
-              </a:rPr>
-              <a:t>senza necessariamente consultare la documentazione</a:t>
-            </a:r>
-          </a:p>
-          <a:p>
-            <a:endParaRPr lang="it-IT" sz="2400" b="1" dirty="0">
+            <a:endParaRPr lang="it-IT" sz="2400" dirty="0">
               <a:solidFill>
                 <a:schemeClr val="bg1"/>
               </a:solidFill>
             </a:endParaRPr>
           </a:p>
-          <a:p>
-            <a:r>
-              <a:rPr lang="it-IT" sz="2400" b="1" dirty="0">
-                <a:solidFill>
-                  <a:schemeClr val="bg1"/>
-                </a:solidFill>
-              </a:rPr>
-              <a:t>• RNF-U2: Il sistema deve essere accessibile sia da dispositivi desktop che mobile</a:t>
-            </a:r>
-          </a:p>
-          <a:p>
-            <a:endParaRPr lang="it-IT" dirty="0"/>
-          </a:p>
-        </p:txBody>
-      </p:sp>
+        </p:txBody>
+      </p:sp>
+      <p:pic>
+        <p:nvPicPr>
+          <p:cNvPr id="9" name="Immagine 8">
+            <a:extLst>
+              <a:ext uri="{FF2B5EF4-FFF2-40B4-BE49-F238E27FC236}">
+                <a16:creationId xmlns:a16="http://schemas.microsoft.com/office/drawing/2014/main" id="{82A90A7D-0ECB-4413-A70C-1220FE546F2D}"/>
+              </a:ext>
+            </a:extLst>
+          </p:cNvPr>
+          <p:cNvPicPr>
+            <a:picLocks noChangeAspect="1"/>
+          </p:cNvPicPr>
+          <p:nvPr/>
+        </p:nvPicPr>
+        <p:blipFill>
+          <a:blip r:embed="rId3"/>
+          <a:stretch>
+            <a:fillRect/>
+          </a:stretch>
+        </p:blipFill>
+        <p:spPr>
+          <a:xfrm>
+            <a:off x="5465099" y="2486960"/>
+            <a:ext cx="6529192" cy="1884080"/>
+          </a:xfrm>
+          <a:prstGeom prst="rect">
+            <a:avLst/>
+          </a:prstGeom>
+        </p:spPr>
+      </p:pic>
     </p:spTree>
     <p:extLst>
       <p:ext uri="{BB962C8B-B14F-4D97-AF65-F5344CB8AC3E}">
-        <p14:creationId xmlns:p14="http://schemas.microsoft.com/office/powerpoint/2010/main" val="3443692678"/>
+        <p14:creationId xmlns:p14="http://schemas.microsoft.com/office/powerpoint/2010/main" val="3154088822"/>
       </p:ext>
     </p:extLst>
   </p:cSld>

--- a/This is my PP/Presentazione 06-12-2020.pptx
+++ b/This is my PP/Presentazione 06-12-2020.pptx
@@ -16630,7 +16630,7 @@
         <p:spPr>
           <a:xfrm>
             <a:off x="3048" y="705138"/>
-            <a:ext cx="4627091" cy="2000548"/>
+            <a:ext cx="4627091" cy="2308324"/>
           </a:xfrm>
           <a:prstGeom prst="rect">
             <a:avLst/>
@@ -16657,7 +16657,7 @@
                   <a:schemeClr val="bg1"/>
                 </a:solidFill>
               </a:rPr>
-              <a:t>er rispondere a questa necessità mostriamo come il nostro sistema portiamo all’attenzione la prenotazione di una prestazione presso l’ufficio.</a:t>
+              <a:t>er rispondere a questa necessità mostriamo come il nostro sistema risponde a questa necessità portando all’attenzione la prenotazione di una prestazione presso l’ufficio.</a:t>
             </a:r>
           </a:p>
           <a:p>
